--- a/Financial service modernization workshop/mastering-the-ads-deck.pptx
+++ b/Financial service modernization workshop/mastering-the-ads-deck.pptx
@@ -6,7 +6,7 @@
     <p:sldMasterId id="2147483665" r:id="rId5"/>
   </p:sldMasterIdLst>
   <p:notesMasterIdLst>
-    <p:notesMasterId r:id="rId17"/>
+    <p:notesMasterId r:id="rId29"/>
   </p:notesMasterIdLst>
   <p:sldIdLst>
     <p:sldId id="300" r:id="rId6"/>
@@ -16,10 +16,22 @@
     <p:sldId id="326" r:id="rId10"/>
     <p:sldId id="327" r:id="rId11"/>
     <p:sldId id="328" r:id="rId12"/>
-    <p:sldId id="329" r:id="rId13"/>
-    <p:sldId id="330" r:id="rId14"/>
-    <p:sldId id="331" r:id="rId15"/>
-    <p:sldId id="332" r:id="rId16"/>
+    <p:sldId id="333" r:id="rId13"/>
+    <p:sldId id="335" r:id="rId14"/>
+    <p:sldId id="329" r:id="rId15"/>
+    <p:sldId id="330" r:id="rId16"/>
+    <p:sldId id="336" r:id="rId17"/>
+    <p:sldId id="337" r:id="rId18"/>
+    <p:sldId id="338" r:id="rId19"/>
+    <p:sldId id="356" r:id="rId20"/>
+    <p:sldId id="331" r:id="rId21"/>
+    <p:sldId id="339" r:id="rId22"/>
+    <p:sldId id="332" r:id="rId23"/>
+    <p:sldId id="340" r:id="rId24"/>
+    <p:sldId id="341" r:id="rId25"/>
+    <p:sldId id="343" r:id="rId26"/>
+    <p:sldId id="344" r:id="rId27"/>
+    <p:sldId id="345" r:id="rId28"/>
   </p:sldIdLst>
   <p:sldSz cx="12192000" cy="6858000"/>
   <p:notesSz cx="6858000" cy="9144000"/>
@@ -130,10 +142,26 @@
             <p14:sldId id="326"/>
             <p14:sldId id="327"/>
             <p14:sldId id="328"/>
+            <p14:sldId id="333"/>
+            <p14:sldId id="335"/>
             <p14:sldId id="329"/>
             <p14:sldId id="330"/>
+            <p14:sldId id="336"/>
+            <p14:sldId id="337"/>
+            <p14:sldId id="338"/>
+            <p14:sldId id="356"/>
             <p14:sldId id="331"/>
+            <p14:sldId id="339"/>
             <p14:sldId id="332"/>
+          </p14:sldIdLst>
+        </p14:section>
+        <p14:section name="Structure &amp; Execute PoC" id="{8D57AF76-163A-44AB-8C7D-1071192B289B}">
+          <p14:sldIdLst>
+            <p14:sldId id="340"/>
+            <p14:sldId id="341"/>
+            <p14:sldId id="343"/>
+            <p14:sldId id="344"/>
+            <p14:sldId id="345"/>
           </p14:sldIdLst>
         </p14:section>
       </p14:sectionLst>
@@ -3655,6 +3683,487 @@
 </p:notes>
 </file>
 
+<file path=ppt/notesSlides/notesSlide10.xml><?xml version="1.0" encoding="utf-8"?>
+<p:notes xmlns:a="http://schemas.openxmlformats.org/drawingml/2006/main" xmlns:r="http://schemas.openxmlformats.org/officeDocument/2006/relationships" xmlns:p="http://schemas.openxmlformats.org/presentationml/2006/main">
+  <p:cSld>
+    <p:spTree>
+      <p:nvGrpSpPr>
+        <p:cNvPr id="1" name=""/>
+        <p:cNvGrpSpPr/>
+        <p:nvPr/>
+      </p:nvGrpSpPr>
+      <p:grpSpPr>
+        <a:xfrm>
+          <a:off x="0" y="0"/>
+          <a:ext cx="0" cy="0"/>
+          <a:chOff x="0" y="0"/>
+          <a:chExt cx="0" cy="0"/>
+        </a:xfrm>
+      </p:grpSpPr>
+      <p:sp>
+        <p:nvSpPr>
+          <p:cNvPr id="2" name="Slide Image Placeholder 1"/>
+          <p:cNvSpPr>
+            <a:spLocks noGrp="1" noRot="1" noChangeAspect="1"/>
+          </p:cNvSpPr>
+          <p:nvPr>
+            <p:ph type="sldImg"/>
+          </p:nvPr>
+        </p:nvSpPr>
+        <p:spPr/>
+      </p:sp>
+      <p:sp>
+        <p:nvSpPr>
+          <p:cNvPr id="3" name="Notes Placeholder 2"/>
+          <p:cNvSpPr>
+            <a:spLocks noGrp="1"/>
+          </p:cNvSpPr>
+          <p:nvPr>
+            <p:ph type="body" idx="1"/>
+          </p:nvPr>
+        </p:nvSpPr>
+        <p:spPr/>
+        <p:txBody>
+          <a:bodyPr/>
+          <a:lstStyle/>
+          <a:p>
+            <a:endParaRPr lang="en-US" dirty="0"/>
+          </a:p>
+        </p:txBody>
+      </p:sp>
+      <p:sp>
+        <p:nvSpPr>
+          <p:cNvPr id="4" name="Slide Number Placeholder 3"/>
+          <p:cNvSpPr>
+            <a:spLocks noGrp="1"/>
+          </p:cNvSpPr>
+          <p:nvPr>
+            <p:ph type="sldNum" sz="quarter" idx="10"/>
+          </p:nvPr>
+        </p:nvSpPr>
+        <p:spPr/>
+        <p:txBody>
+          <a:bodyPr/>
+          <a:lstStyle/>
+          <a:p>
+            <a:fld id="{D9EB630B-BF71-A34E-9F10-CD6A3DB979CB}" type="slidenum">
+              <a:rPr lang="en-US" smtClean="0"/>
+              <a:t>17</a:t>
+            </a:fld>
+            <a:endParaRPr lang="en-US"/>
+          </a:p>
+        </p:txBody>
+      </p:sp>
+    </p:spTree>
+    <p:extLst>
+      <p:ext uri="{BB962C8B-B14F-4D97-AF65-F5344CB8AC3E}">
+        <p14:creationId xmlns:p14="http://schemas.microsoft.com/office/powerpoint/2010/main" val="704830805"/>
+      </p:ext>
+    </p:extLst>
+  </p:cSld>
+  <p:clrMapOvr>
+    <a:masterClrMapping/>
+  </p:clrMapOvr>
+</p:notes>
+</file>
+
+<file path=ppt/notesSlides/notesSlide11.xml><?xml version="1.0" encoding="utf-8"?>
+<p:notes xmlns:a="http://schemas.openxmlformats.org/drawingml/2006/main" xmlns:r="http://schemas.openxmlformats.org/officeDocument/2006/relationships" xmlns:p="http://schemas.openxmlformats.org/presentationml/2006/main">
+  <p:cSld>
+    <p:spTree>
+      <p:nvGrpSpPr>
+        <p:cNvPr id="1" name=""/>
+        <p:cNvGrpSpPr/>
+        <p:nvPr/>
+      </p:nvGrpSpPr>
+      <p:grpSpPr>
+        <a:xfrm>
+          <a:off x="0" y="0"/>
+          <a:ext cx="0" cy="0"/>
+          <a:chOff x="0" y="0"/>
+          <a:chExt cx="0" cy="0"/>
+        </a:xfrm>
+      </p:grpSpPr>
+      <p:sp>
+        <p:nvSpPr>
+          <p:cNvPr id="2" name="Slide Image Placeholder 1"/>
+          <p:cNvSpPr>
+            <a:spLocks noGrp="1" noRot="1" noChangeAspect="1"/>
+          </p:cNvSpPr>
+          <p:nvPr>
+            <p:ph type="sldImg"/>
+          </p:nvPr>
+        </p:nvSpPr>
+        <p:spPr/>
+      </p:sp>
+      <p:sp>
+        <p:nvSpPr>
+          <p:cNvPr id="3" name="Notes Placeholder 2"/>
+          <p:cNvSpPr>
+            <a:spLocks noGrp="1"/>
+          </p:cNvSpPr>
+          <p:nvPr>
+            <p:ph type="body" idx="1"/>
+          </p:nvPr>
+        </p:nvSpPr>
+        <p:spPr/>
+        <p:txBody>
+          <a:bodyPr/>
+          <a:lstStyle/>
+          <a:p>
+            <a:endParaRPr lang="en-US" dirty="0"/>
+          </a:p>
+        </p:txBody>
+      </p:sp>
+    </p:spTree>
+    <p:extLst>
+      <p:ext uri="{BB962C8B-B14F-4D97-AF65-F5344CB8AC3E}">
+        <p14:creationId xmlns:p14="http://schemas.microsoft.com/office/powerpoint/2010/main" val="1949601372"/>
+      </p:ext>
+    </p:extLst>
+  </p:cSld>
+  <p:clrMapOvr>
+    <a:masterClrMapping/>
+  </p:clrMapOvr>
+</p:notes>
+</file>
+
+<file path=ppt/notesSlides/notesSlide12.xml><?xml version="1.0" encoding="utf-8"?>
+<p:notes xmlns:a="http://schemas.openxmlformats.org/drawingml/2006/main" xmlns:r="http://schemas.openxmlformats.org/officeDocument/2006/relationships" xmlns:p="http://schemas.openxmlformats.org/presentationml/2006/main">
+  <p:cSld>
+    <p:spTree>
+      <p:nvGrpSpPr>
+        <p:cNvPr id="1" name=""/>
+        <p:cNvGrpSpPr/>
+        <p:nvPr/>
+      </p:nvGrpSpPr>
+      <p:grpSpPr>
+        <a:xfrm>
+          <a:off x="0" y="0"/>
+          <a:ext cx="0" cy="0"/>
+          <a:chOff x="0" y="0"/>
+          <a:chExt cx="0" cy="0"/>
+        </a:xfrm>
+      </p:grpSpPr>
+      <p:sp>
+        <p:nvSpPr>
+          <p:cNvPr id="2" name="Slide Image Placeholder 1"/>
+          <p:cNvSpPr>
+            <a:spLocks noGrp="1" noRot="1" noChangeAspect="1"/>
+          </p:cNvSpPr>
+          <p:nvPr>
+            <p:ph type="sldImg"/>
+          </p:nvPr>
+        </p:nvSpPr>
+        <p:spPr/>
+      </p:sp>
+      <p:sp>
+        <p:nvSpPr>
+          <p:cNvPr id="3" name="Notes Placeholder 2"/>
+          <p:cNvSpPr>
+            <a:spLocks noGrp="1"/>
+          </p:cNvSpPr>
+          <p:nvPr>
+            <p:ph type="body" idx="1"/>
+          </p:nvPr>
+        </p:nvSpPr>
+        <p:spPr/>
+        <p:txBody>
+          <a:bodyPr/>
+          <a:lstStyle/>
+          <a:p>
+            <a:endParaRPr lang="en-US" dirty="0"/>
+          </a:p>
+        </p:txBody>
+      </p:sp>
+      <p:sp>
+        <p:nvSpPr>
+          <p:cNvPr id="4" name="Slide Number Placeholder 3"/>
+          <p:cNvSpPr>
+            <a:spLocks noGrp="1"/>
+          </p:cNvSpPr>
+          <p:nvPr>
+            <p:ph type="sldNum" sz="quarter" idx="10"/>
+          </p:nvPr>
+        </p:nvSpPr>
+        <p:spPr/>
+        <p:txBody>
+          <a:bodyPr/>
+          <a:lstStyle/>
+          <a:p>
+            <a:fld id="{D9EB630B-BF71-A34E-9F10-CD6A3DB979CB}" type="slidenum">
+              <a:rPr lang="en-US" smtClean="0"/>
+              <a:t>20</a:t>
+            </a:fld>
+            <a:endParaRPr lang="en-US"/>
+          </a:p>
+        </p:txBody>
+      </p:sp>
+    </p:spTree>
+    <p:extLst>
+      <p:ext uri="{BB962C8B-B14F-4D97-AF65-F5344CB8AC3E}">
+        <p14:creationId xmlns:p14="http://schemas.microsoft.com/office/powerpoint/2010/main" val="2485391194"/>
+      </p:ext>
+    </p:extLst>
+  </p:cSld>
+  <p:clrMapOvr>
+    <a:masterClrMapping/>
+  </p:clrMapOvr>
+</p:notes>
+</file>
+
+<file path=ppt/notesSlides/notesSlide13.xml><?xml version="1.0" encoding="utf-8"?>
+<p:notes xmlns:a="http://schemas.openxmlformats.org/drawingml/2006/main" xmlns:r="http://schemas.openxmlformats.org/officeDocument/2006/relationships" xmlns:p="http://schemas.openxmlformats.org/presentationml/2006/main">
+  <p:cSld>
+    <p:spTree>
+      <p:nvGrpSpPr>
+        <p:cNvPr id="1" name=""/>
+        <p:cNvGrpSpPr/>
+        <p:nvPr/>
+      </p:nvGrpSpPr>
+      <p:grpSpPr>
+        <a:xfrm>
+          <a:off x="0" y="0"/>
+          <a:ext cx="0" cy="0"/>
+          <a:chOff x="0" y="0"/>
+          <a:chExt cx="0" cy="0"/>
+        </a:xfrm>
+      </p:grpSpPr>
+      <p:sp>
+        <p:nvSpPr>
+          <p:cNvPr id="2" name="Slide Image Placeholder 1"/>
+          <p:cNvSpPr>
+            <a:spLocks noGrp="1" noRot="1" noChangeAspect="1"/>
+          </p:cNvSpPr>
+          <p:nvPr>
+            <p:ph type="sldImg"/>
+          </p:nvPr>
+        </p:nvSpPr>
+        <p:spPr/>
+      </p:sp>
+      <p:sp>
+        <p:nvSpPr>
+          <p:cNvPr id="3" name="Notes Placeholder 2"/>
+          <p:cNvSpPr>
+            <a:spLocks noGrp="1"/>
+          </p:cNvSpPr>
+          <p:nvPr>
+            <p:ph type="body" idx="1"/>
+          </p:nvPr>
+        </p:nvSpPr>
+        <p:spPr/>
+        <p:txBody>
+          <a:bodyPr/>
+          <a:lstStyle/>
+          <a:p>
+            <a:endParaRPr lang="en-US" dirty="0"/>
+          </a:p>
+        </p:txBody>
+      </p:sp>
+      <p:sp>
+        <p:nvSpPr>
+          <p:cNvPr id="4" name="Slide Number Placeholder 3"/>
+          <p:cNvSpPr>
+            <a:spLocks noGrp="1"/>
+          </p:cNvSpPr>
+          <p:nvPr>
+            <p:ph type="sldNum" sz="quarter" idx="10"/>
+          </p:nvPr>
+        </p:nvSpPr>
+        <p:spPr/>
+        <p:txBody>
+          <a:bodyPr/>
+          <a:lstStyle/>
+          <a:p>
+            <a:fld id="{D9EB630B-BF71-A34E-9F10-CD6A3DB979CB}" type="slidenum">
+              <a:rPr lang="en-US" smtClean="0"/>
+              <a:t>21</a:t>
+            </a:fld>
+            <a:endParaRPr lang="en-US"/>
+          </a:p>
+        </p:txBody>
+      </p:sp>
+    </p:spTree>
+    <p:extLst>
+      <p:ext uri="{BB962C8B-B14F-4D97-AF65-F5344CB8AC3E}">
+        <p14:creationId xmlns:p14="http://schemas.microsoft.com/office/powerpoint/2010/main" val="1566328013"/>
+      </p:ext>
+    </p:extLst>
+  </p:cSld>
+  <p:clrMapOvr>
+    <a:masterClrMapping/>
+  </p:clrMapOvr>
+</p:notes>
+</file>
+
+<file path=ppt/notesSlides/notesSlide14.xml><?xml version="1.0" encoding="utf-8"?>
+<p:notes xmlns:a="http://schemas.openxmlformats.org/drawingml/2006/main" xmlns:r="http://schemas.openxmlformats.org/officeDocument/2006/relationships" xmlns:p="http://schemas.openxmlformats.org/presentationml/2006/main">
+  <p:cSld>
+    <p:spTree>
+      <p:nvGrpSpPr>
+        <p:cNvPr id="1" name=""/>
+        <p:cNvGrpSpPr/>
+        <p:nvPr/>
+      </p:nvGrpSpPr>
+      <p:grpSpPr>
+        <a:xfrm>
+          <a:off x="0" y="0"/>
+          <a:ext cx="0" cy="0"/>
+          <a:chOff x="0" y="0"/>
+          <a:chExt cx="0" cy="0"/>
+        </a:xfrm>
+      </p:grpSpPr>
+      <p:sp>
+        <p:nvSpPr>
+          <p:cNvPr id="2" name="Slide Image Placeholder 1"/>
+          <p:cNvSpPr>
+            <a:spLocks noGrp="1" noRot="1" noChangeAspect="1"/>
+          </p:cNvSpPr>
+          <p:nvPr>
+            <p:ph type="sldImg"/>
+          </p:nvPr>
+        </p:nvSpPr>
+        <p:spPr/>
+      </p:sp>
+      <p:sp>
+        <p:nvSpPr>
+          <p:cNvPr id="3" name="Notes Placeholder 2"/>
+          <p:cNvSpPr>
+            <a:spLocks noGrp="1"/>
+          </p:cNvSpPr>
+          <p:nvPr>
+            <p:ph type="body" idx="1"/>
+          </p:nvPr>
+        </p:nvSpPr>
+        <p:spPr/>
+        <p:txBody>
+          <a:bodyPr/>
+          <a:lstStyle/>
+          <a:p>
+            <a:endParaRPr lang="en-US" dirty="0"/>
+          </a:p>
+        </p:txBody>
+      </p:sp>
+      <p:sp>
+        <p:nvSpPr>
+          <p:cNvPr id="4" name="Slide Number Placeholder 3"/>
+          <p:cNvSpPr>
+            <a:spLocks noGrp="1"/>
+          </p:cNvSpPr>
+          <p:nvPr>
+            <p:ph type="sldNum" sz="quarter" idx="10"/>
+          </p:nvPr>
+        </p:nvSpPr>
+        <p:spPr/>
+        <p:txBody>
+          <a:bodyPr/>
+          <a:lstStyle/>
+          <a:p>
+            <a:fld id="{D9EB630B-BF71-A34E-9F10-CD6A3DB979CB}" type="slidenum">
+              <a:rPr lang="en-US" smtClean="0"/>
+              <a:t>22</a:t>
+            </a:fld>
+            <a:endParaRPr lang="en-US"/>
+          </a:p>
+        </p:txBody>
+      </p:sp>
+    </p:spTree>
+    <p:extLst>
+      <p:ext uri="{BB962C8B-B14F-4D97-AF65-F5344CB8AC3E}">
+        <p14:creationId xmlns:p14="http://schemas.microsoft.com/office/powerpoint/2010/main" val="1713873747"/>
+      </p:ext>
+    </p:extLst>
+  </p:cSld>
+  <p:clrMapOvr>
+    <a:masterClrMapping/>
+  </p:clrMapOvr>
+</p:notes>
+</file>
+
+<file path=ppt/notesSlides/notesSlide15.xml><?xml version="1.0" encoding="utf-8"?>
+<p:notes xmlns:a="http://schemas.openxmlformats.org/drawingml/2006/main" xmlns:r="http://schemas.openxmlformats.org/officeDocument/2006/relationships" xmlns:p="http://schemas.openxmlformats.org/presentationml/2006/main">
+  <p:cSld>
+    <p:spTree>
+      <p:nvGrpSpPr>
+        <p:cNvPr id="1" name=""/>
+        <p:cNvGrpSpPr/>
+        <p:nvPr/>
+      </p:nvGrpSpPr>
+      <p:grpSpPr>
+        <a:xfrm>
+          <a:off x="0" y="0"/>
+          <a:ext cx="0" cy="0"/>
+          <a:chOff x="0" y="0"/>
+          <a:chExt cx="0" cy="0"/>
+        </a:xfrm>
+      </p:grpSpPr>
+      <p:sp>
+        <p:nvSpPr>
+          <p:cNvPr id="2" name="Slide Image Placeholder 1"/>
+          <p:cNvSpPr>
+            <a:spLocks noGrp="1" noRot="1" noChangeAspect="1"/>
+          </p:cNvSpPr>
+          <p:nvPr>
+            <p:ph type="sldImg"/>
+          </p:nvPr>
+        </p:nvSpPr>
+        <p:spPr/>
+      </p:sp>
+      <p:sp>
+        <p:nvSpPr>
+          <p:cNvPr id="3" name="Notes Placeholder 2"/>
+          <p:cNvSpPr>
+            <a:spLocks noGrp="1"/>
+          </p:cNvSpPr>
+          <p:nvPr>
+            <p:ph type="body" idx="1"/>
+          </p:nvPr>
+        </p:nvSpPr>
+        <p:spPr/>
+        <p:txBody>
+          <a:bodyPr/>
+          <a:lstStyle/>
+          <a:p>
+            <a:endParaRPr lang="en-US" dirty="0"/>
+          </a:p>
+        </p:txBody>
+      </p:sp>
+      <p:sp>
+        <p:nvSpPr>
+          <p:cNvPr id="4" name="Slide Number Placeholder 3"/>
+          <p:cNvSpPr>
+            <a:spLocks noGrp="1"/>
+          </p:cNvSpPr>
+          <p:nvPr>
+            <p:ph type="sldNum" sz="quarter" idx="10"/>
+          </p:nvPr>
+        </p:nvSpPr>
+        <p:spPr/>
+        <p:txBody>
+          <a:bodyPr/>
+          <a:lstStyle/>
+          <a:p>
+            <a:fld id="{D9EB630B-BF71-A34E-9F10-CD6A3DB979CB}" type="slidenum">
+              <a:rPr lang="en-US" smtClean="0"/>
+              <a:t>23</a:t>
+            </a:fld>
+            <a:endParaRPr lang="en-US"/>
+          </a:p>
+        </p:txBody>
+      </p:sp>
+    </p:spTree>
+    <p:extLst>
+      <p:ext uri="{BB962C8B-B14F-4D97-AF65-F5344CB8AC3E}">
+        <p14:creationId xmlns:p14="http://schemas.microsoft.com/office/powerpoint/2010/main" val="1134149270"/>
+      </p:ext>
+    </p:extLst>
+  </p:cSld>
+  <p:clrMapOvr>
+    <a:masterClrMapping/>
+  </p:clrMapOvr>
+</p:notes>
+</file>
+
 <file path=ppt/notesSlides/notesSlide2.xml><?xml version="1.0" encoding="utf-8"?>
 <p:notes xmlns:a="http://schemas.openxmlformats.org/drawingml/2006/main" xmlns:r="http://schemas.openxmlformats.org/officeDocument/2006/relationships" xmlns:p="http://schemas.openxmlformats.org/presentationml/2006/main">
   <p:cSld>
@@ -3783,276 +4292,6 @@
           <a:bodyPr/>
           <a:lstStyle/>
           <a:p>
-            <a:r>
-              <a:rPr lang="en-US" sz="1200" b="1" i="0" u="none" strike="noStrike" kern="1200" baseline="0" dirty="0">
-                <a:solidFill>
-                  <a:schemeClr val="tx1"/>
-                </a:solidFill>
-                <a:latin typeface="+mn-lt"/>
-                <a:ea typeface="+mn-ea"/>
-                <a:cs typeface="+mn-cs"/>
-              </a:rPr>
-              <a:t>1. Project goal</a:t>
-            </a:r>
-            <a:endParaRPr lang="en-US" sz="1200" b="0" i="0" u="none" strike="noStrike" kern="1200" baseline="0" dirty="0">
-              <a:solidFill>
-                <a:schemeClr val="tx1"/>
-              </a:solidFill>
-              <a:latin typeface="+mn-lt"/>
-              <a:ea typeface="+mn-ea"/>
-              <a:cs typeface="+mn-cs"/>
-            </a:endParaRPr>
-          </a:p>
-          <a:p>
-            <a:r>
-              <a:rPr lang="en-US" sz="1200" b="0" i="0" u="none" strike="noStrike" kern="1200" baseline="0" dirty="0">
-                <a:solidFill>
-                  <a:schemeClr val="tx1"/>
-                </a:solidFill>
-                <a:latin typeface="+mn-lt"/>
-                <a:ea typeface="+mn-ea"/>
-                <a:cs typeface="+mn-cs"/>
-              </a:rPr>
-              <a:t>Write down the project goal to help focus everyone to the desired outcomes. </a:t>
-            </a:r>
-          </a:p>
-          <a:p>
-            <a:r>
-              <a:rPr lang="en-US" sz="1200" b="1" i="0" u="none" strike="noStrike" kern="1200" baseline="0" dirty="0">
-                <a:solidFill>
-                  <a:schemeClr val="tx1"/>
-                </a:solidFill>
-                <a:latin typeface="+mn-lt"/>
-                <a:ea typeface="+mn-ea"/>
-                <a:cs typeface="+mn-cs"/>
-              </a:rPr>
-              <a:t>2. Requirements and concerns</a:t>
-            </a:r>
-            <a:endParaRPr lang="en-US" sz="1200" b="0" i="0" u="none" strike="noStrike" kern="1200" baseline="0" dirty="0">
-              <a:solidFill>
-                <a:schemeClr val="tx1"/>
-              </a:solidFill>
-              <a:latin typeface="+mn-lt"/>
-              <a:ea typeface="+mn-ea"/>
-              <a:cs typeface="+mn-cs"/>
-            </a:endParaRPr>
-          </a:p>
-          <a:p>
-            <a:r>
-              <a:rPr lang="en-US" sz="1200" b="0" i="0" u="none" strike="noStrike" kern="1200" baseline="0" dirty="0">
-                <a:solidFill>
-                  <a:schemeClr val="tx1"/>
-                </a:solidFill>
-                <a:latin typeface="+mn-lt"/>
-                <a:ea typeface="+mn-ea"/>
-                <a:cs typeface="+mn-cs"/>
-              </a:rPr>
-              <a:t>Begin with the items you’ve listed from the pre-call. Make sure that everyone gets a chance to be heard. Write down names next to each person’s requirements or concerns. </a:t>
-            </a:r>
-          </a:p>
-          <a:p>
-            <a:r>
-              <a:rPr lang="en-US" sz="1200" b="1" i="0" u="none" strike="noStrike" kern="1200" baseline="0" dirty="0">
-                <a:solidFill>
-                  <a:schemeClr val="tx1"/>
-                </a:solidFill>
-                <a:latin typeface="+mn-lt"/>
-                <a:ea typeface="+mn-ea"/>
-                <a:cs typeface="+mn-cs"/>
-              </a:rPr>
-              <a:t>3. Parking lot </a:t>
-            </a:r>
-            <a:endParaRPr lang="en-US" sz="1200" b="0" i="0" u="none" strike="noStrike" kern="1200" baseline="0" dirty="0">
-              <a:solidFill>
-                <a:schemeClr val="tx1"/>
-              </a:solidFill>
-              <a:latin typeface="+mn-lt"/>
-              <a:ea typeface="+mn-ea"/>
-              <a:cs typeface="+mn-cs"/>
-            </a:endParaRPr>
-          </a:p>
-          <a:p>
-            <a:r>
-              <a:rPr lang="en-US" sz="1200" b="0" i="0" u="none" strike="noStrike" kern="1200" baseline="0" dirty="0">
-                <a:solidFill>
-                  <a:schemeClr val="tx1"/>
-                </a:solidFill>
-                <a:latin typeface="+mn-lt"/>
-                <a:ea typeface="+mn-ea"/>
-                <a:cs typeface="+mn-cs"/>
-              </a:rPr>
-              <a:t>Acknowledge out-of-scope items. Help people set these concerns aside for later and focus back on the topic at hand. </a:t>
-            </a:r>
-          </a:p>
-          <a:p>
-            <a:r>
-              <a:rPr lang="en-US" sz="1200" b="1" i="0" u="none" strike="noStrike" kern="1200" baseline="0" dirty="0">
-                <a:solidFill>
-                  <a:schemeClr val="tx1"/>
-                </a:solidFill>
-                <a:latin typeface="+mn-lt"/>
-                <a:ea typeface="+mn-ea"/>
-                <a:cs typeface="+mn-cs"/>
-              </a:rPr>
-              <a:t>4. Current state</a:t>
-            </a:r>
-            <a:endParaRPr lang="en-US" sz="1200" b="0" i="0" u="none" strike="noStrike" kern="1200" baseline="0" dirty="0">
-              <a:solidFill>
-                <a:schemeClr val="tx1"/>
-              </a:solidFill>
-              <a:latin typeface="+mn-lt"/>
-              <a:ea typeface="+mn-ea"/>
-              <a:cs typeface="+mn-cs"/>
-            </a:endParaRPr>
-          </a:p>
-          <a:p>
-            <a:r>
-              <a:rPr lang="en-US" sz="1200" b="0" i="0" u="none" strike="noStrike" kern="1200" baseline="0" dirty="0">
-                <a:solidFill>
-                  <a:schemeClr val="tx1"/>
-                </a:solidFill>
-                <a:latin typeface="+mn-lt"/>
-                <a:ea typeface="+mn-ea"/>
-                <a:cs typeface="+mn-cs"/>
-              </a:rPr>
-              <a:t>Diagram the current state and ownership in black. The customer may help diagram this on the whiteboard. Be careful with technical depth. Focus on the system details that affect the ADS outcomes.</a:t>
-            </a:r>
-          </a:p>
-          <a:p>
-            <a:r>
-              <a:rPr lang="en-US" sz="1200" b="1" i="0" u="none" strike="noStrike" kern="1200" baseline="0" dirty="0">
-                <a:solidFill>
-                  <a:schemeClr val="tx1"/>
-                </a:solidFill>
-                <a:latin typeface="+mn-lt"/>
-                <a:ea typeface="+mn-ea"/>
-                <a:cs typeface="+mn-cs"/>
-              </a:rPr>
-              <a:t>5. Future vision</a:t>
-            </a:r>
-            <a:endParaRPr lang="en-US" sz="1200" b="0" i="0" u="none" strike="noStrike" kern="1200" baseline="0" dirty="0">
-              <a:solidFill>
-                <a:schemeClr val="tx1"/>
-              </a:solidFill>
-              <a:latin typeface="+mn-lt"/>
-              <a:ea typeface="+mn-ea"/>
-              <a:cs typeface="+mn-cs"/>
-            </a:endParaRPr>
-          </a:p>
-          <a:p>
-            <a:r>
-              <a:rPr lang="en-US" sz="1200" b="0" i="0" u="none" strike="noStrike" kern="1200" baseline="0" dirty="0">
-                <a:solidFill>
-                  <a:schemeClr val="tx1"/>
-                </a:solidFill>
-                <a:latin typeface="+mn-lt"/>
-                <a:ea typeface="+mn-ea"/>
-                <a:cs typeface="+mn-cs"/>
-              </a:rPr>
-              <a:t>Capture a high-level view of what the customer really wants in green before diving into technologies. Help customers envision the potential opportunities with Microsoft technologies. </a:t>
-            </a:r>
-          </a:p>
-          <a:p>
-            <a:r>
-              <a:rPr lang="en-US" sz="1200" b="1" i="0" u="none" strike="noStrike" kern="1200" baseline="0" dirty="0">
-                <a:solidFill>
-                  <a:schemeClr val="tx1"/>
-                </a:solidFill>
-                <a:latin typeface="+mn-lt"/>
-                <a:ea typeface="+mn-ea"/>
-                <a:cs typeface="+mn-cs"/>
-              </a:rPr>
-              <a:t>6. Implementation plan</a:t>
-            </a:r>
-            <a:endParaRPr lang="en-US" sz="1200" b="0" i="0" u="none" strike="noStrike" kern="1200" baseline="0" dirty="0">
-              <a:solidFill>
-                <a:schemeClr val="tx1"/>
-              </a:solidFill>
-              <a:latin typeface="+mn-lt"/>
-              <a:ea typeface="+mn-ea"/>
-              <a:cs typeface="+mn-cs"/>
-            </a:endParaRPr>
-          </a:p>
-          <a:p>
-            <a:r>
-              <a:rPr lang="en-US" sz="1200" b="0" i="0" u="none" strike="noStrike" kern="1200" baseline="0" dirty="0">
-                <a:solidFill>
-                  <a:schemeClr val="tx1"/>
-                </a:solidFill>
-                <a:latin typeface="+mn-lt"/>
-                <a:ea typeface="+mn-ea"/>
-                <a:cs typeface="+mn-cs"/>
-              </a:rPr>
-              <a:t>Break the plan into clear steps so the customer can track the project schedule and budget flexibility. </a:t>
-            </a:r>
-          </a:p>
-          <a:p>
-            <a:r>
-              <a:rPr lang="en-US" sz="1200" b="1" i="0" u="none" strike="noStrike" kern="1200" baseline="0" dirty="0">
-                <a:solidFill>
-                  <a:schemeClr val="tx1"/>
-                </a:solidFill>
-                <a:latin typeface="+mn-lt"/>
-                <a:ea typeface="+mn-ea"/>
-                <a:cs typeface="+mn-cs"/>
-              </a:rPr>
-              <a:t>7. Next steps</a:t>
-            </a:r>
-            <a:endParaRPr lang="en-US" sz="1200" b="0" i="0" u="none" strike="noStrike" kern="1200" baseline="0" dirty="0">
-              <a:solidFill>
-                <a:schemeClr val="tx1"/>
-              </a:solidFill>
-              <a:latin typeface="+mn-lt"/>
-              <a:ea typeface="+mn-ea"/>
-              <a:cs typeface="+mn-cs"/>
-            </a:endParaRPr>
-          </a:p>
-          <a:p>
-            <a:r>
-              <a:rPr lang="en-US" sz="1200" b="0" i="0" u="none" strike="noStrike" kern="1200" baseline="0" dirty="0">
-                <a:solidFill>
-                  <a:schemeClr val="tx1"/>
-                </a:solidFill>
-                <a:latin typeface="+mn-lt"/>
-                <a:ea typeface="+mn-ea"/>
-                <a:cs typeface="+mn-cs"/>
-              </a:rPr>
-              <a:t>Assign immediate action items during the meeting.</a:t>
-            </a:r>
-          </a:p>
-          <a:p>
-            <a:r>
-              <a:rPr lang="en-US" sz="1200" b="1" i="0" u="none" strike="noStrike" kern="1200" baseline="0" dirty="0">
-                <a:solidFill>
-                  <a:schemeClr val="tx1"/>
-                </a:solidFill>
-                <a:latin typeface="+mn-lt"/>
-                <a:ea typeface="+mn-ea"/>
-                <a:cs typeface="+mn-cs"/>
-              </a:rPr>
-              <a:t>8. Wrap-up</a:t>
-            </a:r>
-            <a:endParaRPr lang="en-US" sz="1200" b="0" i="0" u="none" strike="noStrike" kern="1200" baseline="0" dirty="0">
-              <a:solidFill>
-                <a:schemeClr val="tx1"/>
-              </a:solidFill>
-              <a:latin typeface="+mn-lt"/>
-              <a:ea typeface="+mn-ea"/>
-              <a:cs typeface="+mn-cs"/>
-            </a:endParaRPr>
-          </a:p>
-          <a:p>
-            <a:r>
-              <a:rPr lang="en-US" sz="1200" b="0" i="0" u="none" strike="noStrike" kern="1200" baseline="0" dirty="0">
-                <a:solidFill>
-                  <a:schemeClr val="tx1"/>
-                </a:solidFill>
-                <a:latin typeface="+mn-lt"/>
-                <a:ea typeface="+mn-ea"/>
-                <a:cs typeface="+mn-cs"/>
-              </a:rPr>
-              <a:t>Verify with all stakeholders that their requirements and concerns have been sufficiently addressed with the solution and plan. Close with agreement on the next steps. </a:t>
-            </a:r>
             <a:endParaRPr lang="en-US" dirty="0"/>
           </a:p>
         </p:txBody>
@@ -4072,9 +4311,447 @@
           <a:bodyPr/>
           <a:lstStyle/>
           <a:p>
+            <a:fld id="{D9EB630B-BF71-A34E-9F10-CD6A3DB979CB}" type="slidenum">
+              <a:rPr lang="en-US" smtClean="0"/>
+              <a:t>8</a:t>
+            </a:fld>
+            <a:endParaRPr lang="en-US"/>
+          </a:p>
+        </p:txBody>
+      </p:sp>
+    </p:spTree>
+    <p:extLst>
+      <p:ext uri="{BB962C8B-B14F-4D97-AF65-F5344CB8AC3E}">
+        <p14:creationId xmlns:p14="http://schemas.microsoft.com/office/powerpoint/2010/main" val="1205051102"/>
+      </p:ext>
+    </p:extLst>
+  </p:cSld>
+  <p:clrMapOvr>
+    <a:masterClrMapping/>
+  </p:clrMapOvr>
+</p:notes>
+</file>
+
+<file path=ppt/notesSlides/notesSlide4.xml><?xml version="1.0" encoding="utf-8"?>
+<p:notes xmlns:a="http://schemas.openxmlformats.org/drawingml/2006/main" xmlns:r="http://schemas.openxmlformats.org/officeDocument/2006/relationships" xmlns:p="http://schemas.openxmlformats.org/presentationml/2006/main">
+  <p:cSld>
+    <p:spTree>
+      <p:nvGrpSpPr>
+        <p:cNvPr id="1" name=""/>
+        <p:cNvGrpSpPr/>
+        <p:nvPr/>
+      </p:nvGrpSpPr>
+      <p:grpSpPr>
+        <a:xfrm>
+          <a:off x="0" y="0"/>
+          <a:ext cx="0" cy="0"/>
+          <a:chOff x="0" y="0"/>
+          <a:chExt cx="0" cy="0"/>
+        </a:xfrm>
+      </p:grpSpPr>
+      <p:sp>
+        <p:nvSpPr>
+          <p:cNvPr id="2" name="Slide Image Placeholder 1"/>
+          <p:cNvSpPr>
+            <a:spLocks noGrp="1" noRot="1" noChangeAspect="1"/>
+          </p:cNvSpPr>
+          <p:nvPr>
+            <p:ph type="sldImg"/>
+          </p:nvPr>
+        </p:nvSpPr>
+        <p:spPr/>
+      </p:sp>
+      <p:sp>
+        <p:nvSpPr>
+          <p:cNvPr id="3" name="Notes Placeholder 2"/>
+          <p:cNvSpPr>
+            <a:spLocks noGrp="1"/>
+          </p:cNvSpPr>
+          <p:nvPr>
+            <p:ph type="body" idx="1"/>
+          </p:nvPr>
+        </p:nvSpPr>
+        <p:spPr/>
+        <p:txBody>
+          <a:bodyPr/>
+          <a:lstStyle/>
+          <a:p>
+            <a:endParaRPr lang="en-US" dirty="0"/>
+          </a:p>
+        </p:txBody>
+      </p:sp>
+      <p:sp>
+        <p:nvSpPr>
+          <p:cNvPr id="4" name="Slide Number Placeholder 3"/>
+          <p:cNvSpPr>
+            <a:spLocks noGrp="1"/>
+          </p:cNvSpPr>
+          <p:nvPr>
+            <p:ph type="sldNum" sz="quarter" idx="10"/>
+          </p:nvPr>
+        </p:nvSpPr>
+        <p:spPr/>
+        <p:txBody>
+          <a:bodyPr/>
+          <a:lstStyle/>
+          <a:p>
+            <a:fld id="{D9EB630B-BF71-A34E-9F10-CD6A3DB979CB}" type="slidenum">
+              <a:rPr lang="en-US" smtClean="0"/>
+              <a:t>9</a:t>
+            </a:fld>
+            <a:endParaRPr lang="en-US"/>
+          </a:p>
+        </p:txBody>
+      </p:sp>
+    </p:spTree>
+    <p:extLst>
+      <p:ext uri="{BB962C8B-B14F-4D97-AF65-F5344CB8AC3E}">
+        <p14:creationId xmlns:p14="http://schemas.microsoft.com/office/powerpoint/2010/main" val="2054257071"/>
+      </p:ext>
+    </p:extLst>
+  </p:cSld>
+  <p:clrMapOvr>
+    <a:masterClrMapping/>
+  </p:clrMapOvr>
+</p:notes>
+</file>
+
+<file path=ppt/notesSlides/notesSlide5.xml><?xml version="1.0" encoding="utf-8"?>
+<p:notes xmlns:a="http://schemas.openxmlformats.org/drawingml/2006/main" xmlns:r="http://schemas.openxmlformats.org/officeDocument/2006/relationships" xmlns:p="http://schemas.openxmlformats.org/presentationml/2006/main">
+  <p:cSld>
+    <p:spTree>
+      <p:nvGrpSpPr>
+        <p:cNvPr id="1" name=""/>
+        <p:cNvGrpSpPr/>
+        <p:nvPr/>
+      </p:nvGrpSpPr>
+      <p:grpSpPr>
+        <a:xfrm>
+          <a:off x="0" y="0"/>
+          <a:ext cx="0" cy="0"/>
+          <a:chOff x="0" y="0"/>
+          <a:chExt cx="0" cy="0"/>
+        </a:xfrm>
+      </p:grpSpPr>
+      <p:sp>
+        <p:nvSpPr>
+          <p:cNvPr id="2" name="Slide Image Placeholder 1"/>
+          <p:cNvSpPr>
+            <a:spLocks noGrp="1" noRot="1" noChangeAspect="1"/>
+          </p:cNvSpPr>
+          <p:nvPr>
+            <p:ph type="sldImg"/>
+          </p:nvPr>
+        </p:nvSpPr>
+        <p:spPr/>
+      </p:sp>
+      <p:sp>
+        <p:nvSpPr>
+          <p:cNvPr id="3" name="Notes Placeholder 2"/>
+          <p:cNvSpPr>
+            <a:spLocks noGrp="1"/>
+          </p:cNvSpPr>
+          <p:nvPr>
+            <p:ph type="body" idx="1"/>
+          </p:nvPr>
+        </p:nvSpPr>
+        <p:spPr/>
+        <p:txBody>
+          <a:bodyPr/>
+          <a:lstStyle/>
+          <a:p>
+            <a:r>
+              <a:rPr lang="en-US" sz="1200" b="1" i="0" u="none" strike="noStrike" kern="1200" baseline="0" dirty="0">
+                <a:solidFill>
+                  <a:schemeClr val="tx1"/>
+                </a:solidFill>
+                <a:latin typeface="+mn-lt"/>
+                <a:ea typeface="+mn-ea"/>
+                <a:cs typeface="+mn-cs"/>
+              </a:rPr>
+              <a:t>1. Project goal</a:t>
+            </a:r>
+            <a:endParaRPr lang="en-US" sz="1200" b="0" i="0" u="none" strike="noStrike" kern="1200" baseline="0" dirty="0">
+              <a:solidFill>
+                <a:schemeClr val="tx1"/>
+              </a:solidFill>
+              <a:latin typeface="+mn-lt"/>
+              <a:ea typeface="+mn-ea"/>
+              <a:cs typeface="+mn-cs"/>
+            </a:endParaRPr>
+          </a:p>
+          <a:p>
+            <a:r>
+              <a:rPr lang="en-US" sz="1200" b="0" i="0" u="none" strike="noStrike" kern="1200" baseline="0" dirty="0">
+                <a:solidFill>
+                  <a:schemeClr val="tx1"/>
+                </a:solidFill>
+                <a:latin typeface="+mn-lt"/>
+                <a:ea typeface="+mn-ea"/>
+                <a:cs typeface="+mn-cs"/>
+              </a:rPr>
+              <a:t>Write down the project goal to help focus everyone to the desired outcomes. </a:t>
+            </a:r>
+          </a:p>
+          <a:p>
+            <a:r>
+              <a:rPr lang="en-US" sz="1200" b="1" i="0" u="none" strike="noStrike" kern="1200" baseline="0" dirty="0">
+                <a:solidFill>
+                  <a:schemeClr val="tx1"/>
+                </a:solidFill>
+                <a:latin typeface="+mn-lt"/>
+                <a:ea typeface="+mn-ea"/>
+                <a:cs typeface="+mn-cs"/>
+              </a:rPr>
+              <a:t>2. Requirements and concerns</a:t>
+            </a:r>
+            <a:endParaRPr lang="en-US" sz="1200" b="0" i="0" u="none" strike="noStrike" kern="1200" baseline="0" dirty="0">
+              <a:solidFill>
+                <a:schemeClr val="tx1"/>
+              </a:solidFill>
+              <a:latin typeface="+mn-lt"/>
+              <a:ea typeface="+mn-ea"/>
+              <a:cs typeface="+mn-cs"/>
+            </a:endParaRPr>
+          </a:p>
+          <a:p>
+            <a:r>
+              <a:rPr lang="en-US" sz="1200" b="0" i="0" u="none" strike="noStrike" kern="1200" baseline="0" dirty="0">
+                <a:solidFill>
+                  <a:schemeClr val="tx1"/>
+                </a:solidFill>
+                <a:latin typeface="+mn-lt"/>
+                <a:ea typeface="+mn-ea"/>
+                <a:cs typeface="+mn-cs"/>
+              </a:rPr>
+              <a:t>Begin with the items you’ve listed from the pre-call. Make sure that everyone gets a chance to be heard. Write down names next to each person’s requirements or concerns. </a:t>
+            </a:r>
+          </a:p>
+          <a:p>
+            <a:r>
+              <a:rPr lang="en-US" sz="1200" b="1" i="0" u="none" strike="noStrike" kern="1200" baseline="0" dirty="0">
+                <a:solidFill>
+                  <a:schemeClr val="tx1"/>
+                </a:solidFill>
+                <a:latin typeface="+mn-lt"/>
+                <a:ea typeface="+mn-ea"/>
+                <a:cs typeface="+mn-cs"/>
+              </a:rPr>
+              <a:t>3. Parking lot </a:t>
+            </a:r>
+            <a:endParaRPr lang="en-US" sz="1200" b="0" i="0" u="none" strike="noStrike" kern="1200" baseline="0" dirty="0">
+              <a:solidFill>
+                <a:schemeClr val="tx1"/>
+              </a:solidFill>
+              <a:latin typeface="+mn-lt"/>
+              <a:ea typeface="+mn-ea"/>
+              <a:cs typeface="+mn-cs"/>
+            </a:endParaRPr>
+          </a:p>
+          <a:p>
+            <a:r>
+              <a:rPr lang="en-US" sz="1200" b="0" i="0" u="none" strike="noStrike" kern="1200" baseline="0" dirty="0">
+                <a:solidFill>
+                  <a:schemeClr val="tx1"/>
+                </a:solidFill>
+                <a:latin typeface="+mn-lt"/>
+                <a:ea typeface="+mn-ea"/>
+                <a:cs typeface="+mn-cs"/>
+              </a:rPr>
+              <a:t>Acknowledge out-of-scope items. Help people set these concerns aside for later and focus back on the topic at hand. </a:t>
+            </a:r>
+          </a:p>
+          <a:p>
+            <a:r>
+              <a:rPr lang="en-US" sz="1200" b="1" i="0" u="none" strike="noStrike" kern="1200" baseline="0" dirty="0">
+                <a:solidFill>
+                  <a:schemeClr val="tx1"/>
+                </a:solidFill>
+                <a:latin typeface="+mn-lt"/>
+                <a:ea typeface="+mn-ea"/>
+                <a:cs typeface="+mn-cs"/>
+              </a:rPr>
+              <a:t>4. Current state</a:t>
+            </a:r>
+            <a:endParaRPr lang="en-US" sz="1200" b="0" i="0" u="none" strike="noStrike" kern="1200" baseline="0" dirty="0">
+              <a:solidFill>
+                <a:schemeClr val="tx1"/>
+              </a:solidFill>
+              <a:latin typeface="+mn-lt"/>
+              <a:ea typeface="+mn-ea"/>
+              <a:cs typeface="+mn-cs"/>
+            </a:endParaRPr>
+          </a:p>
+          <a:p>
+            <a:r>
+              <a:rPr lang="en-US" sz="1200" b="0" i="0" u="none" strike="noStrike" kern="1200" baseline="0" dirty="0">
+                <a:solidFill>
+                  <a:schemeClr val="tx1"/>
+                </a:solidFill>
+                <a:latin typeface="+mn-lt"/>
+                <a:ea typeface="+mn-ea"/>
+                <a:cs typeface="+mn-cs"/>
+              </a:rPr>
+              <a:t>Diagram the current state and ownership in black. The customer may help diagram this on the whiteboard. Be careful with technical depth. Focus on the system details that affect the ADS outcomes.</a:t>
+            </a:r>
+          </a:p>
+          <a:p>
+            <a:r>
+              <a:rPr lang="en-US" sz="1200" b="1" i="0" u="none" strike="noStrike" kern="1200" baseline="0" dirty="0">
+                <a:solidFill>
+                  <a:schemeClr val="tx1"/>
+                </a:solidFill>
+                <a:latin typeface="+mn-lt"/>
+                <a:ea typeface="+mn-ea"/>
+                <a:cs typeface="+mn-cs"/>
+              </a:rPr>
+              <a:t>5. Future vision</a:t>
+            </a:r>
+            <a:endParaRPr lang="en-US" sz="1200" b="0" i="0" u="none" strike="noStrike" kern="1200" baseline="0" dirty="0">
+              <a:solidFill>
+                <a:schemeClr val="tx1"/>
+              </a:solidFill>
+              <a:latin typeface="+mn-lt"/>
+              <a:ea typeface="+mn-ea"/>
+              <a:cs typeface="+mn-cs"/>
+            </a:endParaRPr>
+          </a:p>
+          <a:p>
+            <a:r>
+              <a:rPr lang="en-US" sz="1200" b="0" i="0" u="none" strike="noStrike" kern="1200" baseline="0" dirty="0">
+                <a:solidFill>
+                  <a:schemeClr val="tx1"/>
+                </a:solidFill>
+                <a:latin typeface="+mn-lt"/>
+                <a:ea typeface="+mn-ea"/>
+                <a:cs typeface="+mn-cs"/>
+              </a:rPr>
+              <a:t>Capture a high-level view of what the customer really wants in green before diving into technologies. Help customers envision the potential opportunities with Microsoft technologies. </a:t>
+            </a:r>
+          </a:p>
+          <a:p>
+            <a:r>
+              <a:rPr lang="en-US" sz="1200" b="1" i="0" u="none" strike="noStrike" kern="1200" baseline="0" dirty="0">
+                <a:solidFill>
+                  <a:schemeClr val="tx1"/>
+                </a:solidFill>
+                <a:latin typeface="+mn-lt"/>
+                <a:ea typeface="+mn-ea"/>
+                <a:cs typeface="+mn-cs"/>
+              </a:rPr>
+              <a:t>6. Implementation plan</a:t>
+            </a:r>
+            <a:endParaRPr lang="en-US" sz="1200" b="0" i="0" u="none" strike="noStrike" kern="1200" baseline="0" dirty="0">
+              <a:solidFill>
+                <a:schemeClr val="tx1"/>
+              </a:solidFill>
+              <a:latin typeface="+mn-lt"/>
+              <a:ea typeface="+mn-ea"/>
+              <a:cs typeface="+mn-cs"/>
+            </a:endParaRPr>
+          </a:p>
+          <a:p>
+            <a:r>
+              <a:rPr lang="en-US" sz="1200" b="0" i="0" u="none" strike="noStrike" kern="1200" baseline="0" dirty="0">
+                <a:solidFill>
+                  <a:schemeClr val="tx1"/>
+                </a:solidFill>
+                <a:latin typeface="+mn-lt"/>
+                <a:ea typeface="+mn-ea"/>
+                <a:cs typeface="+mn-cs"/>
+              </a:rPr>
+              <a:t>Break the plan into clear steps so the customer can track the project schedule and budget flexibility. </a:t>
+            </a:r>
+          </a:p>
+          <a:p>
+            <a:r>
+              <a:rPr lang="en-US" sz="1200" b="1" i="0" u="none" strike="noStrike" kern="1200" baseline="0" dirty="0">
+                <a:solidFill>
+                  <a:schemeClr val="tx1"/>
+                </a:solidFill>
+                <a:latin typeface="+mn-lt"/>
+                <a:ea typeface="+mn-ea"/>
+                <a:cs typeface="+mn-cs"/>
+              </a:rPr>
+              <a:t>7. Next steps</a:t>
+            </a:r>
+            <a:endParaRPr lang="en-US" sz="1200" b="0" i="0" u="none" strike="noStrike" kern="1200" baseline="0" dirty="0">
+              <a:solidFill>
+                <a:schemeClr val="tx1"/>
+              </a:solidFill>
+              <a:latin typeface="+mn-lt"/>
+              <a:ea typeface="+mn-ea"/>
+              <a:cs typeface="+mn-cs"/>
+            </a:endParaRPr>
+          </a:p>
+          <a:p>
+            <a:r>
+              <a:rPr lang="en-US" sz="1200" b="0" i="0" u="none" strike="noStrike" kern="1200" baseline="0" dirty="0">
+                <a:solidFill>
+                  <a:schemeClr val="tx1"/>
+                </a:solidFill>
+                <a:latin typeface="+mn-lt"/>
+                <a:ea typeface="+mn-ea"/>
+                <a:cs typeface="+mn-cs"/>
+              </a:rPr>
+              <a:t>Assign immediate action items during the meeting.</a:t>
+            </a:r>
+          </a:p>
+          <a:p>
+            <a:r>
+              <a:rPr lang="en-US" sz="1200" b="1" i="0" u="none" strike="noStrike" kern="1200" baseline="0" dirty="0">
+                <a:solidFill>
+                  <a:schemeClr val="tx1"/>
+                </a:solidFill>
+                <a:latin typeface="+mn-lt"/>
+                <a:ea typeface="+mn-ea"/>
+                <a:cs typeface="+mn-cs"/>
+              </a:rPr>
+              <a:t>8. Wrap-up</a:t>
+            </a:r>
+            <a:endParaRPr lang="en-US" sz="1200" b="0" i="0" u="none" strike="noStrike" kern="1200" baseline="0" dirty="0">
+              <a:solidFill>
+                <a:schemeClr val="tx1"/>
+              </a:solidFill>
+              <a:latin typeface="+mn-lt"/>
+              <a:ea typeface="+mn-ea"/>
+              <a:cs typeface="+mn-cs"/>
+            </a:endParaRPr>
+          </a:p>
+          <a:p>
+            <a:r>
+              <a:rPr lang="en-US" sz="1200" b="0" i="0" u="none" strike="noStrike" kern="1200" baseline="0" dirty="0">
+                <a:solidFill>
+                  <a:schemeClr val="tx1"/>
+                </a:solidFill>
+                <a:latin typeface="+mn-lt"/>
+                <a:ea typeface="+mn-ea"/>
+                <a:cs typeface="+mn-cs"/>
+              </a:rPr>
+              <a:t>Verify with all stakeholders that their requirements and concerns have been sufficiently addressed with the solution and plan. Close with agreement on the next steps. </a:t>
+            </a:r>
+            <a:endParaRPr lang="en-US" dirty="0"/>
+          </a:p>
+        </p:txBody>
+      </p:sp>
+      <p:sp>
+        <p:nvSpPr>
+          <p:cNvPr id="4" name="Slide Number Placeholder 3"/>
+          <p:cNvSpPr>
+            <a:spLocks noGrp="1"/>
+          </p:cNvSpPr>
+          <p:nvPr>
+            <p:ph type="sldNum" sz="quarter" idx="10"/>
+          </p:nvPr>
+        </p:nvSpPr>
+        <p:spPr/>
+        <p:txBody>
+          <a:bodyPr/>
+          <a:lstStyle/>
+          <a:p>
             <a:fld id="{0998D5BB-B127-481F-BC0A-2F77C576BB34}" type="slidenum">
               <a:rPr lang="en-US" smtClean="0"/>
-              <a:t>9</a:t>
+              <a:t>11</a:t>
             </a:fld>
             <a:endParaRPr lang="en-US"/>
           </a:p>
@@ -4084,6 +4761,351 @@
     <p:extLst>
       <p:ext uri="{BB962C8B-B14F-4D97-AF65-F5344CB8AC3E}">
         <p14:creationId xmlns:p14="http://schemas.microsoft.com/office/powerpoint/2010/main" val="4249229375"/>
+      </p:ext>
+    </p:extLst>
+  </p:cSld>
+  <p:clrMapOvr>
+    <a:masterClrMapping/>
+  </p:clrMapOvr>
+</p:notes>
+</file>
+
+<file path=ppt/notesSlides/notesSlide6.xml><?xml version="1.0" encoding="utf-8"?>
+<p:notes xmlns:a="http://schemas.openxmlformats.org/drawingml/2006/main" xmlns:r="http://schemas.openxmlformats.org/officeDocument/2006/relationships" xmlns:p="http://schemas.openxmlformats.org/presentationml/2006/main">
+  <p:cSld>
+    <p:spTree>
+      <p:nvGrpSpPr>
+        <p:cNvPr id="1" name=""/>
+        <p:cNvGrpSpPr/>
+        <p:nvPr/>
+      </p:nvGrpSpPr>
+      <p:grpSpPr>
+        <a:xfrm>
+          <a:off x="0" y="0"/>
+          <a:ext cx="0" cy="0"/>
+          <a:chOff x="0" y="0"/>
+          <a:chExt cx="0" cy="0"/>
+        </a:xfrm>
+      </p:grpSpPr>
+      <p:sp>
+        <p:nvSpPr>
+          <p:cNvPr id="2" name="Slide Image Placeholder 1"/>
+          <p:cNvSpPr>
+            <a:spLocks noGrp="1" noRot="1" noChangeAspect="1"/>
+          </p:cNvSpPr>
+          <p:nvPr>
+            <p:ph type="sldImg"/>
+          </p:nvPr>
+        </p:nvSpPr>
+        <p:spPr/>
+      </p:sp>
+      <p:sp>
+        <p:nvSpPr>
+          <p:cNvPr id="3" name="Notes Placeholder 2"/>
+          <p:cNvSpPr>
+            <a:spLocks noGrp="1"/>
+          </p:cNvSpPr>
+          <p:nvPr>
+            <p:ph type="body" idx="1"/>
+          </p:nvPr>
+        </p:nvSpPr>
+        <p:spPr/>
+        <p:txBody>
+          <a:bodyPr/>
+          <a:lstStyle/>
+          <a:p>
+            <a:endParaRPr lang="en-US" dirty="0"/>
+          </a:p>
+        </p:txBody>
+      </p:sp>
+      <p:sp>
+        <p:nvSpPr>
+          <p:cNvPr id="4" name="Slide Number Placeholder 3"/>
+          <p:cNvSpPr>
+            <a:spLocks noGrp="1"/>
+          </p:cNvSpPr>
+          <p:nvPr>
+            <p:ph type="sldNum" sz="quarter" idx="10"/>
+          </p:nvPr>
+        </p:nvSpPr>
+        <p:spPr/>
+        <p:txBody>
+          <a:bodyPr/>
+          <a:lstStyle/>
+          <a:p>
+            <a:fld id="{D9EB630B-BF71-A34E-9F10-CD6A3DB979CB}" type="slidenum">
+              <a:rPr lang="en-US" smtClean="0"/>
+              <a:t>12</a:t>
+            </a:fld>
+            <a:endParaRPr lang="en-US"/>
+          </a:p>
+        </p:txBody>
+      </p:sp>
+    </p:spTree>
+    <p:extLst>
+      <p:ext uri="{BB962C8B-B14F-4D97-AF65-F5344CB8AC3E}">
+        <p14:creationId xmlns:p14="http://schemas.microsoft.com/office/powerpoint/2010/main" val="2013210725"/>
+      </p:ext>
+    </p:extLst>
+  </p:cSld>
+  <p:clrMapOvr>
+    <a:masterClrMapping/>
+  </p:clrMapOvr>
+</p:notes>
+</file>
+
+<file path=ppt/notesSlides/notesSlide7.xml><?xml version="1.0" encoding="utf-8"?>
+<p:notes xmlns:a="http://schemas.openxmlformats.org/drawingml/2006/main" xmlns:r="http://schemas.openxmlformats.org/officeDocument/2006/relationships" xmlns:p="http://schemas.openxmlformats.org/presentationml/2006/main">
+  <p:cSld>
+    <p:spTree>
+      <p:nvGrpSpPr>
+        <p:cNvPr id="1" name=""/>
+        <p:cNvGrpSpPr/>
+        <p:nvPr/>
+      </p:nvGrpSpPr>
+      <p:grpSpPr>
+        <a:xfrm>
+          <a:off x="0" y="0"/>
+          <a:ext cx="0" cy="0"/>
+          <a:chOff x="0" y="0"/>
+          <a:chExt cx="0" cy="0"/>
+        </a:xfrm>
+      </p:grpSpPr>
+      <p:sp>
+        <p:nvSpPr>
+          <p:cNvPr id="2" name="Slide Image Placeholder 1"/>
+          <p:cNvSpPr>
+            <a:spLocks noGrp="1" noRot="1" noChangeAspect="1"/>
+          </p:cNvSpPr>
+          <p:nvPr>
+            <p:ph type="sldImg"/>
+          </p:nvPr>
+        </p:nvSpPr>
+        <p:spPr/>
+      </p:sp>
+      <p:sp>
+        <p:nvSpPr>
+          <p:cNvPr id="3" name="Notes Placeholder 2"/>
+          <p:cNvSpPr>
+            <a:spLocks noGrp="1"/>
+          </p:cNvSpPr>
+          <p:nvPr>
+            <p:ph type="body" idx="1"/>
+          </p:nvPr>
+        </p:nvSpPr>
+        <p:spPr/>
+        <p:txBody>
+          <a:bodyPr/>
+          <a:lstStyle/>
+          <a:p>
+            <a:endParaRPr lang="en-US" dirty="0"/>
+          </a:p>
+        </p:txBody>
+      </p:sp>
+      <p:sp>
+        <p:nvSpPr>
+          <p:cNvPr id="4" name="Slide Number Placeholder 3"/>
+          <p:cNvSpPr>
+            <a:spLocks noGrp="1"/>
+          </p:cNvSpPr>
+          <p:nvPr>
+            <p:ph type="sldNum" sz="quarter" idx="10"/>
+          </p:nvPr>
+        </p:nvSpPr>
+        <p:spPr/>
+        <p:txBody>
+          <a:bodyPr/>
+          <a:lstStyle/>
+          <a:p>
+            <a:fld id="{D9EB630B-BF71-A34E-9F10-CD6A3DB979CB}" type="slidenum">
+              <a:rPr lang="en-US" smtClean="0"/>
+              <a:t>13</a:t>
+            </a:fld>
+            <a:endParaRPr lang="en-US"/>
+          </a:p>
+        </p:txBody>
+      </p:sp>
+    </p:spTree>
+    <p:extLst>
+      <p:ext uri="{BB962C8B-B14F-4D97-AF65-F5344CB8AC3E}">
+        <p14:creationId xmlns:p14="http://schemas.microsoft.com/office/powerpoint/2010/main" val="3998528989"/>
+      </p:ext>
+    </p:extLst>
+  </p:cSld>
+  <p:clrMapOvr>
+    <a:masterClrMapping/>
+  </p:clrMapOvr>
+</p:notes>
+</file>
+
+<file path=ppt/notesSlides/notesSlide8.xml><?xml version="1.0" encoding="utf-8"?>
+<p:notes xmlns:a="http://schemas.openxmlformats.org/drawingml/2006/main" xmlns:r="http://schemas.openxmlformats.org/officeDocument/2006/relationships" xmlns:p="http://schemas.openxmlformats.org/presentationml/2006/main">
+  <p:cSld>
+    <p:spTree>
+      <p:nvGrpSpPr>
+        <p:cNvPr id="1" name=""/>
+        <p:cNvGrpSpPr/>
+        <p:nvPr/>
+      </p:nvGrpSpPr>
+      <p:grpSpPr>
+        <a:xfrm>
+          <a:off x="0" y="0"/>
+          <a:ext cx="0" cy="0"/>
+          <a:chOff x="0" y="0"/>
+          <a:chExt cx="0" cy="0"/>
+        </a:xfrm>
+      </p:grpSpPr>
+      <p:sp>
+        <p:nvSpPr>
+          <p:cNvPr id="2" name="Slide Image Placeholder 1"/>
+          <p:cNvSpPr>
+            <a:spLocks noGrp="1" noRot="1" noChangeAspect="1"/>
+          </p:cNvSpPr>
+          <p:nvPr>
+            <p:ph type="sldImg"/>
+          </p:nvPr>
+        </p:nvSpPr>
+        <p:spPr/>
+      </p:sp>
+      <p:sp>
+        <p:nvSpPr>
+          <p:cNvPr id="3" name="Notes Placeholder 2"/>
+          <p:cNvSpPr>
+            <a:spLocks noGrp="1"/>
+          </p:cNvSpPr>
+          <p:nvPr>
+            <p:ph type="body" idx="1"/>
+          </p:nvPr>
+        </p:nvSpPr>
+        <p:spPr/>
+        <p:txBody>
+          <a:bodyPr/>
+          <a:lstStyle/>
+          <a:p>
+            <a:endParaRPr lang="en-US" dirty="0"/>
+          </a:p>
+        </p:txBody>
+      </p:sp>
+      <p:sp>
+        <p:nvSpPr>
+          <p:cNvPr id="4" name="Slide Number Placeholder 3"/>
+          <p:cNvSpPr>
+            <a:spLocks noGrp="1"/>
+          </p:cNvSpPr>
+          <p:nvPr>
+            <p:ph type="sldNum" sz="quarter" idx="10"/>
+          </p:nvPr>
+        </p:nvSpPr>
+        <p:spPr/>
+        <p:txBody>
+          <a:bodyPr/>
+          <a:lstStyle/>
+          <a:p>
+            <a:fld id="{D9EB630B-BF71-A34E-9F10-CD6A3DB979CB}" type="slidenum">
+              <a:rPr lang="en-US" smtClean="0"/>
+              <a:t>14</a:t>
+            </a:fld>
+            <a:endParaRPr lang="en-US"/>
+          </a:p>
+        </p:txBody>
+      </p:sp>
+    </p:spTree>
+    <p:extLst>
+      <p:ext uri="{BB962C8B-B14F-4D97-AF65-F5344CB8AC3E}">
+        <p14:creationId xmlns:p14="http://schemas.microsoft.com/office/powerpoint/2010/main" val="3188956436"/>
+      </p:ext>
+    </p:extLst>
+  </p:cSld>
+  <p:clrMapOvr>
+    <a:masterClrMapping/>
+  </p:clrMapOvr>
+</p:notes>
+</file>
+
+<file path=ppt/notesSlides/notesSlide9.xml><?xml version="1.0" encoding="utf-8"?>
+<p:notes xmlns:a="http://schemas.openxmlformats.org/drawingml/2006/main" xmlns:r="http://schemas.openxmlformats.org/officeDocument/2006/relationships" xmlns:p="http://schemas.openxmlformats.org/presentationml/2006/main">
+  <p:cSld>
+    <p:spTree>
+      <p:nvGrpSpPr>
+        <p:cNvPr id="1" name=""/>
+        <p:cNvGrpSpPr/>
+        <p:nvPr/>
+      </p:nvGrpSpPr>
+      <p:grpSpPr>
+        <a:xfrm>
+          <a:off x="0" y="0"/>
+          <a:ext cx="0" cy="0"/>
+          <a:chOff x="0" y="0"/>
+          <a:chExt cx="0" cy="0"/>
+        </a:xfrm>
+      </p:grpSpPr>
+      <p:sp>
+        <p:nvSpPr>
+          <p:cNvPr id="2" name="Slide Image Placeholder 1"/>
+          <p:cNvSpPr>
+            <a:spLocks noGrp="1" noRot="1" noChangeAspect="1"/>
+          </p:cNvSpPr>
+          <p:nvPr>
+            <p:ph type="sldImg"/>
+          </p:nvPr>
+        </p:nvSpPr>
+        <p:spPr/>
+      </p:sp>
+      <p:sp>
+        <p:nvSpPr>
+          <p:cNvPr id="3" name="Notes Placeholder 2"/>
+          <p:cNvSpPr>
+            <a:spLocks noGrp="1"/>
+          </p:cNvSpPr>
+          <p:nvPr>
+            <p:ph type="body" idx="1"/>
+          </p:nvPr>
+        </p:nvSpPr>
+        <p:spPr/>
+        <p:txBody>
+          <a:bodyPr/>
+          <a:lstStyle/>
+          <a:p>
+            <a:endParaRPr lang="en-US" dirty="0"/>
+          </a:p>
+        </p:txBody>
+      </p:sp>
+      <p:sp>
+        <p:nvSpPr>
+          <p:cNvPr id="4" name="Slide Number Placeholder 3"/>
+          <p:cNvSpPr>
+            <a:spLocks noGrp="1"/>
+          </p:cNvSpPr>
+          <p:nvPr>
+            <p:ph type="sldNum" sz="quarter" idx="10"/>
+          </p:nvPr>
+        </p:nvSpPr>
+        <p:spPr/>
+        <p:txBody>
+          <a:bodyPr/>
+          <a:lstStyle/>
+          <a:p>
+            <a:fld id="{D9EB630B-BF71-A34E-9F10-CD6A3DB979CB}" type="slidenum">
+              <a:rPr lang="en-US" smtClean="0">
+                <a:solidFill>
+                  <a:prstClr val="black"/>
+                </a:solidFill>
+              </a:rPr>
+              <a:pPr/>
+              <a:t>15</a:t>
+            </a:fld>
+            <a:endParaRPr lang="en-US">
+              <a:solidFill>
+                <a:prstClr val="black"/>
+              </a:solidFill>
+            </a:endParaRPr>
+          </a:p>
+        </p:txBody>
+      </p:sp>
+    </p:spTree>
+    <p:extLst>
+      <p:ext uri="{BB962C8B-B14F-4D97-AF65-F5344CB8AC3E}">
+        <p14:creationId xmlns:p14="http://schemas.microsoft.com/office/powerpoint/2010/main" val="1322161564"/>
       </p:ext>
     </p:extLst>
   </p:cSld>
@@ -16210,6 +17232,2860 @@
       </p:grpSpPr>
       <p:sp>
         <p:nvSpPr>
+          <p:cNvPr id="2" name="Text Placeholder 1">
+            <a:extLst>
+              <a:ext uri="{FF2B5EF4-FFF2-40B4-BE49-F238E27FC236}">
+                <a16:creationId xmlns:a16="http://schemas.microsoft.com/office/drawing/2014/main" id="{91BEE5C1-9635-412C-8680-8A99566BDD3A}"/>
+              </a:ext>
+            </a:extLst>
+          </p:cNvPr>
+          <p:cNvSpPr>
+            <a:spLocks noGrp="1"/>
+          </p:cNvSpPr>
+          <p:nvPr>
+            <p:ph type="body" sz="quarter" idx="10"/>
+          </p:nvPr>
+        </p:nvSpPr>
+        <p:spPr>
+          <a:xfrm>
+            <a:off x="269239" y="1189177"/>
+            <a:ext cx="11653523" cy="3020507"/>
+          </a:xfrm>
+        </p:spPr>
+        <p:txBody>
+          <a:bodyPr/>
+          <a:lstStyle/>
+          <a:p>
+            <a:r>
+              <a:rPr lang="en-US" dirty="0"/>
+              <a:t>Whiteboards and Surface Hub support the type of collaboration you’ll need for a successful ADS. </a:t>
+            </a:r>
+          </a:p>
+          <a:p>
+            <a:r>
+              <a:rPr lang="en-US" dirty="0"/>
+              <a:t>Focus on your stakeholders, use the whiteboard as a tool for recording ideas, and get approval at each step before moving forward. </a:t>
+            </a:r>
+          </a:p>
+        </p:txBody>
+      </p:sp>
+      <p:sp>
+        <p:nvSpPr>
+          <p:cNvPr id="3" name="Title 2">
+            <a:extLst>
+              <a:ext uri="{FF2B5EF4-FFF2-40B4-BE49-F238E27FC236}">
+                <a16:creationId xmlns:a16="http://schemas.microsoft.com/office/drawing/2014/main" id="{05BACAB8-0799-4047-98CB-15018B50A9A4}"/>
+              </a:ext>
+            </a:extLst>
+          </p:cNvPr>
+          <p:cNvSpPr>
+            <a:spLocks noGrp="1"/>
+          </p:cNvSpPr>
+          <p:nvPr>
+            <p:ph type="title"/>
+          </p:nvPr>
+        </p:nvSpPr>
+        <p:spPr/>
+        <p:txBody>
+          <a:bodyPr/>
+          <a:lstStyle/>
+          <a:p>
+            <a:r>
+              <a:rPr lang="en-US" dirty="0"/>
+              <a:t>Delivery</a:t>
+            </a:r>
+          </a:p>
+        </p:txBody>
+      </p:sp>
+    </p:spTree>
+    <p:extLst>
+      <p:ext uri="{BB962C8B-B14F-4D97-AF65-F5344CB8AC3E}">
+        <p14:creationId xmlns:p14="http://schemas.microsoft.com/office/powerpoint/2010/main" val="326684176"/>
+      </p:ext>
+    </p:extLst>
+  </p:cSld>
+  <p:clrMapOvr>
+    <a:masterClrMapping/>
+  </p:clrMapOvr>
+  <p:transition>
+    <p:fade/>
+  </p:transition>
+</p:sld>
+</file>
+
+<file path=ppt/slides/slide11.xml><?xml version="1.0" encoding="utf-8"?>
+<p:sld xmlns:a="http://schemas.openxmlformats.org/drawingml/2006/main" xmlns:r="http://schemas.openxmlformats.org/officeDocument/2006/relationships" xmlns:p="http://schemas.openxmlformats.org/presentationml/2006/main">
+  <p:cSld>
+    <p:spTree>
+      <p:nvGrpSpPr>
+        <p:cNvPr id="1" name=""/>
+        <p:cNvGrpSpPr/>
+        <p:nvPr/>
+      </p:nvGrpSpPr>
+      <p:grpSpPr>
+        <a:xfrm>
+          <a:off x="0" y="0"/>
+          <a:ext cx="0" cy="0"/>
+          <a:chOff x="0" y="0"/>
+          <a:chExt cx="0" cy="0"/>
+        </a:xfrm>
+      </p:grpSpPr>
+      <p:sp>
+        <p:nvSpPr>
+          <p:cNvPr id="3" name="Title 2">
+            <a:extLst>
+              <a:ext uri="{FF2B5EF4-FFF2-40B4-BE49-F238E27FC236}">
+                <a16:creationId xmlns:a16="http://schemas.microsoft.com/office/drawing/2014/main" id="{66CB3259-8CDD-43E7-9D75-4356C30BD1DA}"/>
+              </a:ext>
+            </a:extLst>
+          </p:cNvPr>
+          <p:cNvSpPr>
+            <a:spLocks noGrp="1"/>
+          </p:cNvSpPr>
+          <p:nvPr>
+            <p:ph type="title"/>
+          </p:nvPr>
+        </p:nvSpPr>
+        <p:spPr/>
+        <p:txBody>
+          <a:bodyPr/>
+          <a:lstStyle/>
+          <a:p>
+            <a:r>
+              <a:rPr lang="en-US" dirty="0"/>
+              <a:t>Best practice whiteboard layout</a:t>
+            </a:r>
+          </a:p>
+        </p:txBody>
+      </p:sp>
+      <p:pic>
+        <p:nvPicPr>
+          <p:cNvPr id="4" name="Picture 3">
+            <a:extLst>
+              <a:ext uri="{FF2B5EF4-FFF2-40B4-BE49-F238E27FC236}">
+                <a16:creationId xmlns:a16="http://schemas.microsoft.com/office/drawing/2014/main" id="{E690DC31-4E17-41F5-8D2F-F4EC8EBF9888}"/>
+              </a:ext>
+            </a:extLst>
+          </p:cNvPr>
+          <p:cNvPicPr>
+            <a:picLocks noChangeAspect="1"/>
+          </p:cNvPicPr>
+          <p:nvPr/>
+        </p:nvPicPr>
+        <p:blipFill>
+          <a:blip r:embed="rId3"/>
+          <a:stretch>
+            <a:fillRect/>
+          </a:stretch>
+        </p:blipFill>
+        <p:spPr>
+          <a:xfrm>
+            <a:off x="980501" y="1294941"/>
+            <a:ext cx="10230998" cy="4762268"/>
+          </a:xfrm>
+          <a:prstGeom prst="rect">
+            <a:avLst/>
+          </a:prstGeom>
+        </p:spPr>
+      </p:pic>
+      <p:sp>
+        <p:nvSpPr>
+          <p:cNvPr id="5" name="TextBox 4">
+            <a:extLst>
+              <a:ext uri="{FF2B5EF4-FFF2-40B4-BE49-F238E27FC236}">
+                <a16:creationId xmlns:a16="http://schemas.microsoft.com/office/drawing/2014/main" id="{A58329A9-AF26-461B-9B71-82EF5ED29736}"/>
+              </a:ext>
+            </a:extLst>
+          </p:cNvPr>
+          <p:cNvSpPr txBox="1"/>
+          <p:nvPr/>
+        </p:nvSpPr>
+        <p:spPr>
+          <a:xfrm>
+            <a:off x="980501" y="6057209"/>
+            <a:ext cx="10230998" cy="794064"/>
+          </a:xfrm>
+          <a:prstGeom prst="rect">
+            <a:avLst/>
+          </a:prstGeom>
+          <a:noFill/>
+        </p:spPr>
+        <p:txBody>
+          <a:bodyPr wrap="square" lIns="182880" tIns="146304" rIns="182880" bIns="146304" rtlCol="0">
+            <a:spAutoFit/>
+          </a:bodyPr>
+          <a:lstStyle/>
+          <a:p>
+            <a:pPr>
+              <a:lnSpc>
+                <a:spcPct val="90000"/>
+              </a:lnSpc>
+              <a:spcAft>
+                <a:spcPts val="600"/>
+              </a:spcAft>
+            </a:pPr>
+            <a:r>
+              <a:rPr lang="en-US" dirty="0">
+                <a:gradFill>
+                  <a:gsLst>
+                    <a:gs pos="2917">
+                      <a:schemeClr val="tx1"/>
+                    </a:gs>
+                    <a:gs pos="30000">
+                      <a:schemeClr val="tx1"/>
+                    </a:gs>
+                  </a:gsLst>
+                  <a:lin ang="5400000" scaled="0"/>
+                </a:gradFill>
+              </a:rPr>
+              <a:t>1. Project Goal | 2. Requirements &amp; concerns | 3. Parking lot | 4. Current State | 5. Future Vision | </a:t>
+            </a:r>
+            <a:br>
+              <a:rPr lang="en-US" dirty="0">
+                <a:gradFill>
+                  <a:gsLst>
+                    <a:gs pos="2917">
+                      <a:schemeClr val="tx1"/>
+                    </a:gs>
+                    <a:gs pos="30000">
+                      <a:schemeClr val="tx1"/>
+                    </a:gs>
+                  </a:gsLst>
+                  <a:lin ang="5400000" scaled="0"/>
+                </a:gradFill>
+              </a:rPr>
+            </a:br>
+            <a:r>
+              <a:rPr lang="en-US" dirty="0">
+                <a:gradFill>
+                  <a:gsLst>
+                    <a:gs pos="2917">
+                      <a:schemeClr val="tx1"/>
+                    </a:gs>
+                    <a:gs pos="30000">
+                      <a:schemeClr val="tx1"/>
+                    </a:gs>
+                  </a:gsLst>
+                  <a:lin ang="5400000" scaled="0"/>
+                </a:gradFill>
+              </a:rPr>
+              <a:t>6. Implementation plan | 7. Next steps | 8. Wrap-up</a:t>
+            </a:r>
+          </a:p>
+        </p:txBody>
+      </p:sp>
+    </p:spTree>
+    <p:extLst>
+      <p:ext uri="{BB962C8B-B14F-4D97-AF65-F5344CB8AC3E}">
+        <p14:creationId xmlns:p14="http://schemas.microsoft.com/office/powerpoint/2010/main" val="2966029408"/>
+      </p:ext>
+    </p:extLst>
+  </p:cSld>
+  <p:clrMapOvr>
+    <a:masterClrMapping/>
+  </p:clrMapOvr>
+  <p:transition>
+    <p:fade/>
+  </p:transition>
+</p:sld>
+</file>
+
+<file path=ppt/slides/slide12.xml><?xml version="1.0" encoding="utf-8"?>
+<p:sld xmlns:a="http://schemas.openxmlformats.org/drawingml/2006/main" xmlns:r="http://schemas.openxmlformats.org/officeDocument/2006/relationships" xmlns:p="http://schemas.openxmlformats.org/presentationml/2006/main">
+  <p:cSld>
+    <p:spTree>
+      <p:nvGrpSpPr>
+        <p:cNvPr id="1" name=""/>
+        <p:cNvGrpSpPr/>
+        <p:nvPr/>
+      </p:nvGrpSpPr>
+      <p:grpSpPr>
+        <a:xfrm>
+          <a:off x="0" y="0"/>
+          <a:ext cx="0" cy="0"/>
+          <a:chOff x="0" y="0"/>
+          <a:chExt cx="0" cy="0"/>
+        </a:xfrm>
+      </p:grpSpPr>
+      <p:sp>
+        <p:nvSpPr>
+          <p:cNvPr id="2" name="Title 1"/>
+          <p:cNvSpPr>
+            <a:spLocks noGrp="1"/>
+          </p:cNvSpPr>
+          <p:nvPr>
+            <p:ph type="title"/>
+          </p:nvPr>
+        </p:nvSpPr>
+        <p:spPr/>
+        <p:txBody>
+          <a:bodyPr/>
+          <a:lstStyle/>
+          <a:p>
+            <a:r>
+              <a:rPr lang="en-US"/>
+              <a:t>Discovery Checklist</a:t>
+            </a:r>
+            <a:endParaRPr lang="en-US" dirty="0"/>
+          </a:p>
+        </p:txBody>
+      </p:sp>
+      <p:sp>
+        <p:nvSpPr>
+          <p:cNvPr id="11" name="TextBox 10"/>
+          <p:cNvSpPr txBox="1"/>
+          <p:nvPr/>
+        </p:nvSpPr>
+        <p:spPr>
+          <a:xfrm>
+            <a:off x="2198194" y="1817396"/>
+            <a:ext cx="8129681" cy="1043363"/>
+          </a:xfrm>
+          <a:prstGeom prst="rect">
+            <a:avLst/>
+          </a:prstGeom>
+          <a:noFill/>
+        </p:spPr>
+        <p:txBody>
+          <a:bodyPr wrap="square" lIns="182880" tIns="146304" rIns="182880" bIns="146304" rtlCol="0">
+            <a:spAutoFit/>
+          </a:bodyPr>
+          <a:lstStyle/>
+          <a:p>
+            <a:pPr>
+              <a:lnSpc>
+                <a:spcPct val="90000"/>
+              </a:lnSpc>
+              <a:spcAft>
+                <a:spcPts val="600"/>
+              </a:spcAft>
+            </a:pPr>
+            <a:r>
+              <a:rPr lang="en-US" dirty="0">
+                <a:latin typeface="+mj-lt"/>
+              </a:rPr>
+              <a:t>Work with your group to review and whiteboard customer requirements, using prepared notes and diagrams from the ideation session as a guide. Be sure to do the following:</a:t>
+            </a:r>
+          </a:p>
+        </p:txBody>
+      </p:sp>
+      <p:sp>
+        <p:nvSpPr>
+          <p:cNvPr id="6" name="Rectangle 5"/>
+          <p:cNvSpPr/>
+          <p:nvPr/>
+        </p:nvSpPr>
+        <p:spPr>
+          <a:xfrm>
+            <a:off x="2661450" y="3030026"/>
+            <a:ext cx="8494230" cy="2394502"/>
+          </a:xfrm>
+          <a:prstGeom prst="rect">
+            <a:avLst/>
+          </a:prstGeom>
+        </p:spPr>
+        <p:txBody>
+          <a:bodyPr wrap="square">
+            <a:spAutoFit/>
+          </a:bodyPr>
+          <a:lstStyle/>
+          <a:p>
+            <a:pPr marL="285750" indent="-285750">
+              <a:lnSpc>
+                <a:spcPct val="90000"/>
+              </a:lnSpc>
+              <a:spcAft>
+                <a:spcPts val="600"/>
+              </a:spcAft>
+              <a:buFont typeface="Wingdings" charset="2"/>
+              <a:buChar char="q"/>
+            </a:pPr>
+            <a:r>
+              <a:rPr lang="en-US" dirty="0"/>
+              <a:t>Ensure customer background &amp; business strategy is understood</a:t>
+            </a:r>
+          </a:p>
+          <a:p>
+            <a:pPr marL="285750" indent="-285750">
+              <a:lnSpc>
+                <a:spcPct val="90000"/>
+              </a:lnSpc>
+              <a:spcAft>
+                <a:spcPts val="600"/>
+              </a:spcAft>
+              <a:buFont typeface="Wingdings" charset="2"/>
+              <a:buChar char="q"/>
+            </a:pPr>
+            <a:r>
+              <a:rPr lang="en-US" dirty="0"/>
+              <a:t>Clarify the project background and its drivers/aims</a:t>
+            </a:r>
+          </a:p>
+          <a:p>
+            <a:pPr marL="285750" indent="-285750">
+              <a:lnSpc>
+                <a:spcPct val="90000"/>
+              </a:lnSpc>
+              <a:spcAft>
+                <a:spcPts val="600"/>
+              </a:spcAft>
+              <a:buFont typeface="Wingdings" charset="2"/>
+              <a:buChar char="q"/>
+            </a:pPr>
+            <a:r>
+              <a:rPr lang="en-US" dirty="0"/>
+              <a:t>Cover the technology landscape: Do they require a hybrid solution or 100% cloud, what is the current technology competency of the team if they will be maintaining the solution, has the customer proposed technologies they’d like to use</a:t>
+            </a:r>
+          </a:p>
+          <a:p>
+            <a:pPr marL="285750" indent="-285750">
+              <a:lnSpc>
+                <a:spcPct val="90000"/>
+              </a:lnSpc>
+              <a:spcAft>
+                <a:spcPts val="600"/>
+              </a:spcAft>
+              <a:buFont typeface="Wingdings" charset="2"/>
+              <a:buChar char="q"/>
+            </a:pPr>
+            <a:r>
+              <a:rPr lang="en-US" dirty="0"/>
+              <a:t>Go over usage scenarios for the solution, from the perspective of their internal and external users</a:t>
+            </a:r>
+          </a:p>
+          <a:p>
+            <a:pPr marL="285750" indent="-285750">
+              <a:lnSpc>
+                <a:spcPct val="90000"/>
+              </a:lnSpc>
+              <a:spcAft>
+                <a:spcPts val="600"/>
+              </a:spcAft>
+              <a:buFont typeface="Wingdings" charset="2"/>
+              <a:buChar char="q"/>
+            </a:pPr>
+            <a:r>
+              <a:rPr lang="en-US" dirty="0"/>
+              <a:t>Take down all upfront functional and non-functional requirements</a:t>
+            </a:r>
+          </a:p>
+        </p:txBody>
+      </p:sp>
+      <p:pic>
+        <p:nvPicPr>
+          <p:cNvPr id="3" name="Picture 2"/>
+          <p:cNvPicPr>
+            <a:picLocks noChangeAspect="1"/>
+          </p:cNvPicPr>
+          <p:nvPr/>
+        </p:nvPicPr>
+        <p:blipFill>
+          <a:blip r:embed="rId3">
+            <a:duotone>
+              <a:schemeClr val="accent1">
+                <a:shade val="45000"/>
+                <a:satMod val="135000"/>
+              </a:schemeClr>
+              <a:prstClr val="white"/>
+            </a:duotone>
+          </a:blip>
+          <a:stretch>
+            <a:fillRect/>
+          </a:stretch>
+        </p:blipFill>
+        <p:spPr>
+          <a:xfrm>
+            <a:off x="85344" y="3030026"/>
+            <a:ext cx="2438400" cy="2438400"/>
+          </a:xfrm>
+          <a:prstGeom prst="rect">
+            <a:avLst/>
+          </a:prstGeom>
+        </p:spPr>
+      </p:pic>
+      <p:grpSp>
+        <p:nvGrpSpPr>
+          <p:cNvPr id="5" name="Group 4"/>
+          <p:cNvGrpSpPr/>
+          <p:nvPr/>
+        </p:nvGrpSpPr>
+        <p:grpSpPr>
+          <a:xfrm>
+            <a:off x="422788" y="936192"/>
+            <a:ext cx="2209165" cy="489365"/>
+            <a:chOff x="422788" y="936192"/>
+            <a:chExt cx="2209165" cy="489365"/>
+          </a:xfrm>
+        </p:grpSpPr>
+        <p:pic>
+          <p:nvPicPr>
+            <p:cNvPr id="4" name="Picture 3"/>
+            <p:cNvPicPr>
+              <a:picLocks noChangeAspect="1"/>
+            </p:cNvPicPr>
+            <p:nvPr/>
+          </p:nvPicPr>
+          <p:blipFill>
+            <a:blip r:embed="rId4">
+              <a:duotone>
+                <a:schemeClr val="accent1">
+                  <a:shade val="45000"/>
+                  <a:satMod val="135000"/>
+                </a:schemeClr>
+                <a:prstClr val="white"/>
+              </a:duotone>
+            </a:blip>
+            <a:stretch>
+              <a:fillRect/>
+            </a:stretch>
+          </p:blipFill>
+          <p:spPr>
+            <a:xfrm>
+              <a:off x="422788" y="936192"/>
+              <a:ext cx="449826" cy="449826"/>
+            </a:xfrm>
+            <a:prstGeom prst="rect">
+              <a:avLst/>
+            </a:prstGeom>
+          </p:spPr>
+        </p:pic>
+        <p:sp>
+          <p:nvSpPr>
+            <p:cNvPr id="7" name="TextBox 6"/>
+            <p:cNvSpPr txBox="1"/>
+            <p:nvPr/>
+          </p:nvSpPr>
+          <p:spPr>
+            <a:xfrm>
+              <a:off x="752218" y="936192"/>
+              <a:ext cx="1879735" cy="489365"/>
+            </a:xfrm>
+            <a:prstGeom prst="rect">
+              <a:avLst/>
+            </a:prstGeom>
+            <a:noFill/>
+          </p:spPr>
+          <p:txBody>
+            <a:bodyPr wrap="square" lIns="182880" tIns="146304" rIns="182880" bIns="146304" rtlCol="0">
+              <a:spAutoFit/>
+            </a:bodyPr>
+            <a:lstStyle/>
+            <a:p>
+              <a:pPr>
+                <a:lnSpc>
+                  <a:spcPct val="90000"/>
+                </a:lnSpc>
+                <a:spcAft>
+                  <a:spcPts val="600"/>
+                </a:spcAft>
+              </a:pPr>
+              <a:r>
+                <a:rPr lang="en-US" sz="1400" dirty="0"/>
+                <a:t>Allow ~3 hours</a:t>
+              </a:r>
+            </a:p>
+          </p:txBody>
+        </p:sp>
+      </p:grpSp>
+    </p:spTree>
+    <p:extLst>
+      <p:ext uri="{BB962C8B-B14F-4D97-AF65-F5344CB8AC3E}">
+        <p14:creationId xmlns:p14="http://schemas.microsoft.com/office/powerpoint/2010/main" val="1441651771"/>
+      </p:ext>
+    </p:extLst>
+  </p:cSld>
+  <p:clrMapOvr>
+    <a:masterClrMapping/>
+  </p:clrMapOvr>
+  <mc:AlternateContent xmlns:mc="http://schemas.openxmlformats.org/markup-compatibility/2006" xmlns:p14="http://schemas.microsoft.com/office/powerpoint/2010/main">
+    <mc:Choice Requires="p14">
+      <p:transition spd="med" p14:dur="700">
+        <p:fade/>
+      </p:transition>
+    </mc:Choice>
+    <mc:Fallback xmlns="">
+      <p:transition spd="med">
+        <p:fade/>
+      </p:transition>
+    </mc:Fallback>
+  </mc:AlternateContent>
+</p:sld>
+</file>
+
+<file path=ppt/slides/slide13.xml><?xml version="1.0" encoding="utf-8"?>
+<p:sld xmlns:a="http://schemas.openxmlformats.org/drawingml/2006/main" xmlns:r="http://schemas.openxmlformats.org/officeDocument/2006/relationships" xmlns:p="http://schemas.openxmlformats.org/presentationml/2006/main">
+  <p:cSld>
+    <p:spTree>
+      <p:nvGrpSpPr>
+        <p:cNvPr id="1" name=""/>
+        <p:cNvGrpSpPr/>
+        <p:nvPr/>
+      </p:nvGrpSpPr>
+      <p:grpSpPr>
+        <a:xfrm>
+          <a:off x="0" y="0"/>
+          <a:ext cx="0" cy="0"/>
+          <a:chOff x="0" y="0"/>
+          <a:chExt cx="0" cy="0"/>
+        </a:xfrm>
+      </p:grpSpPr>
+      <p:sp>
+        <p:nvSpPr>
+          <p:cNvPr id="2" name="Title 1"/>
+          <p:cNvSpPr>
+            <a:spLocks noGrp="1"/>
+          </p:cNvSpPr>
+          <p:nvPr>
+            <p:ph type="title"/>
+          </p:nvPr>
+        </p:nvSpPr>
+        <p:spPr/>
+        <p:txBody>
+          <a:bodyPr/>
+          <a:lstStyle/>
+          <a:p>
+            <a:r>
+              <a:rPr lang="en-US"/>
+              <a:t>Envisioning Checklist</a:t>
+            </a:r>
+            <a:endParaRPr lang="en-US" dirty="0"/>
+          </a:p>
+        </p:txBody>
+      </p:sp>
+      <p:sp>
+        <p:nvSpPr>
+          <p:cNvPr id="11" name="TextBox 10"/>
+          <p:cNvSpPr txBox="1"/>
+          <p:nvPr/>
+        </p:nvSpPr>
+        <p:spPr>
+          <a:xfrm>
+            <a:off x="2198194" y="1817396"/>
+            <a:ext cx="8129681" cy="794064"/>
+          </a:xfrm>
+          <a:prstGeom prst="rect">
+            <a:avLst/>
+          </a:prstGeom>
+          <a:noFill/>
+        </p:spPr>
+        <p:txBody>
+          <a:bodyPr wrap="square" lIns="182880" tIns="146304" rIns="182880" bIns="146304" rtlCol="0">
+            <a:spAutoFit/>
+          </a:bodyPr>
+          <a:lstStyle/>
+          <a:p>
+            <a:pPr>
+              <a:lnSpc>
+                <a:spcPct val="90000"/>
+              </a:lnSpc>
+              <a:spcAft>
+                <a:spcPts val="600"/>
+              </a:spcAft>
+            </a:pPr>
+            <a:r>
+              <a:rPr lang="en-US" dirty="0">
+                <a:latin typeface="+mj-lt"/>
+              </a:rPr>
+              <a:t>Work with your group to brainstorm the solution approach, based on details captured from the discovery and ideation sessions. Be sure to do the following:</a:t>
+            </a:r>
+          </a:p>
+        </p:txBody>
+      </p:sp>
+      <p:sp>
+        <p:nvSpPr>
+          <p:cNvPr id="6" name="Rectangle 5"/>
+          <p:cNvSpPr/>
+          <p:nvPr/>
+        </p:nvSpPr>
+        <p:spPr>
+          <a:xfrm>
+            <a:off x="2661450" y="3030026"/>
+            <a:ext cx="8494230" cy="2471446"/>
+          </a:xfrm>
+          <a:prstGeom prst="rect">
+            <a:avLst/>
+          </a:prstGeom>
+        </p:spPr>
+        <p:txBody>
+          <a:bodyPr wrap="square">
+            <a:spAutoFit/>
+          </a:bodyPr>
+          <a:lstStyle/>
+          <a:p>
+            <a:pPr marL="285750" indent="-285750">
+              <a:lnSpc>
+                <a:spcPct val="90000"/>
+              </a:lnSpc>
+              <a:spcAft>
+                <a:spcPts val="600"/>
+              </a:spcAft>
+              <a:buFont typeface="Wingdings" charset="2"/>
+              <a:buChar char="q"/>
+            </a:pPr>
+            <a:r>
+              <a:rPr lang="en-US" dirty="0"/>
+              <a:t>Key functionalities and capabilities of the solution to meet functional requirements and goals</a:t>
+            </a:r>
+          </a:p>
+          <a:p>
+            <a:pPr marL="285750" indent="-285750">
+              <a:lnSpc>
+                <a:spcPct val="90000"/>
+              </a:lnSpc>
+              <a:spcAft>
+                <a:spcPts val="600"/>
+              </a:spcAft>
+              <a:buFont typeface="Wingdings" charset="2"/>
+              <a:buChar char="q"/>
+            </a:pPr>
+            <a:r>
+              <a:rPr lang="en-US" dirty="0"/>
+              <a:t>Components of the solution (e.g. which app services, data services, client side software, identity services, etc.)</a:t>
+            </a:r>
+          </a:p>
+          <a:p>
+            <a:pPr marL="285750" indent="-285750">
+              <a:lnSpc>
+                <a:spcPct val="90000"/>
+              </a:lnSpc>
+              <a:spcAft>
+                <a:spcPts val="600"/>
+              </a:spcAft>
+              <a:buFont typeface="Wingdings" charset="2"/>
+              <a:buChar char="q"/>
+            </a:pPr>
+            <a:r>
+              <a:rPr lang="en-US" dirty="0"/>
+              <a:t>Security considerations (TLS, identity, authorization, etc.)</a:t>
+            </a:r>
+          </a:p>
+          <a:p>
+            <a:pPr marL="285750" indent="-285750">
+              <a:lnSpc>
+                <a:spcPct val="90000"/>
+              </a:lnSpc>
+              <a:spcAft>
+                <a:spcPts val="600"/>
+              </a:spcAft>
+              <a:buFont typeface="Wingdings" charset="2"/>
+              <a:buChar char="q"/>
+            </a:pPr>
+            <a:r>
+              <a:rPr lang="en-US" dirty="0"/>
+              <a:t>Compliance considerations (HIPAA, PCI, etc.)</a:t>
+            </a:r>
+          </a:p>
+          <a:p>
+            <a:pPr marL="285750" indent="-285750">
+              <a:lnSpc>
+                <a:spcPct val="90000"/>
+              </a:lnSpc>
+              <a:spcAft>
+                <a:spcPts val="600"/>
+              </a:spcAft>
+              <a:buFont typeface="Wingdings" charset="2"/>
+              <a:buChar char="q"/>
+            </a:pPr>
+            <a:r>
+              <a:rPr lang="en-US" dirty="0"/>
+              <a:t>Identify external connections and integration points (APIs, business intelligence)</a:t>
+            </a:r>
+          </a:p>
+          <a:p>
+            <a:pPr marL="285750" indent="-285750">
+              <a:lnSpc>
+                <a:spcPct val="90000"/>
+              </a:lnSpc>
+              <a:spcAft>
+                <a:spcPts val="600"/>
+              </a:spcAft>
+              <a:buFont typeface="Wingdings" charset="2"/>
+              <a:buChar char="q"/>
+            </a:pPr>
+            <a:r>
+              <a:rPr lang="en-US" dirty="0"/>
+              <a:t>Map requirements and scenarios to the proposed solution components</a:t>
+            </a:r>
+          </a:p>
+        </p:txBody>
+      </p:sp>
+      <p:pic>
+        <p:nvPicPr>
+          <p:cNvPr id="4" name="Picture 3"/>
+          <p:cNvPicPr>
+            <a:picLocks noChangeAspect="1"/>
+          </p:cNvPicPr>
+          <p:nvPr/>
+        </p:nvPicPr>
+        <p:blipFill>
+          <a:blip r:embed="rId3">
+            <a:biLevel thresh="25000"/>
+          </a:blip>
+          <a:stretch>
+            <a:fillRect/>
+          </a:stretch>
+        </p:blipFill>
+        <p:spPr>
+          <a:xfrm>
+            <a:off x="269239" y="3030026"/>
+            <a:ext cx="2052834" cy="2052834"/>
+          </a:xfrm>
+          <a:prstGeom prst="rect">
+            <a:avLst/>
+          </a:prstGeom>
+        </p:spPr>
+      </p:pic>
+      <p:grpSp>
+        <p:nvGrpSpPr>
+          <p:cNvPr id="7" name="Group 6"/>
+          <p:cNvGrpSpPr/>
+          <p:nvPr/>
+        </p:nvGrpSpPr>
+        <p:grpSpPr>
+          <a:xfrm>
+            <a:off x="422788" y="936192"/>
+            <a:ext cx="2209165" cy="489365"/>
+            <a:chOff x="422788" y="936192"/>
+            <a:chExt cx="2209165" cy="489365"/>
+          </a:xfrm>
+        </p:grpSpPr>
+        <p:pic>
+          <p:nvPicPr>
+            <p:cNvPr id="8" name="Picture 7"/>
+            <p:cNvPicPr>
+              <a:picLocks noChangeAspect="1"/>
+            </p:cNvPicPr>
+            <p:nvPr/>
+          </p:nvPicPr>
+          <p:blipFill>
+            <a:blip r:embed="rId4">
+              <a:duotone>
+                <a:schemeClr val="accent1">
+                  <a:shade val="45000"/>
+                  <a:satMod val="135000"/>
+                </a:schemeClr>
+                <a:prstClr val="white"/>
+              </a:duotone>
+            </a:blip>
+            <a:stretch>
+              <a:fillRect/>
+            </a:stretch>
+          </p:blipFill>
+          <p:spPr>
+            <a:xfrm>
+              <a:off x="422788" y="936192"/>
+              <a:ext cx="449826" cy="449826"/>
+            </a:xfrm>
+            <a:prstGeom prst="rect">
+              <a:avLst/>
+            </a:prstGeom>
+          </p:spPr>
+        </p:pic>
+        <p:sp>
+          <p:nvSpPr>
+            <p:cNvPr id="9" name="TextBox 8"/>
+            <p:cNvSpPr txBox="1"/>
+            <p:nvPr/>
+          </p:nvSpPr>
+          <p:spPr>
+            <a:xfrm>
+              <a:off x="752218" y="936192"/>
+              <a:ext cx="1879735" cy="489365"/>
+            </a:xfrm>
+            <a:prstGeom prst="rect">
+              <a:avLst/>
+            </a:prstGeom>
+            <a:noFill/>
+          </p:spPr>
+          <p:txBody>
+            <a:bodyPr wrap="square" lIns="182880" tIns="146304" rIns="182880" bIns="146304" rtlCol="0">
+              <a:spAutoFit/>
+            </a:bodyPr>
+            <a:lstStyle/>
+            <a:p>
+              <a:pPr>
+                <a:lnSpc>
+                  <a:spcPct val="90000"/>
+                </a:lnSpc>
+                <a:spcAft>
+                  <a:spcPts val="600"/>
+                </a:spcAft>
+              </a:pPr>
+              <a:r>
+                <a:rPr lang="en-US" sz="1400" dirty="0"/>
+                <a:t>Allow ~4 hours</a:t>
+              </a:r>
+            </a:p>
+          </p:txBody>
+        </p:sp>
+      </p:grpSp>
+    </p:spTree>
+    <p:extLst>
+      <p:ext uri="{BB962C8B-B14F-4D97-AF65-F5344CB8AC3E}">
+        <p14:creationId xmlns:p14="http://schemas.microsoft.com/office/powerpoint/2010/main" val="844716581"/>
+      </p:ext>
+    </p:extLst>
+  </p:cSld>
+  <p:clrMapOvr>
+    <a:masterClrMapping/>
+  </p:clrMapOvr>
+  <mc:AlternateContent xmlns:mc="http://schemas.openxmlformats.org/markup-compatibility/2006" xmlns:p14="http://schemas.microsoft.com/office/powerpoint/2010/main">
+    <mc:Choice Requires="p14">
+      <p:transition spd="med" p14:dur="700">
+        <p:fade/>
+      </p:transition>
+    </mc:Choice>
+    <mc:Fallback xmlns="">
+      <p:transition spd="med">
+        <p:fade/>
+      </p:transition>
+    </mc:Fallback>
+  </mc:AlternateContent>
+</p:sld>
+</file>
+
+<file path=ppt/slides/slide14.xml><?xml version="1.0" encoding="utf-8"?>
+<p:sld xmlns:a="http://schemas.openxmlformats.org/drawingml/2006/main" xmlns:r="http://schemas.openxmlformats.org/officeDocument/2006/relationships" xmlns:p="http://schemas.openxmlformats.org/presentationml/2006/main">
+  <p:cSld>
+    <p:spTree>
+      <p:nvGrpSpPr>
+        <p:cNvPr id="1" name=""/>
+        <p:cNvGrpSpPr/>
+        <p:nvPr/>
+      </p:nvGrpSpPr>
+      <p:grpSpPr>
+        <a:xfrm>
+          <a:off x="0" y="0"/>
+          <a:ext cx="0" cy="0"/>
+          <a:chOff x="0" y="0"/>
+          <a:chExt cx="0" cy="0"/>
+        </a:xfrm>
+      </p:grpSpPr>
+      <p:sp>
+        <p:nvSpPr>
+          <p:cNvPr id="2" name="Title 1"/>
+          <p:cNvSpPr>
+            <a:spLocks noGrp="1"/>
+          </p:cNvSpPr>
+          <p:nvPr>
+            <p:ph type="title"/>
+          </p:nvPr>
+        </p:nvSpPr>
+        <p:spPr/>
+        <p:txBody>
+          <a:bodyPr/>
+          <a:lstStyle/>
+          <a:p>
+            <a:r>
+              <a:rPr lang="en-US"/>
+              <a:t>Planning Checklist</a:t>
+            </a:r>
+            <a:endParaRPr lang="en-US" dirty="0"/>
+          </a:p>
+        </p:txBody>
+      </p:sp>
+      <p:sp>
+        <p:nvSpPr>
+          <p:cNvPr id="11" name="TextBox 10"/>
+          <p:cNvSpPr txBox="1"/>
+          <p:nvPr/>
+        </p:nvSpPr>
+        <p:spPr>
+          <a:xfrm>
+            <a:off x="2198194" y="1261033"/>
+            <a:ext cx="8129681" cy="1043363"/>
+          </a:xfrm>
+          <a:prstGeom prst="rect">
+            <a:avLst/>
+          </a:prstGeom>
+          <a:noFill/>
+        </p:spPr>
+        <p:txBody>
+          <a:bodyPr wrap="square" lIns="182880" tIns="146304" rIns="182880" bIns="146304" rtlCol="0">
+            <a:spAutoFit/>
+          </a:bodyPr>
+          <a:lstStyle/>
+          <a:p>
+            <a:pPr>
+              <a:lnSpc>
+                <a:spcPct val="90000"/>
+              </a:lnSpc>
+              <a:spcAft>
+                <a:spcPts val="600"/>
+              </a:spcAft>
+            </a:pPr>
+            <a:r>
+              <a:rPr lang="en-US" dirty="0">
+                <a:latin typeface="+mj-lt"/>
+              </a:rPr>
+              <a:t>Work with your group to establish a plan of action and parameters of deliverables, required resources, milestones, and deciding on POC/pilot opportunities and requirements. Be sure to do the following:</a:t>
+            </a:r>
+          </a:p>
+        </p:txBody>
+      </p:sp>
+      <p:sp>
+        <p:nvSpPr>
+          <p:cNvPr id="6" name="Rectangle 5"/>
+          <p:cNvSpPr/>
+          <p:nvPr/>
+        </p:nvSpPr>
+        <p:spPr>
+          <a:xfrm>
+            <a:off x="2661450" y="2473663"/>
+            <a:ext cx="8494230" cy="4025717"/>
+          </a:xfrm>
+          <a:prstGeom prst="rect">
+            <a:avLst/>
+          </a:prstGeom>
+        </p:spPr>
+        <p:txBody>
+          <a:bodyPr wrap="square">
+            <a:spAutoFit/>
+          </a:bodyPr>
+          <a:lstStyle/>
+          <a:p>
+            <a:pPr marL="285750" indent="-285750">
+              <a:lnSpc>
+                <a:spcPct val="90000"/>
+              </a:lnSpc>
+              <a:spcAft>
+                <a:spcPts val="600"/>
+              </a:spcAft>
+              <a:buFont typeface="Wingdings" charset="2"/>
+              <a:buChar char="q"/>
+            </a:pPr>
+            <a:r>
+              <a:rPr lang="en-US" dirty="0"/>
+              <a:t>Establish proof points</a:t>
+            </a:r>
+          </a:p>
+          <a:p>
+            <a:pPr marL="285750" indent="-285750">
+              <a:lnSpc>
+                <a:spcPct val="90000"/>
+              </a:lnSpc>
+              <a:spcAft>
+                <a:spcPts val="600"/>
+              </a:spcAft>
+              <a:buFont typeface="Wingdings" charset="2"/>
+              <a:buChar char="q"/>
+            </a:pPr>
+            <a:r>
+              <a:rPr lang="en-US" dirty="0"/>
+              <a:t>Identify exclusions, risks, and issues (refine solution functionality)</a:t>
+            </a:r>
+          </a:p>
+          <a:p>
+            <a:pPr marL="285750" indent="-285750">
+              <a:lnSpc>
+                <a:spcPct val="90000"/>
+              </a:lnSpc>
+              <a:spcAft>
+                <a:spcPts val="600"/>
+              </a:spcAft>
+              <a:buFont typeface="Wingdings" charset="2"/>
+              <a:buChar char="q"/>
+            </a:pPr>
+            <a:r>
+              <a:rPr lang="en-US" dirty="0"/>
+              <a:t>List project pre-requisites (legal, funding, technical, etc.)</a:t>
+            </a:r>
+          </a:p>
+          <a:p>
+            <a:pPr marL="285750" indent="-285750">
+              <a:lnSpc>
+                <a:spcPct val="90000"/>
+              </a:lnSpc>
+              <a:spcAft>
+                <a:spcPts val="600"/>
+              </a:spcAft>
+              <a:buFont typeface="Wingdings" charset="2"/>
+              <a:buChar char="q"/>
+            </a:pPr>
+            <a:r>
+              <a:rPr lang="en-US" dirty="0"/>
+              <a:t>List required resources</a:t>
+            </a:r>
+          </a:p>
+          <a:p>
+            <a:pPr marL="285750" indent="-285750">
+              <a:lnSpc>
+                <a:spcPct val="90000"/>
+              </a:lnSpc>
+              <a:spcAft>
+                <a:spcPts val="600"/>
+              </a:spcAft>
+              <a:buFont typeface="Wingdings" charset="2"/>
+              <a:buChar char="q"/>
+            </a:pPr>
+            <a:r>
+              <a:rPr lang="en-US" dirty="0"/>
+              <a:t>Notate long-term project plans (continued maintenance, training, handover to customer’s technical staff)</a:t>
+            </a:r>
+          </a:p>
+          <a:p>
+            <a:pPr marL="285750" indent="-285750">
+              <a:lnSpc>
+                <a:spcPct val="90000"/>
+              </a:lnSpc>
+              <a:spcAft>
+                <a:spcPts val="600"/>
+              </a:spcAft>
+              <a:buFont typeface="Wingdings" charset="2"/>
+              <a:buChar char="q"/>
+            </a:pPr>
+            <a:r>
+              <a:rPr lang="en-US" dirty="0"/>
+              <a:t>Establish parameters of communication (primary POCs, preferred means of communication, frequency of meetings, whether conducted in person or virtually, and how often)</a:t>
+            </a:r>
+          </a:p>
+          <a:p>
+            <a:pPr marL="285750" indent="-285750">
+              <a:lnSpc>
+                <a:spcPct val="90000"/>
+              </a:lnSpc>
+              <a:spcAft>
+                <a:spcPts val="600"/>
+              </a:spcAft>
+              <a:buFont typeface="Wingdings" charset="2"/>
+              <a:buChar char="q"/>
+            </a:pPr>
+            <a:r>
+              <a:rPr lang="en-US" dirty="0"/>
+              <a:t>Identify candidates for a POC/prototype</a:t>
+            </a:r>
+          </a:p>
+          <a:p>
+            <a:pPr marL="285750" indent="-285750">
+              <a:lnSpc>
+                <a:spcPct val="90000"/>
+              </a:lnSpc>
+              <a:spcAft>
+                <a:spcPts val="600"/>
+              </a:spcAft>
+              <a:buFont typeface="Wingdings" charset="2"/>
+              <a:buChar char="q"/>
+            </a:pPr>
+            <a:r>
+              <a:rPr lang="en-US" dirty="0"/>
+              <a:t>Identify an opportunity for a pilot</a:t>
+            </a:r>
+          </a:p>
+          <a:p>
+            <a:pPr marL="285750" indent="-285750">
+              <a:lnSpc>
+                <a:spcPct val="90000"/>
+              </a:lnSpc>
+              <a:spcAft>
+                <a:spcPts val="600"/>
+              </a:spcAft>
+              <a:buFont typeface="Wingdings" charset="2"/>
+              <a:buChar char="q"/>
+            </a:pPr>
+            <a:r>
+              <a:rPr lang="en-US" dirty="0"/>
+              <a:t>Consider if a POC or pilot is appropriate as the next step</a:t>
+            </a:r>
+          </a:p>
+          <a:p>
+            <a:pPr marL="285750" indent="-285750">
+              <a:lnSpc>
+                <a:spcPct val="90000"/>
+              </a:lnSpc>
+              <a:spcAft>
+                <a:spcPts val="600"/>
+              </a:spcAft>
+              <a:buFont typeface="Wingdings" charset="2"/>
+              <a:buChar char="q"/>
+            </a:pPr>
+            <a:r>
+              <a:rPr lang="en-US" dirty="0"/>
+              <a:t>Establish solution deliverables, including for POC or pilot if applicable</a:t>
+            </a:r>
+          </a:p>
+        </p:txBody>
+      </p:sp>
+      <p:grpSp>
+        <p:nvGrpSpPr>
+          <p:cNvPr id="7" name="Group 6"/>
+          <p:cNvGrpSpPr/>
+          <p:nvPr/>
+        </p:nvGrpSpPr>
+        <p:grpSpPr>
+          <a:xfrm>
+            <a:off x="422788" y="936192"/>
+            <a:ext cx="2209165" cy="489365"/>
+            <a:chOff x="422788" y="936192"/>
+            <a:chExt cx="2209165" cy="489365"/>
+          </a:xfrm>
+        </p:grpSpPr>
+        <p:pic>
+          <p:nvPicPr>
+            <p:cNvPr id="8" name="Picture 7"/>
+            <p:cNvPicPr>
+              <a:picLocks noChangeAspect="1"/>
+            </p:cNvPicPr>
+            <p:nvPr/>
+          </p:nvPicPr>
+          <p:blipFill>
+            <a:blip r:embed="rId3">
+              <a:duotone>
+                <a:schemeClr val="accent1">
+                  <a:shade val="45000"/>
+                  <a:satMod val="135000"/>
+                </a:schemeClr>
+                <a:prstClr val="white"/>
+              </a:duotone>
+            </a:blip>
+            <a:stretch>
+              <a:fillRect/>
+            </a:stretch>
+          </p:blipFill>
+          <p:spPr>
+            <a:xfrm>
+              <a:off x="422788" y="936192"/>
+              <a:ext cx="449826" cy="449826"/>
+            </a:xfrm>
+            <a:prstGeom prst="rect">
+              <a:avLst/>
+            </a:prstGeom>
+          </p:spPr>
+        </p:pic>
+        <p:sp>
+          <p:nvSpPr>
+            <p:cNvPr id="9" name="TextBox 8"/>
+            <p:cNvSpPr txBox="1"/>
+            <p:nvPr/>
+          </p:nvSpPr>
+          <p:spPr>
+            <a:xfrm>
+              <a:off x="752218" y="936192"/>
+              <a:ext cx="1879735" cy="489365"/>
+            </a:xfrm>
+            <a:prstGeom prst="rect">
+              <a:avLst/>
+            </a:prstGeom>
+            <a:noFill/>
+          </p:spPr>
+          <p:txBody>
+            <a:bodyPr wrap="square" lIns="182880" tIns="146304" rIns="182880" bIns="146304" rtlCol="0">
+              <a:spAutoFit/>
+            </a:bodyPr>
+            <a:lstStyle/>
+            <a:p>
+              <a:pPr>
+                <a:lnSpc>
+                  <a:spcPct val="90000"/>
+                </a:lnSpc>
+                <a:spcAft>
+                  <a:spcPts val="600"/>
+                </a:spcAft>
+              </a:pPr>
+              <a:r>
+                <a:rPr lang="en-US" sz="1400" dirty="0"/>
+                <a:t>Allow ~8 hours</a:t>
+              </a:r>
+            </a:p>
+          </p:txBody>
+        </p:sp>
+      </p:grpSp>
+    </p:spTree>
+    <p:extLst>
+      <p:ext uri="{BB962C8B-B14F-4D97-AF65-F5344CB8AC3E}">
+        <p14:creationId xmlns:p14="http://schemas.microsoft.com/office/powerpoint/2010/main" val="2347283792"/>
+      </p:ext>
+    </p:extLst>
+  </p:cSld>
+  <p:clrMapOvr>
+    <a:masterClrMapping/>
+  </p:clrMapOvr>
+  <mc:AlternateContent xmlns:mc="http://schemas.openxmlformats.org/markup-compatibility/2006" xmlns:p14="http://schemas.microsoft.com/office/powerpoint/2010/main">
+    <mc:Choice Requires="p14">
+      <p:transition spd="med" p14:dur="700">
+        <p:fade/>
+      </p:transition>
+    </mc:Choice>
+    <mc:Fallback xmlns="">
+      <p:transition spd="med">
+        <p:fade/>
+      </p:transition>
+    </mc:Fallback>
+  </mc:AlternateContent>
+</p:sld>
+</file>
+
+<file path=ppt/slides/slide15.xml><?xml version="1.0" encoding="utf-8"?>
+<p:sld xmlns:a="http://schemas.openxmlformats.org/drawingml/2006/main" xmlns:r="http://schemas.openxmlformats.org/officeDocument/2006/relationships" xmlns:p="http://schemas.openxmlformats.org/presentationml/2006/main">
+  <p:cSld>
+    <p:spTree>
+      <p:nvGrpSpPr>
+        <p:cNvPr id="1" name=""/>
+        <p:cNvGrpSpPr/>
+        <p:nvPr/>
+      </p:nvGrpSpPr>
+      <p:grpSpPr>
+        <a:xfrm>
+          <a:off x="0" y="0"/>
+          <a:ext cx="0" cy="0"/>
+          <a:chOff x="0" y="0"/>
+          <a:chExt cx="0" cy="0"/>
+        </a:xfrm>
+      </p:grpSpPr>
+      <p:sp>
+        <p:nvSpPr>
+          <p:cNvPr id="2" name="Title 1"/>
+          <p:cNvSpPr>
+            <a:spLocks noGrp="1"/>
+          </p:cNvSpPr>
+          <p:nvPr>
+            <p:ph type="title"/>
+          </p:nvPr>
+        </p:nvSpPr>
+        <p:spPr/>
+        <p:txBody>
+          <a:bodyPr/>
+          <a:lstStyle/>
+          <a:p>
+            <a:r>
+              <a:rPr lang="en-US"/>
+              <a:t>Decision Tree </a:t>
+            </a:r>
+            <a:r>
+              <a:rPr lang="mr-IN"/>
+              <a:t>–</a:t>
+            </a:r>
+            <a:r>
+              <a:rPr lang="en-US"/>
+              <a:t> POC or Pilot?</a:t>
+            </a:r>
+            <a:endParaRPr lang="en-US" dirty="0"/>
+          </a:p>
+        </p:txBody>
+      </p:sp>
+      <p:sp>
+        <p:nvSpPr>
+          <p:cNvPr id="4" name="Diamond 3"/>
+          <p:cNvSpPr/>
+          <p:nvPr/>
+        </p:nvSpPr>
+        <p:spPr bwMode="auto">
+          <a:xfrm>
+            <a:off x="731383" y="2986168"/>
+            <a:ext cx="508000" cy="508000"/>
+          </a:xfrm>
+          <a:prstGeom prst="diamond">
+            <a:avLst/>
+          </a:prstGeom>
+          <a:solidFill>
+            <a:schemeClr val="accent1"/>
+          </a:solidFill>
+          <a:ln>
+            <a:noFill/>
+            <a:headEnd type="none" w="med" len="med"/>
+            <a:tailEnd type="none" w="med" len="med"/>
+          </a:ln>
+          <a:effectLst/>
+        </p:spPr>
+        <p:style>
+          <a:lnRef idx="1">
+            <a:schemeClr val="accent2"/>
+          </a:lnRef>
+          <a:fillRef idx="3">
+            <a:schemeClr val="accent2"/>
+          </a:fillRef>
+          <a:effectRef idx="2">
+            <a:schemeClr val="accent2"/>
+          </a:effectRef>
+          <a:fontRef idx="minor">
+            <a:schemeClr val="lt1"/>
+          </a:fontRef>
+        </p:style>
+        <p:txBody>
+          <a:bodyPr rot="0" spcFirstLastPara="0" vertOverflow="overflow" horzOverflow="overflow" vert="horz" wrap="square" lIns="182880" tIns="146304" rIns="182880" bIns="146304" numCol="1" spcCol="0" rtlCol="0" fromWordArt="0" anchor="t" anchorCtr="0" forceAA="0" compatLnSpc="1">
+            <a:prstTxWarp prst="textNoShape">
+              <a:avLst/>
+            </a:prstTxWarp>
+            <a:noAutofit/>
+          </a:bodyPr>
+          <a:lstStyle/>
+          <a:p>
+            <a:pPr algn="ctr" defTabSz="932472" fontAlgn="base">
+              <a:lnSpc>
+                <a:spcPct val="90000"/>
+              </a:lnSpc>
+              <a:spcBef>
+                <a:spcPct val="0"/>
+              </a:spcBef>
+              <a:spcAft>
+                <a:spcPct val="0"/>
+              </a:spcAft>
+            </a:pPr>
+            <a:endParaRPr lang="en-US" sz="2400" dirty="0" err="1">
+              <a:gradFill>
+                <a:gsLst>
+                  <a:gs pos="0">
+                    <a:srgbClr val="FFFFFF"/>
+                  </a:gs>
+                  <a:gs pos="100000">
+                    <a:srgbClr val="FFFFFF"/>
+                  </a:gs>
+                </a:gsLst>
+                <a:lin ang="5400000" scaled="0"/>
+              </a:gradFill>
+              <a:ea typeface="Segoe UI" pitchFamily="34" charset="0"/>
+              <a:cs typeface="Segoe UI" pitchFamily="34" charset="0"/>
+            </a:endParaRPr>
+          </a:p>
+        </p:txBody>
+      </p:sp>
+      <p:sp>
+        <p:nvSpPr>
+          <p:cNvPr id="5" name="TextBox 4"/>
+          <p:cNvSpPr txBox="1"/>
+          <p:nvPr/>
+        </p:nvSpPr>
+        <p:spPr>
+          <a:xfrm>
+            <a:off x="502013" y="3479956"/>
+            <a:ext cx="980589" cy="627864"/>
+          </a:xfrm>
+          <a:prstGeom prst="rect">
+            <a:avLst/>
+          </a:prstGeom>
+          <a:noFill/>
+        </p:spPr>
+        <p:txBody>
+          <a:bodyPr wrap="none" lIns="182880" tIns="146304" rIns="182880" bIns="146304" rtlCol="0">
+            <a:spAutoFit/>
+          </a:bodyPr>
+          <a:lstStyle/>
+          <a:p>
+            <a:pPr>
+              <a:lnSpc>
+                <a:spcPct val="90000"/>
+              </a:lnSpc>
+              <a:spcAft>
+                <a:spcPts val="600"/>
+              </a:spcAft>
+            </a:pPr>
+            <a:r>
+              <a:rPr lang="en-US" sz="2400" dirty="0"/>
+              <a:t>Start</a:t>
+            </a:r>
+          </a:p>
+        </p:txBody>
+      </p:sp>
+      <p:sp>
+        <p:nvSpPr>
+          <p:cNvPr id="7" name="Rectangle 6"/>
+          <p:cNvSpPr/>
+          <p:nvPr/>
+        </p:nvSpPr>
+        <p:spPr>
+          <a:xfrm>
+            <a:off x="1746348" y="2082597"/>
+            <a:ext cx="2685351" cy="480131"/>
+          </a:xfrm>
+          <a:prstGeom prst="rect">
+            <a:avLst/>
+          </a:prstGeom>
+        </p:spPr>
+        <p:txBody>
+          <a:bodyPr wrap="none">
+            <a:spAutoFit/>
+          </a:bodyPr>
+          <a:lstStyle/>
+          <a:p>
+            <a:pPr>
+              <a:lnSpc>
+                <a:spcPct val="90000"/>
+              </a:lnSpc>
+              <a:spcAft>
+                <a:spcPts val="600"/>
+              </a:spcAft>
+            </a:pPr>
+            <a:r>
+              <a:rPr lang="en-US" sz="1400" dirty="0"/>
+              <a:t>Will proving the scope out</a:t>
+            </a:r>
+            <a:br>
+              <a:rPr lang="en-US" sz="1400" dirty="0"/>
+            </a:br>
+            <a:r>
+              <a:rPr lang="en-US" sz="1400" dirty="0"/>
+              <a:t>earlier </a:t>
+            </a:r>
+            <a:r>
+              <a:rPr lang="en-US" sz="1400" dirty="0" err="1"/>
+              <a:t>derisk</a:t>
+            </a:r>
+            <a:r>
+              <a:rPr lang="en-US" sz="1400" dirty="0"/>
+              <a:t> the overall project?</a:t>
+            </a:r>
+          </a:p>
+        </p:txBody>
+      </p:sp>
+      <p:sp>
+        <p:nvSpPr>
+          <p:cNvPr id="9" name="Rectangle 8"/>
+          <p:cNvSpPr/>
+          <p:nvPr/>
+        </p:nvSpPr>
+        <p:spPr>
+          <a:xfrm>
+            <a:off x="7232268" y="3854511"/>
+            <a:ext cx="1961819" cy="480131"/>
+          </a:xfrm>
+          <a:prstGeom prst="rect">
+            <a:avLst/>
+          </a:prstGeom>
+        </p:spPr>
+        <p:txBody>
+          <a:bodyPr wrap="none">
+            <a:spAutoFit/>
+          </a:bodyPr>
+          <a:lstStyle/>
+          <a:p>
+            <a:pPr>
+              <a:lnSpc>
+                <a:spcPct val="90000"/>
+              </a:lnSpc>
+              <a:spcAft>
+                <a:spcPts val="600"/>
+              </a:spcAft>
+            </a:pPr>
+            <a:r>
+              <a:rPr lang="en-US" sz="1400" dirty="0"/>
+              <a:t>Does it need to release</a:t>
+            </a:r>
+            <a:br>
+              <a:rPr lang="en-US" sz="1400" dirty="0"/>
+            </a:br>
+            <a:r>
+              <a:rPr lang="en-US" sz="1400" dirty="0"/>
+              <a:t>into production?</a:t>
+            </a:r>
+          </a:p>
+        </p:txBody>
+      </p:sp>
+      <p:sp>
+        <p:nvSpPr>
+          <p:cNvPr id="10" name="Rectangle 9"/>
+          <p:cNvSpPr/>
+          <p:nvPr/>
+        </p:nvSpPr>
+        <p:spPr>
+          <a:xfrm>
+            <a:off x="1708944" y="4046091"/>
+            <a:ext cx="3172791" cy="674031"/>
+          </a:xfrm>
+          <a:prstGeom prst="rect">
+            <a:avLst/>
+          </a:prstGeom>
+        </p:spPr>
+        <p:txBody>
+          <a:bodyPr wrap="square">
+            <a:spAutoFit/>
+          </a:bodyPr>
+          <a:lstStyle/>
+          <a:p>
+            <a:pPr>
+              <a:lnSpc>
+                <a:spcPct val="90000"/>
+              </a:lnSpc>
+              <a:spcAft>
+                <a:spcPts val="600"/>
+              </a:spcAft>
+            </a:pPr>
+            <a:r>
+              <a:rPr lang="en-US" sz="1400" dirty="0"/>
+              <a:t>Is the technology/architecture unfamiliar</a:t>
+            </a:r>
+            <a:br>
+              <a:rPr lang="en-US" sz="1400" dirty="0"/>
+            </a:br>
+            <a:r>
+              <a:rPr lang="en-US" sz="1400" dirty="0"/>
+              <a:t>to the customer?</a:t>
+            </a:r>
+          </a:p>
+        </p:txBody>
+      </p:sp>
+      <p:sp>
+        <p:nvSpPr>
+          <p:cNvPr id="12" name="Rectangle 11"/>
+          <p:cNvSpPr/>
+          <p:nvPr/>
+        </p:nvSpPr>
+        <p:spPr>
+          <a:xfrm>
+            <a:off x="1725488" y="3086818"/>
+            <a:ext cx="3278141" cy="480131"/>
+          </a:xfrm>
+          <a:prstGeom prst="rect">
+            <a:avLst/>
+          </a:prstGeom>
+        </p:spPr>
+        <p:txBody>
+          <a:bodyPr wrap="none">
+            <a:spAutoFit/>
+          </a:bodyPr>
+          <a:lstStyle/>
+          <a:p>
+            <a:pPr>
+              <a:lnSpc>
+                <a:spcPct val="90000"/>
+              </a:lnSpc>
+              <a:spcAft>
+                <a:spcPts val="600"/>
+              </a:spcAft>
+            </a:pPr>
+            <a:r>
+              <a:rPr lang="en-US" sz="1400" dirty="0"/>
+              <a:t>Is there uncertainty about the </a:t>
+            </a:r>
+            <a:br>
+              <a:rPr lang="en-US" sz="1400" dirty="0"/>
+            </a:br>
+            <a:r>
+              <a:rPr lang="en-US" sz="1400" dirty="0"/>
+              <a:t>recommended technology/architecture?</a:t>
+            </a:r>
+          </a:p>
+        </p:txBody>
+      </p:sp>
+      <p:cxnSp>
+        <p:nvCxnSpPr>
+          <p:cNvPr id="13" name="Elbow Connector 12"/>
+          <p:cNvCxnSpPr>
+            <a:stCxn id="76" idx="3"/>
+            <a:endCxn id="9" idx="0"/>
+          </p:cNvCxnSpPr>
+          <p:nvPr/>
+        </p:nvCxnSpPr>
+        <p:spPr>
+          <a:xfrm>
+            <a:off x="5989570" y="2446162"/>
+            <a:ext cx="2223608" cy="1408349"/>
+          </a:xfrm>
+          <a:prstGeom prst="bentConnector2">
+            <a:avLst/>
+          </a:prstGeom>
+          <a:ln>
+            <a:solidFill>
+              <a:schemeClr val="bg1"/>
+            </a:solidFill>
+            <a:headEnd type="none"/>
+            <a:tailEnd type="triangle"/>
+          </a:ln>
+        </p:spPr>
+        <p:style>
+          <a:lnRef idx="1">
+            <a:schemeClr val="accent1"/>
+          </a:lnRef>
+          <a:fillRef idx="0">
+            <a:schemeClr val="accent1"/>
+          </a:fillRef>
+          <a:effectRef idx="0">
+            <a:schemeClr val="accent1"/>
+          </a:effectRef>
+          <a:fontRef idx="minor">
+            <a:schemeClr val="tx1"/>
+          </a:fontRef>
+        </p:style>
+      </p:cxnSp>
+      <p:sp>
+        <p:nvSpPr>
+          <p:cNvPr id="17" name="Rectangle 16"/>
+          <p:cNvSpPr/>
+          <p:nvPr/>
+        </p:nvSpPr>
+        <p:spPr>
+          <a:xfrm>
+            <a:off x="5989570" y="2412501"/>
+            <a:ext cx="433837" cy="286232"/>
+          </a:xfrm>
+          <a:prstGeom prst="rect">
+            <a:avLst/>
+          </a:prstGeom>
+        </p:spPr>
+        <p:txBody>
+          <a:bodyPr wrap="none">
+            <a:spAutoFit/>
+          </a:bodyPr>
+          <a:lstStyle/>
+          <a:p>
+            <a:pPr>
+              <a:lnSpc>
+                <a:spcPct val="90000"/>
+              </a:lnSpc>
+              <a:spcAft>
+                <a:spcPts val="600"/>
+              </a:spcAft>
+            </a:pPr>
+            <a:r>
+              <a:rPr lang="en-US" sz="1400"/>
+              <a:t>yes</a:t>
+            </a:r>
+            <a:endParaRPr lang="en-US" sz="1400" dirty="0"/>
+          </a:p>
+        </p:txBody>
+      </p:sp>
+      <p:cxnSp>
+        <p:nvCxnSpPr>
+          <p:cNvPr id="18" name="Elbow Connector 17"/>
+          <p:cNvCxnSpPr>
+            <a:stCxn id="79" idx="3"/>
+            <a:endCxn id="9" idx="0"/>
+          </p:cNvCxnSpPr>
+          <p:nvPr/>
+        </p:nvCxnSpPr>
+        <p:spPr>
+          <a:xfrm>
+            <a:off x="5989569" y="3436709"/>
+            <a:ext cx="2223609" cy="417802"/>
+          </a:xfrm>
+          <a:prstGeom prst="bentConnector2">
+            <a:avLst/>
+          </a:prstGeom>
+          <a:ln>
+            <a:solidFill>
+              <a:schemeClr val="bg1"/>
+            </a:solidFill>
+            <a:headEnd type="none"/>
+            <a:tailEnd type="triangle"/>
+          </a:ln>
+        </p:spPr>
+        <p:style>
+          <a:lnRef idx="1">
+            <a:schemeClr val="accent1"/>
+          </a:lnRef>
+          <a:fillRef idx="0">
+            <a:schemeClr val="accent1"/>
+          </a:fillRef>
+          <a:effectRef idx="0">
+            <a:schemeClr val="accent1"/>
+          </a:effectRef>
+          <a:fontRef idx="minor">
+            <a:schemeClr val="tx1"/>
+          </a:fontRef>
+        </p:style>
+      </p:cxnSp>
+      <p:sp>
+        <p:nvSpPr>
+          <p:cNvPr id="19" name="Rectangle 18"/>
+          <p:cNvSpPr/>
+          <p:nvPr/>
+        </p:nvSpPr>
+        <p:spPr>
+          <a:xfrm>
+            <a:off x="5989569" y="3437324"/>
+            <a:ext cx="433837" cy="286232"/>
+          </a:xfrm>
+          <a:prstGeom prst="rect">
+            <a:avLst/>
+          </a:prstGeom>
+        </p:spPr>
+        <p:txBody>
+          <a:bodyPr wrap="none">
+            <a:spAutoFit/>
+          </a:bodyPr>
+          <a:lstStyle/>
+          <a:p>
+            <a:pPr>
+              <a:lnSpc>
+                <a:spcPct val="90000"/>
+              </a:lnSpc>
+              <a:spcAft>
+                <a:spcPts val="600"/>
+              </a:spcAft>
+            </a:pPr>
+            <a:r>
+              <a:rPr lang="en-US" sz="1400"/>
+              <a:t>yes</a:t>
+            </a:r>
+            <a:endParaRPr lang="en-US" sz="1400" dirty="0"/>
+          </a:p>
+        </p:txBody>
+      </p:sp>
+      <p:cxnSp>
+        <p:nvCxnSpPr>
+          <p:cNvPr id="20" name="Elbow Connector 19"/>
+          <p:cNvCxnSpPr/>
+          <p:nvPr/>
+        </p:nvCxnSpPr>
+        <p:spPr>
+          <a:xfrm rot="16200000" flipH="1">
+            <a:off x="8026768" y="4459727"/>
+            <a:ext cx="524090" cy="249182"/>
+          </a:xfrm>
+          <a:prstGeom prst="bentConnector3">
+            <a:avLst>
+              <a:gd name="adj1" fmla="val 50000"/>
+            </a:avLst>
+          </a:prstGeom>
+          <a:ln>
+            <a:solidFill>
+              <a:schemeClr val="bg1"/>
+            </a:solidFill>
+            <a:headEnd type="none"/>
+            <a:tailEnd type="triangle"/>
+          </a:ln>
+        </p:spPr>
+        <p:style>
+          <a:lnRef idx="1">
+            <a:schemeClr val="accent1"/>
+          </a:lnRef>
+          <a:fillRef idx="0">
+            <a:schemeClr val="accent1"/>
+          </a:fillRef>
+          <a:effectRef idx="0">
+            <a:schemeClr val="accent1"/>
+          </a:effectRef>
+          <a:fontRef idx="minor">
+            <a:schemeClr val="tx1"/>
+          </a:fontRef>
+        </p:style>
+      </p:cxnSp>
+      <p:sp>
+        <p:nvSpPr>
+          <p:cNvPr id="21" name="Rectangle 20"/>
+          <p:cNvSpPr/>
+          <p:nvPr/>
+        </p:nvSpPr>
+        <p:spPr>
+          <a:xfrm>
+            <a:off x="9061617" y="4070393"/>
+            <a:ext cx="386644" cy="286232"/>
+          </a:xfrm>
+          <a:prstGeom prst="rect">
+            <a:avLst/>
+          </a:prstGeom>
+        </p:spPr>
+        <p:txBody>
+          <a:bodyPr wrap="none">
+            <a:spAutoFit/>
+          </a:bodyPr>
+          <a:lstStyle/>
+          <a:p>
+            <a:pPr>
+              <a:lnSpc>
+                <a:spcPct val="90000"/>
+              </a:lnSpc>
+              <a:spcAft>
+                <a:spcPts val="600"/>
+              </a:spcAft>
+            </a:pPr>
+            <a:r>
+              <a:rPr lang="en-US" sz="1400"/>
+              <a:t>no</a:t>
+            </a:r>
+            <a:endParaRPr lang="en-US" sz="1400" dirty="0"/>
+          </a:p>
+        </p:txBody>
+      </p:sp>
+      <p:sp>
+        <p:nvSpPr>
+          <p:cNvPr id="22" name="Rectangle 21"/>
+          <p:cNvSpPr/>
+          <p:nvPr/>
+        </p:nvSpPr>
+        <p:spPr>
+          <a:xfrm>
+            <a:off x="9671271" y="4969533"/>
+            <a:ext cx="2224776" cy="313932"/>
+          </a:xfrm>
+          <a:prstGeom prst="rect">
+            <a:avLst/>
+          </a:prstGeom>
+          <a:ln w="28575">
+            <a:solidFill>
+              <a:schemeClr val="bg1"/>
+            </a:solidFill>
+          </a:ln>
+        </p:spPr>
+        <p:txBody>
+          <a:bodyPr wrap="none">
+            <a:spAutoFit/>
+          </a:bodyPr>
+          <a:lstStyle/>
+          <a:p>
+            <a:pPr>
+              <a:lnSpc>
+                <a:spcPct val="90000"/>
+              </a:lnSpc>
+              <a:spcAft>
+                <a:spcPts val="600"/>
+              </a:spcAft>
+            </a:pPr>
+            <a:r>
+              <a:rPr lang="en-US" sz="1600" dirty="0"/>
+              <a:t>Build Proof of Concept</a:t>
+            </a:r>
+          </a:p>
+        </p:txBody>
+      </p:sp>
+      <p:sp>
+        <p:nvSpPr>
+          <p:cNvPr id="24" name="Rectangle 23"/>
+          <p:cNvSpPr/>
+          <p:nvPr/>
+        </p:nvSpPr>
+        <p:spPr>
+          <a:xfrm>
+            <a:off x="8117980" y="4264292"/>
+            <a:ext cx="433837" cy="286232"/>
+          </a:xfrm>
+          <a:prstGeom prst="rect">
+            <a:avLst/>
+          </a:prstGeom>
+        </p:spPr>
+        <p:txBody>
+          <a:bodyPr wrap="none">
+            <a:spAutoFit/>
+          </a:bodyPr>
+          <a:lstStyle/>
+          <a:p>
+            <a:pPr>
+              <a:lnSpc>
+                <a:spcPct val="90000"/>
+              </a:lnSpc>
+              <a:spcAft>
+                <a:spcPts val="600"/>
+              </a:spcAft>
+            </a:pPr>
+            <a:r>
+              <a:rPr lang="en-US" sz="1400"/>
+              <a:t>yes</a:t>
+            </a:r>
+            <a:endParaRPr lang="en-US" sz="1400" dirty="0"/>
+          </a:p>
+        </p:txBody>
+      </p:sp>
+      <p:sp>
+        <p:nvSpPr>
+          <p:cNvPr id="25" name="Rectangle 24"/>
+          <p:cNvSpPr/>
+          <p:nvPr/>
+        </p:nvSpPr>
+        <p:spPr>
+          <a:xfrm>
+            <a:off x="7886657" y="4969533"/>
+            <a:ext cx="1257075" cy="313932"/>
+          </a:xfrm>
+          <a:prstGeom prst="rect">
+            <a:avLst/>
+          </a:prstGeom>
+          <a:ln w="28575">
+            <a:solidFill>
+              <a:schemeClr val="bg1"/>
+            </a:solidFill>
+          </a:ln>
+        </p:spPr>
+        <p:txBody>
+          <a:bodyPr wrap="none">
+            <a:spAutoFit/>
+          </a:bodyPr>
+          <a:lstStyle/>
+          <a:p>
+            <a:pPr>
+              <a:lnSpc>
+                <a:spcPct val="90000"/>
+              </a:lnSpc>
+              <a:spcAft>
+                <a:spcPts val="600"/>
+              </a:spcAft>
+            </a:pPr>
+            <a:r>
+              <a:rPr lang="en-US" sz="1600" dirty="0"/>
+              <a:t>Build a Pilot</a:t>
+            </a:r>
+          </a:p>
+        </p:txBody>
+      </p:sp>
+      <p:cxnSp>
+        <p:nvCxnSpPr>
+          <p:cNvPr id="33" name="Elbow Connector 32"/>
+          <p:cNvCxnSpPr>
+            <a:stCxn id="85" idx="3"/>
+            <a:endCxn id="9" idx="1"/>
+          </p:cNvCxnSpPr>
+          <p:nvPr/>
+        </p:nvCxnSpPr>
+        <p:spPr>
+          <a:xfrm flipV="1">
+            <a:off x="5985621" y="4094577"/>
+            <a:ext cx="1246647" cy="254099"/>
+          </a:xfrm>
+          <a:prstGeom prst="bentConnector3">
+            <a:avLst>
+              <a:gd name="adj1" fmla="val 50000"/>
+            </a:avLst>
+          </a:prstGeom>
+          <a:ln>
+            <a:solidFill>
+              <a:schemeClr val="bg1"/>
+            </a:solidFill>
+            <a:headEnd type="none"/>
+            <a:tailEnd type="triangle"/>
+          </a:ln>
+        </p:spPr>
+        <p:style>
+          <a:lnRef idx="1">
+            <a:schemeClr val="accent1"/>
+          </a:lnRef>
+          <a:fillRef idx="0">
+            <a:schemeClr val="accent1"/>
+          </a:fillRef>
+          <a:effectRef idx="0">
+            <a:schemeClr val="accent1"/>
+          </a:effectRef>
+          <a:fontRef idx="minor">
+            <a:schemeClr val="tx1"/>
+          </a:fontRef>
+        </p:style>
+      </p:cxnSp>
+      <p:sp>
+        <p:nvSpPr>
+          <p:cNvPr id="34" name="Rectangle 33"/>
+          <p:cNvSpPr/>
+          <p:nvPr/>
+        </p:nvSpPr>
+        <p:spPr>
+          <a:xfrm>
+            <a:off x="5948254" y="4286157"/>
+            <a:ext cx="467785" cy="286232"/>
+          </a:xfrm>
+          <a:prstGeom prst="rect">
+            <a:avLst/>
+          </a:prstGeom>
+        </p:spPr>
+        <p:txBody>
+          <a:bodyPr wrap="square">
+            <a:spAutoFit/>
+          </a:bodyPr>
+          <a:lstStyle/>
+          <a:p>
+            <a:pPr>
+              <a:lnSpc>
+                <a:spcPct val="90000"/>
+              </a:lnSpc>
+              <a:spcAft>
+                <a:spcPts val="600"/>
+              </a:spcAft>
+            </a:pPr>
+            <a:r>
+              <a:rPr lang="en-US" sz="1400" dirty="0"/>
+              <a:t>yes</a:t>
+            </a:r>
+          </a:p>
+        </p:txBody>
+      </p:sp>
+      <p:cxnSp>
+        <p:nvCxnSpPr>
+          <p:cNvPr id="36" name="Elbow Connector 35"/>
+          <p:cNvCxnSpPr>
+            <a:stCxn id="9" idx="3"/>
+            <a:endCxn id="22" idx="0"/>
+          </p:cNvCxnSpPr>
+          <p:nvPr/>
+        </p:nvCxnSpPr>
+        <p:spPr>
+          <a:xfrm>
+            <a:off x="9194087" y="4094577"/>
+            <a:ext cx="1589572" cy="874956"/>
+          </a:xfrm>
+          <a:prstGeom prst="bentConnector2">
+            <a:avLst/>
+          </a:prstGeom>
+          <a:ln>
+            <a:solidFill>
+              <a:schemeClr val="bg1"/>
+            </a:solidFill>
+            <a:headEnd type="none"/>
+            <a:tailEnd type="triangle"/>
+          </a:ln>
+        </p:spPr>
+        <p:style>
+          <a:lnRef idx="1">
+            <a:schemeClr val="accent1"/>
+          </a:lnRef>
+          <a:fillRef idx="0">
+            <a:schemeClr val="accent1"/>
+          </a:fillRef>
+          <a:effectRef idx="0">
+            <a:schemeClr val="accent1"/>
+          </a:effectRef>
+          <a:fontRef idx="minor">
+            <a:schemeClr val="tx1"/>
+          </a:fontRef>
+        </p:style>
+      </p:cxnSp>
+      <p:sp>
+        <p:nvSpPr>
+          <p:cNvPr id="39" name="Rectangle 38"/>
+          <p:cNvSpPr/>
+          <p:nvPr/>
+        </p:nvSpPr>
+        <p:spPr>
+          <a:xfrm>
+            <a:off x="1208693" y="1248050"/>
+            <a:ext cx="7076325" cy="480131"/>
+          </a:xfrm>
+          <a:prstGeom prst="rect">
+            <a:avLst/>
+          </a:prstGeom>
+        </p:spPr>
+        <p:txBody>
+          <a:bodyPr wrap="square">
+            <a:spAutoFit/>
+          </a:bodyPr>
+          <a:lstStyle/>
+          <a:p>
+            <a:pPr>
+              <a:lnSpc>
+                <a:spcPct val="90000"/>
+              </a:lnSpc>
+              <a:spcAft>
+                <a:spcPts val="600"/>
+              </a:spcAft>
+            </a:pPr>
+            <a:r>
+              <a:rPr lang="en-US" sz="1400" dirty="0">
+                <a:latin typeface="+mj-lt"/>
+              </a:rPr>
+              <a:t>In choosing between implementing a proof of concept or a pilot for a given scope, consider the following questions to help you make your decision:</a:t>
+            </a:r>
+          </a:p>
+        </p:txBody>
+      </p:sp>
+      <p:sp>
+        <p:nvSpPr>
+          <p:cNvPr id="42" name="Left Brace 41"/>
+          <p:cNvSpPr/>
+          <p:nvPr/>
+        </p:nvSpPr>
+        <p:spPr>
+          <a:xfrm>
+            <a:off x="1322875" y="2078469"/>
+            <a:ext cx="419962" cy="2351265"/>
+          </a:xfrm>
+          <a:prstGeom prst="leftBrace">
+            <a:avLst/>
+          </a:prstGeom>
+          <a:ln>
+            <a:solidFill>
+              <a:schemeClr val="accent3"/>
+            </a:solidFill>
+            <a:headEnd type="none"/>
+            <a:tailEnd type="none"/>
+          </a:ln>
+        </p:spPr>
+        <p:style>
+          <a:lnRef idx="1">
+            <a:schemeClr val="accent1"/>
+          </a:lnRef>
+          <a:fillRef idx="0">
+            <a:schemeClr val="accent1"/>
+          </a:fillRef>
+          <a:effectRef idx="0">
+            <a:schemeClr val="accent1"/>
+          </a:effectRef>
+          <a:fontRef idx="minor">
+            <a:schemeClr val="tx1"/>
+          </a:fontRef>
+        </p:style>
+        <p:txBody>
+          <a:bodyPr rtlCol="0" anchor="ctr"/>
+          <a:lstStyle/>
+          <a:p>
+            <a:pPr algn="ctr"/>
+            <a:endParaRPr lang="en-US">
+              <a:solidFill>
+                <a:schemeClr val="bg1"/>
+              </a:solidFill>
+            </a:endParaRPr>
+          </a:p>
+        </p:txBody>
+      </p:sp>
+      <p:sp>
+        <p:nvSpPr>
+          <p:cNvPr id="43" name="Rectangle 42"/>
+          <p:cNvSpPr/>
+          <p:nvPr/>
+        </p:nvSpPr>
+        <p:spPr>
+          <a:xfrm>
+            <a:off x="3797655" y="5251321"/>
+            <a:ext cx="2536272" cy="535531"/>
+          </a:xfrm>
+          <a:prstGeom prst="rect">
+            <a:avLst/>
+          </a:prstGeom>
+          <a:ln w="28575">
+            <a:solidFill>
+              <a:schemeClr val="bg1"/>
+            </a:solidFill>
+          </a:ln>
+        </p:spPr>
+        <p:txBody>
+          <a:bodyPr wrap="none">
+            <a:spAutoFit/>
+          </a:bodyPr>
+          <a:lstStyle/>
+          <a:p>
+            <a:pPr>
+              <a:lnSpc>
+                <a:spcPct val="90000"/>
+              </a:lnSpc>
+              <a:spcAft>
+                <a:spcPts val="600"/>
+              </a:spcAft>
+            </a:pPr>
+            <a:r>
+              <a:rPr lang="en-US" sz="1600" dirty="0"/>
+              <a:t>Build neither POC or Pilot,</a:t>
+            </a:r>
+            <a:br>
+              <a:rPr lang="en-US" sz="1600" dirty="0"/>
+            </a:br>
+            <a:r>
+              <a:rPr lang="en-US" sz="1600" dirty="0"/>
+              <a:t>deliver as part of solution</a:t>
+            </a:r>
+          </a:p>
+        </p:txBody>
+      </p:sp>
+      <p:sp>
+        <p:nvSpPr>
+          <p:cNvPr id="44" name="Rectangle 43"/>
+          <p:cNvSpPr/>
+          <p:nvPr/>
+        </p:nvSpPr>
+        <p:spPr>
+          <a:xfrm>
+            <a:off x="5401141" y="2743490"/>
+            <a:ext cx="386644" cy="286232"/>
+          </a:xfrm>
+          <a:prstGeom prst="rect">
+            <a:avLst/>
+          </a:prstGeom>
+        </p:spPr>
+        <p:txBody>
+          <a:bodyPr wrap="none">
+            <a:spAutoFit/>
+          </a:bodyPr>
+          <a:lstStyle/>
+          <a:p>
+            <a:pPr>
+              <a:lnSpc>
+                <a:spcPct val="90000"/>
+              </a:lnSpc>
+              <a:spcAft>
+                <a:spcPts val="600"/>
+              </a:spcAft>
+            </a:pPr>
+            <a:r>
+              <a:rPr lang="en-US" sz="1400"/>
+              <a:t>no</a:t>
+            </a:r>
+            <a:endParaRPr lang="en-US" sz="1400" dirty="0"/>
+          </a:p>
+        </p:txBody>
+      </p:sp>
+      <p:cxnSp>
+        <p:nvCxnSpPr>
+          <p:cNvPr id="45" name="Elbow Connector 44"/>
+          <p:cNvCxnSpPr>
+            <a:stCxn id="76" idx="2"/>
+            <a:endCxn id="43" idx="0"/>
+          </p:cNvCxnSpPr>
+          <p:nvPr/>
+        </p:nvCxnSpPr>
+        <p:spPr>
+          <a:xfrm rot="5400000">
+            <a:off x="4125102" y="3633754"/>
+            <a:ext cx="2558257" cy="676877"/>
+          </a:xfrm>
+          <a:prstGeom prst="bentConnector3">
+            <a:avLst>
+              <a:gd name="adj1" fmla="val 50000"/>
+            </a:avLst>
+          </a:prstGeom>
+          <a:ln>
+            <a:solidFill>
+              <a:schemeClr val="bg1"/>
+            </a:solidFill>
+            <a:headEnd type="none"/>
+            <a:tailEnd type="triangle"/>
+          </a:ln>
+        </p:spPr>
+        <p:style>
+          <a:lnRef idx="1">
+            <a:schemeClr val="accent1"/>
+          </a:lnRef>
+          <a:fillRef idx="0">
+            <a:schemeClr val="accent1"/>
+          </a:fillRef>
+          <a:effectRef idx="0">
+            <a:schemeClr val="accent1"/>
+          </a:effectRef>
+          <a:fontRef idx="minor">
+            <a:schemeClr val="tx1"/>
+          </a:fontRef>
+        </p:style>
+      </p:cxnSp>
+      <p:sp>
+        <p:nvSpPr>
+          <p:cNvPr id="76" name="Diamond 75"/>
+          <p:cNvSpPr/>
+          <p:nvPr/>
+        </p:nvSpPr>
+        <p:spPr bwMode="auto">
+          <a:xfrm>
+            <a:off x="5495765" y="2199259"/>
+            <a:ext cx="493805" cy="493805"/>
+          </a:xfrm>
+          <a:prstGeom prst="diamond">
+            <a:avLst/>
+          </a:prstGeom>
+          <a:solidFill>
+            <a:schemeClr val="accent1"/>
+          </a:solidFill>
+          <a:ln>
+            <a:noFill/>
+            <a:headEnd type="none" w="med" len="med"/>
+            <a:tailEnd type="none" w="med" len="med"/>
+          </a:ln>
+          <a:effectLst/>
+        </p:spPr>
+        <p:style>
+          <a:lnRef idx="1">
+            <a:schemeClr val="accent2"/>
+          </a:lnRef>
+          <a:fillRef idx="3">
+            <a:schemeClr val="accent2"/>
+          </a:fillRef>
+          <a:effectRef idx="2">
+            <a:schemeClr val="accent2"/>
+          </a:effectRef>
+          <a:fontRef idx="minor">
+            <a:schemeClr val="lt1"/>
+          </a:fontRef>
+        </p:style>
+        <p:txBody>
+          <a:bodyPr rot="0" spcFirstLastPara="0" vertOverflow="overflow" horzOverflow="overflow" vert="horz" wrap="square" lIns="182880" tIns="146304" rIns="182880" bIns="146304" numCol="1" spcCol="0" rtlCol="0" fromWordArt="0" anchor="t" anchorCtr="0" forceAA="0" compatLnSpc="1">
+            <a:prstTxWarp prst="textNoShape">
+              <a:avLst/>
+            </a:prstTxWarp>
+            <a:noAutofit/>
+          </a:bodyPr>
+          <a:lstStyle/>
+          <a:p>
+            <a:pPr algn="ctr" defTabSz="932472" fontAlgn="base">
+              <a:lnSpc>
+                <a:spcPct val="90000"/>
+              </a:lnSpc>
+              <a:spcBef>
+                <a:spcPct val="0"/>
+              </a:spcBef>
+              <a:spcAft>
+                <a:spcPct val="0"/>
+              </a:spcAft>
+            </a:pPr>
+            <a:endParaRPr lang="en-US" sz="2400" dirty="0" err="1">
+              <a:gradFill>
+                <a:gsLst>
+                  <a:gs pos="0">
+                    <a:srgbClr val="FFFFFF"/>
+                  </a:gs>
+                  <a:gs pos="100000">
+                    <a:srgbClr val="FFFFFF"/>
+                  </a:gs>
+                </a:gsLst>
+                <a:lin ang="5400000" scaled="0"/>
+              </a:gradFill>
+              <a:ea typeface="Segoe UI" pitchFamily="34" charset="0"/>
+              <a:cs typeface="Segoe UI" pitchFamily="34" charset="0"/>
+            </a:endParaRPr>
+          </a:p>
+        </p:txBody>
+      </p:sp>
+      <p:sp>
+        <p:nvSpPr>
+          <p:cNvPr id="79" name="Diamond 78"/>
+          <p:cNvSpPr/>
+          <p:nvPr/>
+        </p:nvSpPr>
+        <p:spPr bwMode="auto">
+          <a:xfrm>
+            <a:off x="5495764" y="3189806"/>
+            <a:ext cx="493805" cy="493805"/>
+          </a:xfrm>
+          <a:prstGeom prst="diamond">
+            <a:avLst/>
+          </a:prstGeom>
+          <a:solidFill>
+            <a:schemeClr val="accent1"/>
+          </a:solidFill>
+          <a:ln>
+            <a:noFill/>
+            <a:headEnd type="none" w="med" len="med"/>
+            <a:tailEnd type="none" w="med" len="med"/>
+          </a:ln>
+          <a:effectLst/>
+        </p:spPr>
+        <p:style>
+          <a:lnRef idx="1">
+            <a:schemeClr val="accent2"/>
+          </a:lnRef>
+          <a:fillRef idx="3">
+            <a:schemeClr val="accent2"/>
+          </a:fillRef>
+          <a:effectRef idx="2">
+            <a:schemeClr val="accent2"/>
+          </a:effectRef>
+          <a:fontRef idx="minor">
+            <a:schemeClr val="lt1"/>
+          </a:fontRef>
+        </p:style>
+        <p:txBody>
+          <a:bodyPr rot="0" spcFirstLastPara="0" vertOverflow="overflow" horzOverflow="overflow" vert="horz" wrap="square" lIns="182880" tIns="146304" rIns="182880" bIns="146304" numCol="1" spcCol="0" rtlCol="0" fromWordArt="0" anchor="t" anchorCtr="0" forceAA="0" compatLnSpc="1">
+            <a:prstTxWarp prst="textNoShape">
+              <a:avLst/>
+            </a:prstTxWarp>
+            <a:noAutofit/>
+          </a:bodyPr>
+          <a:lstStyle/>
+          <a:p>
+            <a:pPr algn="ctr" defTabSz="932472" fontAlgn="base">
+              <a:lnSpc>
+                <a:spcPct val="90000"/>
+              </a:lnSpc>
+              <a:spcBef>
+                <a:spcPct val="0"/>
+              </a:spcBef>
+              <a:spcAft>
+                <a:spcPct val="0"/>
+              </a:spcAft>
+            </a:pPr>
+            <a:endParaRPr lang="en-US" sz="2400" dirty="0" err="1">
+              <a:gradFill>
+                <a:gsLst>
+                  <a:gs pos="0">
+                    <a:srgbClr val="FFFFFF"/>
+                  </a:gs>
+                  <a:gs pos="100000">
+                    <a:srgbClr val="FFFFFF"/>
+                  </a:gs>
+                </a:gsLst>
+                <a:lin ang="5400000" scaled="0"/>
+              </a:gradFill>
+              <a:ea typeface="Segoe UI" pitchFamily="34" charset="0"/>
+              <a:cs typeface="Segoe UI" pitchFamily="34" charset="0"/>
+            </a:endParaRPr>
+          </a:p>
+        </p:txBody>
+      </p:sp>
+      <p:cxnSp>
+        <p:nvCxnSpPr>
+          <p:cNvPr id="91" name="Elbow Connector 90"/>
+          <p:cNvCxnSpPr>
+            <a:stCxn id="79" idx="2"/>
+            <a:endCxn id="43" idx="0"/>
+          </p:cNvCxnSpPr>
+          <p:nvPr/>
+        </p:nvCxnSpPr>
+        <p:spPr>
+          <a:xfrm rot="5400000">
+            <a:off x="4620374" y="4129028"/>
+            <a:ext cx="1567710" cy="676876"/>
+          </a:xfrm>
+          <a:prstGeom prst="bentConnector3">
+            <a:avLst>
+              <a:gd name="adj1" fmla="val 50000"/>
+            </a:avLst>
+          </a:prstGeom>
+          <a:ln>
+            <a:solidFill>
+              <a:schemeClr val="bg1"/>
+            </a:solidFill>
+            <a:headEnd type="none"/>
+            <a:tailEnd type="triangle"/>
+          </a:ln>
+        </p:spPr>
+        <p:style>
+          <a:lnRef idx="1">
+            <a:schemeClr val="accent1"/>
+          </a:lnRef>
+          <a:fillRef idx="0">
+            <a:schemeClr val="accent1"/>
+          </a:fillRef>
+          <a:effectRef idx="0">
+            <a:schemeClr val="accent1"/>
+          </a:effectRef>
+          <a:fontRef idx="minor">
+            <a:schemeClr val="tx1"/>
+          </a:fontRef>
+        </p:style>
+      </p:cxnSp>
+      <p:cxnSp>
+        <p:nvCxnSpPr>
+          <p:cNvPr id="108" name="Elbow Connector 107"/>
+          <p:cNvCxnSpPr>
+            <a:cxnSpLocks/>
+            <a:stCxn id="85" idx="2"/>
+            <a:endCxn id="43" idx="0"/>
+          </p:cNvCxnSpPr>
+          <p:nvPr/>
+        </p:nvCxnSpPr>
+        <p:spPr>
+          <a:xfrm rot="5400000">
+            <a:off x="5074384" y="4586985"/>
+            <a:ext cx="655743" cy="672928"/>
+          </a:xfrm>
+          <a:prstGeom prst="bentConnector3">
+            <a:avLst>
+              <a:gd name="adj1" fmla="val 50000"/>
+            </a:avLst>
+          </a:prstGeom>
+          <a:ln>
+            <a:solidFill>
+              <a:schemeClr val="bg1"/>
+            </a:solidFill>
+            <a:headEnd type="none"/>
+            <a:tailEnd type="triangle"/>
+          </a:ln>
+        </p:spPr>
+        <p:style>
+          <a:lnRef idx="1">
+            <a:schemeClr val="accent1"/>
+          </a:lnRef>
+          <a:fillRef idx="0">
+            <a:schemeClr val="accent1"/>
+          </a:fillRef>
+          <a:effectRef idx="0">
+            <a:schemeClr val="accent1"/>
+          </a:effectRef>
+          <a:fontRef idx="minor">
+            <a:schemeClr val="tx1"/>
+          </a:fontRef>
+        </p:style>
+      </p:cxnSp>
+      <p:sp>
+        <p:nvSpPr>
+          <p:cNvPr id="110" name="Rectangle 109"/>
+          <p:cNvSpPr/>
+          <p:nvPr/>
+        </p:nvSpPr>
+        <p:spPr>
+          <a:xfrm>
+            <a:off x="5392671" y="3606460"/>
+            <a:ext cx="386644" cy="286232"/>
+          </a:xfrm>
+          <a:prstGeom prst="rect">
+            <a:avLst/>
+          </a:prstGeom>
+        </p:spPr>
+        <p:txBody>
+          <a:bodyPr wrap="none">
+            <a:spAutoFit/>
+          </a:bodyPr>
+          <a:lstStyle/>
+          <a:p>
+            <a:pPr>
+              <a:lnSpc>
+                <a:spcPct val="90000"/>
+              </a:lnSpc>
+              <a:spcAft>
+                <a:spcPts val="600"/>
+              </a:spcAft>
+            </a:pPr>
+            <a:r>
+              <a:rPr lang="en-US" sz="1400"/>
+              <a:t>no</a:t>
+            </a:r>
+            <a:endParaRPr lang="en-US" sz="1400" dirty="0"/>
+          </a:p>
+        </p:txBody>
+      </p:sp>
+      <p:sp>
+        <p:nvSpPr>
+          <p:cNvPr id="111" name="Rectangle 110"/>
+          <p:cNvSpPr/>
+          <p:nvPr/>
+        </p:nvSpPr>
+        <p:spPr>
+          <a:xfrm>
+            <a:off x="5364898" y="4637217"/>
+            <a:ext cx="386644" cy="286232"/>
+          </a:xfrm>
+          <a:prstGeom prst="rect">
+            <a:avLst/>
+          </a:prstGeom>
+        </p:spPr>
+        <p:txBody>
+          <a:bodyPr wrap="none">
+            <a:spAutoFit/>
+          </a:bodyPr>
+          <a:lstStyle/>
+          <a:p>
+            <a:pPr>
+              <a:lnSpc>
+                <a:spcPct val="90000"/>
+              </a:lnSpc>
+              <a:spcAft>
+                <a:spcPts val="600"/>
+              </a:spcAft>
+            </a:pPr>
+            <a:r>
+              <a:rPr lang="en-US" sz="1400"/>
+              <a:t>no</a:t>
+            </a:r>
+            <a:endParaRPr lang="en-US" sz="1400" dirty="0"/>
+          </a:p>
+        </p:txBody>
+      </p:sp>
+      <p:cxnSp>
+        <p:nvCxnSpPr>
+          <p:cNvPr id="115" name="Elbow Connector 114"/>
+          <p:cNvCxnSpPr>
+            <a:stCxn id="7" idx="3"/>
+            <a:endCxn id="76" idx="1"/>
+          </p:cNvCxnSpPr>
+          <p:nvPr/>
+        </p:nvCxnSpPr>
+        <p:spPr>
+          <a:xfrm>
+            <a:off x="4431699" y="2322663"/>
+            <a:ext cx="1064066" cy="123499"/>
+          </a:xfrm>
+          <a:prstGeom prst="bentConnector3">
+            <a:avLst/>
+          </a:prstGeom>
+          <a:ln w="19050">
+            <a:solidFill>
+              <a:schemeClr val="accent3"/>
+            </a:solidFill>
+            <a:headEnd type="none"/>
+            <a:tailEnd type="triangle"/>
+          </a:ln>
+        </p:spPr>
+        <p:style>
+          <a:lnRef idx="1">
+            <a:schemeClr val="accent1"/>
+          </a:lnRef>
+          <a:fillRef idx="0">
+            <a:schemeClr val="accent1"/>
+          </a:fillRef>
+          <a:effectRef idx="0">
+            <a:schemeClr val="accent1"/>
+          </a:effectRef>
+          <a:fontRef idx="minor">
+            <a:schemeClr val="tx1"/>
+          </a:fontRef>
+        </p:style>
+      </p:cxnSp>
+      <p:cxnSp>
+        <p:nvCxnSpPr>
+          <p:cNvPr id="116" name="Elbow Connector 115"/>
+          <p:cNvCxnSpPr>
+            <a:stCxn id="12" idx="3"/>
+            <a:endCxn id="79" idx="1"/>
+          </p:cNvCxnSpPr>
+          <p:nvPr/>
+        </p:nvCxnSpPr>
+        <p:spPr>
+          <a:xfrm>
+            <a:off x="5003629" y="3326884"/>
+            <a:ext cx="492135" cy="109825"/>
+          </a:xfrm>
+          <a:prstGeom prst="bentConnector3">
+            <a:avLst/>
+          </a:prstGeom>
+          <a:ln w="19050">
+            <a:solidFill>
+              <a:schemeClr val="accent3"/>
+            </a:solidFill>
+            <a:headEnd type="none"/>
+            <a:tailEnd type="triangle"/>
+          </a:ln>
+        </p:spPr>
+        <p:style>
+          <a:lnRef idx="1">
+            <a:schemeClr val="accent1"/>
+          </a:lnRef>
+          <a:fillRef idx="0">
+            <a:schemeClr val="accent1"/>
+          </a:fillRef>
+          <a:effectRef idx="0">
+            <a:schemeClr val="accent1"/>
+          </a:effectRef>
+          <a:fontRef idx="minor">
+            <a:schemeClr val="tx1"/>
+          </a:fontRef>
+        </p:style>
+      </p:cxnSp>
+      <p:cxnSp>
+        <p:nvCxnSpPr>
+          <p:cNvPr id="119" name="Elbow Connector 118"/>
+          <p:cNvCxnSpPr>
+            <a:endCxn id="85" idx="1"/>
+          </p:cNvCxnSpPr>
+          <p:nvPr/>
+        </p:nvCxnSpPr>
+        <p:spPr>
+          <a:xfrm>
+            <a:off x="4812959" y="4187926"/>
+            <a:ext cx="678857" cy="160750"/>
+          </a:xfrm>
+          <a:prstGeom prst="bentConnector3">
+            <a:avLst/>
+          </a:prstGeom>
+          <a:ln w="19050">
+            <a:solidFill>
+              <a:schemeClr val="accent3"/>
+            </a:solidFill>
+            <a:headEnd type="none"/>
+            <a:tailEnd type="triangle"/>
+          </a:ln>
+        </p:spPr>
+        <p:style>
+          <a:lnRef idx="1">
+            <a:schemeClr val="accent1"/>
+          </a:lnRef>
+          <a:fillRef idx="0">
+            <a:schemeClr val="accent1"/>
+          </a:fillRef>
+          <a:effectRef idx="0">
+            <a:schemeClr val="accent1"/>
+          </a:effectRef>
+          <a:fontRef idx="minor">
+            <a:schemeClr val="tx1"/>
+          </a:fontRef>
+        </p:style>
+      </p:cxnSp>
+      <p:sp>
+        <p:nvSpPr>
+          <p:cNvPr id="85" name="Diamond 84"/>
+          <p:cNvSpPr/>
+          <p:nvPr/>
+        </p:nvSpPr>
+        <p:spPr bwMode="auto">
+          <a:xfrm>
+            <a:off x="5491816" y="4101773"/>
+            <a:ext cx="493805" cy="493805"/>
+          </a:xfrm>
+          <a:prstGeom prst="diamond">
+            <a:avLst/>
+          </a:prstGeom>
+          <a:solidFill>
+            <a:schemeClr val="accent1"/>
+          </a:solidFill>
+          <a:ln>
+            <a:noFill/>
+            <a:headEnd type="none" w="med" len="med"/>
+            <a:tailEnd type="none" w="med" len="med"/>
+          </a:ln>
+          <a:effectLst/>
+        </p:spPr>
+        <p:style>
+          <a:lnRef idx="1">
+            <a:schemeClr val="accent2"/>
+          </a:lnRef>
+          <a:fillRef idx="3">
+            <a:schemeClr val="accent2"/>
+          </a:fillRef>
+          <a:effectRef idx="2">
+            <a:schemeClr val="accent2"/>
+          </a:effectRef>
+          <a:fontRef idx="minor">
+            <a:schemeClr val="lt1"/>
+          </a:fontRef>
+        </p:style>
+        <p:txBody>
+          <a:bodyPr rot="0" spcFirstLastPara="0" vertOverflow="overflow" horzOverflow="overflow" vert="horz" wrap="square" lIns="182880" tIns="146304" rIns="182880" bIns="146304" numCol="1" spcCol="0" rtlCol="0" fromWordArt="0" anchor="t" anchorCtr="0" forceAA="0" compatLnSpc="1">
+            <a:prstTxWarp prst="textNoShape">
+              <a:avLst/>
+            </a:prstTxWarp>
+            <a:noAutofit/>
+          </a:bodyPr>
+          <a:lstStyle/>
+          <a:p>
+            <a:pPr algn="ctr" defTabSz="932472" fontAlgn="base">
+              <a:lnSpc>
+                <a:spcPct val="90000"/>
+              </a:lnSpc>
+              <a:spcBef>
+                <a:spcPct val="0"/>
+              </a:spcBef>
+              <a:spcAft>
+                <a:spcPct val="0"/>
+              </a:spcAft>
+            </a:pPr>
+            <a:endParaRPr lang="en-US" sz="2400" dirty="0" err="1">
+              <a:gradFill>
+                <a:gsLst>
+                  <a:gs pos="0">
+                    <a:srgbClr val="FFFFFF"/>
+                  </a:gs>
+                  <a:gs pos="100000">
+                    <a:srgbClr val="FFFFFF"/>
+                  </a:gs>
+                </a:gsLst>
+                <a:lin ang="5400000" scaled="0"/>
+              </a:gradFill>
+              <a:ea typeface="Segoe UI" pitchFamily="34" charset="0"/>
+              <a:cs typeface="Segoe UI" pitchFamily="34" charset="0"/>
+            </a:endParaRPr>
+          </a:p>
+        </p:txBody>
+      </p:sp>
+    </p:spTree>
+    <p:extLst>
+      <p:ext uri="{BB962C8B-B14F-4D97-AF65-F5344CB8AC3E}">
+        <p14:creationId xmlns:p14="http://schemas.microsoft.com/office/powerpoint/2010/main" val="1881538577"/>
+      </p:ext>
+    </p:extLst>
+  </p:cSld>
+  <p:clrMapOvr>
+    <a:masterClrMapping/>
+  </p:clrMapOvr>
+  <mc:AlternateContent xmlns:mc="http://schemas.openxmlformats.org/markup-compatibility/2006" xmlns:p14="http://schemas.microsoft.com/office/powerpoint/2010/main">
+    <mc:Choice Requires="p14">
+      <p:transition spd="med" p14:dur="700">
+        <p:fade/>
+      </p:transition>
+    </mc:Choice>
+    <mc:Fallback xmlns="">
+      <p:transition spd="med">
+        <p:fade/>
+      </p:transition>
+    </mc:Fallback>
+  </mc:AlternateContent>
+</p:sld>
+</file>
+
+<file path=ppt/slides/slide16.xml><?xml version="1.0" encoding="utf-8"?>
+<p:sld xmlns:a="http://schemas.openxmlformats.org/drawingml/2006/main" xmlns:r="http://schemas.openxmlformats.org/officeDocument/2006/relationships" xmlns:p="http://schemas.openxmlformats.org/presentationml/2006/main">
+  <p:cSld>
+    <p:spTree>
+      <p:nvGrpSpPr>
+        <p:cNvPr id="1" name=""/>
+        <p:cNvGrpSpPr/>
+        <p:nvPr/>
+      </p:nvGrpSpPr>
+      <p:grpSpPr>
+        <a:xfrm>
+          <a:off x="0" y="0"/>
+          <a:ext cx="0" cy="0"/>
+          <a:chOff x="0" y="0"/>
+          <a:chExt cx="0" cy="0"/>
+        </a:xfrm>
+      </p:grpSpPr>
+      <p:sp>
+        <p:nvSpPr>
           <p:cNvPr id="3" name="Text Placeholder 2">
             <a:extLst>
               <a:ext uri="{FF2B5EF4-FFF2-40B4-BE49-F238E27FC236}">
@@ -16327,7 +20203,269 @@
 </p:sld>
 </file>
 
-<file path=ppt/slides/slide11.xml><?xml version="1.0" encoding="utf-8"?>
+<file path=ppt/slides/slide17.xml><?xml version="1.0" encoding="utf-8"?>
+<p:sld xmlns:a="http://schemas.openxmlformats.org/drawingml/2006/main" xmlns:r="http://schemas.openxmlformats.org/officeDocument/2006/relationships" xmlns:p="http://schemas.openxmlformats.org/presentationml/2006/main">
+  <p:cSld>
+    <p:spTree>
+      <p:nvGrpSpPr>
+        <p:cNvPr id="1" name=""/>
+        <p:cNvGrpSpPr/>
+        <p:nvPr/>
+      </p:nvGrpSpPr>
+      <p:grpSpPr>
+        <a:xfrm>
+          <a:off x="0" y="0"/>
+          <a:ext cx="0" cy="0"/>
+          <a:chOff x="0" y="0"/>
+          <a:chExt cx="0" cy="0"/>
+        </a:xfrm>
+      </p:grpSpPr>
+      <p:sp>
+        <p:nvSpPr>
+          <p:cNvPr id="2" name="Title 1"/>
+          <p:cNvSpPr>
+            <a:spLocks noGrp="1"/>
+          </p:cNvSpPr>
+          <p:nvPr>
+            <p:ph type="title"/>
+          </p:nvPr>
+        </p:nvSpPr>
+        <p:spPr/>
+        <p:txBody>
+          <a:bodyPr/>
+          <a:lstStyle/>
+          <a:p>
+            <a:r>
+              <a:rPr lang="en-US"/>
+              <a:t>After the ADS Checklist</a:t>
+            </a:r>
+            <a:endParaRPr lang="en-US" dirty="0"/>
+          </a:p>
+        </p:txBody>
+      </p:sp>
+      <p:sp>
+        <p:nvSpPr>
+          <p:cNvPr id="11" name="TextBox 10"/>
+          <p:cNvSpPr txBox="1"/>
+          <p:nvPr/>
+        </p:nvSpPr>
+        <p:spPr>
+          <a:xfrm>
+            <a:off x="2198194" y="915171"/>
+            <a:ext cx="8129681" cy="1292662"/>
+          </a:xfrm>
+          <a:prstGeom prst="rect">
+            <a:avLst/>
+          </a:prstGeom>
+          <a:noFill/>
+        </p:spPr>
+        <p:txBody>
+          <a:bodyPr wrap="square" lIns="182880" tIns="146304" rIns="182880" bIns="146304" rtlCol="0">
+            <a:spAutoFit/>
+          </a:bodyPr>
+          <a:lstStyle/>
+          <a:p>
+            <a:pPr>
+              <a:lnSpc>
+                <a:spcPct val="90000"/>
+              </a:lnSpc>
+              <a:spcAft>
+                <a:spcPts val="600"/>
+              </a:spcAft>
+            </a:pPr>
+            <a:r>
+              <a:rPr lang="en-US" dirty="0">
+                <a:latin typeface="+mj-lt"/>
+              </a:rPr>
+              <a:t>During the ADS, you and your customer planned a high-level architecture and conceptual design for a solution that addresses their organization’s business goals and technical requirements. In addition to a summary of the engagement, you’ll deliver the following:</a:t>
+            </a:r>
+          </a:p>
+        </p:txBody>
+      </p:sp>
+      <p:sp>
+        <p:nvSpPr>
+          <p:cNvPr id="6" name="Rectangle 5"/>
+          <p:cNvSpPr/>
+          <p:nvPr/>
+        </p:nvSpPr>
+        <p:spPr>
+          <a:xfrm>
+            <a:off x="2661450" y="2398617"/>
+            <a:ext cx="8494230" cy="3794885"/>
+          </a:xfrm>
+          <a:prstGeom prst="rect">
+            <a:avLst/>
+          </a:prstGeom>
+        </p:spPr>
+        <p:txBody>
+          <a:bodyPr wrap="square">
+            <a:spAutoFit/>
+          </a:bodyPr>
+          <a:lstStyle/>
+          <a:p>
+            <a:pPr marL="285750" indent="-285750">
+              <a:lnSpc>
+                <a:spcPct val="90000"/>
+              </a:lnSpc>
+              <a:spcAft>
+                <a:spcPts val="600"/>
+              </a:spcAft>
+              <a:buFont typeface="Wingdings" charset="2"/>
+              <a:buChar char="q"/>
+            </a:pPr>
+            <a:r>
+              <a:rPr lang="en-US" dirty="0"/>
+              <a:t>Summarize the ADS engagement with customer</a:t>
+            </a:r>
+          </a:p>
+          <a:p>
+            <a:pPr marL="285750" indent="-285750">
+              <a:lnSpc>
+                <a:spcPct val="90000"/>
+              </a:lnSpc>
+              <a:spcAft>
+                <a:spcPts val="600"/>
+              </a:spcAft>
+              <a:buFont typeface="Wingdings" charset="2"/>
+              <a:buChar char="q"/>
+            </a:pPr>
+            <a:r>
+              <a:rPr lang="en-US" dirty="0"/>
+              <a:t>Create a proposed timeline of solution deliverables, including deliverables for POC or pilot if applicable</a:t>
+            </a:r>
+          </a:p>
+          <a:p>
+            <a:pPr marL="285750" indent="-285750">
+              <a:lnSpc>
+                <a:spcPct val="90000"/>
+              </a:lnSpc>
+              <a:spcAft>
+                <a:spcPts val="600"/>
+              </a:spcAft>
+              <a:buFont typeface="Wingdings" charset="2"/>
+              <a:buChar char="q"/>
+            </a:pPr>
+            <a:r>
+              <a:rPr lang="en-US" dirty="0"/>
+              <a:t>Deliver final architecture diagrams for customer to sign off</a:t>
+            </a:r>
+          </a:p>
+          <a:p>
+            <a:pPr marL="285750" indent="-285750">
+              <a:lnSpc>
+                <a:spcPct val="90000"/>
+              </a:lnSpc>
+              <a:spcAft>
+                <a:spcPts val="600"/>
+              </a:spcAft>
+              <a:buFont typeface="Wingdings" charset="2"/>
+              <a:buChar char="q"/>
+            </a:pPr>
+            <a:r>
+              <a:rPr lang="en-US" dirty="0"/>
+              <a:t>Document special areas of concern, such as security, compliance, and compatibility</a:t>
+            </a:r>
+          </a:p>
+          <a:p>
+            <a:pPr marL="285750" indent="-285750">
+              <a:lnSpc>
+                <a:spcPct val="90000"/>
+              </a:lnSpc>
+              <a:spcAft>
+                <a:spcPts val="600"/>
+              </a:spcAft>
+              <a:buFont typeface="Wingdings" charset="2"/>
+              <a:buChar char="q"/>
+            </a:pPr>
+            <a:r>
+              <a:rPr lang="en-US" dirty="0"/>
+              <a:t>Provide customer with proposed Microsoft and open source/3rd party technologies to be used for the solution, listing any trade-offs amongst differing technology options</a:t>
+            </a:r>
+          </a:p>
+          <a:p>
+            <a:pPr marL="285750" indent="-285750">
+              <a:lnSpc>
+                <a:spcPct val="90000"/>
+              </a:lnSpc>
+              <a:spcAft>
+                <a:spcPts val="600"/>
+              </a:spcAft>
+              <a:buFont typeface="Wingdings" charset="2"/>
+              <a:buChar char="q"/>
+            </a:pPr>
+            <a:r>
+              <a:rPr lang="en-US" dirty="0"/>
+              <a:t>Complete deployment plan with specific examples, covering development, staging, and production targets where applicable</a:t>
+            </a:r>
+          </a:p>
+          <a:p>
+            <a:pPr marL="285750" indent="-285750">
+              <a:lnSpc>
+                <a:spcPct val="90000"/>
+              </a:lnSpc>
+              <a:spcAft>
+                <a:spcPts val="600"/>
+              </a:spcAft>
+              <a:buFont typeface="Wingdings" charset="2"/>
+              <a:buChar char="q"/>
+            </a:pPr>
+            <a:r>
+              <a:rPr lang="en-US" dirty="0"/>
+              <a:t>Showcase the capabilities of your solution to deliver business value on premises and/or the cloud</a:t>
+            </a:r>
+          </a:p>
+        </p:txBody>
+      </p:sp>
+      <p:pic>
+        <p:nvPicPr>
+          <p:cNvPr id="3" name="Picture 2"/>
+          <p:cNvPicPr>
+            <a:picLocks noChangeAspect="1"/>
+          </p:cNvPicPr>
+          <p:nvPr/>
+        </p:nvPicPr>
+        <p:blipFill>
+          <a:blip r:embed="rId3"/>
+          <a:stretch>
+            <a:fillRect/>
+          </a:stretch>
+        </p:blipFill>
+        <p:spPr>
+          <a:xfrm>
+            <a:off x="466342" y="2947414"/>
+            <a:ext cx="1786129" cy="1786129"/>
+          </a:xfrm>
+          <a:prstGeom prst="rect">
+            <a:avLst/>
+          </a:prstGeom>
+        </p:spPr>
+      </p:pic>
+    </p:spTree>
+    <p:extLst>
+      <p:ext uri="{BB962C8B-B14F-4D97-AF65-F5344CB8AC3E}">
+        <p14:creationId xmlns:p14="http://schemas.microsoft.com/office/powerpoint/2010/main" val="962179151"/>
+      </p:ext>
+    </p:extLst>
+  </p:cSld>
+  <p:clrMapOvr>
+    <a:masterClrMapping/>
+  </p:clrMapOvr>
+  <mc:AlternateContent xmlns:mc="http://schemas.openxmlformats.org/markup-compatibility/2006" xmlns:p14="http://schemas.microsoft.com/office/powerpoint/2010/main">
+    <mc:Choice Requires="p14">
+      <p:transition spd="med" p14:dur="700">
+        <p:fade/>
+      </p:transition>
+    </mc:Choice>
+    <mc:Fallback xmlns="">
+      <p:transition spd="med">
+        <p:fade/>
+      </p:transition>
+    </mc:Fallback>
+  </mc:AlternateContent>
+</p:sld>
+</file>
+
+<file path=ppt/slides/slide18.xml><?xml version="1.0" encoding="utf-8"?>
 <p:sld xmlns:a="http://schemas.openxmlformats.org/drawingml/2006/main" xmlns:r="http://schemas.openxmlformats.org/officeDocument/2006/relationships" xmlns:p="http://schemas.openxmlformats.org/presentationml/2006/main">
   <p:cSld>
     <p:spTree>
@@ -16451,6 +20589,66 @@
 </p:sld>
 </file>
 
+<file path=ppt/slides/slide19.xml><?xml version="1.0" encoding="utf-8"?>
+<p:sld xmlns:a="http://schemas.openxmlformats.org/drawingml/2006/main" xmlns:r="http://schemas.openxmlformats.org/officeDocument/2006/relationships" xmlns:p="http://schemas.openxmlformats.org/presentationml/2006/main">
+  <p:cSld>
+    <p:spTree>
+      <p:nvGrpSpPr>
+        <p:cNvPr id="1" name=""/>
+        <p:cNvGrpSpPr/>
+        <p:nvPr/>
+      </p:nvGrpSpPr>
+      <p:grpSpPr>
+        <a:xfrm>
+          <a:off x="0" y="0"/>
+          <a:ext cx="0" cy="0"/>
+          <a:chOff x="0" y="0"/>
+          <a:chExt cx="0" cy="0"/>
+        </a:xfrm>
+      </p:grpSpPr>
+      <p:sp>
+        <p:nvSpPr>
+          <p:cNvPr id="3" name="Title 2"/>
+          <p:cNvSpPr>
+            <a:spLocks noGrp="1"/>
+          </p:cNvSpPr>
+          <p:nvPr>
+            <p:ph type="title"/>
+          </p:nvPr>
+        </p:nvSpPr>
+        <p:spPr>
+          <a:xfrm>
+            <a:off x="0" y="2083486"/>
+            <a:ext cx="12161837" cy="2691028"/>
+          </a:xfrm>
+        </p:spPr>
+        <p:txBody>
+          <a:bodyPr lIns="457200"/>
+          <a:lstStyle/>
+          <a:p>
+            <a:r>
+              <a:rPr lang="en-US" sz="8000" dirty="0"/>
+              <a:t>How to structure and execute a POC / prototype</a:t>
+            </a:r>
+          </a:p>
+        </p:txBody>
+      </p:sp>
+    </p:spTree>
+    <p:extLst>
+      <p:ext uri="{BB962C8B-B14F-4D97-AF65-F5344CB8AC3E}">
+        <p14:creationId xmlns:p14="http://schemas.microsoft.com/office/powerpoint/2010/main" val="3920936324"/>
+      </p:ext>
+    </p:extLst>
+  </p:cSld>
+  <p:clrMapOvr>
+    <a:masterClrMapping/>
+  </p:clrMapOvr>
+  <p:transition>
+    <p:fade/>
+  </p:transition>
+</p:sld>
+</file>
+
 <file path=ppt/slides/slide2.xml><?xml version="1.0" encoding="utf-8"?>
 <p:sld xmlns:a="http://schemas.openxmlformats.org/drawingml/2006/main" xmlns:r="http://schemas.openxmlformats.org/officeDocument/2006/relationships" xmlns:p="http://schemas.openxmlformats.org/presentationml/2006/main">
   <p:cSld>
@@ -16585,6 +20783,1092 @@
     </mc:Choice>
     <mc:Fallback xmlns="">
       <p:transition/>
+    </mc:Fallback>
+  </mc:AlternateContent>
+</p:sld>
+</file>
+
+<file path=ppt/slides/slide20.xml><?xml version="1.0" encoding="utf-8"?>
+<p:sld xmlns:a="http://schemas.openxmlformats.org/drawingml/2006/main" xmlns:r="http://schemas.openxmlformats.org/officeDocument/2006/relationships" xmlns:p="http://schemas.openxmlformats.org/presentationml/2006/main">
+  <p:cSld>
+    <p:spTree>
+      <p:nvGrpSpPr>
+        <p:cNvPr id="1" name=""/>
+        <p:cNvGrpSpPr/>
+        <p:nvPr/>
+      </p:nvGrpSpPr>
+      <p:grpSpPr>
+        <a:xfrm>
+          <a:off x="0" y="0"/>
+          <a:ext cx="0" cy="0"/>
+          <a:chOff x="0" y="0"/>
+          <a:chExt cx="0" cy="0"/>
+        </a:xfrm>
+      </p:grpSpPr>
+      <p:sp>
+        <p:nvSpPr>
+          <p:cNvPr id="2" name="Title 1"/>
+          <p:cNvSpPr>
+            <a:spLocks noGrp="1"/>
+          </p:cNvSpPr>
+          <p:nvPr>
+            <p:ph type="title"/>
+          </p:nvPr>
+        </p:nvSpPr>
+        <p:spPr/>
+        <p:txBody>
+          <a:bodyPr/>
+          <a:lstStyle/>
+          <a:p>
+            <a:r>
+              <a:rPr lang="en-US"/>
+              <a:t>Benefits of creating a POC</a:t>
+            </a:r>
+            <a:endParaRPr lang="en-US" dirty="0"/>
+          </a:p>
+        </p:txBody>
+      </p:sp>
+      <p:sp>
+        <p:nvSpPr>
+          <p:cNvPr id="11" name="TextBox 10"/>
+          <p:cNvSpPr txBox="1"/>
+          <p:nvPr/>
+        </p:nvSpPr>
+        <p:spPr>
+          <a:xfrm>
+            <a:off x="1768243" y="1382038"/>
+            <a:ext cx="9851570" cy="2040559"/>
+          </a:xfrm>
+          <a:prstGeom prst="rect">
+            <a:avLst/>
+          </a:prstGeom>
+          <a:noFill/>
+        </p:spPr>
+        <p:txBody>
+          <a:bodyPr wrap="square" lIns="182880" tIns="146304" rIns="182880" bIns="146304" rtlCol="0">
+            <a:spAutoFit/>
+          </a:bodyPr>
+          <a:lstStyle/>
+          <a:p>
+            <a:pPr>
+              <a:lnSpc>
+                <a:spcPct val="90000"/>
+              </a:lnSpc>
+              <a:spcAft>
+                <a:spcPts val="600"/>
+              </a:spcAft>
+            </a:pPr>
+            <a:r>
+              <a:rPr lang="en-US" dirty="0">
+                <a:latin typeface="+mj-lt"/>
+              </a:rPr>
+              <a:t>A proof of concept is meant to overcome customer objections by demonstrating the solution will solve the problem for which it is designed. Treat a POC as a continuous learning and improvement process for the solution. A rapid execution tempo of the POC helps validate the customer’s requirements, while giving them confidence in your ability to deliver on your promises. A successful POC can serve as evidence that your practice can use for future engagements with your customer or new ones. In fact, many times the output of a POC can be added to your practice’s intellectual property list for demonstrations, or used to accelerate future solutions.</a:t>
+            </a:r>
+          </a:p>
+        </p:txBody>
+      </p:sp>
+      <p:sp>
+        <p:nvSpPr>
+          <p:cNvPr id="15" name="TextBox 14"/>
+          <p:cNvSpPr txBox="1"/>
+          <p:nvPr/>
+        </p:nvSpPr>
+        <p:spPr>
+          <a:xfrm>
+            <a:off x="1768243" y="3411777"/>
+            <a:ext cx="7475911" cy="544765"/>
+          </a:xfrm>
+          <a:prstGeom prst="rect">
+            <a:avLst/>
+          </a:prstGeom>
+          <a:noFill/>
+        </p:spPr>
+        <p:txBody>
+          <a:bodyPr wrap="square" lIns="182880" tIns="146304" rIns="182880" bIns="146304" rtlCol="0">
+            <a:spAutoFit/>
+          </a:bodyPr>
+          <a:lstStyle/>
+          <a:p>
+            <a:pPr>
+              <a:lnSpc>
+                <a:spcPct val="90000"/>
+              </a:lnSpc>
+              <a:spcAft>
+                <a:spcPts val="600"/>
+              </a:spcAft>
+            </a:pPr>
+            <a:r>
+              <a:rPr lang="en-US" dirty="0">
+                <a:latin typeface="+mj-lt"/>
+              </a:rPr>
+              <a:t>A typical POC undergoes the following phases:</a:t>
+            </a:r>
+          </a:p>
+        </p:txBody>
+      </p:sp>
+      <p:sp>
+        <p:nvSpPr>
+          <p:cNvPr id="6" name="Rectangle 5"/>
+          <p:cNvSpPr/>
+          <p:nvPr/>
+        </p:nvSpPr>
+        <p:spPr>
+          <a:xfrm>
+            <a:off x="2130572" y="4115670"/>
+            <a:ext cx="6096000" cy="1243417"/>
+          </a:xfrm>
+          <a:prstGeom prst="rect">
+            <a:avLst/>
+          </a:prstGeom>
+        </p:spPr>
+        <p:txBody>
+          <a:bodyPr>
+            <a:spAutoFit/>
+          </a:bodyPr>
+          <a:lstStyle/>
+          <a:p>
+            <a:pPr marL="285750" indent="-285750">
+              <a:lnSpc>
+                <a:spcPct val="90000"/>
+              </a:lnSpc>
+              <a:spcAft>
+                <a:spcPts val="600"/>
+              </a:spcAft>
+              <a:buFont typeface="Arial" panose="020B0604020202020204" pitchFamily="34" charset="0"/>
+              <a:buChar char="•"/>
+            </a:pPr>
+            <a:r>
+              <a:rPr lang="en-US" dirty="0"/>
+              <a:t>Define scope – scoping typically occurs during an ADS</a:t>
+            </a:r>
+          </a:p>
+          <a:p>
+            <a:pPr marL="285750" indent="-285750">
+              <a:lnSpc>
+                <a:spcPct val="90000"/>
+              </a:lnSpc>
+              <a:spcAft>
+                <a:spcPts val="600"/>
+              </a:spcAft>
+              <a:buFont typeface="Arial" panose="020B0604020202020204" pitchFamily="34" charset="0"/>
+              <a:buChar char="•"/>
+            </a:pPr>
+            <a:r>
+              <a:rPr lang="en-US" dirty="0"/>
+              <a:t>Execute implementation – create, test, refine, repeat</a:t>
+            </a:r>
+          </a:p>
+          <a:p>
+            <a:pPr marL="285750" indent="-285750">
+              <a:lnSpc>
+                <a:spcPct val="90000"/>
+              </a:lnSpc>
+              <a:spcAft>
+                <a:spcPts val="600"/>
+              </a:spcAft>
+              <a:buFont typeface="Arial" panose="020B0604020202020204" pitchFamily="34" charset="0"/>
+              <a:buChar char="•"/>
+            </a:pPr>
+            <a:r>
+              <a:rPr lang="en-US" dirty="0"/>
+              <a:t>Conclude – lessons learned, validation, production development begins</a:t>
+            </a:r>
+          </a:p>
+        </p:txBody>
+      </p:sp>
+      <p:pic>
+        <p:nvPicPr>
+          <p:cNvPr id="3" name="Picture 2"/>
+          <p:cNvPicPr>
+            <a:picLocks noChangeAspect="1"/>
+          </p:cNvPicPr>
+          <p:nvPr/>
+        </p:nvPicPr>
+        <p:blipFill>
+          <a:blip r:embed="rId3">
+            <a:duotone>
+              <a:schemeClr val="accent1">
+                <a:shade val="45000"/>
+                <a:satMod val="135000"/>
+              </a:schemeClr>
+              <a:prstClr val="white"/>
+            </a:duotone>
+            <a:extLst>
+              <a:ext uri="{BEBA8EAE-BF5A-486C-A8C5-ECC9F3942E4B}">
+                <a14:imgProps xmlns:a14="http://schemas.microsoft.com/office/drawing/2010/main">
+                  <a14:imgLayer r:embed="rId4">
+                    <a14:imgEffect>
+                      <a14:brightnessContrast bright="20000" contrast="40000"/>
+                    </a14:imgEffect>
+                  </a14:imgLayer>
+                </a14:imgProps>
+              </a:ext>
+            </a:extLst>
+          </a:blip>
+          <a:stretch>
+            <a:fillRect/>
+          </a:stretch>
+        </p:blipFill>
+        <p:spPr>
+          <a:xfrm flipH="1">
+            <a:off x="8805905" y="3587304"/>
+            <a:ext cx="2316056" cy="1771783"/>
+          </a:xfrm>
+          <a:prstGeom prst="rect">
+            <a:avLst/>
+          </a:prstGeom>
+        </p:spPr>
+      </p:pic>
+      <p:sp>
+        <p:nvSpPr>
+          <p:cNvPr id="12" name="TextBox 11"/>
+          <p:cNvSpPr txBox="1"/>
+          <p:nvPr/>
+        </p:nvSpPr>
+        <p:spPr>
+          <a:xfrm>
+            <a:off x="1768242" y="5638230"/>
+            <a:ext cx="10047674" cy="1043363"/>
+          </a:xfrm>
+          <a:prstGeom prst="rect">
+            <a:avLst/>
+          </a:prstGeom>
+          <a:noFill/>
+        </p:spPr>
+        <p:txBody>
+          <a:bodyPr wrap="square" lIns="182880" tIns="146304" rIns="182880" bIns="146304" rtlCol="0">
+            <a:spAutoFit/>
+          </a:bodyPr>
+          <a:lstStyle/>
+          <a:p>
+            <a:pPr>
+              <a:lnSpc>
+                <a:spcPct val="90000"/>
+              </a:lnSpc>
+              <a:spcAft>
+                <a:spcPts val="600"/>
+              </a:spcAft>
+            </a:pPr>
+            <a:r>
+              <a:rPr lang="en-US" dirty="0">
+                <a:latin typeface="+mj-lt"/>
+              </a:rPr>
+              <a:t>A POC is </a:t>
+            </a:r>
+            <a:r>
+              <a:rPr lang="en-US" b="1" dirty="0">
+                <a:latin typeface="+mj-lt"/>
+              </a:rPr>
+              <a:t>NOT</a:t>
+            </a:r>
+            <a:r>
+              <a:rPr lang="en-US" dirty="0">
+                <a:latin typeface="+mj-lt"/>
+              </a:rPr>
+              <a:t> meant to be used as, or modified to become, the production solution. It is meant for rapid prototyping only. A POC can also be used as a loss leader to generate sales opportunities, or effectively as a profit center.</a:t>
+            </a:r>
+          </a:p>
+        </p:txBody>
+      </p:sp>
+    </p:spTree>
+    <p:extLst>
+      <p:ext uri="{BB962C8B-B14F-4D97-AF65-F5344CB8AC3E}">
+        <p14:creationId xmlns:p14="http://schemas.microsoft.com/office/powerpoint/2010/main" val="1480228449"/>
+      </p:ext>
+    </p:extLst>
+  </p:cSld>
+  <p:clrMapOvr>
+    <a:masterClrMapping/>
+  </p:clrMapOvr>
+  <mc:AlternateContent xmlns:mc="http://schemas.openxmlformats.org/markup-compatibility/2006" xmlns:p14="http://schemas.microsoft.com/office/powerpoint/2010/main">
+    <mc:Choice Requires="p14">
+      <p:transition spd="med" p14:dur="700">
+        <p:fade/>
+      </p:transition>
+    </mc:Choice>
+    <mc:Fallback xmlns="">
+      <p:transition spd="med">
+        <p:fade/>
+      </p:transition>
+    </mc:Fallback>
+  </mc:AlternateContent>
+</p:sld>
+</file>
+
+<file path=ppt/slides/slide21.xml><?xml version="1.0" encoding="utf-8"?>
+<p:sld xmlns:a="http://schemas.openxmlformats.org/drawingml/2006/main" xmlns:r="http://schemas.openxmlformats.org/officeDocument/2006/relationships" xmlns:p="http://schemas.openxmlformats.org/presentationml/2006/main">
+  <p:cSld>
+    <p:spTree>
+      <p:nvGrpSpPr>
+        <p:cNvPr id="1" name=""/>
+        <p:cNvGrpSpPr/>
+        <p:nvPr/>
+      </p:nvGrpSpPr>
+      <p:grpSpPr>
+        <a:xfrm>
+          <a:off x="0" y="0"/>
+          <a:ext cx="0" cy="0"/>
+          <a:chOff x="0" y="0"/>
+          <a:chExt cx="0" cy="0"/>
+        </a:xfrm>
+      </p:grpSpPr>
+      <p:sp>
+        <p:nvSpPr>
+          <p:cNvPr id="2" name="Title 1"/>
+          <p:cNvSpPr>
+            <a:spLocks noGrp="1"/>
+          </p:cNvSpPr>
+          <p:nvPr>
+            <p:ph type="title"/>
+          </p:nvPr>
+        </p:nvSpPr>
+        <p:spPr/>
+        <p:txBody>
+          <a:bodyPr/>
+          <a:lstStyle/>
+          <a:p>
+            <a:r>
+              <a:rPr lang="en-US"/>
+              <a:t>Define POC Scope Checklist</a:t>
+            </a:r>
+            <a:endParaRPr lang="en-US" dirty="0"/>
+          </a:p>
+        </p:txBody>
+      </p:sp>
+      <p:sp>
+        <p:nvSpPr>
+          <p:cNvPr id="11" name="TextBox 10"/>
+          <p:cNvSpPr txBox="1"/>
+          <p:nvPr/>
+        </p:nvSpPr>
+        <p:spPr>
+          <a:xfrm>
+            <a:off x="2198194" y="1817396"/>
+            <a:ext cx="8129681" cy="1043363"/>
+          </a:xfrm>
+          <a:prstGeom prst="rect">
+            <a:avLst/>
+          </a:prstGeom>
+          <a:noFill/>
+        </p:spPr>
+        <p:txBody>
+          <a:bodyPr wrap="square" lIns="182880" tIns="146304" rIns="182880" bIns="146304" rtlCol="0">
+            <a:spAutoFit/>
+          </a:bodyPr>
+          <a:lstStyle/>
+          <a:p>
+            <a:pPr>
+              <a:lnSpc>
+                <a:spcPct val="90000"/>
+              </a:lnSpc>
+              <a:spcAft>
+                <a:spcPts val="600"/>
+              </a:spcAft>
+            </a:pPr>
+            <a:r>
+              <a:rPr lang="en-US" dirty="0">
+                <a:latin typeface="+mj-lt"/>
+              </a:rPr>
+              <a:t>Always establish a clear and concrete scope before starting work on a POC. Work with your group to review and whiteboard POC requirements based on data gathered from the ADS. Be sure to do the following:</a:t>
+            </a:r>
+          </a:p>
+        </p:txBody>
+      </p:sp>
+      <p:sp>
+        <p:nvSpPr>
+          <p:cNvPr id="6" name="Rectangle 5"/>
+          <p:cNvSpPr/>
+          <p:nvPr/>
+        </p:nvSpPr>
+        <p:spPr>
+          <a:xfrm>
+            <a:off x="2661450" y="3030026"/>
+            <a:ext cx="8494230" cy="2299091"/>
+          </a:xfrm>
+          <a:prstGeom prst="rect">
+            <a:avLst/>
+          </a:prstGeom>
+        </p:spPr>
+        <p:txBody>
+          <a:bodyPr wrap="square">
+            <a:spAutoFit/>
+          </a:bodyPr>
+          <a:lstStyle/>
+          <a:p>
+            <a:pPr marL="285750" indent="-285750">
+              <a:lnSpc>
+                <a:spcPct val="90000"/>
+              </a:lnSpc>
+              <a:spcAft>
+                <a:spcPts val="600"/>
+              </a:spcAft>
+              <a:buFont typeface="Wingdings" charset="2"/>
+              <a:buChar char="q"/>
+            </a:pPr>
+            <a:r>
+              <a:rPr lang="en-US" dirty="0"/>
+              <a:t>Go over established business and technical requirements from the ADS</a:t>
+            </a:r>
+          </a:p>
+          <a:p>
+            <a:pPr marL="285750" indent="-285750">
+              <a:lnSpc>
+                <a:spcPct val="90000"/>
+              </a:lnSpc>
+              <a:spcAft>
+                <a:spcPts val="600"/>
+              </a:spcAft>
+              <a:buFont typeface="Wingdings" charset="2"/>
+              <a:buChar char="q"/>
+            </a:pPr>
+            <a:r>
+              <a:rPr lang="en-US" dirty="0"/>
+              <a:t>Condense full set of requirements down to workloads and features of the POC</a:t>
+            </a:r>
+          </a:p>
+          <a:p>
+            <a:pPr marL="742950" lvl="1" indent="-285750">
+              <a:lnSpc>
+                <a:spcPct val="90000"/>
+              </a:lnSpc>
+              <a:spcAft>
+                <a:spcPts val="600"/>
+              </a:spcAft>
+              <a:buFont typeface="Wingdings" charset="2"/>
+              <a:buChar char="q"/>
+            </a:pPr>
+            <a:r>
+              <a:rPr lang="en-US" dirty="0"/>
+              <a:t>Select proof points and address objections to overcome</a:t>
+            </a:r>
+          </a:p>
+          <a:p>
+            <a:pPr marL="742950" lvl="1" indent="-285750">
+              <a:lnSpc>
+                <a:spcPct val="90000"/>
+              </a:lnSpc>
+              <a:spcAft>
+                <a:spcPts val="600"/>
+              </a:spcAft>
+              <a:buFont typeface="Wingdings" charset="2"/>
+              <a:buChar char="q"/>
+            </a:pPr>
+            <a:r>
+              <a:rPr lang="en-US" dirty="0"/>
+              <a:t>Be able to answer </a:t>
+            </a:r>
+            <a:r>
+              <a:rPr lang="mr-IN" dirty="0"/>
+              <a:t>–</a:t>
+            </a:r>
+            <a:r>
+              <a:rPr lang="en-US" dirty="0"/>
+              <a:t> what are you trying prove with the POC?</a:t>
+            </a:r>
+          </a:p>
+          <a:p>
+            <a:pPr marL="285750" indent="-285750">
+              <a:lnSpc>
+                <a:spcPct val="90000"/>
+              </a:lnSpc>
+              <a:spcAft>
+                <a:spcPts val="600"/>
+              </a:spcAft>
+              <a:buFont typeface="Wingdings" charset="2"/>
+              <a:buChar char="q"/>
+            </a:pPr>
+            <a:r>
+              <a:rPr lang="en-US" dirty="0"/>
+              <a:t>Establish team responsibilities and organization</a:t>
+            </a:r>
+          </a:p>
+          <a:p>
+            <a:pPr marL="285750" indent="-285750">
+              <a:lnSpc>
+                <a:spcPct val="90000"/>
+              </a:lnSpc>
+              <a:spcAft>
+                <a:spcPts val="600"/>
+              </a:spcAft>
+              <a:buFont typeface="Wingdings" charset="2"/>
+              <a:buChar char="q"/>
+            </a:pPr>
+            <a:r>
+              <a:rPr lang="en-US" dirty="0"/>
+              <a:t>Perform Azure cost estimates</a:t>
+            </a:r>
+          </a:p>
+          <a:p>
+            <a:pPr marL="285750" indent="-285750">
+              <a:lnSpc>
+                <a:spcPct val="90000"/>
+              </a:lnSpc>
+              <a:spcAft>
+                <a:spcPts val="600"/>
+              </a:spcAft>
+              <a:buFont typeface="Wingdings" charset="2"/>
+              <a:buChar char="q"/>
+            </a:pPr>
+            <a:r>
+              <a:rPr lang="en-US" dirty="0"/>
+              <a:t>Outline next steps after the success criteria is met</a:t>
+            </a:r>
+          </a:p>
+        </p:txBody>
+      </p:sp>
+      <p:pic>
+        <p:nvPicPr>
+          <p:cNvPr id="4" name="Picture 3"/>
+          <p:cNvPicPr>
+            <a:picLocks noChangeAspect="1"/>
+          </p:cNvPicPr>
+          <p:nvPr/>
+        </p:nvPicPr>
+        <p:blipFill>
+          <a:blip r:embed="rId3"/>
+          <a:stretch>
+            <a:fillRect/>
+          </a:stretch>
+        </p:blipFill>
+        <p:spPr>
+          <a:xfrm>
+            <a:off x="-139279" y="2228625"/>
+            <a:ext cx="3115422" cy="3115422"/>
+          </a:xfrm>
+          <a:prstGeom prst="rect">
+            <a:avLst/>
+          </a:prstGeom>
+        </p:spPr>
+      </p:pic>
+      <p:sp>
+        <p:nvSpPr>
+          <p:cNvPr id="10" name="TextBox 9"/>
+          <p:cNvSpPr txBox="1"/>
+          <p:nvPr/>
+        </p:nvSpPr>
+        <p:spPr>
+          <a:xfrm>
+            <a:off x="2198193" y="5344047"/>
+            <a:ext cx="8129681" cy="794064"/>
+          </a:xfrm>
+          <a:prstGeom prst="rect">
+            <a:avLst/>
+          </a:prstGeom>
+          <a:noFill/>
+        </p:spPr>
+        <p:txBody>
+          <a:bodyPr wrap="square" lIns="182880" tIns="146304" rIns="182880" bIns="146304" rtlCol="0">
+            <a:spAutoFit/>
+          </a:bodyPr>
+          <a:lstStyle/>
+          <a:p>
+            <a:pPr>
+              <a:lnSpc>
+                <a:spcPct val="90000"/>
+              </a:lnSpc>
+              <a:spcAft>
+                <a:spcPts val="600"/>
+              </a:spcAft>
+            </a:pPr>
+            <a:r>
+              <a:rPr lang="en-US" dirty="0">
+                <a:latin typeface="+mj-lt"/>
+              </a:rPr>
+              <a:t>Remember, plan your POC development strategy with speed of execution in mind, not durability and longevity. This is not to become the production solution.</a:t>
+            </a:r>
+          </a:p>
+        </p:txBody>
+      </p:sp>
+    </p:spTree>
+    <p:extLst>
+      <p:ext uri="{BB962C8B-B14F-4D97-AF65-F5344CB8AC3E}">
+        <p14:creationId xmlns:p14="http://schemas.microsoft.com/office/powerpoint/2010/main" val="3329247954"/>
+      </p:ext>
+    </p:extLst>
+  </p:cSld>
+  <p:clrMapOvr>
+    <a:masterClrMapping/>
+  </p:clrMapOvr>
+  <mc:AlternateContent xmlns:mc="http://schemas.openxmlformats.org/markup-compatibility/2006" xmlns:p14="http://schemas.microsoft.com/office/powerpoint/2010/main">
+    <mc:Choice Requires="p14">
+      <p:transition spd="med" p14:dur="700">
+        <p:fade/>
+      </p:transition>
+    </mc:Choice>
+    <mc:Fallback xmlns="">
+      <p:transition spd="med">
+        <p:fade/>
+      </p:transition>
+    </mc:Fallback>
+  </mc:AlternateContent>
+</p:sld>
+</file>
+
+<file path=ppt/slides/slide22.xml><?xml version="1.0" encoding="utf-8"?>
+<p:sld xmlns:a="http://schemas.openxmlformats.org/drawingml/2006/main" xmlns:r="http://schemas.openxmlformats.org/officeDocument/2006/relationships" xmlns:p="http://schemas.openxmlformats.org/presentationml/2006/main">
+  <p:cSld>
+    <p:spTree>
+      <p:nvGrpSpPr>
+        <p:cNvPr id="1" name=""/>
+        <p:cNvGrpSpPr/>
+        <p:nvPr/>
+      </p:nvGrpSpPr>
+      <p:grpSpPr>
+        <a:xfrm>
+          <a:off x="0" y="0"/>
+          <a:ext cx="0" cy="0"/>
+          <a:chOff x="0" y="0"/>
+          <a:chExt cx="0" cy="0"/>
+        </a:xfrm>
+      </p:grpSpPr>
+      <p:sp>
+        <p:nvSpPr>
+          <p:cNvPr id="2" name="Title 1"/>
+          <p:cNvSpPr>
+            <a:spLocks noGrp="1"/>
+          </p:cNvSpPr>
+          <p:nvPr>
+            <p:ph type="title"/>
+          </p:nvPr>
+        </p:nvSpPr>
+        <p:spPr/>
+        <p:txBody>
+          <a:bodyPr/>
+          <a:lstStyle/>
+          <a:p>
+            <a:r>
+              <a:rPr lang="en-US"/>
+              <a:t>Execute POC Implementation Checklist</a:t>
+            </a:r>
+            <a:endParaRPr lang="en-US" dirty="0"/>
+          </a:p>
+        </p:txBody>
+      </p:sp>
+      <p:sp>
+        <p:nvSpPr>
+          <p:cNvPr id="11" name="TextBox 10"/>
+          <p:cNvSpPr txBox="1"/>
+          <p:nvPr/>
+        </p:nvSpPr>
+        <p:spPr>
+          <a:xfrm>
+            <a:off x="2198194" y="1817396"/>
+            <a:ext cx="8129681" cy="794064"/>
+          </a:xfrm>
+          <a:prstGeom prst="rect">
+            <a:avLst/>
+          </a:prstGeom>
+          <a:noFill/>
+        </p:spPr>
+        <p:txBody>
+          <a:bodyPr wrap="square" lIns="182880" tIns="146304" rIns="182880" bIns="146304" rtlCol="0">
+            <a:spAutoFit/>
+          </a:bodyPr>
+          <a:lstStyle/>
+          <a:p>
+            <a:pPr>
+              <a:lnSpc>
+                <a:spcPct val="90000"/>
+              </a:lnSpc>
+              <a:spcAft>
+                <a:spcPts val="600"/>
+              </a:spcAft>
+            </a:pPr>
+            <a:r>
+              <a:rPr lang="en-US" dirty="0">
+                <a:latin typeface="+mj-lt"/>
+              </a:rPr>
+              <a:t>Work with your group to draw out the POC architecture, components, technical resources, and success criteria. Be sure to do the following:</a:t>
+            </a:r>
+          </a:p>
+        </p:txBody>
+      </p:sp>
+      <p:sp>
+        <p:nvSpPr>
+          <p:cNvPr id="6" name="Rectangle 5"/>
+          <p:cNvSpPr/>
+          <p:nvPr/>
+        </p:nvSpPr>
+        <p:spPr>
+          <a:xfrm>
+            <a:off x="2661450" y="3030026"/>
+            <a:ext cx="8494230" cy="2720745"/>
+          </a:xfrm>
+          <a:prstGeom prst="rect">
+            <a:avLst/>
+          </a:prstGeom>
+        </p:spPr>
+        <p:txBody>
+          <a:bodyPr wrap="square">
+            <a:spAutoFit/>
+          </a:bodyPr>
+          <a:lstStyle/>
+          <a:p>
+            <a:pPr marL="285750" indent="-285750">
+              <a:lnSpc>
+                <a:spcPct val="90000"/>
+              </a:lnSpc>
+              <a:spcAft>
+                <a:spcPts val="600"/>
+              </a:spcAft>
+              <a:buFont typeface="Wingdings" charset="2"/>
+              <a:buChar char="q"/>
+            </a:pPr>
+            <a:r>
+              <a:rPr lang="en-US" dirty="0"/>
+              <a:t>List all required technical resources</a:t>
+            </a:r>
+          </a:p>
+          <a:p>
+            <a:pPr marL="285750" indent="-285750">
+              <a:lnSpc>
+                <a:spcPct val="90000"/>
+              </a:lnSpc>
+              <a:spcAft>
+                <a:spcPts val="600"/>
+              </a:spcAft>
+              <a:buFont typeface="Wingdings" charset="2"/>
+              <a:buChar char="q"/>
+            </a:pPr>
+            <a:r>
+              <a:rPr lang="en-US" dirty="0"/>
+              <a:t>Identify existing templates that can be used to jump-start POC development, such as ARM templates and Visual Studio project templates</a:t>
+            </a:r>
+          </a:p>
+          <a:p>
+            <a:pPr marL="285750" indent="-285750">
+              <a:lnSpc>
+                <a:spcPct val="90000"/>
+              </a:lnSpc>
+              <a:spcAft>
+                <a:spcPts val="600"/>
+              </a:spcAft>
+              <a:buFont typeface="Wingdings" charset="2"/>
+              <a:buChar char="q"/>
+            </a:pPr>
+            <a:r>
+              <a:rPr lang="en-US" dirty="0"/>
+              <a:t>List PaaS services that will be used</a:t>
+            </a:r>
+          </a:p>
+          <a:p>
+            <a:pPr marL="285750" indent="-285750">
+              <a:lnSpc>
+                <a:spcPct val="90000"/>
+              </a:lnSpc>
+              <a:spcAft>
+                <a:spcPts val="600"/>
+              </a:spcAft>
+              <a:buFont typeface="Wingdings" charset="2"/>
+              <a:buChar char="q"/>
+            </a:pPr>
+            <a:r>
+              <a:rPr lang="en-US" dirty="0"/>
+              <a:t>Figure out which functionality should be implemented, and which should be stubbed out for reference only</a:t>
+            </a:r>
+          </a:p>
+          <a:p>
+            <a:pPr marL="285750" indent="-285750">
+              <a:lnSpc>
+                <a:spcPct val="90000"/>
+              </a:lnSpc>
+              <a:spcAft>
+                <a:spcPts val="600"/>
+              </a:spcAft>
+              <a:buFont typeface="Wingdings" charset="2"/>
+              <a:buChar char="q"/>
+            </a:pPr>
+            <a:r>
+              <a:rPr lang="en-US" dirty="0"/>
+              <a:t>Create a testing plan, both automated and acceptance tests</a:t>
+            </a:r>
+          </a:p>
+          <a:p>
+            <a:pPr marL="285750" indent="-285750">
+              <a:lnSpc>
+                <a:spcPct val="90000"/>
+              </a:lnSpc>
+              <a:spcAft>
+                <a:spcPts val="600"/>
+              </a:spcAft>
+              <a:buFont typeface="Wingdings" charset="2"/>
+              <a:buChar char="q"/>
+            </a:pPr>
+            <a:r>
+              <a:rPr lang="en-US" dirty="0"/>
+              <a:t>Discuss how you will involve the customer and/or users in your testing process, to help identify bugs, surface usability issues, and validate business requirements</a:t>
+            </a:r>
+          </a:p>
+        </p:txBody>
+      </p:sp>
+      <p:pic>
+        <p:nvPicPr>
+          <p:cNvPr id="3" name="Picture 2"/>
+          <p:cNvPicPr>
+            <a:picLocks noChangeAspect="1"/>
+          </p:cNvPicPr>
+          <p:nvPr/>
+        </p:nvPicPr>
+        <p:blipFill>
+          <a:blip r:embed="rId3">
+            <a:biLevel thresh="25000"/>
+          </a:blip>
+          <a:stretch>
+            <a:fillRect/>
+          </a:stretch>
+        </p:blipFill>
+        <p:spPr>
+          <a:xfrm>
+            <a:off x="370844" y="3474859"/>
+            <a:ext cx="1787482" cy="1787482"/>
+          </a:xfrm>
+          <a:prstGeom prst="rect">
+            <a:avLst/>
+          </a:prstGeom>
+        </p:spPr>
+      </p:pic>
+    </p:spTree>
+    <p:extLst>
+      <p:ext uri="{BB962C8B-B14F-4D97-AF65-F5344CB8AC3E}">
+        <p14:creationId xmlns:p14="http://schemas.microsoft.com/office/powerpoint/2010/main" val="1179139050"/>
+      </p:ext>
+    </p:extLst>
+  </p:cSld>
+  <p:clrMapOvr>
+    <a:masterClrMapping/>
+  </p:clrMapOvr>
+  <mc:AlternateContent xmlns:mc="http://schemas.openxmlformats.org/markup-compatibility/2006" xmlns:p14="http://schemas.microsoft.com/office/powerpoint/2010/main">
+    <mc:Choice Requires="p14">
+      <p:transition spd="med" p14:dur="700">
+        <p:fade/>
+      </p:transition>
+    </mc:Choice>
+    <mc:Fallback xmlns="">
+      <p:transition spd="med">
+        <p:fade/>
+      </p:transition>
+    </mc:Fallback>
+  </mc:AlternateContent>
+</p:sld>
+</file>
+
+<file path=ppt/slides/slide23.xml><?xml version="1.0" encoding="utf-8"?>
+<p:sld xmlns:a="http://schemas.openxmlformats.org/drawingml/2006/main" xmlns:r="http://schemas.openxmlformats.org/officeDocument/2006/relationships" xmlns:p="http://schemas.openxmlformats.org/presentationml/2006/main">
+  <p:cSld>
+    <p:spTree>
+      <p:nvGrpSpPr>
+        <p:cNvPr id="1" name=""/>
+        <p:cNvGrpSpPr/>
+        <p:nvPr/>
+      </p:nvGrpSpPr>
+      <p:grpSpPr>
+        <a:xfrm>
+          <a:off x="0" y="0"/>
+          <a:ext cx="0" cy="0"/>
+          <a:chOff x="0" y="0"/>
+          <a:chExt cx="0" cy="0"/>
+        </a:xfrm>
+      </p:grpSpPr>
+      <p:sp>
+        <p:nvSpPr>
+          <p:cNvPr id="2" name="Title 1"/>
+          <p:cNvSpPr>
+            <a:spLocks noGrp="1"/>
+          </p:cNvSpPr>
+          <p:nvPr>
+            <p:ph type="title"/>
+          </p:nvPr>
+        </p:nvSpPr>
+        <p:spPr/>
+        <p:txBody>
+          <a:bodyPr/>
+          <a:lstStyle/>
+          <a:p>
+            <a:r>
+              <a:rPr lang="en-US"/>
+              <a:t>POC Conclusion Checklist</a:t>
+            </a:r>
+            <a:endParaRPr lang="en-US" dirty="0"/>
+          </a:p>
+        </p:txBody>
+      </p:sp>
+      <p:sp>
+        <p:nvSpPr>
+          <p:cNvPr id="11" name="TextBox 10"/>
+          <p:cNvSpPr txBox="1"/>
+          <p:nvPr/>
+        </p:nvSpPr>
+        <p:spPr>
+          <a:xfrm>
+            <a:off x="2198194" y="1051422"/>
+            <a:ext cx="8129681" cy="1541961"/>
+          </a:xfrm>
+          <a:prstGeom prst="rect">
+            <a:avLst/>
+          </a:prstGeom>
+          <a:noFill/>
+        </p:spPr>
+        <p:txBody>
+          <a:bodyPr wrap="square" lIns="182880" tIns="146304" rIns="182880" bIns="146304" rtlCol="0">
+            <a:spAutoFit/>
+          </a:bodyPr>
+          <a:lstStyle/>
+          <a:p>
+            <a:pPr>
+              <a:lnSpc>
+                <a:spcPct val="90000"/>
+              </a:lnSpc>
+              <a:spcAft>
+                <a:spcPts val="600"/>
+              </a:spcAft>
+            </a:pPr>
+            <a:r>
+              <a:rPr lang="en-US" dirty="0">
+                <a:latin typeface="+mj-lt"/>
+              </a:rPr>
+              <a:t>After your team has met the success criteria of the POC, it is time to move into the next phase of the project. Make certain you clearly outline what went well with the POC, and what should be addressed when planning the production development process. If the POC failed, address the shortcomings and be prepared to conduct a new ADS to work on a new strategy.</a:t>
+            </a:r>
+          </a:p>
+        </p:txBody>
+      </p:sp>
+      <p:sp>
+        <p:nvSpPr>
+          <p:cNvPr id="6" name="Rectangle 5"/>
+          <p:cNvSpPr/>
+          <p:nvPr/>
+        </p:nvSpPr>
+        <p:spPr>
+          <a:xfrm>
+            <a:off x="2661450" y="2806348"/>
+            <a:ext cx="8494230" cy="2068259"/>
+          </a:xfrm>
+          <a:prstGeom prst="rect">
+            <a:avLst/>
+          </a:prstGeom>
+        </p:spPr>
+        <p:txBody>
+          <a:bodyPr wrap="square">
+            <a:spAutoFit/>
+          </a:bodyPr>
+          <a:lstStyle/>
+          <a:p>
+            <a:pPr marL="285750" indent="-285750">
+              <a:lnSpc>
+                <a:spcPct val="90000"/>
+              </a:lnSpc>
+              <a:spcAft>
+                <a:spcPts val="600"/>
+              </a:spcAft>
+              <a:buFont typeface="Wingdings" charset="2"/>
+              <a:buChar char="q"/>
+            </a:pPr>
+            <a:r>
+              <a:rPr lang="en-US" dirty="0"/>
+              <a:t>Create a report that explains the overall status of the POC and any issues identified during the execution phase</a:t>
+            </a:r>
+          </a:p>
+          <a:p>
+            <a:pPr marL="285750" indent="-285750">
+              <a:lnSpc>
+                <a:spcPct val="90000"/>
+              </a:lnSpc>
+              <a:spcAft>
+                <a:spcPts val="600"/>
+              </a:spcAft>
+              <a:buFont typeface="Wingdings" charset="2"/>
+              <a:buChar char="q"/>
+            </a:pPr>
+            <a:r>
+              <a:rPr lang="en-US" dirty="0"/>
+              <a:t>Explain the value proposition of moving forward with a real implementation</a:t>
+            </a:r>
+          </a:p>
+          <a:p>
+            <a:pPr marL="742950" lvl="1" indent="-285750">
+              <a:lnSpc>
+                <a:spcPct val="90000"/>
+              </a:lnSpc>
+              <a:spcAft>
+                <a:spcPts val="600"/>
+              </a:spcAft>
+              <a:buFont typeface="Wingdings" charset="2"/>
+              <a:buChar char="q"/>
+            </a:pPr>
+            <a:r>
+              <a:rPr lang="en-US" dirty="0"/>
+              <a:t>Stress to stakeholders that a POC should </a:t>
+            </a:r>
+            <a:r>
+              <a:rPr lang="en-US" dirty="0" err="1"/>
+              <a:t>ot</a:t>
+            </a:r>
+            <a:r>
+              <a:rPr lang="en-US" dirty="0"/>
+              <a:t> be used in production</a:t>
+            </a:r>
+          </a:p>
+          <a:p>
+            <a:pPr marL="285750" indent="-285750">
+              <a:lnSpc>
+                <a:spcPct val="90000"/>
+              </a:lnSpc>
+              <a:spcAft>
+                <a:spcPts val="600"/>
+              </a:spcAft>
+              <a:buFont typeface="Wingdings" charset="2"/>
+              <a:buChar char="q"/>
+            </a:pPr>
+            <a:r>
+              <a:rPr lang="en-US" dirty="0"/>
+              <a:t>Upon agreeing to move to the production phase, create a plan to implement learnings from the POC, delivery schedule, and the cost of the production solution</a:t>
+            </a:r>
+          </a:p>
+        </p:txBody>
+      </p:sp>
+      <p:pic>
+        <p:nvPicPr>
+          <p:cNvPr id="3" name="Picture 2"/>
+          <p:cNvPicPr>
+            <a:picLocks noChangeAspect="1"/>
+          </p:cNvPicPr>
+          <p:nvPr/>
+        </p:nvPicPr>
+        <p:blipFill>
+          <a:blip r:embed="rId3"/>
+          <a:stretch>
+            <a:fillRect/>
+          </a:stretch>
+        </p:blipFill>
+        <p:spPr>
+          <a:xfrm>
+            <a:off x="466342" y="2947414"/>
+            <a:ext cx="1786129" cy="1786129"/>
+          </a:xfrm>
+          <a:prstGeom prst="rect">
+            <a:avLst/>
+          </a:prstGeom>
+        </p:spPr>
+      </p:pic>
+    </p:spTree>
+    <p:extLst>
+      <p:ext uri="{BB962C8B-B14F-4D97-AF65-F5344CB8AC3E}">
+        <p14:creationId xmlns:p14="http://schemas.microsoft.com/office/powerpoint/2010/main" val="2361099267"/>
+      </p:ext>
+    </p:extLst>
+  </p:cSld>
+  <p:clrMapOvr>
+    <a:masterClrMapping/>
+  </p:clrMapOvr>
+  <mc:AlternateContent xmlns:mc="http://schemas.openxmlformats.org/markup-compatibility/2006" xmlns:p14="http://schemas.microsoft.com/office/powerpoint/2010/main">
+    <mc:Choice Requires="p14">
+      <p:transition spd="med" p14:dur="700">
+        <p:fade/>
+      </p:transition>
+    </mc:Choice>
+    <mc:Fallback xmlns="">
+      <p:transition spd="med">
+        <p:fade/>
+      </p:transition>
     </mc:Fallback>
   </mc:AlternateContent>
 </p:sld>
@@ -17782,46 +23066,7 @@
       </p:grpSpPr>
       <p:sp>
         <p:nvSpPr>
-          <p:cNvPr id="2" name="Text Placeholder 1">
-            <a:extLst>
-              <a:ext uri="{FF2B5EF4-FFF2-40B4-BE49-F238E27FC236}">
-                <a16:creationId xmlns:a16="http://schemas.microsoft.com/office/drawing/2014/main" id="{91BEE5C1-9635-412C-8680-8A99566BDD3A}"/>
-              </a:ext>
-            </a:extLst>
-          </p:cNvPr>
-          <p:cNvSpPr>
-            <a:spLocks noGrp="1"/>
-          </p:cNvSpPr>
-          <p:nvPr>
-            <p:ph type="body" sz="quarter" idx="10"/>
-          </p:nvPr>
-        </p:nvSpPr>
-        <p:spPr>
-          <a:xfrm>
-            <a:off x="269239" y="1189177"/>
-            <a:ext cx="11653523" cy="2899833"/>
-          </a:xfrm>
-        </p:spPr>
-        <p:txBody>
-          <a:bodyPr/>
-          <a:lstStyle/>
-          <a:p>
-            <a:r>
-              <a:rPr lang="en-US" dirty="0"/>
-              <a:t>Whiteboards and Surface Hub support the type of collaboration you’ll need for a successful ADS. Focus on your stakeholders, use the whiteboard as a tool for recording ideas, and get approval at each step before moving forward. </a:t>
-            </a:r>
-          </a:p>
-        </p:txBody>
-      </p:sp>
-      <p:sp>
-        <p:nvSpPr>
-          <p:cNvPr id="3" name="Title 2">
-            <a:extLst>
-              <a:ext uri="{FF2B5EF4-FFF2-40B4-BE49-F238E27FC236}">
-                <a16:creationId xmlns:a16="http://schemas.microsoft.com/office/drawing/2014/main" id="{05BACAB8-0799-4047-98CB-15018B50A9A4}"/>
-              </a:ext>
-            </a:extLst>
-          </p:cNvPr>
+          <p:cNvPr id="2" name="Title 1"/>
           <p:cNvSpPr>
             <a:spLocks noGrp="1"/>
           </p:cNvSpPr>
@@ -17836,7 +23081,911 @@
           <a:p>
             <a:r>
               <a:rPr lang="en-US" dirty="0"/>
-              <a:t>Delivery</a:t>
+              <a:t>Sample Agenda</a:t>
+            </a:r>
+          </a:p>
+        </p:txBody>
+      </p:sp>
+      <p:pic>
+        <p:nvPicPr>
+          <p:cNvPr id="5" name="Picture 4"/>
+          <p:cNvPicPr>
+            <a:picLocks noChangeAspect="1"/>
+          </p:cNvPicPr>
+          <p:nvPr/>
+        </p:nvPicPr>
+        <p:blipFill>
+          <a:blip r:embed="rId3">
+            <a:extLst>
+              <a:ext uri="{BEBA8EAE-BF5A-486C-A8C5-ECC9F3942E4B}">
+                <a14:imgProps xmlns:a14="http://schemas.microsoft.com/office/drawing/2010/main">
+                  <a14:imgLayer r:embed="rId4">
+                    <a14:imgEffect>
+                      <a14:backgroundRemoval t="9961" b="89844" l="781" r="97461">
+                        <a14:foregroundMark x1="49609" y1="43359" x2="49609" y2="43359"/>
+                        <a14:foregroundMark x1="5664" y1="62305" x2="5664" y2="62305"/>
+                        <a14:foregroundMark x1="93555" y1="71094" x2="93555" y2="71094"/>
+                        <a14:foregroundMark x1="97656" y1="70313" x2="97656" y2="70313"/>
+                        <a14:foregroundMark x1="781" y1="60742" x2="781" y2="60742"/>
+                      </a14:backgroundRemoval>
+                    </a14:imgEffect>
+                    <a14:imgEffect>
+                      <a14:colorTemperature colorTemp="4700"/>
+                    </a14:imgEffect>
+                    <a14:imgEffect>
+                      <a14:brightnessContrast bright="20000" contrast="20000"/>
+                    </a14:imgEffect>
+                  </a14:imgLayer>
+                </a14:imgProps>
+              </a:ext>
+            </a:extLst>
+          </a:blip>
+          <a:stretch>
+            <a:fillRect/>
+          </a:stretch>
+        </p:blipFill>
+        <p:spPr>
+          <a:xfrm>
+            <a:off x="9034336" y="-24986"/>
+            <a:ext cx="1273258" cy="1273258"/>
+          </a:xfrm>
+          <a:prstGeom prst="rect">
+            <a:avLst/>
+          </a:prstGeom>
+        </p:spPr>
+      </p:pic>
+      <p:pic>
+        <p:nvPicPr>
+          <p:cNvPr id="4" name="Picture 3"/>
+          <p:cNvPicPr>
+            <a:picLocks noChangeAspect="1"/>
+          </p:cNvPicPr>
+          <p:nvPr/>
+        </p:nvPicPr>
+        <p:blipFill>
+          <a:blip r:embed="rId5">
+            <a:biLevel thresh="25000"/>
+          </a:blip>
+          <a:stretch>
+            <a:fillRect/>
+          </a:stretch>
+        </p:blipFill>
+        <p:spPr>
+          <a:xfrm>
+            <a:off x="7471982" y="90071"/>
+            <a:ext cx="2105033" cy="2105033"/>
+          </a:xfrm>
+          <a:prstGeom prst="rect">
+            <a:avLst/>
+          </a:prstGeom>
+        </p:spPr>
+      </p:pic>
+      <p:graphicFrame>
+        <p:nvGraphicFramePr>
+          <p:cNvPr id="3" name="Table 2"/>
+          <p:cNvGraphicFramePr>
+            <a:graphicFrameLocks noGrp="1"/>
+          </p:cNvGraphicFramePr>
+          <p:nvPr>
+            <p:extLst/>
+          </p:nvPr>
+        </p:nvGraphicFramePr>
+        <p:xfrm>
+          <a:off x="461803" y="1162154"/>
+          <a:ext cx="5212080" cy="1898650"/>
+        </p:xfrm>
+        <a:graphic>
+          <a:graphicData uri="http://schemas.openxmlformats.org/drawingml/2006/table">
+            <a:tbl>
+              <a:tblPr firstRow="1" bandRow="1">
+                <a:tableStyleId>{5C22544A-7EE6-4342-B048-85BDC9FD1C3A}</a:tableStyleId>
+              </a:tblPr>
+              <a:tblGrid>
+                <a:gridCol w="3151247">
+                  <a:extLst>
+                    <a:ext uri="{9D8B030D-6E8A-4147-A177-3AD203B41FA5}">
+                      <a16:colId xmlns:a16="http://schemas.microsoft.com/office/drawing/2014/main" val="20000"/>
+                    </a:ext>
+                  </a:extLst>
+                </a:gridCol>
+                <a:gridCol w="2060833">
+                  <a:extLst>
+                    <a:ext uri="{9D8B030D-6E8A-4147-A177-3AD203B41FA5}">
+                      <a16:colId xmlns:a16="http://schemas.microsoft.com/office/drawing/2014/main" val="20001"/>
+                    </a:ext>
+                  </a:extLst>
+                </a:gridCol>
+              </a:tblGrid>
+              <a:tr h="370840">
+                <a:tc>
+                  <a:txBody>
+                    <a:bodyPr/>
+                    <a:lstStyle/>
+                    <a:p>
+                      <a:r>
+                        <a:rPr lang="en-US" dirty="0"/>
+                        <a:t>Befor</a:t>
+                      </a:r>
+                      <a:r>
+                        <a:rPr lang="en-US" baseline="0" dirty="0"/>
+                        <a:t>e the ADS</a:t>
+                      </a:r>
+                      <a:endParaRPr lang="en-US" dirty="0"/>
+                    </a:p>
+                  </a:txBody>
+                  <a:tcPr/>
+                </a:tc>
+                <a:tc>
+                  <a:txBody>
+                    <a:bodyPr/>
+                    <a:lstStyle/>
+                    <a:p>
+                      <a:endParaRPr lang="en-US" dirty="0"/>
+                    </a:p>
+                  </a:txBody>
+                  <a:tcPr/>
+                </a:tc>
+                <a:extLst>
+                  <a:ext uri="{0D108BD9-81ED-4DB2-BD59-A6C34878D82A}">
+                    <a16:rowId xmlns:a16="http://schemas.microsoft.com/office/drawing/2014/main" val="10000"/>
+                  </a:ext>
+                </a:extLst>
+              </a:tr>
+              <a:tr h="629412">
+                <a:tc>
+                  <a:txBody>
+                    <a:bodyPr/>
+                    <a:lstStyle/>
+                    <a:p>
+                      <a:r>
+                        <a:rPr lang="en-US" dirty="0"/>
+                        <a:t>Preliminary requirements clarification</a:t>
+                      </a:r>
+                    </a:p>
+                  </a:txBody>
+                  <a:tcPr/>
+                </a:tc>
+                <a:tc>
+                  <a:txBody>
+                    <a:bodyPr/>
+                    <a:lstStyle/>
+                    <a:p>
+                      <a:r>
+                        <a:rPr lang="en-US" dirty="0"/>
+                        <a:t>9:00 am - 9:30 am</a:t>
+                      </a:r>
+                    </a:p>
+                  </a:txBody>
+                  <a:tcPr/>
+                </a:tc>
+                <a:extLst>
+                  <a:ext uri="{0D108BD9-81ED-4DB2-BD59-A6C34878D82A}">
+                    <a16:rowId xmlns:a16="http://schemas.microsoft.com/office/drawing/2014/main" val="10001"/>
+                  </a:ext>
+                </a:extLst>
+              </a:tr>
+              <a:tr h="898398">
+                <a:tc>
+                  <a:txBody>
+                    <a:bodyPr/>
+                    <a:lstStyle/>
+                    <a:p>
+                      <a:r>
+                        <a:rPr lang="en-US" dirty="0"/>
+                        <a:t>Ideation &amp; Baseline</a:t>
+                      </a:r>
+                      <a:r>
+                        <a:rPr lang="en-US" baseline="0" dirty="0"/>
+                        <a:t>/Candidate Architecture Discussion</a:t>
+                      </a:r>
+                      <a:endParaRPr lang="en-US" dirty="0"/>
+                    </a:p>
+                  </a:txBody>
+                  <a:tcPr/>
+                </a:tc>
+                <a:tc>
+                  <a:txBody>
+                    <a:bodyPr/>
+                    <a:lstStyle/>
+                    <a:p>
+                      <a:r>
+                        <a:rPr lang="en-US" dirty="0"/>
+                        <a:t>9:30 am</a:t>
+                      </a:r>
+                      <a:r>
+                        <a:rPr lang="en-US" baseline="0" dirty="0"/>
+                        <a:t> - 10:30 am</a:t>
+                      </a:r>
+                      <a:endParaRPr lang="en-US" dirty="0"/>
+                    </a:p>
+                  </a:txBody>
+                  <a:tcPr/>
+                </a:tc>
+                <a:extLst>
+                  <a:ext uri="{0D108BD9-81ED-4DB2-BD59-A6C34878D82A}">
+                    <a16:rowId xmlns:a16="http://schemas.microsoft.com/office/drawing/2014/main" val="10002"/>
+                  </a:ext>
+                </a:extLst>
+              </a:tr>
+            </a:tbl>
+          </a:graphicData>
+        </a:graphic>
+      </p:graphicFrame>
+      <p:graphicFrame>
+        <p:nvGraphicFramePr>
+          <p:cNvPr id="8" name="Table 7"/>
+          <p:cNvGraphicFramePr>
+            <a:graphicFrameLocks noGrp="1"/>
+          </p:cNvGraphicFramePr>
+          <p:nvPr>
+            <p:extLst/>
+          </p:nvPr>
+        </p:nvGraphicFramePr>
+        <p:xfrm>
+          <a:off x="6002378" y="1513018"/>
+          <a:ext cx="5212080" cy="4312386"/>
+        </p:xfrm>
+        <a:graphic>
+          <a:graphicData uri="http://schemas.openxmlformats.org/drawingml/2006/table">
+            <a:tbl>
+              <a:tblPr firstRow="1" bandRow="1">
+                <a:tableStyleId>{5C22544A-7EE6-4342-B048-85BDC9FD1C3A}</a:tableStyleId>
+              </a:tblPr>
+              <a:tblGrid>
+                <a:gridCol w="3170498">
+                  <a:extLst>
+                    <a:ext uri="{9D8B030D-6E8A-4147-A177-3AD203B41FA5}">
+                      <a16:colId xmlns:a16="http://schemas.microsoft.com/office/drawing/2014/main" val="20000"/>
+                    </a:ext>
+                  </a:extLst>
+                </a:gridCol>
+                <a:gridCol w="2041582">
+                  <a:extLst>
+                    <a:ext uri="{9D8B030D-6E8A-4147-A177-3AD203B41FA5}">
+                      <a16:colId xmlns:a16="http://schemas.microsoft.com/office/drawing/2014/main" val="20001"/>
+                    </a:ext>
+                  </a:extLst>
+                </a:gridCol>
+              </a:tblGrid>
+              <a:tr h="370840">
+                <a:tc>
+                  <a:txBody>
+                    <a:bodyPr/>
+                    <a:lstStyle/>
+                    <a:p>
+                      <a:r>
+                        <a:rPr lang="en-US" dirty="0"/>
+                        <a:t>During </a:t>
+                      </a:r>
+                      <a:r>
+                        <a:rPr lang="en-US" baseline="0" dirty="0"/>
+                        <a:t>the ADS</a:t>
+                      </a:r>
+                      <a:endParaRPr lang="en-US" dirty="0"/>
+                    </a:p>
+                  </a:txBody>
+                  <a:tcPr/>
+                </a:tc>
+                <a:tc>
+                  <a:txBody>
+                    <a:bodyPr/>
+                    <a:lstStyle/>
+                    <a:p>
+                      <a:endParaRPr lang="en-US" dirty="0"/>
+                    </a:p>
+                  </a:txBody>
+                  <a:tcPr/>
+                </a:tc>
+                <a:extLst>
+                  <a:ext uri="{0D108BD9-81ED-4DB2-BD59-A6C34878D82A}">
+                    <a16:rowId xmlns:a16="http://schemas.microsoft.com/office/drawing/2014/main" val="10000"/>
+                  </a:ext>
+                </a:extLst>
+              </a:tr>
+              <a:tr h="370840">
+                <a:tc>
+                  <a:txBody>
+                    <a:bodyPr/>
+                    <a:lstStyle/>
+                    <a:p>
+                      <a:endParaRPr lang="en-US" dirty="0"/>
+                    </a:p>
+                  </a:txBody>
+                  <a:tcPr/>
+                </a:tc>
+                <a:tc>
+                  <a:txBody>
+                    <a:bodyPr/>
+                    <a:lstStyle/>
+                    <a:p>
+                      <a:r>
+                        <a:rPr lang="en-US" dirty="0"/>
+                        <a:t>Day 1</a:t>
+                      </a:r>
+                    </a:p>
+                  </a:txBody>
+                  <a:tcPr/>
+                </a:tc>
+                <a:extLst>
+                  <a:ext uri="{0D108BD9-81ED-4DB2-BD59-A6C34878D82A}">
+                    <a16:rowId xmlns:a16="http://schemas.microsoft.com/office/drawing/2014/main" val="10001"/>
+                  </a:ext>
+                </a:extLst>
+              </a:tr>
+              <a:tr h="629412">
+                <a:tc>
+                  <a:txBody>
+                    <a:bodyPr/>
+                    <a:lstStyle/>
+                    <a:p>
+                      <a:r>
+                        <a:rPr lang="en-US" dirty="0"/>
+                        <a:t>Detailed discovery</a:t>
+                      </a:r>
+                    </a:p>
+                  </a:txBody>
+                  <a:tcPr/>
+                </a:tc>
+                <a:tc>
+                  <a:txBody>
+                    <a:bodyPr/>
+                    <a:lstStyle/>
+                    <a:p>
+                      <a:r>
+                        <a:rPr lang="en-US" dirty="0"/>
+                        <a:t>9:00 am - 12:00 pm</a:t>
+                      </a:r>
+                    </a:p>
+                  </a:txBody>
+                  <a:tcPr/>
+                </a:tc>
+                <a:extLst>
+                  <a:ext uri="{0D108BD9-81ED-4DB2-BD59-A6C34878D82A}">
+                    <a16:rowId xmlns:a16="http://schemas.microsoft.com/office/drawing/2014/main" val="10002"/>
+                  </a:ext>
+                </a:extLst>
+              </a:tr>
+              <a:tr h="370840">
+                <a:tc>
+                  <a:txBody>
+                    <a:bodyPr/>
+                    <a:lstStyle/>
+                    <a:p>
+                      <a:r>
+                        <a:rPr lang="en-US" dirty="0"/>
+                        <a:t>Envisioning</a:t>
+                      </a:r>
+                    </a:p>
+                  </a:txBody>
+                  <a:tcPr/>
+                </a:tc>
+                <a:tc>
+                  <a:txBody>
+                    <a:bodyPr/>
+                    <a:lstStyle/>
+                    <a:p>
+                      <a:r>
+                        <a:rPr lang="en-US" dirty="0"/>
+                        <a:t>1:00 pm</a:t>
+                      </a:r>
+                      <a:r>
+                        <a:rPr lang="en-US" baseline="0" dirty="0"/>
+                        <a:t> - 5:00 pm</a:t>
+                      </a:r>
+                      <a:endParaRPr lang="en-US" dirty="0"/>
+                    </a:p>
+                  </a:txBody>
+                  <a:tcPr/>
+                </a:tc>
+                <a:extLst>
+                  <a:ext uri="{0D108BD9-81ED-4DB2-BD59-A6C34878D82A}">
+                    <a16:rowId xmlns:a16="http://schemas.microsoft.com/office/drawing/2014/main" val="10003"/>
+                  </a:ext>
+                </a:extLst>
+              </a:tr>
+              <a:tr h="413232">
+                <a:tc>
+                  <a:txBody>
+                    <a:bodyPr/>
+                    <a:lstStyle/>
+                    <a:p>
+                      <a:endParaRPr lang="en-US" dirty="0"/>
+                    </a:p>
+                  </a:txBody>
+                  <a:tcPr/>
+                </a:tc>
+                <a:tc>
+                  <a:txBody>
+                    <a:bodyPr/>
+                    <a:lstStyle/>
+                    <a:p>
+                      <a:pPr marL="0" marR="0" indent="0" algn="l" defTabSz="914367" rtl="0" eaLnBrk="1" fontAlgn="auto" latinLnBrk="0" hangingPunct="1">
+                        <a:lnSpc>
+                          <a:spcPct val="100000"/>
+                        </a:lnSpc>
+                        <a:spcBef>
+                          <a:spcPts val="0"/>
+                        </a:spcBef>
+                        <a:spcAft>
+                          <a:spcPts val="0"/>
+                        </a:spcAft>
+                        <a:buClrTx/>
+                        <a:buSzTx/>
+                        <a:buFontTx/>
+                        <a:buNone/>
+                        <a:tabLst/>
+                        <a:defRPr/>
+                      </a:pPr>
+                      <a:r>
+                        <a:rPr lang="en-US" dirty="0"/>
+                        <a:t>Day 2</a:t>
+                      </a:r>
+                    </a:p>
+                  </a:txBody>
+                  <a:tcPr/>
+                </a:tc>
+                <a:extLst>
+                  <a:ext uri="{0D108BD9-81ED-4DB2-BD59-A6C34878D82A}">
+                    <a16:rowId xmlns:a16="http://schemas.microsoft.com/office/drawing/2014/main" val="10004"/>
+                  </a:ext>
+                </a:extLst>
+              </a:tr>
+              <a:tr h="629412">
+                <a:tc>
+                  <a:txBody>
+                    <a:bodyPr/>
+                    <a:lstStyle/>
+                    <a:p>
+                      <a:r>
+                        <a:rPr lang="en-US" dirty="0"/>
+                        <a:t>Whiteboard </a:t>
+                      </a:r>
+                      <a:r>
+                        <a:rPr lang="en-US" baseline="0" dirty="0"/>
+                        <a:t>Candidate Architecture(s)</a:t>
+                      </a:r>
+                      <a:endParaRPr lang="en-US" dirty="0"/>
+                    </a:p>
+                  </a:txBody>
+                  <a:tcPr/>
+                </a:tc>
+                <a:tc>
+                  <a:txBody>
+                    <a:bodyPr/>
+                    <a:lstStyle/>
+                    <a:p>
+                      <a:pPr marL="0" marR="0" indent="0" algn="l" defTabSz="914367" rtl="0" eaLnBrk="1" fontAlgn="auto" latinLnBrk="0" hangingPunct="1">
+                        <a:lnSpc>
+                          <a:spcPct val="100000"/>
+                        </a:lnSpc>
+                        <a:spcBef>
+                          <a:spcPts val="0"/>
+                        </a:spcBef>
+                        <a:spcAft>
+                          <a:spcPts val="0"/>
+                        </a:spcAft>
+                        <a:buClrTx/>
+                        <a:buSzTx/>
+                        <a:buFontTx/>
+                        <a:buNone/>
+                        <a:tabLst/>
+                        <a:defRPr/>
+                      </a:pPr>
+                      <a:r>
+                        <a:rPr lang="en-US" dirty="0"/>
+                        <a:t>9:00 am - 12:00 pm</a:t>
+                      </a:r>
+                    </a:p>
+                  </a:txBody>
+                  <a:tcPr/>
+                </a:tc>
+                <a:extLst>
+                  <a:ext uri="{0D108BD9-81ED-4DB2-BD59-A6C34878D82A}">
+                    <a16:rowId xmlns:a16="http://schemas.microsoft.com/office/drawing/2014/main" val="10005"/>
+                  </a:ext>
+                </a:extLst>
+              </a:tr>
+              <a:tr h="629412">
+                <a:tc>
+                  <a:txBody>
+                    <a:bodyPr/>
+                    <a:lstStyle/>
+                    <a:p>
+                      <a:r>
+                        <a:rPr lang="en-US" dirty="0"/>
+                        <a:t>Identify</a:t>
+                      </a:r>
+                      <a:r>
+                        <a:rPr lang="en-US" baseline="0" dirty="0"/>
+                        <a:t> and define </a:t>
+                      </a:r>
+                      <a:r>
+                        <a:rPr lang="en-US" dirty="0"/>
+                        <a:t>POC(s)</a:t>
+                      </a:r>
+                      <a:r>
+                        <a:rPr lang="en-US" baseline="0" dirty="0"/>
+                        <a:t> and Pilot(s)</a:t>
+                      </a:r>
+                      <a:endParaRPr lang="en-US" dirty="0"/>
+                    </a:p>
+                  </a:txBody>
+                  <a:tcPr/>
+                </a:tc>
+                <a:tc>
+                  <a:txBody>
+                    <a:bodyPr/>
+                    <a:lstStyle/>
+                    <a:p>
+                      <a:pPr marL="0" marR="0" indent="0" algn="l" defTabSz="914367" rtl="0" eaLnBrk="1" fontAlgn="auto" latinLnBrk="0" hangingPunct="1">
+                        <a:lnSpc>
+                          <a:spcPct val="100000"/>
+                        </a:lnSpc>
+                        <a:spcBef>
+                          <a:spcPts val="0"/>
+                        </a:spcBef>
+                        <a:spcAft>
+                          <a:spcPts val="0"/>
+                        </a:spcAft>
+                        <a:buClrTx/>
+                        <a:buSzTx/>
+                        <a:buFontTx/>
+                        <a:buNone/>
+                        <a:tabLst/>
+                        <a:defRPr/>
+                      </a:pPr>
+                      <a:r>
+                        <a:rPr lang="en-US" dirty="0"/>
+                        <a:t>1:00</a:t>
+                      </a:r>
+                      <a:r>
+                        <a:rPr lang="en-US" baseline="0" dirty="0"/>
+                        <a:t> pm </a:t>
+                      </a:r>
+                      <a:r>
+                        <a:rPr lang="mr-IN" baseline="0" dirty="0"/>
+                        <a:t>–</a:t>
+                      </a:r>
+                      <a:r>
+                        <a:rPr lang="en-US" baseline="0" dirty="0"/>
+                        <a:t> 4:00 pm</a:t>
+                      </a:r>
+                      <a:endParaRPr lang="en-US" dirty="0"/>
+                    </a:p>
+                  </a:txBody>
+                  <a:tcPr/>
+                </a:tc>
+                <a:extLst>
+                  <a:ext uri="{0D108BD9-81ED-4DB2-BD59-A6C34878D82A}">
+                    <a16:rowId xmlns:a16="http://schemas.microsoft.com/office/drawing/2014/main" val="10006"/>
+                  </a:ext>
+                </a:extLst>
+              </a:tr>
+              <a:tr h="898398">
+                <a:tc>
+                  <a:txBody>
+                    <a:bodyPr/>
+                    <a:lstStyle/>
+                    <a:p>
+                      <a:r>
+                        <a:rPr lang="en-US" dirty="0"/>
+                        <a:t>Document high level deliverables and next action steps</a:t>
+                      </a:r>
+                    </a:p>
+                  </a:txBody>
+                  <a:tcPr/>
+                </a:tc>
+                <a:tc>
+                  <a:txBody>
+                    <a:bodyPr/>
+                    <a:lstStyle/>
+                    <a:p>
+                      <a:pPr marL="0" marR="0" indent="0" algn="l" defTabSz="914367" rtl="0" eaLnBrk="1" fontAlgn="auto" latinLnBrk="0" hangingPunct="1">
+                        <a:lnSpc>
+                          <a:spcPct val="100000"/>
+                        </a:lnSpc>
+                        <a:spcBef>
+                          <a:spcPts val="0"/>
+                        </a:spcBef>
+                        <a:spcAft>
+                          <a:spcPts val="0"/>
+                        </a:spcAft>
+                        <a:buClrTx/>
+                        <a:buSzTx/>
+                        <a:buFontTx/>
+                        <a:buNone/>
+                        <a:tabLst/>
+                        <a:defRPr/>
+                      </a:pPr>
+                      <a:r>
+                        <a:rPr lang="en-US" dirty="0"/>
+                        <a:t>4:00</a:t>
+                      </a:r>
+                      <a:r>
+                        <a:rPr lang="en-US" baseline="0" dirty="0"/>
+                        <a:t> pm </a:t>
+                      </a:r>
+                      <a:r>
+                        <a:rPr lang="mr-IN" baseline="0" dirty="0"/>
+                        <a:t>–</a:t>
+                      </a:r>
+                      <a:r>
+                        <a:rPr lang="en-US" baseline="0" dirty="0"/>
+                        <a:t> 5:00 pm</a:t>
+                      </a:r>
+                      <a:endParaRPr lang="en-US" dirty="0"/>
+                    </a:p>
+                  </a:txBody>
+                  <a:tcPr/>
+                </a:tc>
+                <a:extLst>
+                  <a:ext uri="{0D108BD9-81ED-4DB2-BD59-A6C34878D82A}">
+                    <a16:rowId xmlns:a16="http://schemas.microsoft.com/office/drawing/2014/main" val="10007"/>
+                  </a:ext>
+                </a:extLst>
+              </a:tr>
+            </a:tbl>
+          </a:graphicData>
+        </a:graphic>
+      </p:graphicFrame>
+      <p:sp>
+        <p:nvSpPr>
+          <p:cNvPr id="9" name="TextBox 8"/>
+          <p:cNvSpPr txBox="1"/>
+          <p:nvPr/>
+        </p:nvSpPr>
+        <p:spPr>
+          <a:xfrm>
+            <a:off x="1507782" y="2983774"/>
+            <a:ext cx="4420634" cy="572464"/>
+          </a:xfrm>
+          <a:prstGeom prst="rect">
+            <a:avLst/>
+          </a:prstGeom>
+          <a:noFill/>
+        </p:spPr>
+        <p:txBody>
+          <a:bodyPr wrap="none" lIns="182880" tIns="146304" rIns="182880" bIns="146304" rtlCol="0">
+            <a:spAutoFit/>
+          </a:bodyPr>
+          <a:lstStyle/>
+          <a:p>
+            <a:pPr>
+              <a:lnSpc>
+                <a:spcPct val="90000"/>
+              </a:lnSpc>
+              <a:spcAft>
+                <a:spcPts val="600"/>
+              </a:spcAft>
+            </a:pPr>
+            <a:r>
+              <a:rPr lang="en-US" sz="2000" i="1" dirty="0"/>
+              <a:t>This work can be performed remotely.</a:t>
+            </a:r>
+          </a:p>
+        </p:txBody>
+      </p:sp>
+      <p:sp>
+        <p:nvSpPr>
+          <p:cNvPr id="10" name="TextBox 9"/>
+          <p:cNvSpPr txBox="1"/>
+          <p:nvPr/>
+        </p:nvSpPr>
+        <p:spPr>
+          <a:xfrm>
+            <a:off x="6823558" y="5769185"/>
+            <a:ext cx="4751044" cy="572464"/>
+          </a:xfrm>
+          <a:prstGeom prst="rect">
+            <a:avLst/>
+          </a:prstGeom>
+          <a:noFill/>
+        </p:spPr>
+        <p:txBody>
+          <a:bodyPr wrap="none" lIns="182880" tIns="146304" rIns="182880" bIns="146304" rtlCol="0">
+            <a:spAutoFit/>
+          </a:bodyPr>
+          <a:lstStyle/>
+          <a:p>
+            <a:pPr>
+              <a:lnSpc>
+                <a:spcPct val="90000"/>
+              </a:lnSpc>
+              <a:spcAft>
+                <a:spcPts val="600"/>
+              </a:spcAft>
+            </a:pPr>
+            <a:r>
+              <a:rPr lang="en-US" sz="2000" i="1" dirty="0"/>
+              <a:t>The ADS should be performed in-person.</a:t>
+            </a:r>
+          </a:p>
+        </p:txBody>
+      </p:sp>
+      <p:graphicFrame>
+        <p:nvGraphicFramePr>
+          <p:cNvPr id="12" name="Table 11"/>
+          <p:cNvGraphicFramePr>
+            <a:graphicFrameLocks noGrp="1"/>
+          </p:cNvGraphicFramePr>
+          <p:nvPr>
+            <p:extLst/>
+          </p:nvPr>
+        </p:nvGraphicFramePr>
+        <p:xfrm>
+          <a:off x="461803" y="4712993"/>
+          <a:ext cx="5212080" cy="1371092"/>
+        </p:xfrm>
+        <a:graphic>
+          <a:graphicData uri="http://schemas.openxmlformats.org/drawingml/2006/table">
+            <a:tbl>
+              <a:tblPr firstRow="1" bandRow="1">
+                <a:tableStyleId>{5C22544A-7EE6-4342-B048-85BDC9FD1C3A}</a:tableStyleId>
+              </a:tblPr>
+              <a:tblGrid>
+                <a:gridCol w="3118795">
+                  <a:extLst>
+                    <a:ext uri="{9D8B030D-6E8A-4147-A177-3AD203B41FA5}">
+                      <a16:colId xmlns:a16="http://schemas.microsoft.com/office/drawing/2014/main" val="20000"/>
+                    </a:ext>
+                  </a:extLst>
+                </a:gridCol>
+                <a:gridCol w="2093285">
+                  <a:extLst>
+                    <a:ext uri="{9D8B030D-6E8A-4147-A177-3AD203B41FA5}">
+                      <a16:colId xmlns:a16="http://schemas.microsoft.com/office/drawing/2014/main" val="20001"/>
+                    </a:ext>
+                  </a:extLst>
+                </a:gridCol>
+              </a:tblGrid>
+              <a:tr h="370840">
+                <a:tc>
+                  <a:txBody>
+                    <a:bodyPr/>
+                    <a:lstStyle/>
+                    <a:p>
+                      <a:r>
+                        <a:rPr lang="en-US" dirty="0"/>
+                        <a:t>After </a:t>
+                      </a:r>
+                      <a:r>
+                        <a:rPr lang="en-US" baseline="0" dirty="0"/>
+                        <a:t>the ADS</a:t>
+                      </a:r>
+                      <a:endParaRPr lang="en-US" dirty="0"/>
+                    </a:p>
+                  </a:txBody>
+                  <a:tcPr/>
+                </a:tc>
+                <a:tc>
+                  <a:txBody>
+                    <a:bodyPr/>
+                    <a:lstStyle/>
+                    <a:p>
+                      <a:endParaRPr lang="en-US" dirty="0"/>
+                    </a:p>
+                  </a:txBody>
+                  <a:tcPr/>
+                </a:tc>
+                <a:extLst>
+                  <a:ext uri="{0D108BD9-81ED-4DB2-BD59-A6C34878D82A}">
+                    <a16:rowId xmlns:a16="http://schemas.microsoft.com/office/drawing/2014/main" val="10000"/>
+                  </a:ext>
+                </a:extLst>
+              </a:tr>
+              <a:tr h="370840">
+                <a:tc>
+                  <a:txBody>
+                    <a:bodyPr/>
+                    <a:lstStyle/>
+                    <a:p>
+                      <a:r>
+                        <a:rPr lang="en-US" dirty="0"/>
+                        <a:t>Create architecture</a:t>
+                      </a:r>
+                      <a:r>
+                        <a:rPr lang="en-US" baseline="0" dirty="0"/>
+                        <a:t> diagrams</a:t>
+                      </a:r>
+                      <a:endParaRPr lang="en-US" dirty="0"/>
+                    </a:p>
+                  </a:txBody>
+                  <a:tcPr/>
+                </a:tc>
+                <a:tc>
+                  <a:txBody>
+                    <a:bodyPr/>
+                    <a:lstStyle/>
+                    <a:p>
+                      <a:r>
+                        <a:rPr lang="en-US" dirty="0"/>
+                        <a:t>*Varies by project</a:t>
+                      </a:r>
+                    </a:p>
+                  </a:txBody>
+                  <a:tcPr/>
+                </a:tc>
+                <a:extLst>
+                  <a:ext uri="{0D108BD9-81ED-4DB2-BD59-A6C34878D82A}">
+                    <a16:rowId xmlns:a16="http://schemas.microsoft.com/office/drawing/2014/main" val="10001"/>
+                  </a:ext>
+                </a:extLst>
+              </a:tr>
+              <a:tr h="629412">
+                <a:tc>
+                  <a:txBody>
+                    <a:bodyPr/>
+                    <a:lstStyle/>
+                    <a:p>
+                      <a:r>
+                        <a:rPr lang="en-US" dirty="0"/>
+                        <a:t>Review architecture diagrams with ADS team</a:t>
+                      </a:r>
+                    </a:p>
+                  </a:txBody>
+                  <a:tcPr/>
+                </a:tc>
+                <a:tc>
+                  <a:txBody>
+                    <a:bodyPr/>
+                    <a:lstStyle/>
+                    <a:p>
+                      <a:r>
+                        <a:rPr lang="en-US" dirty="0"/>
+                        <a:t>9:30 am</a:t>
+                      </a:r>
+                      <a:r>
+                        <a:rPr lang="en-US" baseline="0" dirty="0"/>
+                        <a:t> - 10:30 am</a:t>
+                      </a:r>
+                      <a:endParaRPr lang="en-US" dirty="0"/>
+                    </a:p>
+                  </a:txBody>
+                  <a:tcPr/>
+                </a:tc>
+                <a:extLst>
+                  <a:ext uri="{0D108BD9-81ED-4DB2-BD59-A6C34878D82A}">
+                    <a16:rowId xmlns:a16="http://schemas.microsoft.com/office/drawing/2014/main" val="10002"/>
+                  </a:ext>
+                </a:extLst>
+              </a:tr>
+            </a:tbl>
+          </a:graphicData>
+        </a:graphic>
+      </p:graphicFrame>
+      <p:sp>
+        <p:nvSpPr>
+          <p:cNvPr id="13" name="TextBox 12"/>
+          <p:cNvSpPr txBox="1"/>
+          <p:nvPr/>
+        </p:nvSpPr>
+        <p:spPr>
+          <a:xfrm>
+            <a:off x="1583180" y="6001326"/>
+            <a:ext cx="4420634" cy="572464"/>
+          </a:xfrm>
+          <a:prstGeom prst="rect">
+            <a:avLst/>
+          </a:prstGeom>
+          <a:noFill/>
+        </p:spPr>
+        <p:txBody>
+          <a:bodyPr wrap="none" lIns="182880" tIns="146304" rIns="182880" bIns="146304" rtlCol="0">
+            <a:spAutoFit/>
+          </a:bodyPr>
+          <a:lstStyle/>
+          <a:p>
+            <a:pPr>
+              <a:lnSpc>
+                <a:spcPct val="90000"/>
+              </a:lnSpc>
+              <a:spcAft>
+                <a:spcPts val="600"/>
+              </a:spcAft>
+            </a:pPr>
+            <a:r>
+              <a:rPr lang="en-US" sz="2000" i="1" dirty="0"/>
+              <a:t>This work can be performed remotely.</a:t>
             </a:r>
           </a:p>
         </p:txBody>
@@ -17844,16 +23993,25 @@
     </p:spTree>
     <p:extLst>
       <p:ext uri="{BB962C8B-B14F-4D97-AF65-F5344CB8AC3E}">
-        <p14:creationId xmlns:p14="http://schemas.microsoft.com/office/powerpoint/2010/main" val="326684176"/>
+        <p14:creationId xmlns:p14="http://schemas.microsoft.com/office/powerpoint/2010/main" val="3816433611"/>
       </p:ext>
     </p:extLst>
   </p:cSld>
   <p:clrMapOvr>
     <a:masterClrMapping/>
   </p:clrMapOvr>
-  <p:transition>
-    <p:fade/>
-  </p:transition>
+  <mc:AlternateContent xmlns:mc="http://schemas.openxmlformats.org/markup-compatibility/2006" xmlns:p14="http://schemas.microsoft.com/office/powerpoint/2010/main">
+    <mc:Choice Requires="p14">
+      <p:transition spd="med" p14:dur="700">
+        <p:fade/>
+      </p:transition>
+    </mc:Choice>
+    <mc:Fallback xmlns="">
+      <p:transition spd="med">
+        <p:fade/>
+      </p:transition>
+    </mc:Fallback>
+  </mc:AlternateContent>
 </p:sld>
 </file>
 
@@ -17876,13 +24034,7 @@
       </p:grpSpPr>
       <p:sp>
         <p:nvSpPr>
-          <p:cNvPr id="3" name="Title 2">
-            <a:extLst>
-              <a:ext uri="{FF2B5EF4-FFF2-40B4-BE49-F238E27FC236}">
-                <a16:creationId xmlns:a16="http://schemas.microsoft.com/office/drawing/2014/main" id="{66CB3259-8CDD-43E7-9D75-4356C30BD1DA}"/>
-              </a:ext>
-            </a:extLst>
-          </p:cNvPr>
+          <p:cNvPr id="2" name="Title 1"/>
           <p:cNvSpPr>
             <a:spLocks noGrp="1"/>
           </p:cNvSpPr>
@@ -17896,21 +24048,157 @@
           <a:lstStyle/>
           <a:p>
             <a:r>
+              <a:rPr lang="en-US"/>
+              <a:t>Complete the Pre-ADS Checklist</a:t>
+            </a:r>
+            <a:endParaRPr lang="en-US" dirty="0"/>
+          </a:p>
+        </p:txBody>
+      </p:sp>
+      <p:sp>
+        <p:nvSpPr>
+          <p:cNvPr id="11" name="TextBox 10"/>
+          <p:cNvSpPr txBox="1"/>
+          <p:nvPr/>
+        </p:nvSpPr>
+        <p:spPr>
+          <a:xfrm>
+            <a:off x="2198194" y="1295715"/>
+            <a:ext cx="8129681" cy="1043363"/>
+          </a:xfrm>
+          <a:prstGeom prst="rect">
+            <a:avLst/>
+          </a:prstGeom>
+          <a:noFill/>
+        </p:spPr>
+        <p:txBody>
+          <a:bodyPr wrap="square" lIns="182880" tIns="146304" rIns="182880" bIns="146304" rtlCol="0">
+            <a:spAutoFit/>
+          </a:bodyPr>
+          <a:lstStyle/>
+          <a:p>
+            <a:pPr>
+              <a:lnSpc>
+                <a:spcPct val="90000"/>
+              </a:lnSpc>
+              <a:spcAft>
+                <a:spcPts val="600"/>
+              </a:spcAft>
+            </a:pPr>
+            <a:r>
+              <a:rPr lang="en-US" dirty="0">
+                <a:latin typeface="+mj-lt"/>
+              </a:rPr>
+              <a:t>A successful architecture design session relies on preparation. After the ideation, or opportunity definition session, perform the following checklist of items to prepare for the ADS:</a:t>
+            </a:r>
+          </a:p>
+        </p:txBody>
+      </p:sp>
+      <p:sp>
+        <p:nvSpPr>
+          <p:cNvPr id="6" name="Rectangle 5"/>
+          <p:cNvSpPr/>
+          <p:nvPr/>
+        </p:nvSpPr>
+        <p:spPr>
+          <a:xfrm>
+            <a:off x="2661450" y="2508345"/>
+            <a:ext cx="8494230" cy="2643801"/>
+          </a:xfrm>
+          <a:prstGeom prst="rect">
+            <a:avLst/>
+          </a:prstGeom>
+        </p:spPr>
+        <p:txBody>
+          <a:bodyPr wrap="square">
+            <a:spAutoFit/>
+          </a:bodyPr>
+          <a:lstStyle/>
+          <a:p>
+            <a:pPr marL="285750" indent="-285750">
+              <a:lnSpc>
+                <a:spcPct val="90000"/>
+              </a:lnSpc>
+              <a:spcAft>
+                <a:spcPts val="600"/>
+              </a:spcAft>
+              <a:buFont typeface="Wingdings" charset="2"/>
+              <a:buChar char="q"/>
+            </a:pPr>
+            <a:r>
               <a:rPr lang="en-US" dirty="0"/>
-              <a:t>Best practice whiteboard layout</a:t>
+              <a:t>Schedule a time for the design session – normally 1-2 days</a:t>
+            </a:r>
+          </a:p>
+          <a:p>
+            <a:pPr marL="285750" indent="-285750">
+              <a:lnSpc>
+                <a:spcPct val="90000"/>
+              </a:lnSpc>
+              <a:spcAft>
+                <a:spcPts val="600"/>
+              </a:spcAft>
+              <a:buFont typeface="Wingdings" charset="2"/>
+              <a:buChar char="q"/>
+            </a:pPr>
+            <a:r>
+              <a:rPr lang="en-US" dirty="0"/>
+              <a:t>Schedule a location: ensure you have whiteboards and a projector</a:t>
+            </a:r>
+          </a:p>
+          <a:p>
+            <a:pPr marL="285750" indent="-285750">
+              <a:lnSpc>
+                <a:spcPct val="90000"/>
+              </a:lnSpc>
+              <a:spcAft>
+                <a:spcPts val="600"/>
+              </a:spcAft>
+              <a:buFont typeface="Wingdings" charset="2"/>
+              <a:buChar char="q"/>
+            </a:pPr>
+            <a:r>
+              <a:rPr lang="en-US" dirty="0"/>
+              <a:t>Schedule resources: experts from your team, and a cross-cutting panel of technical and business stakeholders from the customer</a:t>
+            </a:r>
+          </a:p>
+          <a:p>
+            <a:pPr marL="285750" indent="-285750">
+              <a:lnSpc>
+                <a:spcPct val="90000"/>
+              </a:lnSpc>
+              <a:spcAft>
+                <a:spcPts val="600"/>
+              </a:spcAft>
+              <a:buFont typeface="Wingdings" charset="2"/>
+              <a:buChar char="q"/>
+            </a:pPr>
+            <a:r>
+              <a:rPr lang="en-US" dirty="0"/>
+              <a:t>Build an agenda: establish milestone goals in advance so that the ADS doesn’t get consumed discussing a single topic</a:t>
+            </a:r>
+          </a:p>
+          <a:p>
+            <a:pPr marL="285750" indent="-285750">
+              <a:lnSpc>
+                <a:spcPct val="90000"/>
+              </a:lnSpc>
+              <a:spcAft>
+                <a:spcPts val="600"/>
+              </a:spcAft>
+              <a:buFont typeface="Wingdings" charset="2"/>
+              <a:buChar char="q"/>
+            </a:pPr>
+            <a:r>
+              <a:rPr lang="en-US" dirty="0"/>
+              <a:t>Prepare preliminary documentation and architectural diagrams, such as a baseline architecture. Even if you only have the basic building blocks, it’s good to come prepared with something you can modify during or after the session</a:t>
             </a:r>
           </a:p>
         </p:txBody>
       </p:sp>
       <p:pic>
         <p:nvPicPr>
-          <p:cNvPr id="4" name="Picture 3">
-            <a:extLst>
-              <a:ext uri="{FF2B5EF4-FFF2-40B4-BE49-F238E27FC236}">
-                <a16:creationId xmlns:a16="http://schemas.microsoft.com/office/drawing/2014/main" id="{E690DC31-4E17-41F5-8D2F-F4EC8EBF9888}"/>
-              </a:ext>
-            </a:extLst>
-          </p:cNvPr>
+          <p:cNvPr id="4" name="Picture 3"/>
           <p:cNvPicPr>
             <a:picLocks noChangeAspect="1"/>
           </p:cNvPicPr>
@@ -17924,113 +24212,36 @@
         </p:blipFill>
         <p:spPr>
           <a:xfrm>
-            <a:off x="980501" y="1294941"/>
-            <a:ext cx="10230998" cy="4762268"/>
+            <a:off x="329730" y="2698601"/>
+            <a:ext cx="2154390" cy="2154390"/>
           </a:xfrm>
           <a:prstGeom prst="rect">
             <a:avLst/>
           </a:prstGeom>
         </p:spPr>
       </p:pic>
-      <p:sp>
-        <p:nvSpPr>
-          <p:cNvPr id="5" name="TextBox 4">
-            <a:extLst>
-              <a:ext uri="{FF2B5EF4-FFF2-40B4-BE49-F238E27FC236}">
-                <a16:creationId xmlns:a16="http://schemas.microsoft.com/office/drawing/2014/main" id="{A58329A9-AF26-461B-9B71-82EF5ED29736}"/>
-              </a:ext>
-            </a:extLst>
-          </p:cNvPr>
-          <p:cNvSpPr txBox="1"/>
-          <p:nvPr/>
-        </p:nvSpPr>
-        <p:spPr>
-          <a:xfrm>
-            <a:off x="980501" y="6057209"/>
-            <a:ext cx="10230998" cy="794064"/>
-          </a:xfrm>
-          <a:prstGeom prst="rect">
-            <a:avLst/>
-          </a:prstGeom>
-          <a:noFill/>
-        </p:spPr>
-        <p:txBody>
-          <a:bodyPr wrap="square" lIns="182880" tIns="146304" rIns="182880" bIns="146304" rtlCol="0">
-            <a:spAutoFit/>
-          </a:bodyPr>
-          <a:lstStyle/>
-          <a:p>
-            <a:pPr>
-              <a:lnSpc>
-                <a:spcPct val="90000"/>
-              </a:lnSpc>
-              <a:spcAft>
-                <a:spcPts val="600"/>
-              </a:spcAft>
-            </a:pPr>
-            <a:r>
-              <a:rPr lang="en-US" dirty="0">
-                <a:gradFill>
-                  <a:gsLst>
-                    <a:gs pos="2917">
-                      <a:schemeClr val="tx1"/>
-                    </a:gs>
-                    <a:gs pos="30000">
-                      <a:schemeClr val="tx1"/>
-                    </a:gs>
-                  </a:gsLst>
-                  <a:lin ang="5400000" scaled="0"/>
-                </a:gradFill>
-              </a:rPr>
-              <a:t>1. Project Goal | 2. Requirements &amp; concerns | 3. Parking lot | 4. Current State | 5. Future Vision | </a:t>
-            </a:r>
-            <a:br>
-              <a:rPr lang="en-US" dirty="0">
-                <a:gradFill>
-                  <a:gsLst>
-                    <a:gs pos="2917">
-                      <a:schemeClr val="tx1"/>
-                    </a:gs>
-                    <a:gs pos="30000">
-                      <a:schemeClr val="tx1"/>
-                    </a:gs>
-                  </a:gsLst>
-                  <a:lin ang="5400000" scaled="0"/>
-                </a:gradFill>
-              </a:rPr>
-            </a:br>
-            <a:r>
-              <a:rPr lang="en-US" dirty="0">
-                <a:gradFill>
-                  <a:gsLst>
-                    <a:gs pos="2917">
-                      <a:schemeClr val="tx1"/>
-                    </a:gs>
-                    <a:gs pos="30000">
-                      <a:schemeClr val="tx1"/>
-                    </a:gs>
-                  </a:gsLst>
-                  <a:lin ang="5400000" scaled="0"/>
-                </a:gradFill>
-              </a:rPr>
-              <a:t>6. Implementation plan | 7. Next steps | 8. Wrap-up</a:t>
-            </a:r>
-          </a:p>
-        </p:txBody>
-      </p:sp>
     </p:spTree>
     <p:extLst>
       <p:ext uri="{BB962C8B-B14F-4D97-AF65-F5344CB8AC3E}">
-        <p14:creationId xmlns:p14="http://schemas.microsoft.com/office/powerpoint/2010/main" val="2966029408"/>
+        <p14:creationId xmlns:p14="http://schemas.microsoft.com/office/powerpoint/2010/main" val="1095471710"/>
       </p:ext>
     </p:extLst>
   </p:cSld>
   <p:clrMapOvr>
     <a:masterClrMapping/>
   </p:clrMapOvr>
-  <p:transition>
-    <p:fade/>
-  </p:transition>
+  <mc:AlternateContent xmlns:mc="http://schemas.openxmlformats.org/markup-compatibility/2006" xmlns:p14="http://schemas.microsoft.com/office/powerpoint/2010/main">
+    <mc:Choice Requires="p14">
+      <p:transition spd="med" p14:dur="700">
+        <p:fade/>
+      </p:transition>
+    </mc:Choice>
+    <mc:Fallback xmlns="">
+      <p:transition spd="med">
+        <p:fade/>
+      </p:transition>
+    </mc:Fallback>
+  </mc:AlternateContent>
 </p:sld>
 </file>
 
@@ -18900,12 +25111,12 @@
 </file>
 
 <file path=customXml/item1.xml><?xml version="1.0" encoding="utf-8"?>
-<?mso-contentType ?>
-<FormTemplates xmlns="http://schemas.microsoft.com/sharepoint/v3/contenttype/forms">
-  <Display>DocumentLibraryForm</Display>
-  <Edit>DocumentLibraryForm</Edit>
-  <New>DocumentLibraryForm</New>
-</FormTemplates>
+<p:properties xmlns:p="http://schemas.microsoft.com/office/2006/metadata/properties" xmlns:xsi="http://www.w3.org/2001/XMLSchema-instance" xmlns:pc="http://schemas.microsoft.com/office/infopath/2007/PartnerControls">
+  <documentManagement>
+    <_ip_UnifiedCompliancePolicyUIAction xmlns="http://schemas.microsoft.com/sharepoint/v3" xsi:nil="true"/>
+    <_ip_UnifiedCompliancePolicyProperties xmlns="http://schemas.microsoft.com/sharepoint/v3" xsi:nil="true"/>
+  </documentManagement>
+</p:properties>
 </file>
 
 <file path=customXml/item2.xml><?xml version="1.0" encoding="utf-8"?>
@@ -19111,18 +25322,28 @@
 </file>
 
 <file path=customXml/item3.xml><?xml version="1.0" encoding="utf-8"?>
-<p:properties xmlns:p="http://schemas.microsoft.com/office/2006/metadata/properties" xmlns:xsi="http://www.w3.org/2001/XMLSchema-instance" xmlns:pc="http://schemas.microsoft.com/office/infopath/2007/PartnerControls">
-  <documentManagement>
-    <_ip_UnifiedCompliancePolicyUIAction xmlns="http://schemas.microsoft.com/sharepoint/v3" xsi:nil="true"/>
-    <_ip_UnifiedCompliancePolicyProperties xmlns="http://schemas.microsoft.com/sharepoint/v3" xsi:nil="true"/>
-  </documentManagement>
-</p:properties>
+<?mso-contentType ?>
+<FormTemplates xmlns="http://schemas.microsoft.com/sharepoint/v3/contenttype/forms">
+  <Display>DocumentLibraryForm</Display>
+  <Edit>DocumentLibraryForm</Edit>
+  <New>DocumentLibraryForm</New>
+</FormTemplates>
 </file>
 
 <file path=customXml/itemProps1.xml><?xml version="1.0" encoding="utf-8"?>
-<ds:datastoreItem xmlns:ds="http://schemas.openxmlformats.org/officeDocument/2006/customXml" ds:itemID="{F18501AF-04CF-4482-BAE1-607B49DDC378}">
+<ds:datastoreItem xmlns:ds="http://schemas.openxmlformats.org/officeDocument/2006/customXml" ds:itemID="{BAF7D529-36AB-45DA-B239-2F912F2D1610}">
   <ds:schemaRefs>
-    <ds:schemaRef ds:uri="http://schemas.microsoft.com/sharepoint/v3/contenttype/forms"/>
+    <ds:schemaRef ds:uri="http://purl.org/dc/elements/1.1/"/>
+    <ds:schemaRef ds:uri="http://schemas.microsoft.com/office/2006/metadata/properties"/>
+    <ds:schemaRef ds:uri="http://purl.org/dc/terms/"/>
+    <ds:schemaRef ds:uri="http://schemas.microsoft.com/office/infopath/2007/PartnerControls"/>
+    <ds:schemaRef ds:uri="http://purl.org/dc/dcmitype/"/>
+    <ds:schemaRef ds:uri="http://schemas.openxmlformats.org/package/2006/metadata/core-properties"/>
+    <ds:schemaRef ds:uri="http://schemas.microsoft.com/office/2006/documentManagement/types"/>
+    <ds:schemaRef ds:uri="d9c797ad-d7c3-4982-82b7-81352a75e4a5"/>
+    <ds:schemaRef ds:uri="2023ac63-7b75-4916-a9ee-591457758eee"/>
+    <ds:schemaRef ds:uri="http://schemas.microsoft.com/sharepoint/v3"/>
+    <ds:schemaRef ds:uri="http://www.w3.org/XML/1998/namespace"/>
   </ds:schemaRefs>
 </ds:datastoreItem>
 </file>
@@ -19148,19 +25369,9 @@
 </file>
 
 <file path=customXml/itemProps3.xml><?xml version="1.0" encoding="utf-8"?>
-<ds:datastoreItem xmlns:ds="http://schemas.openxmlformats.org/officeDocument/2006/customXml" ds:itemID="{BAF7D529-36AB-45DA-B239-2F912F2D1610}">
+<ds:datastoreItem xmlns:ds="http://schemas.openxmlformats.org/officeDocument/2006/customXml" ds:itemID="{F18501AF-04CF-4482-BAE1-607B49DDC378}">
   <ds:schemaRefs>
-    <ds:schemaRef ds:uri="http://purl.org/dc/elements/1.1/"/>
-    <ds:schemaRef ds:uri="http://schemas.microsoft.com/office/2006/metadata/properties"/>
-    <ds:schemaRef ds:uri="http://purl.org/dc/terms/"/>
-    <ds:schemaRef ds:uri="http://schemas.microsoft.com/office/infopath/2007/PartnerControls"/>
-    <ds:schemaRef ds:uri="http://purl.org/dc/dcmitype/"/>
-    <ds:schemaRef ds:uri="http://schemas.openxmlformats.org/package/2006/metadata/core-properties"/>
-    <ds:schemaRef ds:uri="http://schemas.microsoft.com/office/2006/documentManagement/types"/>
-    <ds:schemaRef ds:uri="d9c797ad-d7c3-4982-82b7-81352a75e4a5"/>
-    <ds:schemaRef ds:uri="2023ac63-7b75-4916-a9ee-591457758eee"/>
-    <ds:schemaRef ds:uri="http://schemas.microsoft.com/sharepoint/v3"/>
-    <ds:schemaRef ds:uri="http://www.w3.org/XML/1998/namespace"/>
+    <ds:schemaRef ds:uri="http://schemas.microsoft.com/sharepoint/v3/contenttype/forms"/>
   </ds:schemaRefs>
 </ds:datastoreItem>
 </file>
--- a/Financial service modernization workshop/mastering-the-ads-deck.pptx
+++ b/Financial service modernization workshop/mastering-the-ads-deck.pptx
@@ -6,7 +6,7 @@
     <p:sldMasterId id="2147483665" r:id="rId5"/>
   </p:sldMasterIdLst>
   <p:notesMasterIdLst>
-    <p:notesMasterId r:id="rId29"/>
+    <p:notesMasterId r:id="rId31"/>
   </p:notesMasterIdLst>
   <p:sldIdLst>
     <p:sldId id="300" r:id="rId6"/>
@@ -18,20 +18,22 @@
     <p:sldId id="328" r:id="rId12"/>
     <p:sldId id="333" r:id="rId13"/>
     <p:sldId id="335" r:id="rId14"/>
-    <p:sldId id="329" r:id="rId15"/>
-    <p:sldId id="330" r:id="rId16"/>
-    <p:sldId id="336" r:id="rId17"/>
-    <p:sldId id="337" r:id="rId18"/>
-    <p:sldId id="338" r:id="rId19"/>
-    <p:sldId id="356" r:id="rId20"/>
-    <p:sldId id="331" r:id="rId21"/>
-    <p:sldId id="339" r:id="rId22"/>
-    <p:sldId id="332" r:id="rId23"/>
-    <p:sldId id="340" r:id="rId24"/>
-    <p:sldId id="341" r:id="rId25"/>
-    <p:sldId id="343" r:id="rId26"/>
-    <p:sldId id="344" r:id="rId27"/>
-    <p:sldId id="345" r:id="rId28"/>
+    <p:sldId id="357" r:id="rId15"/>
+    <p:sldId id="329" r:id="rId16"/>
+    <p:sldId id="330" r:id="rId17"/>
+    <p:sldId id="336" r:id="rId18"/>
+    <p:sldId id="337" r:id="rId19"/>
+    <p:sldId id="338" r:id="rId20"/>
+    <p:sldId id="356" r:id="rId21"/>
+    <p:sldId id="358" r:id="rId22"/>
+    <p:sldId id="331" r:id="rId23"/>
+    <p:sldId id="339" r:id="rId24"/>
+    <p:sldId id="359" r:id="rId25"/>
+    <p:sldId id="340" r:id="rId26"/>
+    <p:sldId id="341" r:id="rId27"/>
+    <p:sldId id="343" r:id="rId28"/>
+    <p:sldId id="344" r:id="rId29"/>
+    <p:sldId id="345" r:id="rId30"/>
   </p:sldIdLst>
   <p:sldSz cx="12192000" cy="6858000"/>
   <p:notesSz cx="6858000" cy="9144000"/>
@@ -144,15 +146,17 @@
             <p14:sldId id="328"/>
             <p14:sldId id="333"/>
             <p14:sldId id="335"/>
+            <p14:sldId id="357"/>
             <p14:sldId id="329"/>
             <p14:sldId id="330"/>
             <p14:sldId id="336"/>
             <p14:sldId id="337"/>
             <p14:sldId id="338"/>
             <p14:sldId id="356"/>
+            <p14:sldId id="358"/>
             <p14:sldId id="331"/>
             <p14:sldId id="339"/>
-            <p14:sldId id="332"/>
+            <p14:sldId id="359"/>
           </p14:sldIdLst>
         </p14:section>
         <p14:section name="Structure &amp; Execute PoC" id="{8D57AF76-163A-44AB-8C7D-1071192B289B}">
@@ -3748,7 +3752,7 @@
           <a:p>
             <a:fld id="{D9EB630B-BF71-A34E-9F10-CD6A3DB979CB}" type="slidenum">
               <a:rPr lang="en-US" smtClean="0"/>
-              <a:t>17</a:t>
+              <a:t>19</a:t>
             </a:fld>
             <a:endParaRPr lang="en-US"/>
           </a:p>
@@ -3893,7 +3897,7 @@
           <a:p>
             <a:fld id="{D9EB630B-BF71-A34E-9F10-CD6A3DB979CB}" type="slidenum">
               <a:rPr lang="en-US" smtClean="0"/>
-              <a:t>20</a:t>
+              <a:t>22</a:t>
             </a:fld>
             <a:endParaRPr lang="en-US"/>
           </a:p>
@@ -3977,7 +3981,7 @@
           <a:p>
             <a:fld id="{D9EB630B-BF71-A34E-9F10-CD6A3DB979CB}" type="slidenum">
               <a:rPr lang="en-US" smtClean="0"/>
-              <a:t>21</a:t>
+              <a:t>23</a:t>
             </a:fld>
             <a:endParaRPr lang="en-US"/>
           </a:p>
@@ -4061,7 +4065,7 @@
           <a:p>
             <a:fld id="{D9EB630B-BF71-A34E-9F10-CD6A3DB979CB}" type="slidenum">
               <a:rPr lang="en-US" smtClean="0"/>
-              <a:t>22</a:t>
+              <a:t>24</a:t>
             </a:fld>
             <a:endParaRPr lang="en-US"/>
           </a:p>
@@ -4145,7 +4149,7 @@
           <a:p>
             <a:fld id="{D9EB630B-BF71-A34E-9F10-CD6A3DB979CB}" type="slidenum">
               <a:rPr lang="en-US" smtClean="0"/>
-              <a:t>23</a:t>
+              <a:t>25</a:t>
             </a:fld>
             <a:endParaRPr lang="en-US"/>
           </a:p>
@@ -4751,7 +4755,7 @@
           <a:p>
             <a:fld id="{0998D5BB-B127-481F-BC0A-2F77C576BB34}" type="slidenum">
               <a:rPr lang="en-US" smtClean="0"/>
-              <a:t>11</a:t>
+              <a:t>12</a:t>
             </a:fld>
             <a:endParaRPr lang="en-US"/>
           </a:p>
@@ -4835,7 +4839,7 @@
           <a:p>
             <a:fld id="{D9EB630B-BF71-A34E-9F10-CD6A3DB979CB}" type="slidenum">
               <a:rPr lang="en-US" smtClean="0"/>
-              <a:t>12</a:t>
+              <a:t>13</a:t>
             </a:fld>
             <a:endParaRPr lang="en-US"/>
           </a:p>
@@ -4919,7 +4923,7 @@
           <a:p>
             <a:fld id="{D9EB630B-BF71-A34E-9F10-CD6A3DB979CB}" type="slidenum">
               <a:rPr lang="en-US" smtClean="0"/>
-              <a:t>13</a:t>
+              <a:t>14</a:t>
             </a:fld>
             <a:endParaRPr lang="en-US"/>
           </a:p>
@@ -5003,7 +5007,7 @@
           <a:p>
             <a:fld id="{D9EB630B-BF71-A34E-9F10-CD6A3DB979CB}" type="slidenum">
               <a:rPr lang="en-US" smtClean="0"/>
-              <a:t>14</a:t>
+              <a:t>15</a:t>
             </a:fld>
             <a:endParaRPr lang="en-US"/>
           </a:p>
@@ -5092,7 +5096,7 @@
                 </a:solidFill>
               </a:rPr>
               <a:pPr/>
-              <a:t>15</a:t>
+              <a:t>16</a:t>
             </a:fld>
             <a:endParaRPr lang="en-US">
               <a:solidFill>
@@ -17232,6 +17236,130 @@
       </p:grpSpPr>
       <p:sp>
         <p:nvSpPr>
+          <p:cNvPr id="4" name="Title 3">
+            <a:extLst>
+              <a:ext uri="{FF2B5EF4-FFF2-40B4-BE49-F238E27FC236}">
+                <a16:creationId xmlns:a16="http://schemas.microsoft.com/office/drawing/2014/main" id="{C7C47A0F-095C-4A97-A973-43312913AD0B}"/>
+              </a:ext>
+            </a:extLst>
+          </p:cNvPr>
+          <p:cNvSpPr>
+            <a:spLocks noGrp="1"/>
+          </p:cNvSpPr>
+          <p:nvPr>
+            <p:ph type="title"/>
+          </p:nvPr>
+        </p:nvSpPr>
+        <p:spPr>
+          <a:xfrm>
+            <a:off x="269240" y="307254"/>
+            <a:ext cx="6406982" cy="6243491"/>
+          </a:xfrm>
+        </p:spPr>
+        <p:txBody>
+          <a:bodyPr anchor="ctr"/>
+          <a:lstStyle/>
+          <a:p>
+            <a:pPr algn="ctr"/>
+            <a:r>
+              <a:rPr lang="en-US" dirty="0"/>
+              <a:t>What are your </a:t>
+            </a:r>
+            <a:br>
+              <a:rPr lang="en-US" dirty="0"/>
+            </a:br>
+            <a:r>
+              <a:rPr lang="en-US" b="1" dirty="0"/>
+              <a:t>best practices</a:t>
+            </a:r>
+            <a:r>
+              <a:rPr lang="en-US" dirty="0"/>
+              <a:t> in preparing for an ADS?</a:t>
+            </a:r>
+          </a:p>
+        </p:txBody>
+      </p:sp>
+      <p:pic>
+        <p:nvPicPr>
+          <p:cNvPr id="6" name="Graphic 5" descr="Teacher">
+            <a:extLst>
+              <a:ext uri="{FF2B5EF4-FFF2-40B4-BE49-F238E27FC236}">
+                <a16:creationId xmlns:a16="http://schemas.microsoft.com/office/drawing/2014/main" id="{F54B2F38-AD06-4DE0-B5F5-72FF3A60C11E}"/>
+              </a:ext>
+            </a:extLst>
+          </p:cNvPr>
+          <p:cNvPicPr>
+            <a:picLocks noChangeAspect="1"/>
+          </p:cNvPicPr>
+          <p:nvPr/>
+        </p:nvPicPr>
+        <p:blipFill>
+          <a:blip r:embed="rId2">
+            <a:extLst>
+              <a:ext uri="{28A0092B-C50C-407E-A947-70E740481C1C}">
+                <a14:useLocalDpi xmlns:a14="http://schemas.microsoft.com/office/drawing/2010/main" val="0"/>
+              </a:ext>
+              <a:ext uri="{96DAC541-7B7A-43D3-8B79-37D633B846F1}">
+                <asvg:svgBlip xmlns:asvg="http://schemas.microsoft.com/office/drawing/2016/SVG/main" r:embed="rId3"/>
+              </a:ext>
+            </a:extLst>
+          </a:blip>
+          <a:stretch>
+            <a:fillRect/>
+          </a:stretch>
+        </p:blipFill>
+        <p:spPr>
+          <a:xfrm>
+            <a:off x="7220394" y="1077817"/>
+            <a:ext cx="4702366" cy="4702366"/>
+          </a:xfrm>
+          <a:prstGeom prst="rect">
+            <a:avLst/>
+          </a:prstGeom>
+          <a:effectLst>
+            <a:outerShdw blurRad="50800" dist="38100" algn="l" rotWithShape="0">
+              <a:prstClr val="black">
+                <a:alpha val="40000"/>
+              </a:prstClr>
+            </a:outerShdw>
+          </a:effectLst>
+        </p:spPr>
+      </p:pic>
+    </p:spTree>
+    <p:extLst>
+      <p:ext uri="{BB962C8B-B14F-4D97-AF65-F5344CB8AC3E}">
+        <p14:creationId xmlns:p14="http://schemas.microsoft.com/office/powerpoint/2010/main" val="2779730302"/>
+      </p:ext>
+    </p:extLst>
+  </p:cSld>
+  <p:clrMapOvr>
+    <a:masterClrMapping/>
+  </p:clrMapOvr>
+  <p:transition>
+    <p:fade/>
+  </p:transition>
+</p:sld>
+</file>
+
+<file path=ppt/slides/slide11.xml><?xml version="1.0" encoding="utf-8"?>
+<p:sld xmlns:a="http://schemas.openxmlformats.org/drawingml/2006/main" xmlns:r="http://schemas.openxmlformats.org/officeDocument/2006/relationships" xmlns:p="http://schemas.openxmlformats.org/presentationml/2006/main">
+  <p:cSld>
+    <p:spTree>
+      <p:nvGrpSpPr>
+        <p:cNvPr id="1" name=""/>
+        <p:cNvGrpSpPr/>
+        <p:nvPr/>
+      </p:nvGrpSpPr>
+      <p:grpSpPr>
+        <a:xfrm>
+          <a:off x="0" y="0"/>
+          <a:ext cx="0" cy="0"/>
+          <a:chOff x="0" y="0"/>
+          <a:chExt cx="0" cy="0"/>
+        </a:xfrm>
+      </p:grpSpPr>
+      <p:sp>
+        <p:nvSpPr>
           <p:cNvPr id="2" name="Text Placeholder 1">
             <a:extLst>
               <a:ext uri="{FF2B5EF4-FFF2-40B4-BE49-F238E27FC236}">
@@ -17313,7 +17441,7 @@
 </p:sld>
 </file>
 
-<file path=ppt/slides/slide11.xml><?xml version="1.0" encoding="utf-8"?>
+<file path=ppt/slides/slide12.xml><?xml version="1.0" encoding="utf-8"?>
 <p:sld xmlns:a="http://schemas.openxmlformats.org/drawingml/2006/main" xmlns:r="http://schemas.openxmlformats.org/officeDocument/2006/relationships" xmlns:p="http://schemas.openxmlformats.org/presentationml/2006/main">
   <p:cSld>
     <p:spTree>
@@ -17490,7 +17618,7 @@
 </p:sld>
 </file>
 
-<file path=ppt/slides/slide12.xml><?xml version="1.0" encoding="utf-8"?>
+<file path=ppt/slides/slide13.xml><?xml version="1.0" encoding="utf-8"?>
 <p:sld xmlns:a="http://schemas.openxmlformats.org/drawingml/2006/main" xmlns:r="http://schemas.openxmlformats.org/officeDocument/2006/relationships" xmlns:p="http://schemas.openxmlformats.org/presentationml/2006/main">
   <p:cSld>
     <p:spTree>
@@ -17812,7 +17940,7 @@
 </p:sld>
 </file>
 
-<file path=ppt/slides/slide13.xml><?xml version="1.0" encoding="utf-8"?>
+<file path=ppt/slides/slide14.xml><?xml version="1.0" encoding="utf-8"?>
 <p:sld xmlns:a="http://schemas.openxmlformats.org/drawingml/2006/main" xmlns:r="http://schemas.openxmlformats.org/officeDocument/2006/relationships" xmlns:p="http://schemas.openxmlformats.org/presentationml/2006/main">
   <p:cSld>
     <p:spTree>
@@ -18144,7 +18272,7 @@
 </p:sld>
 </file>
 
-<file path=ppt/slides/slide14.xml><?xml version="1.0" encoding="utf-8"?>
+<file path=ppt/slides/slide15.xml><?xml version="1.0" encoding="utf-8"?>
 <p:sld xmlns:a="http://schemas.openxmlformats.org/drawingml/2006/main" xmlns:r="http://schemas.openxmlformats.org/officeDocument/2006/relationships" xmlns:p="http://schemas.openxmlformats.org/presentationml/2006/main">
   <p:cSld>
     <p:spTree>
@@ -18514,7 +18642,7 @@
 </p:sld>
 </file>
 
-<file path=ppt/slides/slide15.xml><?xml version="1.0" encoding="utf-8"?>
+<file path=ppt/slides/slide16.xml><?xml version="1.0" encoding="utf-8"?>
 <p:sld xmlns:a="http://schemas.openxmlformats.org/drawingml/2006/main" xmlns:r="http://schemas.openxmlformats.org/officeDocument/2006/relationships" xmlns:p="http://schemas.openxmlformats.org/presentationml/2006/main">
   <p:cSld>
     <p:spTree>
@@ -20067,7 +20195,131 @@
 </p:sld>
 </file>
 
-<file path=ppt/slides/slide16.xml><?xml version="1.0" encoding="utf-8"?>
+<file path=ppt/slides/slide17.xml><?xml version="1.0" encoding="utf-8"?>
+<p:sld xmlns:a="http://schemas.openxmlformats.org/drawingml/2006/main" xmlns:r="http://schemas.openxmlformats.org/officeDocument/2006/relationships" xmlns:p="http://schemas.openxmlformats.org/presentationml/2006/main">
+  <p:cSld>
+    <p:spTree>
+      <p:nvGrpSpPr>
+        <p:cNvPr id="1" name=""/>
+        <p:cNvGrpSpPr/>
+        <p:nvPr/>
+      </p:nvGrpSpPr>
+      <p:grpSpPr>
+        <a:xfrm>
+          <a:off x="0" y="0"/>
+          <a:ext cx="0" cy="0"/>
+          <a:chOff x="0" y="0"/>
+          <a:chExt cx="0" cy="0"/>
+        </a:xfrm>
+      </p:grpSpPr>
+      <p:sp>
+        <p:nvSpPr>
+          <p:cNvPr id="4" name="Title 3">
+            <a:extLst>
+              <a:ext uri="{FF2B5EF4-FFF2-40B4-BE49-F238E27FC236}">
+                <a16:creationId xmlns:a16="http://schemas.microsoft.com/office/drawing/2014/main" id="{C7C47A0F-095C-4A97-A973-43312913AD0B}"/>
+              </a:ext>
+            </a:extLst>
+          </p:cNvPr>
+          <p:cNvSpPr>
+            <a:spLocks noGrp="1"/>
+          </p:cNvSpPr>
+          <p:nvPr>
+            <p:ph type="title"/>
+          </p:nvPr>
+        </p:nvSpPr>
+        <p:spPr>
+          <a:xfrm>
+            <a:off x="269240" y="307254"/>
+            <a:ext cx="6406982" cy="6243491"/>
+          </a:xfrm>
+        </p:spPr>
+        <p:txBody>
+          <a:bodyPr anchor="ctr"/>
+          <a:lstStyle/>
+          <a:p>
+            <a:pPr algn="ctr"/>
+            <a:r>
+              <a:rPr lang="en-US" dirty="0"/>
+              <a:t>What are your </a:t>
+            </a:r>
+            <a:br>
+              <a:rPr lang="en-US" dirty="0"/>
+            </a:br>
+            <a:r>
+              <a:rPr lang="en-US" b="1" dirty="0"/>
+              <a:t>best practices</a:t>
+            </a:r>
+            <a:r>
+              <a:rPr lang="en-US" dirty="0"/>
+              <a:t> for delivering an ADS?</a:t>
+            </a:r>
+          </a:p>
+        </p:txBody>
+      </p:sp>
+      <p:pic>
+        <p:nvPicPr>
+          <p:cNvPr id="6" name="Graphic 5" descr="Teacher">
+            <a:extLst>
+              <a:ext uri="{FF2B5EF4-FFF2-40B4-BE49-F238E27FC236}">
+                <a16:creationId xmlns:a16="http://schemas.microsoft.com/office/drawing/2014/main" id="{F54B2F38-AD06-4DE0-B5F5-72FF3A60C11E}"/>
+              </a:ext>
+            </a:extLst>
+          </p:cNvPr>
+          <p:cNvPicPr>
+            <a:picLocks noChangeAspect="1"/>
+          </p:cNvPicPr>
+          <p:nvPr/>
+        </p:nvPicPr>
+        <p:blipFill>
+          <a:blip r:embed="rId2">
+            <a:extLst>
+              <a:ext uri="{28A0092B-C50C-407E-A947-70E740481C1C}">
+                <a14:useLocalDpi xmlns:a14="http://schemas.microsoft.com/office/drawing/2010/main" val="0"/>
+              </a:ext>
+              <a:ext uri="{96DAC541-7B7A-43D3-8B79-37D633B846F1}">
+                <asvg:svgBlip xmlns:asvg="http://schemas.microsoft.com/office/drawing/2016/SVG/main" r:embed="rId3"/>
+              </a:ext>
+            </a:extLst>
+          </a:blip>
+          <a:stretch>
+            <a:fillRect/>
+          </a:stretch>
+        </p:blipFill>
+        <p:spPr>
+          <a:xfrm>
+            <a:off x="7220394" y="1077817"/>
+            <a:ext cx="4702366" cy="4702366"/>
+          </a:xfrm>
+          <a:prstGeom prst="rect">
+            <a:avLst/>
+          </a:prstGeom>
+          <a:effectLst>
+            <a:outerShdw blurRad="50800" dist="38100" algn="l" rotWithShape="0">
+              <a:prstClr val="black">
+                <a:alpha val="40000"/>
+              </a:prstClr>
+            </a:outerShdw>
+          </a:effectLst>
+        </p:spPr>
+      </p:pic>
+    </p:spTree>
+    <p:extLst>
+      <p:ext uri="{BB962C8B-B14F-4D97-AF65-F5344CB8AC3E}">
+        <p14:creationId xmlns:p14="http://schemas.microsoft.com/office/powerpoint/2010/main" val="81599200"/>
+      </p:ext>
+    </p:extLst>
+  </p:cSld>
+  <p:clrMapOvr>
+    <a:masterClrMapping/>
+  </p:clrMapOvr>
+  <p:transition>
+    <p:fade/>
+  </p:transition>
+</p:sld>
+</file>
+
+<file path=ppt/slides/slide18.xml><?xml version="1.0" encoding="utf-8"?>
 <p:sld xmlns:a="http://schemas.openxmlformats.org/drawingml/2006/main" xmlns:r="http://schemas.openxmlformats.org/officeDocument/2006/relationships" xmlns:p="http://schemas.openxmlformats.org/presentationml/2006/main">
   <p:cSld>
     <p:spTree>
@@ -20203,7 +20455,7 @@
 </p:sld>
 </file>
 
-<file path=ppt/slides/slide17.xml><?xml version="1.0" encoding="utf-8"?>
+<file path=ppt/slides/slide19.xml><?xml version="1.0" encoding="utf-8"?>
 <p:sld xmlns:a="http://schemas.openxmlformats.org/drawingml/2006/main" xmlns:r="http://schemas.openxmlformats.org/officeDocument/2006/relationships" xmlns:p="http://schemas.openxmlformats.org/presentationml/2006/main">
   <p:cSld>
     <p:spTree>
@@ -20465,7 +20717,146 @@
 </p:sld>
 </file>
 
-<file path=ppt/slides/slide18.xml><?xml version="1.0" encoding="utf-8"?>
+<file path=ppt/slides/slide2.xml><?xml version="1.0" encoding="utf-8"?>
+<p:sld xmlns:a="http://schemas.openxmlformats.org/drawingml/2006/main" xmlns:r="http://schemas.openxmlformats.org/officeDocument/2006/relationships" xmlns:p="http://schemas.openxmlformats.org/presentationml/2006/main">
+  <p:cSld>
+    <p:bg>
+      <p:bgPr>
+        <a:solidFill>
+          <a:schemeClr val="bg2"/>
+        </a:solidFill>
+        <a:effectLst/>
+      </p:bgPr>
+    </p:bg>
+    <p:spTree>
+      <p:nvGrpSpPr>
+        <p:cNvPr id="1" name=""/>
+        <p:cNvGrpSpPr/>
+        <p:nvPr/>
+      </p:nvGrpSpPr>
+      <p:grpSpPr>
+        <a:xfrm>
+          <a:off x="0" y="0"/>
+          <a:ext cx="0" cy="0"/>
+          <a:chOff x="0" y="0"/>
+          <a:chExt cx="0" cy="0"/>
+        </a:xfrm>
+      </p:grpSpPr>
+      <p:sp>
+        <p:nvSpPr>
+          <p:cNvPr id="2" name="Title 1"/>
+          <p:cNvSpPr>
+            <a:spLocks noGrp="1"/>
+          </p:cNvSpPr>
+          <p:nvPr>
+            <p:ph type="title"/>
+          </p:nvPr>
+        </p:nvSpPr>
+        <p:spPr/>
+        <p:txBody>
+          <a:bodyPr>
+            <a:normAutofit/>
+          </a:bodyPr>
+          <a:lstStyle/>
+          <a:p>
+            <a:r>
+              <a:rPr lang="en-US" sz="4400" dirty="0">
+                <a:solidFill>
+                  <a:schemeClr val="tx1"/>
+                </a:solidFill>
+                <a:latin typeface="Segoe UI Light" panose="020B0502040204020203" pitchFamily="34" charset="0"/>
+                <a:cs typeface="Segoe UI Light" panose="020B0502040204020203" pitchFamily="34" charset="0"/>
+              </a:rPr>
+              <a:t>Abstract and learning objectives</a:t>
+            </a:r>
+          </a:p>
+        </p:txBody>
+      </p:sp>
+      <p:sp>
+        <p:nvSpPr>
+          <p:cNvPr id="9" name="TextBox 8">
+            <a:extLst>
+              <a:ext uri="{FF2B5EF4-FFF2-40B4-BE49-F238E27FC236}">
+                <a16:creationId xmlns:a16="http://schemas.microsoft.com/office/drawing/2014/main" id="{0F86F9F9-39B5-4CE6-AF48-9ADAE40EA728}"/>
+              </a:ext>
+            </a:extLst>
+          </p:cNvPr>
+          <p:cNvSpPr txBox="1"/>
+          <p:nvPr/>
+        </p:nvSpPr>
+        <p:spPr>
+          <a:xfrm>
+            <a:off x="340285" y="1741246"/>
+            <a:ext cx="7247965" cy="1868204"/>
+          </a:xfrm>
+          <a:prstGeom prst="rect">
+            <a:avLst/>
+          </a:prstGeom>
+          <a:noFill/>
+        </p:spPr>
+        <p:txBody>
+          <a:bodyPr wrap="square" lIns="182880" tIns="146304" rIns="182880" bIns="146304" rtlCol="0">
+            <a:spAutoFit/>
+          </a:bodyPr>
+          <a:lstStyle/>
+          <a:p>
+            <a:pPr>
+              <a:lnSpc>
+                <a:spcPct val="90000"/>
+              </a:lnSpc>
+              <a:spcAft>
+                <a:spcPts val="600"/>
+              </a:spcAft>
+            </a:pPr>
+            <a:r>
+              <a:rPr lang="en-US" sz="3600" dirty="0">
+                <a:latin typeface="+mj-lt"/>
+              </a:rPr>
+              <a:t>Abstract and learning objectives</a:t>
+            </a:r>
+          </a:p>
+          <a:p>
+            <a:pPr>
+              <a:lnSpc>
+                <a:spcPct val="90000"/>
+              </a:lnSpc>
+              <a:spcAft>
+                <a:spcPts val="600"/>
+              </a:spcAft>
+            </a:pPr>
+            <a:r>
+              <a:rPr lang="en-US" sz="2400" dirty="0">
+                <a:latin typeface="Segoe UI Semilight" panose="020B0402040204020203" pitchFamily="34" charset="0"/>
+                <a:cs typeface="Segoe UI Semilight" panose="020B0402040204020203" pitchFamily="34" charset="0"/>
+              </a:rPr>
+              <a:t>Facilitate discussion around top ADS tips &amp; tricks, leading to presentation on what makes a great ADS from requirements collection to architecture. </a:t>
+            </a:r>
+            <a:endParaRPr lang="en-US" sz="2400" dirty="0"/>
+          </a:p>
+        </p:txBody>
+      </p:sp>
+    </p:spTree>
+    <p:extLst>
+      <p:ext uri="{BB962C8B-B14F-4D97-AF65-F5344CB8AC3E}">
+        <p14:creationId xmlns:p14="http://schemas.microsoft.com/office/powerpoint/2010/main" val="772880493"/>
+      </p:ext>
+    </p:extLst>
+  </p:cSld>
+  <p:clrMapOvr>
+    <a:masterClrMapping/>
+  </p:clrMapOvr>
+  <mc:AlternateContent xmlns:mc="http://schemas.openxmlformats.org/markup-compatibility/2006" xmlns:p14="http://schemas.microsoft.com/office/powerpoint/2010/main">
+    <mc:Choice Requires="p14">
+      <p:transition p14:dur="0"/>
+    </mc:Choice>
+    <mc:Fallback xmlns="">
+      <p:transition/>
+    </mc:Fallback>
+  </mc:AlternateContent>
+</p:sld>
+</file>
+
+<file path=ppt/slides/slide20.xml><?xml version="1.0" encoding="utf-8"?>
 <p:sld xmlns:a="http://schemas.openxmlformats.org/drawingml/2006/main" xmlns:r="http://schemas.openxmlformats.org/officeDocument/2006/relationships" xmlns:p="http://schemas.openxmlformats.org/presentationml/2006/main">
   <p:cSld>
     <p:spTree>
@@ -20522,7 +20913,7 @@
             </a:r>
             <a:r>
               <a:rPr lang="en-US" dirty="0"/>
-              <a:t>?</a:t>
+              <a:t> when following up after an ADS?</a:t>
             </a:r>
           </a:p>
         </p:txBody>
@@ -20576,7 +20967,7 @@
     </p:spTree>
     <p:extLst>
       <p:ext uri="{BB962C8B-B14F-4D97-AF65-F5344CB8AC3E}">
-        <p14:creationId xmlns:p14="http://schemas.microsoft.com/office/powerpoint/2010/main" val="3706753644"/>
+        <p14:creationId xmlns:p14="http://schemas.microsoft.com/office/powerpoint/2010/main" val="929031561"/>
       </p:ext>
     </p:extLst>
   </p:cSld>
@@ -20589,7 +20980,7 @@
 </p:sld>
 </file>
 
-<file path=ppt/slides/slide19.xml><?xml version="1.0" encoding="utf-8"?>
+<file path=ppt/slides/slide21.xml><?xml version="1.0" encoding="utf-8"?>
 <p:sld xmlns:a="http://schemas.openxmlformats.org/drawingml/2006/main" xmlns:r="http://schemas.openxmlformats.org/officeDocument/2006/relationships" xmlns:p="http://schemas.openxmlformats.org/presentationml/2006/main">
   <p:cSld>
     <p:spTree>
@@ -20649,146 +21040,7 @@
 </p:sld>
 </file>
 
-<file path=ppt/slides/slide2.xml><?xml version="1.0" encoding="utf-8"?>
-<p:sld xmlns:a="http://schemas.openxmlformats.org/drawingml/2006/main" xmlns:r="http://schemas.openxmlformats.org/officeDocument/2006/relationships" xmlns:p="http://schemas.openxmlformats.org/presentationml/2006/main">
-  <p:cSld>
-    <p:bg>
-      <p:bgPr>
-        <a:solidFill>
-          <a:schemeClr val="bg2"/>
-        </a:solidFill>
-        <a:effectLst/>
-      </p:bgPr>
-    </p:bg>
-    <p:spTree>
-      <p:nvGrpSpPr>
-        <p:cNvPr id="1" name=""/>
-        <p:cNvGrpSpPr/>
-        <p:nvPr/>
-      </p:nvGrpSpPr>
-      <p:grpSpPr>
-        <a:xfrm>
-          <a:off x="0" y="0"/>
-          <a:ext cx="0" cy="0"/>
-          <a:chOff x="0" y="0"/>
-          <a:chExt cx="0" cy="0"/>
-        </a:xfrm>
-      </p:grpSpPr>
-      <p:sp>
-        <p:nvSpPr>
-          <p:cNvPr id="2" name="Title 1"/>
-          <p:cNvSpPr>
-            <a:spLocks noGrp="1"/>
-          </p:cNvSpPr>
-          <p:nvPr>
-            <p:ph type="title"/>
-          </p:nvPr>
-        </p:nvSpPr>
-        <p:spPr/>
-        <p:txBody>
-          <a:bodyPr>
-            <a:normAutofit/>
-          </a:bodyPr>
-          <a:lstStyle/>
-          <a:p>
-            <a:r>
-              <a:rPr lang="en-US" sz="4400" dirty="0">
-                <a:solidFill>
-                  <a:schemeClr val="tx1"/>
-                </a:solidFill>
-                <a:latin typeface="Segoe UI Light" panose="020B0502040204020203" pitchFamily="34" charset="0"/>
-                <a:cs typeface="Segoe UI Light" panose="020B0502040204020203" pitchFamily="34" charset="0"/>
-              </a:rPr>
-              <a:t>Abstract and learning objectives</a:t>
-            </a:r>
-          </a:p>
-        </p:txBody>
-      </p:sp>
-      <p:sp>
-        <p:nvSpPr>
-          <p:cNvPr id="9" name="TextBox 8">
-            <a:extLst>
-              <a:ext uri="{FF2B5EF4-FFF2-40B4-BE49-F238E27FC236}">
-                <a16:creationId xmlns:a16="http://schemas.microsoft.com/office/drawing/2014/main" id="{0F86F9F9-39B5-4CE6-AF48-9ADAE40EA728}"/>
-              </a:ext>
-            </a:extLst>
-          </p:cNvPr>
-          <p:cNvSpPr txBox="1"/>
-          <p:nvPr/>
-        </p:nvSpPr>
-        <p:spPr>
-          <a:xfrm>
-            <a:off x="340285" y="1741246"/>
-            <a:ext cx="7247965" cy="1868204"/>
-          </a:xfrm>
-          <a:prstGeom prst="rect">
-            <a:avLst/>
-          </a:prstGeom>
-          <a:noFill/>
-        </p:spPr>
-        <p:txBody>
-          <a:bodyPr wrap="square" lIns="182880" tIns="146304" rIns="182880" bIns="146304" rtlCol="0">
-            <a:spAutoFit/>
-          </a:bodyPr>
-          <a:lstStyle/>
-          <a:p>
-            <a:pPr>
-              <a:lnSpc>
-                <a:spcPct val="90000"/>
-              </a:lnSpc>
-              <a:spcAft>
-                <a:spcPts val="600"/>
-              </a:spcAft>
-            </a:pPr>
-            <a:r>
-              <a:rPr lang="en-US" sz="3600" dirty="0">
-                <a:latin typeface="+mj-lt"/>
-              </a:rPr>
-              <a:t>Abstract and learning objectives</a:t>
-            </a:r>
-          </a:p>
-          <a:p>
-            <a:pPr>
-              <a:lnSpc>
-                <a:spcPct val="90000"/>
-              </a:lnSpc>
-              <a:spcAft>
-                <a:spcPts val="600"/>
-              </a:spcAft>
-            </a:pPr>
-            <a:r>
-              <a:rPr lang="en-US" sz="2400" dirty="0">
-                <a:latin typeface="Segoe UI Semilight" panose="020B0402040204020203" pitchFamily="34" charset="0"/>
-                <a:cs typeface="Segoe UI Semilight" panose="020B0402040204020203" pitchFamily="34" charset="0"/>
-              </a:rPr>
-              <a:t>Facilitate discussion around top ADS tips &amp; tricks, leading to presentation on what makes a great ADS from requirements collection to architecture. </a:t>
-            </a:r>
-            <a:endParaRPr lang="en-US" sz="2400" dirty="0"/>
-          </a:p>
-        </p:txBody>
-      </p:sp>
-    </p:spTree>
-    <p:extLst>
-      <p:ext uri="{BB962C8B-B14F-4D97-AF65-F5344CB8AC3E}">
-        <p14:creationId xmlns:p14="http://schemas.microsoft.com/office/powerpoint/2010/main" val="772880493"/>
-      </p:ext>
-    </p:extLst>
-  </p:cSld>
-  <p:clrMapOvr>
-    <a:masterClrMapping/>
-  </p:clrMapOvr>
-  <mc:AlternateContent xmlns:mc="http://schemas.openxmlformats.org/markup-compatibility/2006" xmlns:p14="http://schemas.microsoft.com/office/powerpoint/2010/main">
-    <mc:Choice Requires="p14">
-      <p:transition p14:dur="0"/>
-    </mc:Choice>
-    <mc:Fallback xmlns="">
-      <p:transition/>
-    </mc:Fallback>
-  </mc:AlternateContent>
-</p:sld>
-</file>
-
-<file path=ppt/slides/slide20.xml><?xml version="1.0" encoding="utf-8"?>
+<file path=ppt/slides/slide22.xml><?xml version="1.0" encoding="utf-8"?>
 <p:sld xmlns:a="http://schemas.openxmlformats.org/drawingml/2006/main" xmlns:r="http://schemas.openxmlformats.org/officeDocument/2006/relationships" xmlns:p="http://schemas.openxmlformats.org/presentationml/2006/main">
   <p:cSld>
     <p:spTree>
@@ -21095,7 +21347,7 @@
 </p:sld>
 </file>
 
-<file path=ppt/slides/slide21.xml><?xml version="1.0" encoding="utf-8"?>
+<file path=ppt/slides/slide23.xml><?xml version="1.0" encoding="utf-8"?>
 <p:sld xmlns:a="http://schemas.openxmlformats.org/drawingml/2006/main" xmlns:r="http://schemas.openxmlformats.org/officeDocument/2006/relationships" xmlns:p="http://schemas.openxmlformats.org/presentationml/2006/main">
   <p:cSld>
     <p:spTree>
@@ -21404,7 +21656,7 @@
 </p:sld>
 </file>
 
-<file path=ppt/slides/slide22.xml><?xml version="1.0" encoding="utf-8"?>
+<file path=ppt/slides/slide24.xml><?xml version="1.0" encoding="utf-8"?>
 <p:sld xmlns:a="http://schemas.openxmlformats.org/drawingml/2006/main" xmlns:r="http://schemas.openxmlformats.org/officeDocument/2006/relationships" xmlns:p="http://schemas.openxmlformats.org/presentationml/2006/main">
   <p:cSld>
     <p:spTree>
@@ -21652,7 +21904,7 @@
 </p:sld>
 </file>
 
-<file path=ppt/slides/slide23.xml><?xml version="1.0" encoding="utf-8"?>
+<file path=ppt/slides/slide25.xml><?xml version="1.0" encoding="utf-8"?>
 <p:sld xmlns:a="http://schemas.openxmlformats.org/drawingml/2006/main" xmlns:r="http://schemas.openxmlformats.org/officeDocument/2006/relationships" xmlns:p="http://schemas.openxmlformats.org/presentationml/2006/main">
   <p:cSld>
     <p:spTree>
@@ -25111,15 +25363,6 @@
 </file>
 
 <file path=customXml/item1.xml><?xml version="1.0" encoding="utf-8"?>
-<p:properties xmlns:p="http://schemas.microsoft.com/office/2006/metadata/properties" xmlns:xsi="http://www.w3.org/2001/XMLSchema-instance" xmlns:pc="http://schemas.microsoft.com/office/infopath/2007/PartnerControls">
-  <documentManagement>
-    <_ip_UnifiedCompliancePolicyUIAction xmlns="http://schemas.microsoft.com/sharepoint/v3" xsi:nil="true"/>
-    <_ip_UnifiedCompliancePolicyProperties xmlns="http://schemas.microsoft.com/sharepoint/v3" xsi:nil="true"/>
-  </documentManagement>
-</p:properties>
-</file>
-
-<file path=customXml/item2.xml><?xml version="1.0" encoding="utf-8"?>
 <ct:contentTypeSchema xmlns:ct="http://schemas.microsoft.com/office/2006/metadata/contentType" xmlns:ma="http://schemas.microsoft.com/office/2006/metadata/properties/metaAttributes" ct:_="" ma:_="" ma:contentTypeName="Document" ma:contentTypeID="0x010100D15DFA3690A15B4081582BBCC6BEAC3E" ma:contentTypeVersion="9" ma:contentTypeDescription="Create a new document." ma:contentTypeScope="" ma:versionID="642da1784587cbe85a7fdbbe4dc36103">
   <xsd:schema xmlns:xsd="http://www.w3.org/2001/XMLSchema" xmlns:xs="http://www.w3.org/2001/XMLSchema" xmlns:p="http://schemas.microsoft.com/office/2006/metadata/properties" xmlns:ns1="http://schemas.microsoft.com/sharepoint/v3" xmlns:ns2="2023ac63-7b75-4916-a9ee-591457758eee" xmlns:ns3="d9c797ad-d7c3-4982-82b7-81352a75e4a5" targetNamespace="http://schemas.microsoft.com/office/2006/metadata/properties" ma:root="true" ma:fieldsID="91198b0246576053cc55dd2c67035a89" ns1:_="" ns2:_="" ns3:_="">
     <xsd:import namespace="http://schemas.microsoft.com/sharepoint/v3"/>
@@ -25321,6 +25564,15 @@
 </ct:contentTypeSchema>
 </file>
 
+<file path=customXml/item2.xml><?xml version="1.0" encoding="utf-8"?>
+<p:properties xmlns:p="http://schemas.microsoft.com/office/2006/metadata/properties" xmlns:xsi="http://www.w3.org/2001/XMLSchema-instance" xmlns:pc="http://schemas.microsoft.com/office/infopath/2007/PartnerControls">
+  <documentManagement>
+    <_ip_UnifiedCompliancePolicyUIAction xmlns="http://schemas.microsoft.com/sharepoint/v3" xsi:nil="true"/>
+    <_ip_UnifiedCompliancePolicyProperties xmlns="http://schemas.microsoft.com/sharepoint/v3" xsi:nil="true"/>
+  </documentManagement>
+</p:properties>
+</file>
+
 <file path=customXml/item3.xml><?xml version="1.0" encoding="utf-8"?>
 <?mso-contentType ?>
 <FormTemplates xmlns="http://schemas.microsoft.com/sharepoint/v3/contenttype/forms">
@@ -25331,24 +25583,6 @@
 </file>
 
 <file path=customXml/itemProps1.xml><?xml version="1.0" encoding="utf-8"?>
-<ds:datastoreItem xmlns:ds="http://schemas.openxmlformats.org/officeDocument/2006/customXml" ds:itemID="{BAF7D529-36AB-45DA-B239-2F912F2D1610}">
-  <ds:schemaRefs>
-    <ds:schemaRef ds:uri="http://purl.org/dc/elements/1.1/"/>
-    <ds:schemaRef ds:uri="http://schemas.microsoft.com/office/2006/metadata/properties"/>
-    <ds:schemaRef ds:uri="http://purl.org/dc/terms/"/>
-    <ds:schemaRef ds:uri="http://schemas.microsoft.com/office/infopath/2007/PartnerControls"/>
-    <ds:schemaRef ds:uri="http://purl.org/dc/dcmitype/"/>
-    <ds:schemaRef ds:uri="http://schemas.openxmlformats.org/package/2006/metadata/core-properties"/>
-    <ds:schemaRef ds:uri="http://schemas.microsoft.com/office/2006/documentManagement/types"/>
-    <ds:schemaRef ds:uri="d9c797ad-d7c3-4982-82b7-81352a75e4a5"/>
-    <ds:schemaRef ds:uri="2023ac63-7b75-4916-a9ee-591457758eee"/>
-    <ds:schemaRef ds:uri="http://schemas.microsoft.com/sharepoint/v3"/>
-    <ds:schemaRef ds:uri="http://www.w3.org/XML/1998/namespace"/>
-  </ds:schemaRefs>
-</ds:datastoreItem>
-</file>
-
-<file path=customXml/itemProps2.xml><?xml version="1.0" encoding="utf-8"?>
 <ds:datastoreItem xmlns:ds="http://schemas.openxmlformats.org/officeDocument/2006/customXml" ds:itemID="{255F5BEB-6AD6-480A-8556-C80C5EBC10F2}">
   <ds:schemaRefs>
     <ds:schemaRef ds:uri="http://schemas.microsoft.com/office/2006/metadata/contentType"/>
@@ -25368,6 +25602,24 @@
 </ds:datastoreItem>
 </file>
 
+<file path=customXml/itemProps2.xml><?xml version="1.0" encoding="utf-8"?>
+<ds:datastoreItem xmlns:ds="http://schemas.openxmlformats.org/officeDocument/2006/customXml" ds:itemID="{BAF7D529-36AB-45DA-B239-2F912F2D1610}">
+  <ds:schemaRefs>
+    <ds:schemaRef ds:uri="http://purl.org/dc/elements/1.1/"/>
+    <ds:schemaRef ds:uri="http://schemas.microsoft.com/office/2006/metadata/properties"/>
+    <ds:schemaRef ds:uri="http://purl.org/dc/terms/"/>
+    <ds:schemaRef ds:uri="http://schemas.microsoft.com/office/infopath/2007/PartnerControls"/>
+    <ds:schemaRef ds:uri="http://purl.org/dc/dcmitype/"/>
+    <ds:schemaRef ds:uri="http://schemas.openxmlformats.org/package/2006/metadata/core-properties"/>
+    <ds:schemaRef ds:uri="http://schemas.microsoft.com/office/2006/documentManagement/types"/>
+    <ds:schemaRef ds:uri="d9c797ad-d7c3-4982-82b7-81352a75e4a5"/>
+    <ds:schemaRef ds:uri="2023ac63-7b75-4916-a9ee-591457758eee"/>
+    <ds:schemaRef ds:uri="http://schemas.microsoft.com/sharepoint/v3"/>
+    <ds:schemaRef ds:uri="http://www.w3.org/XML/1998/namespace"/>
+  </ds:schemaRefs>
+</ds:datastoreItem>
+</file>
+
 <file path=customXml/itemProps3.xml><?xml version="1.0" encoding="utf-8"?>
 <ds:datastoreItem xmlns:ds="http://schemas.openxmlformats.org/officeDocument/2006/customXml" ds:itemID="{F18501AF-04CF-4482-BAE1-607B49DDC378}">
   <ds:schemaRefs>

--- a/Financial service modernization workshop/mastering-the-ads-deck.pptx
+++ b/Financial service modernization workshop/mastering-the-ads-deck.pptx
@@ -6,7 +6,7 @@
     <p:sldMasterId id="2147483665" r:id="rId5"/>
   </p:sldMasterIdLst>
   <p:notesMasterIdLst>
-    <p:notesMasterId r:id="rId31"/>
+    <p:notesMasterId r:id="rId25"/>
   </p:notesMasterIdLst>
   <p:sldIdLst>
     <p:sldId id="300" r:id="rId6"/>
@@ -20,20 +20,14 @@
     <p:sldId id="335" r:id="rId14"/>
     <p:sldId id="357" r:id="rId15"/>
     <p:sldId id="329" r:id="rId16"/>
-    <p:sldId id="330" r:id="rId17"/>
-    <p:sldId id="336" r:id="rId18"/>
-    <p:sldId id="337" r:id="rId19"/>
-    <p:sldId id="338" r:id="rId20"/>
-    <p:sldId id="356" r:id="rId21"/>
-    <p:sldId id="358" r:id="rId22"/>
-    <p:sldId id="331" r:id="rId23"/>
-    <p:sldId id="339" r:id="rId24"/>
-    <p:sldId id="359" r:id="rId25"/>
-    <p:sldId id="340" r:id="rId26"/>
-    <p:sldId id="341" r:id="rId27"/>
-    <p:sldId id="343" r:id="rId28"/>
-    <p:sldId id="344" r:id="rId29"/>
-    <p:sldId id="345" r:id="rId30"/>
+    <p:sldId id="336" r:id="rId17"/>
+    <p:sldId id="337" r:id="rId18"/>
+    <p:sldId id="338" r:id="rId19"/>
+    <p:sldId id="356" r:id="rId20"/>
+    <p:sldId id="358" r:id="rId21"/>
+    <p:sldId id="331" r:id="rId22"/>
+    <p:sldId id="339" r:id="rId23"/>
+    <p:sldId id="359" r:id="rId24"/>
   </p:sldIdLst>
   <p:sldSz cx="12192000" cy="6858000"/>
   <p:notesSz cx="6858000" cy="9144000"/>
@@ -148,7 +142,6 @@
             <p14:sldId id="335"/>
             <p14:sldId id="357"/>
             <p14:sldId id="329"/>
-            <p14:sldId id="330"/>
             <p14:sldId id="336"/>
             <p14:sldId id="337"/>
             <p14:sldId id="338"/>
@@ -157,15 +150,6 @@
             <p14:sldId id="331"/>
             <p14:sldId id="339"/>
             <p14:sldId id="359"/>
-          </p14:sldIdLst>
-        </p14:section>
-        <p14:section name="Structure &amp; Execute PoC" id="{8D57AF76-163A-44AB-8C7D-1071192B289B}">
-          <p14:sldIdLst>
-            <p14:sldId id="340"/>
-            <p14:sldId id="341"/>
-            <p14:sldId id="343"/>
-            <p14:sldId id="344"/>
-            <p14:sldId id="345"/>
           </p14:sldIdLst>
         </p14:section>
       </p14:sectionLst>
@@ -3276,7 +3260,7 @@
           <a:p>
             <a:fld id="{52A13B17-C506-4D51-BB37-16B365906619}" type="datetimeFigureOut">
               <a:rPr lang="en-US" smtClean="0"/>
-              <a:t>8/24/2018</a:t>
+              <a:t>8/27/2018</a:t>
             </a:fld>
             <a:endParaRPr lang="en-US"/>
           </a:p>
@@ -3687,487 +3671,6 @@
 </p:notes>
 </file>
 
-<file path=ppt/notesSlides/notesSlide10.xml><?xml version="1.0" encoding="utf-8"?>
-<p:notes xmlns:a="http://schemas.openxmlformats.org/drawingml/2006/main" xmlns:r="http://schemas.openxmlformats.org/officeDocument/2006/relationships" xmlns:p="http://schemas.openxmlformats.org/presentationml/2006/main">
-  <p:cSld>
-    <p:spTree>
-      <p:nvGrpSpPr>
-        <p:cNvPr id="1" name=""/>
-        <p:cNvGrpSpPr/>
-        <p:nvPr/>
-      </p:nvGrpSpPr>
-      <p:grpSpPr>
-        <a:xfrm>
-          <a:off x="0" y="0"/>
-          <a:ext cx="0" cy="0"/>
-          <a:chOff x="0" y="0"/>
-          <a:chExt cx="0" cy="0"/>
-        </a:xfrm>
-      </p:grpSpPr>
-      <p:sp>
-        <p:nvSpPr>
-          <p:cNvPr id="2" name="Slide Image Placeholder 1"/>
-          <p:cNvSpPr>
-            <a:spLocks noGrp="1" noRot="1" noChangeAspect="1"/>
-          </p:cNvSpPr>
-          <p:nvPr>
-            <p:ph type="sldImg"/>
-          </p:nvPr>
-        </p:nvSpPr>
-        <p:spPr/>
-      </p:sp>
-      <p:sp>
-        <p:nvSpPr>
-          <p:cNvPr id="3" name="Notes Placeholder 2"/>
-          <p:cNvSpPr>
-            <a:spLocks noGrp="1"/>
-          </p:cNvSpPr>
-          <p:nvPr>
-            <p:ph type="body" idx="1"/>
-          </p:nvPr>
-        </p:nvSpPr>
-        <p:spPr/>
-        <p:txBody>
-          <a:bodyPr/>
-          <a:lstStyle/>
-          <a:p>
-            <a:endParaRPr lang="en-US" dirty="0"/>
-          </a:p>
-        </p:txBody>
-      </p:sp>
-      <p:sp>
-        <p:nvSpPr>
-          <p:cNvPr id="4" name="Slide Number Placeholder 3"/>
-          <p:cNvSpPr>
-            <a:spLocks noGrp="1"/>
-          </p:cNvSpPr>
-          <p:nvPr>
-            <p:ph type="sldNum" sz="quarter" idx="10"/>
-          </p:nvPr>
-        </p:nvSpPr>
-        <p:spPr/>
-        <p:txBody>
-          <a:bodyPr/>
-          <a:lstStyle/>
-          <a:p>
-            <a:fld id="{D9EB630B-BF71-A34E-9F10-CD6A3DB979CB}" type="slidenum">
-              <a:rPr lang="en-US" smtClean="0"/>
-              <a:t>19</a:t>
-            </a:fld>
-            <a:endParaRPr lang="en-US"/>
-          </a:p>
-        </p:txBody>
-      </p:sp>
-    </p:spTree>
-    <p:extLst>
-      <p:ext uri="{BB962C8B-B14F-4D97-AF65-F5344CB8AC3E}">
-        <p14:creationId xmlns:p14="http://schemas.microsoft.com/office/powerpoint/2010/main" val="704830805"/>
-      </p:ext>
-    </p:extLst>
-  </p:cSld>
-  <p:clrMapOvr>
-    <a:masterClrMapping/>
-  </p:clrMapOvr>
-</p:notes>
-</file>
-
-<file path=ppt/notesSlides/notesSlide11.xml><?xml version="1.0" encoding="utf-8"?>
-<p:notes xmlns:a="http://schemas.openxmlformats.org/drawingml/2006/main" xmlns:r="http://schemas.openxmlformats.org/officeDocument/2006/relationships" xmlns:p="http://schemas.openxmlformats.org/presentationml/2006/main">
-  <p:cSld>
-    <p:spTree>
-      <p:nvGrpSpPr>
-        <p:cNvPr id="1" name=""/>
-        <p:cNvGrpSpPr/>
-        <p:nvPr/>
-      </p:nvGrpSpPr>
-      <p:grpSpPr>
-        <a:xfrm>
-          <a:off x="0" y="0"/>
-          <a:ext cx="0" cy="0"/>
-          <a:chOff x="0" y="0"/>
-          <a:chExt cx="0" cy="0"/>
-        </a:xfrm>
-      </p:grpSpPr>
-      <p:sp>
-        <p:nvSpPr>
-          <p:cNvPr id="2" name="Slide Image Placeholder 1"/>
-          <p:cNvSpPr>
-            <a:spLocks noGrp="1" noRot="1" noChangeAspect="1"/>
-          </p:cNvSpPr>
-          <p:nvPr>
-            <p:ph type="sldImg"/>
-          </p:nvPr>
-        </p:nvSpPr>
-        <p:spPr/>
-      </p:sp>
-      <p:sp>
-        <p:nvSpPr>
-          <p:cNvPr id="3" name="Notes Placeholder 2"/>
-          <p:cNvSpPr>
-            <a:spLocks noGrp="1"/>
-          </p:cNvSpPr>
-          <p:nvPr>
-            <p:ph type="body" idx="1"/>
-          </p:nvPr>
-        </p:nvSpPr>
-        <p:spPr/>
-        <p:txBody>
-          <a:bodyPr/>
-          <a:lstStyle/>
-          <a:p>
-            <a:endParaRPr lang="en-US" dirty="0"/>
-          </a:p>
-        </p:txBody>
-      </p:sp>
-    </p:spTree>
-    <p:extLst>
-      <p:ext uri="{BB962C8B-B14F-4D97-AF65-F5344CB8AC3E}">
-        <p14:creationId xmlns:p14="http://schemas.microsoft.com/office/powerpoint/2010/main" val="1949601372"/>
-      </p:ext>
-    </p:extLst>
-  </p:cSld>
-  <p:clrMapOvr>
-    <a:masterClrMapping/>
-  </p:clrMapOvr>
-</p:notes>
-</file>
-
-<file path=ppt/notesSlides/notesSlide12.xml><?xml version="1.0" encoding="utf-8"?>
-<p:notes xmlns:a="http://schemas.openxmlformats.org/drawingml/2006/main" xmlns:r="http://schemas.openxmlformats.org/officeDocument/2006/relationships" xmlns:p="http://schemas.openxmlformats.org/presentationml/2006/main">
-  <p:cSld>
-    <p:spTree>
-      <p:nvGrpSpPr>
-        <p:cNvPr id="1" name=""/>
-        <p:cNvGrpSpPr/>
-        <p:nvPr/>
-      </p:nvGrpSpPr>
-      <p:grpSpPr>
-        <a:xfrm>
-          <a:off x="0" y="0"/>
-          <a:ext cx="0" cy="0"/>
-          <a:chOff x="0" y="0"/>
-          <a:chExt cx="0" cy="0"/>
-        </a:xfrm>
-      </p:grpSpPr>
-      <p:sp>
-        <p:nvSpPr>
-          <p:cNvPr id="2" name="Slide Image Placeholder 1"/>
-          <p:cNvSpPr>
-            <a:spLocks noGrp="1" noRot="1" noChangeAspect="1"/>
-          </p:cNvSpPr>
-          <p:nvPr>
-            <p:ph type="sldImg"/>
-          </p:nvPr>
-        </p:nvSpPr>
-        <p:spPr/>
-      </p:sp>
-      <p:sp>
-        <p:nvSpPr>
-          <p:cNvPr id="3" name="Notes Placeholder 2"/>
-          <p:cNvSpPr>
-            <a:spLocks noGrp="1"/>
-          </p:cNvSpPr>
-          <p:nvPr>
-            <p:ph type="body" idx="1"/>
-          </p:nvPr>
-        </p:nvSpPr>
-        <p:spPr/>
-        <p:txBody>
-          <a:bodyPr/>
-          <a:lstStyle/>
-          <a:p>
-            <a:endParaRPr lang="en-US" dirty="0"/>
-          </a:p>
-        </p:txBody>
-      </p:sp>
-      <p:sp>
-        <p:nvSpPr>
-          <p:cNvPr id="4" name="Slide Number Placeholder 3"/>
-          <p:cNvSpPr>
-            <a:spLocks noGrp="1"/>
-          </p:cNvSpPr>
-          <p:nvPr>
-            <p:ph type="sldNum" sz="quarter" idx="10"/>
-          </p:nvPr>
-        </p:nvSpPr>
-        <p:spPr/>
-        <p:txBody>
-          <a:bodyPr/>
-          <a:lstStyle/>
-          <a:p>
-            <a:fld id="{D9EB630B-BF71-A34E-9F10-CD6A3DB979CB}" type="slidenum">
-              <a:rPr lang="en-US" smtClean="0"/>
-              <a:t>22</a:t>
-            </a:fld>
-            <a:endParaRPr lang="en-US"/>
-          </a:p>
-        </p:txBody>
-      </p:sp>
-    </p:spTree>
-    <p:extLst>
-      <p:ext uri="{BB962C8B-B14F-4D97-AF65-F5344CB8AC3E}">
-        <p14:creationId xmlns:p14="http://schemas.microsoft.com/office/powerpoint/2010/main" val="2485391194"/>
-      </p:ext>
-    </p:extLst>
-  </p:cSld>
-  <p:clrMapOvr>
-    <a:masterClrMapping/>
-  </p:clrMapOvr>
-</p:notes>
-</file>
-
-<file path=ppt/notesSlides/notesSlide13.xml><?xml version="1.0" encoding="utf-8"?>
-<p:notes xmlns:a="http://schemas.openxmlformats.org/drawingml/2006/main" xmlns:r="http://schemas.openxmlformats.org/officeDocument/2006/relationships" xmlns:p="http://schemas.openxmlformats.org/presentationml/2006/main">
-  <p:cSld>
-    <p:spTree>
-      <p:nvGrpSpPr>
-        <p:cNvPr id="1" name=""/>
-        <p:cNvGrpSpPr/>
-        <p:nvPr/>
-      </p:nvGrpSpPr>
-      <p:grpSpPr>
-        <a:xfrm>
-          <a:off x="0" y="0"/>
-          <a:ext cx="0" cy="0"/>
-          <a:chOff x="0" y="0"/>
-          <a:chExt cx="0" cy="0"/>
-        </a:xfrm>
-      </p:grpSpPr>
-      <p:sp>
-        <p:nvSpPr>
-          <p:cNvPr id="2" name="Slide Image Placeholder 1"/>
-          <p:cNvSpPr>
-            <a:spLocks noGrp="1" noRot="1" noChangeAspect="1"/>
-          </p:cNvSpPr>
-          <p:nvPr>
-            <p:ph type="sldImg"/>
-          </p:nvPr>
-        </p:nvSpPr>
-        <p:spPr/>
-      </p:sp>
-      <p:sp>
-        <p:nvSpPr>
-          <p:cNvPr id="3" name="Notes Placeholder 2"/>
-          <p:cNvSpPr>
-            <a:spLocks noGrp="1"/>
-          </p:cNvSpPr>
-          <p:nvPr>
-            <p:ph type="body" idx="1"/>
-          </p:nvPr>
-        </p:nvSpPr>
-        <p:spPr/>
-        <p:txBody>
-          <a:bodyPr/>
-          <a:lstStyle/>
-          <a:p>
-            <a:endParaRPr lang="en-US" dirty="0"/>
-          </a:p>
-        </p:txBody>
-      </p:sp>
-      <p:sp>
-        <p:nvSpPr>
-          <p:cNvPr id="4" name="Slide Number Placeholder 3"/>
-          <p:cNvSpPr>
-            <a:spLocks noGrp="1"/>
-          </p:cNvSpPr>
-          <p:nvPr>
-            <p:ph type="sldNum" sz="quarter" idx="10"/>
-          </p:nvPr>
-        </p:nvSpPr>
-        <p:spPr/>
-        <p:txBody>
-          <a:bodyPr/>
-          <a:lstStyle/>
-          <a:p>
-            <a:fld id="{D9EB630B-BF71-A34E-9F10-CD6A3DB979CB}" type="slidenum">
-              <a:rPr lang="en-US" smtClean="0"/>
-              <a:t>23</a:t>
-            </a:fld>
-            <a:endParaRPr lang="en-US"/>
-          </a:p>
-        </p:txBody>
-      </p:sp>
-    </p:spTree>
-    <p:extLst>
-      <p:ext uri="{BB962C8B-B14F-4D97-AF65-F5344CB8AC3E}">
-        <p14:creationId xmlns:p14="http://schemas.microsoft.com/office/powerpoint/2010/main" val="1566328013"/>
-      </p:ext>
-    </p:extLst>
-  </p:cSld>
-  <p:clrMapOvr>
-    <a:masterClrMapping/>
-  </p:clrMapOvr>
-</p:notes>
-</file>
-
-<file path=ppt/notesSlides/notesSlide14.xml><?xml version="1.0" encoding="utf-8"?>
-<p:notes xmlns:a="http://schemas.openxmlformats.org/drawingml/2006/main" xmlns:r="http://schemas.openxmlformats.org/officeDocument/2006/relationships" xmlns:p="http://schemas.openxmlformats.org/presentationml/2006/main">
-  <p:cSld>
-    <p:spTree>
-      <p:nvGrpSpPr>
-        <p:cNvPr id="1" name=""/>
-        <p:cNvGrpSpPr/>
-        <p:nvPr/>
-      </p:nvGrpSpPr>
-      <p:grpSpPr>
-        <a:xfrm>
-          <a:off x="0" y="0"/>
-          <a:ext cx="0" cy="0"/>
-          <a:chOff x="0" y="0"/>
-          <a:chExt cx="0" cy="0"/>
-        </a:xfrm>
-      </p:grpSpPr>
-      <p:sp>
-        <p:nvSpPr>
-          <p:cNvPr id="2" name="Slide Image Placeholder 1"/>
-          <p:cNvSpPr>
-            <a:spLocks noGrp="1" noRot="1" noChangeAspect="1"/>
-          </p:cNvSpPr>
-          <p:nvPr>
-            <p:ph type="sldImg"/>
-          </p:nvPr>
-        </p:nvSpPr>
-        <p:spPr/>
-      </p:sp>
-      <p:sp>
-        <p:nvSpPr>
-          <p:cNvPr id="3" name="Notes Placeholder 2"/>
-          <p:cNvSpPr>
-            <a:spLocks noGrp="1"/>
-          </p:cNvSpPr>
-          <p:nvPr>
-            <p:ph type="body" idx="1"/>
-          </p:nvPr>
-        </p:nvSpPr>
-        <p:spPr/>
-        <p:txBody>
-          <a:bodyPr/>
-          <a:lstStyle/>
-          <a:p>
-            <a:endParaRPr lang="en-US" dirty="0"/>
-          </a:p>
-        </p:txBody>
-      </p:sp>
-      <p:sp>
-        <p:nvSpPr>
-          <p:cNvPr id="4" name="Slide Number Placeholder 3"/>
-          <p:cNvSpPr>
-            <a:spLocks noGrp="1"/>
-          </p:cNvSpPr>
-          <p:nvPr>
-            <p:ph type="sldNum" sz="quarter" idx="10"/>
-          </p:nvPr>
-        </p:nvSpPr>
-        <p:spPr/>
-        <p:txBody>
-          <a:bodyPr/>
-          <a:lstStyle/>
-          <a:p>
-            <a:fld id="{D9EB630B-BF71-A34E-9F10-CD6A3DB979CB}" type="slidenum">
-              <a:rPr lang="en-US" smtClean="0"/>
-              <a:t>24</a:t>
-            </a:fld>
-            <a:endParaRPr lang="en-US"/>
-          </a:p>
-        </p:txBody>
-      </p:sp>
-    </p:spTree>
-    <p:extLst>
-      <p:ext uri="{BB962C8B-B14F-4D97-AF65-F5344CB8AC3E}">
-        <p14:creationId xmlns:p14="http://schemas.microsoft.com/office/powerpoint/2010/main" val="1713873747"/>
-      </p:ext>
-    </p:extLst>
-  </p:cSld>
-  <p:clrMapOvr>
-    <a:masterClrMapping/>
-  </p:clrMapOvr>
-</p:notes>
-</file>
-
-<file path=ppt/notesSlides/notesSlide15.xml><?xml version="1.0" encoding="utf-8"?>
-<p:notes xmlns:a="http://schemas.openxmlformats.org/drawingml/2006/main" xmlns:r="http://schemas.openxmlformats.org/officeDocument/2006/relationships" xmlns:p="http://schemas.openxmlformats.org/presentationml/2006/main">
-  <p:cSld>
-    <p:spTree>
-      <p:nvGrpSpPr>
-        <p:cNvPr id="1" name=""/>
-        <p:cNvGrpSpPr/>
-        <p:nvPr/>
-      </p:nvGrpSpPr>
-      <p:grpSpPr>
-        <a:xfrm>
-          <a:off x="0" y="0"/>
-          <a:ext cx="0" cy="0"/>
-          <a:chOff x="0" y="0"/>
-          <a:chExt cx="0" cy="0"/>
-        </a:xfrm>
-      </p:grpSpPr>
-      <p:sp>
-        <p:nvSpPr>
-          <p:cNvPr id="2" name="Slide Image Placeholder 1"/>
-          <p:cNvSpPr>
-            <a:spLocks noGrp="1" noRot="1" noChangeAspect="1"/>
-          </p:cNvSpPr>
-          <p:nvPr>
-            <p:ph type="sldImg"/>
-          </p:nvPr>
-        </p:nvSpPr>
-        <p:spPr/>
-      </p:sp>
-      <p:sp>
-        <p:nvSpPr>
-          <p:cNvPr id="3" name="Notes Placeholder 2"/>
-          <p:cNvSpPr>
-            <a:spLocks noGrp="1"/>
-          </p:cNvSpPr>
-          <p:nvPr>
-            <p:ph type="body" idx="1"/>
-          </p:nvPr>
-        </p:nvSpPr>
-        <p:spPr/>
-        <p:txBody>
-          <a:bodyPr/>
-          <a:lstStyle/>
-          <a:p>
-            <a:endParaRPr lang="en-US" dirty="0"/>
-          </a:p>
-        </p:txBody>
-      </p:sp>
-      <p:sp>
-        <p:nvSpPr>
-          <p:cNvPr id="4" name="Slide Number Placeholder 3"/>
-          <p:cNvSpPr>
-            <a:spLocks noGrp="1"/>
-          </p:cNvSpPr>
-          <p:nvPr>
-            <p:ph type="sldNum" sz="quarter" idx="10"/>
-          </p:nvPr>
-        </p:nvSpPr>
-        <p:spPr/>
-        <p:txBody>
-          <a:bodyPr/>
-          <a:lstStyle/>
-          <a:p>
-            <a:fld id="{D9EB630B-BF71-A34E-9F10-CD6A3DB979CB}" type="slidenum">
-              <a:rPr lang="en-US" smtClean="0"/>
-              <a:t>25</a:t>
-            </a:fld>
-            <a:endParaRPr lang="en-US"/>
-          </a:p>
-        </p:txBody>
-      </p:sp>
-    </p:spTree>
-    <p:extLst>
-      <p:ext uri="{BB962C8B-B14F-4D97-AF65-F5344CB8AC3E}">
-        <p14:creationId xmlns:p14="http://schemas.microsoft.com/office/powerpoint/2010/main" val="1134149270"/>
-      </p:ext>
-    </p:extLst>
-  </p:cSld>
-  <p:clrMapOvr>
-    <a:masterClrMapping/>
-  </p:clrMapOvr>
-</p:notes>
-</file>
-
 <file path=ppt/notesSlides/notesSlide2.xml><?xml version="1.0" encoding="utf-8"?>
 <p:notes xmlns:a="http://schemas.openxmlformats.org/drawingml/2006/main" xmlns:r="http://schemas.openxmlformats.org/officeDocument/2006/relationships" xmlns:p="http://schemas.openxmlformats.org/presentationml/2006/main">
   <p:cSld>
@@ -4464,276 +3967,6 @@
           <a:bodyPr/>
           <a:lstStyle/>
           <a:p>
-            <a:r>
-              <a:rPr lang="en-US" sz="1200" b="1" i="0" u="none" strike="noStrike" kern="1200" baseline="0" dirty="0">
-                <a:solidFill>
-                  <a:schemeClr val="tx1"/>
-                </a:solidFill>
-                <a:latin typeface="+mn-lt"/>
-                <a:ea typeface="+mn-ea"/>
-                <a:cs typeface="+mn-cs"/>
-              </a:rPr>
-              <a:t>1. Project goal</a:t>
-            </a:r>
-            <a:endParaRPr lang="en-US" sz="1200" b="0" i="0" u="none" strike="noStrike" kern="1200" baseline="0" dirty="0">
-              <a:solidFill>
-                <a:schemeClr val="tx1"/>
-              </a:solidFill>
-              <a:latin typeface="+mn-lt"/>
-              <a:ea typeface="+mn-ea"/>
-              <a:cs typeface="+mn-cs"/>
-            </a:endParaRPr>
-          </a:p>
-          <a:p>
-            <a:r>
-              <a:rPr lang="en-US" sz="1200" b="0" i="0" u="none" strike="noStrike" kern="1200" baseline="0" dirty="0">
-                <a:solidFill>
-                  <a:schemeClr val="tx1"/>
-                </a:solidFill>
-                <a:latin typeface="+mn-lt"/>
-                <a:ea typeface="+mn-ea"/>
-                <a:cs typeface="+mn-cs"/>
-              </a:rPr>
-              <a:t>Write down the project goal to help focus everyone to the desired outcomes. </a:t>
-            </a:r>
-          </a:p>
-          <a:p>
-            <a:r>
-              <a:rPr lang="en-US" sz="1200" b="1" i="0" u="none" strike="noStrike" kern="1200" baseline="0" dirty="0">
-                <a:solidFill>
-                  <a:schemeClr val="tx1"/>
-                </a:solidFill>
-                <a:latin typeface="+mn-lt"/>
-                <a:ea typeface="+mn-ea"/>
-                <a:cs typeface="+mn-cs"/>
-              </a:rPr>
-              <a:t>2. Requirements and concerns</a:t>
-            </a:r>
-            <a:endParaRPr lang="en-US" sz="1200" b="0" i="0" u="none" strike="noStrike" kern="1200" baseline="0" dirty="0">
-              <a:solidFill>
-                <a:schemeClr val="tx1"/>
-              </a:solidFill>
-              <a:latin typeface="+mn-lt"/>
-              <a:ea typeface="+mn-ea"/>
-              <a:cs typeface="+mn-cs"/>
-            </a:endParaRPr>
-          </a:p>
-          <a:p>
-            <a:r>
-              <a:rPr lang="en-US" sz="1200" b="0" i="0" u="none" strike="noStrike" kern="1200" baseline="0" dirty="0">
-                <a:solidFill>
-                  <a:schemeClr val="tx1"/>
-                </a:solidFill>
-                <a:latin typeface="+mn-lt"/>
-                <a:ea typeface="+mn-ea"/>
-                <a:cs typeface="+mn-cs"/>
-              </a:rPr>
-              <a:t>Begin with the items you’ve listed from the pre-call. Make sure that everyone gets a chance to be heard. Write down names next to each person’s requirements or concerns. </a:t>
-            </a:r>
-          </a:p>
-          <a:p>
-            <a:r>
-              <a:rPr lang="en-US" sz="1200" b="1" i="0" u="none" strike="noStrike" kern="1200" baseline="0" dirty="0">
-                <a:solidFill>
-                  <a:schemeClr val="tx1"/>
-                </a:solidFill>
-                <a:latin typeface="+mn-lt"/>
-                <a:ea typeface="+mn-ea"/>
-                <a:cs typeface="+mn-cs"/>
-              </a:rPr>
-              <a:t>3. Parking lot </a:t>
-            </a:r>
-            <a:endParaRPr lang="en-US" sz="1200" b="0" i="0" u="none" strike="noStrike" kern="1200" baseline="0" dirty="0">
-              <a:solidFill>
-                <a:schemeClr val="tx1"/>
-              </a:solidFill>
-              <a:latin typeface="+mn-lt"/>
-              <a:ea typeface="+mn-ea"/>
-              <a:cs typeface="+mn-cs"/>
-            </a:endParaRPr>
-          </a:p>
-          <a:p>
-            <a:r>
-              <a:rPr lang="en-US" sz="1200" b="0" i="0" u="none" strike="noStrike" kern="1200" baseline="0" dirty="0">
-                <a:solidFill>
-                  <a:schemeClr val="tx1"/>
-                </a:solidFill>
-                <a:latin typeface="+mn-lt"/>
-                <a:ea typeface="+mn-ea"/>
-                <a:cs typeface="+mn-cs"/>
-              </a:rPr>
-              <a:t>Acknowledge out-of-scope items. Help people set these concerns aside for later and focus back on the topic at hand. </a:t>
-            </a:r>
-          </a:p>
-          <a:p>
-            <a:r>
-              <a:rPr lang="en-US" sz="1200" b="1" i="0" u="none" strike="noStrike" kern="1200" baseline="0" dirty="0">
-                <a:solidFill>
-                  <a:schemeClr val="tx1"/>
-                </a:solidFill>
-                <a:latin typeface="+mn-lt"/>
-                <a:ea typeface="+mn-ea"/>
-                <a:cs typeface="+mn-cs"/>
-              </a:rPr>
-              <a:t>4. Current state</a:t>
-            </a:r>
-            <a:endParaRPr lang="en-US" sz="1200" b="0" i="0" u="none" strike="noStrike" kern="1200" baseline="0" dirty="0">
-              <a:solidFill>
-                <a:schemeClr val="tx1"/>
-              </a:solidFill>
-              <a:latin typeface="+mn-lt"/>
-              <a:ea typeface="+mn-ea"/>
-              <a:cs typeface="+mn-cs"/>
-            </a:endParaRPr>
-          </a:p>
-          <a:p>
-            <a:r>
-              <a:rPr lang="en-US" sz="1200" b="0" i="0" u="none" strike="noStrike" kern="1200" baseline="0" dirty="0">
-                <a:solidFill>
-                  <a:schemeClr val="tx1"/>
-                </a:solidFill>
-                <a:latin typeface="+mn-lt"/>
-                <a:ea typeface="+mn-ea"/>
-                <a:cs typeface="+mn-cs"/>
-              </a:rPr>
-              <a:t>Diagram the current state and ownership in black. The customer may help diagram this on the whiteboard. Be careful with technical depth. Focus on the system details that affect the ADS outcomes.</a:t>
-            </a:r>
-          </a:p>
-          <a:p>
-            <a:r>
-              <a:rPr lang="en-US" sz="1200" b="1" i="0" u="none" strike="noStrike" kern="1200" baseline="0" dirty="0">
-                <a:solidFill>
-                  <a:schemeClr val="tx1"/>
-                </a:solidFill>
-                <a:latin typeface="+mn-lt"/>
-                <a:ea typeface="+mn-ea"/>
-                <a:cs typeface="+mn-cs"/>
-              </a:rPr>
-              <a:t>5. Future vision</a:t>
-            </a:r>
-            <a:endParaRPr lang="en-US" sz="1200" b="0" i="0" u="none" strike="noStrike" kern="1200" baseline="0" dirty="0">
-              <a:solidFill>
-                <a:schemeClr val="tx1"/>
-              </a:solidFill>
-              <a:latin typeface="+mn-lt"/>
-              <a:ea typeface="+mn-ea"/>
-              <a:cs typeface="+mn-cs"/>
-            </a:endParaRPr>
-          </a:p>
-          <a:p>
-            <a:r>
-              <a:rPr lang="en-US" sz="1200" b="0" i="0" u="none" strike="noStrike" kern="1200" baseline="0" dirty="0">
-                <a:solidFill>
-                  <a:schemeClr val="tx1"/>
-                </a:solidFill>
-                <a:latin typeface="+mn-lt"/>
-                <a:ea typeface="+mn-ea"/>
-                <a:cs typeface="+mn-cs"/>
-              </a:rPr>
-              <a:t>Capture a high-level view of what the customer really wants in green before diving into technologies. Help customers envision the potential opportunities with Microsoft technologies. </a:t>
-            </a:r>
-          </a:p>
-          <a:p>
-            <a:r>
-              <a:rPr lang="en-US" sz="1200" b="1" i="0" u="none" strike="noStrike" kern="1200" baseline="0" dirty="0">
-                <a:solidFill>
-                  <a:schemeClr val="tx1"/>
-                </a:solidFill>
-                <a:latin typeface="+mn-lt"/>
-                <a:ea typeface="+mn-ea"/>
-                <a:cs typeface="+mn-cs"/>
-              </a:rPr>
-              <a:t>6. Implementation plan</a:t>
-            </a:r>
-            <a:endParaRPr lang="en-US" sz="1200" b="0" i="0" u="none" strike="noStrike" kern="1200" baseline="0" dirty="0">
-              <a:solidFill>
-                <a:schemeClr val="tx1"/>
-              </a:solidFill>
-              <a:latin typeface="+mn-lt"/>
-              <a:ea typeface="+mn-ea"/>
-              <a:cs typeface="+mn-cs"/>
-            </a:endParaRPr>
-          </a:p>
-          <a:p>
-            <a:r>
-              <a:rPr lang="en-US" sz="1200" b="0" i="0" u="none" strike="noStrike" kern="1200" baseline="0" dirty="0">
-                <a:solidFill>
-                  <a:schemeClr val="tx1"/>
-                </a:solidFill>
-                <a:latin typeface="+mn-lt"/>
-                <a:ea typeface="+mn-ea"/>
-                <a:cs typeface="+mn-cs"/>
-              </a:rPr>
-              <a:t>Break the plan into clear steps so the customer can track the project schedule and budget flexibility. </a:t>
-            </a:r>
-          </a:p>
-          <a:p>
-            <a:r>
-              <a:rPr lang="en-US" sz="1200" b="1" i="0" u="none" strike="noStrike" kern="1200" baseline="0" dirty="0">
-                <a:solidFill>
-                  <a:schemeClr val="tx1"/>
-                </a:solidFill>
-                <a:latin typeface="+mn-lt"/>
-                <a:ea typeface="+mn-ea"/>
-                <a:cs typeface="+mn-cs"/>
-              </a:rPr>
-              <a:t>7. Next steps</a:t>
-            </a:r>
-            <a:endParaRPr lang="en-US" sz="1200" b="0" i="0" u="none" strike="noStrike" kern="1200" baseline="0" dirty="0">
-              <a:solidFill>
-                <a:schemeClr val="tx1"/>
-              </a:solidFill>
-              <a:latin typeface="+mn-lt"/>
-              <a:ea typeface="+mn-ea"/>
-              <a:cs typeface="+mn-cs"/>
-            </a:endParaRPr>
-          </a:p>
-          <a:p>
-            <a:r>
-              <a:rPr lang="en-US" sz="1200" b="0" i="0" u="none" strike="noStrike" kern="1200" baseline="0" dirty="0">
-                <a:solidFill>
-                  <a:schemeClr val="tx1"/>
-                </a:solidFill>
-                <a:latin typeface="+mn-lt"/>
-                <a:ea typeface="+mn-ea"/>
-                <a:cs typeface="+mn-cs"/>
-              </a:rPr>
-              <a:t>Assign immediate action items during the meeting.</a:t>
-            </a:r>
-          </a:p>
-          <a:p>
-            <a:r>
-              <a:rPr lang="en-US" sz="1200" b="1" i="0" u="none" strike="noStrike" kern="1200" baseline="0" dirty="0">
-                <a:solidFill>
-                  <a:schemeClr val="tx1"/>
-                </a:solidFill>
-                <a:latin typeface="+mn-lt"/>
-                <a:ea typeface="+mn-ea"/>
-                <a:cs typeface="+mn-cs"/>
-              </a:rPr>
-              <a:t>8. Wrap-up</a:t>
-            </a:r>
-            <a:endParaRPr lang="en-US" sz="1200" b="0" i="0" u="none" strike="noStrike" kern="1200" baseline="0" dirty="0">
-              <a:solidFill>
-                <a:schemeClr val="tx1"/>
-              </a:solidFill>
-              <a:latin typeface="+mn-lt"/>
-              <a:ea typeface="+mn-ea"/>
-              <a:cs typeface="+mn-cs"/>
-            </a:endParaRPr>
-          </a:p>
-          <a:p>
-            <a:r>
-              <a:rPr lang="en-US" sz="1200" b="0" i="0" u="none" strike="noStrike" kern="1200" baseline="0" dirty="0">
-                <a:solidFill>
-                  <a:schemeClr val="tx1"/>
-                </a:solidFill>
-                <a:latin typeface="+mn-lt"/>
-                <a:ea typeface="+mn-ea"/>
-                <a:cs typeface="+mn-cs"/>
-              </a:rPr>
-              <a:t>Verify with all stakeholders that their requirements and concerns have been sufficiently addressed with the solution and plan. Close with agreement on the next steps. </a:t>
-            </a:r>
             <a:endParaRPr lang="en-US" dirty="0"/>
           </a:p>
         </p:txBody>
@@ -4753,7 +3986,7 @@
           <a:bodyPr/>
           <a:lstStyle/>
           <a:p>
-            <a:fld id="{0998D5BB-B127-481F-BC0A-2F77C576BB34}" type="slidenum">
+            <a:fld id="{D9EB630B-BF71-A34E-9F10-CD6A3DB979CB}" type="slidenum">
               <a:rPr lang="en-US" smtClean="0"/>
               <a:t>12</a:t>
             </a:fld>
@@ -4764,7 +3997,7 @@
     </p:spTree>
     <p:extLst>
       <p:ext uri="{BB962C8B-B14F-4D97-AF65-F5344CB8AC3E}">
-        <p14:creationId xmlns:p14="http://schemas.microsoft.com/office/powerpoint/2010/main" val="4249229375"/>
+        <p14:creationId xmlns:p14="http://schemas.microsoft.com/office/powerpoint/2010/main" val="2013210725"/>
       </p:ext>
     </p:extLst>
   </p:cSld>
@@ -4848,7 +4081,7 @@
     </p:spTree>
     <p:extLst>
       <p:ext uri="{BB962C8B-B14F-4D97-AF65-F5344CB8AC3E}">
-        <p14:creationId xmlns:p14="http://schemas.microsoft.com/office/powerpoint/2010/main" val="2013210725"/>
+        <p14:creationId xmlns:p14="http://schemas.microsoft.com/office/powerpoint/2010/main" val="3998528989"/>
       </p:ext>
     </p:extLst>
   </p:cSld>
@@ -4932,7 +4165,7 @@
     </p:spTree>
     <p:extLst>
       <p:ext uri="{BB962C8B-B14F-4D97-AF65-F5344CB8AC3E}">
-        <p14:creationId xmlns:p14="http://schemas.microsoft.com/office/powerpoint/2010/main" val="3998528989"/>
+        <p14:creationId xmlns:p14="http://schemas.microsoft.com/office/powerpoint/2010/main" val="3188956436"/>
       </p:ext>
     </p:extLst>
   </p:cSld>
@@ -5006,17 +4239,26 @@
           <a:lstStyle/>
           <a:p>
             <a:fld id="{D9EB630B-BF71-A34E-9F10-CD6A3DB979CB}" type="slidenum">
-              <a:rPr lang="en-US" smtClean="0"/>
+              <a:rPr lang="en-US" smtClean="0">
+                <a:solidFill>
+                  <a:prstClr val="black"/>
+                </a:solidFill>
+              </a:rPr>
+              <a:pPr/>
               <a:t>15</a:t>
             </a:fld>
-            <a:endParaRPr lang="en-US"/>
+            <a:endParaRPr lang="en-US">
+              <a:solidFill>
+                <a:prstClr val="black"/>
+              </a:solidFill>
+            </a:endParaRPr>
           </a:p>
         </p:txBody>
       </p:sp>
     </p:spTree>
     <p:extLst>
       <p:ext uri="{BB962C8B-B14F-4D97-AF65-F5344CB8AC3E}">
-        <p14:creationId xmlns:p14="http://schemas.microsoft.com/office/powerpoint/2010/main" val="3188956436"/>
+        <p14:creationId xmlns:p14="http://schemas.microsoft.com/office/powerpoint/2010/main" val="1322161564"/>
       </p:ext>
     </p:extLst>
   </p:cSld>
@@ -5090,26 +4332,17 @@
           <a:lstStyle/>
           <a:p>
             <a:fld id="{D9EB630B-BF71-A34E-9F10-CD6A3DB979CB}" type="slidenum">
-              <a:rPr lang="en-US" smtClean="0">
-                <a:solidFill>
-                  <a:prstClr val="black"/>
-                </a:solidFill>
-              </a:rPr>
-              <a:pPr/>
-              <a:t>16</a:t>
+              <a:rPr lang="en-US" smtClean="0"/>
+              <a:t>18</a:t>
             </a:fld>
-            <a:endParaRPr lang="en-US">
-              <a:solidFill>
-                <a:prstClr val="black"/>
-              </a:solidFill>
-            </a:endParaRPr>
+            <a:endParaRPr lang="en-US"/>
           </a:p>
         </p:txBody>
       </p:sp>
     </p:spTree>
     <p:extLst>
       <p:ext uri="{BB962C8B-B14F-4D97-AF65-F5344CB8AC3E}">
-        <p14:creationId xmlns:p14="http://schemas.microsoft.com/office/powerpoint/2010/main" val="1322161564"/>
+        <p14:creationId xmlns:p14="http://schemas.microsoft.com/office/powerpoint/2010/main" val="704830805"/>
       </p:ext>
     </p:extLst>
   </p:cSld>
@@ -17460,183 +16693,6 @@
       </p:grpSpPr>
       <p:sp>
         <p:nvSpPr>
-          <p:cNvPr id="3" name="Title 2">
-            <a:extLst>
-              <a:ext uri="{FF2B5EF4-FFF2-40B4-BE49-F238E27FC236}">
-                <a16:creationId xmlns:a16="http://schemas.microsoft.com/office/drawing/2014/main" id="{66CB3259-8CDD-43E7-9D75-4356C30BD1DA}"/>
-              </a:ext>
-            </a:extLst>
-          </p:cNvPr>
-          <p:cNvSpPr>
-            <a:spLocks noGrp="1"/>
-          </p:cNvSpPr>
-          <p:nvPr>
-            <p:ph type="title"/>
-          </p:nvPr>
-        </p:nvSpPr>
-        <p:spPr/>
-        <p:txBody>
-          <a:bodyPr/>
-          <a:lstStyle/>
-          <a:p>
-            <a:r>
-              <a:rPr lang="en-US" dirty="0"/>
-              <a:t>Best practice whiteboard layout</a:t>
-            </a:r>
-          </a:p>
-        </p:txBody>
-      </p:sp>
-      <p:pic>
-        <p:nvPicPr>
-          <p:cNvPr id="4" name="Picture 3">
-            <a:extLst>
-              <a:ext uri="{FF2B5EF4-FFF2-40B4-BE49-F238E27FC236}">
-                <a16:creationId xmlns:a16="http://schemas.microsoft.com/office/drawing/2014/main" id="{E690DC31-4E17-41F5-8D2F-F4EC8EBF9888}"/>
-              </a:ext>
-            </a:extLst>
-          </p:cNvPr>
-          <p:cNvPicPr>
-            <a:picLocks noChangeAspect="1"/>
-          </p:cNvPicPr>
-          <p:nvPr/>
-        </p:nvPicPr>
-        <p:blipFill>
-          <a:blip r:embed="rId3"/>
-          <a:stretch>
-            <a:fillRect/>
-          </a:stretch>
-        </p:blipFill>
-        <p:spPr>
-          <a:xfrm>
-            <a:off x="980501" y="1294941"/>
-            <a:ext cx="10230998" cy="4762268"/>
-          </a:xfrm>
-          <a:prstGeom prst="rect">
-            <a:avLst/>
-          </a:prstGeom>
-        </p:spPr>
-      </p:pic>
-      <p:sp>
-        <p:nvSpPr>
-          <p:cNvPr id="5" name="TextBox 4">
-            <a:extLst>
-              <a:ext uri="{FF2B5EF4-FFF2-40B4-BE49-F238E27FC236}">
-                <a16:creationId xmlns:a16="http://schemas.microsoft.com/office/drawing/2014/main" id="{A58329A9-AF26-461B-9B71-82EF5ED29736}"/>
-              </a:ext>
-            </a:extLst>
-          </p:cNvPr>
-          <p:cNvSpPr txBox="1"/>
-          <p:nvPr/>
-        </p:nvSpPr>
-        <p:spPr>
-          <a:xfrm>
-            <a:off x="980501" y="6057209"/>
-            <a:ext cx="10230998" cy="794064"/>
-          </a:xfrm>
-          <a:prstGeom prst="rect">
-            <a:avLst/>
-          </a:prstGeom>
-          <a:noFill/>
-        </p:spPr>
-        <p:txBody>
-          <a:bodyPr wrap="square" lIns="182880" tIns="146304" rIns="182880" bIns="146304" rtlCol="0">
-            <a:spAutoFit/>
-          </a:bodyPr>
-          <a:lstStyle/>
-          <a:p>
-            <a:pPr>
-              <a:lnSpc>
-                <a:spcPct val="90000"/>
-              </a:lnSpc>
-              <a:spcAft>
-                <a:spcPts val="600"/>
-              </a:spcAft>
-            </a:pPr>
-            <a:r>
-              <a:rPr lang="en-US" dirty="0">
-                <a:gradFill>
-                  <a:gsLst>
-                    <a:gs pos="2917">
-                      <a:schemeClr val="tx1"/>
-                    </a:gs>
-                    <a:gs pos="30000">
-                      <a:schemeClr val="tx1"/>
-                    </a:gs>
-                  </a:gsLst>
-                  <a:lin ang="5400000" scaled="0"/>
-                </a:gradFill>
-              </a:rPr>
-              <a:t>1. Project Goal | 2. Requirements &amp; concerns | 3. Parking lot | 4. Current State | 5. Future Vision | </a:t>
-            </a:r>
-            <a:br>
-              <a:rPr lang="en-US" dirty="0">
-                <a:gradFill>
-                  <a:gsLst>
-                    <a:gs pos="2917">
-                      <a:schemeClr val="tx1"/>
-                    </a:gs>
-                    <a:gs pos="30000">
-                      <a:schemeClr val="tx1"/>
-                    </a:gs>
-                  </a:gsLst>
-                  <a:lin ang="5400000" scaled="0"/>
-                </a:gradFill>
-              </a:rPr>
-            </a:br>
-            <a:r>
-              <a:rPr lang="en-US" dirty="0">
-                <a:gradFill>
-                  <a:gsLst>
-                    <a:gs pos="2917">
-                      <a:schemeClr val="tx1"/>
-                    </a:gs>
-                    <a:gs pos="30000">
-                      <a:schemeClr val="tx1"/>
-                    </a:gs>
-                  </a:gsLst>
-                  <a:lin ang="5400000" scaled="0"/>
-                </a:gradFill>
-              </a:rPr>
-              <a:t>6. Implementation plan | 7. Next steps | 8. Wrap-up</a:t>
-            </a:r>
-          </a:p>
-        </p:txBody>
-      </p:sp>
-    </p:spTree>
-    <p:extLst>
-      <p:ext uri="{BB962C8B-B14F-4D97-AF65-F5344CB8AC3E}">
-        <p14:creationId xmlns:p14="http://schemas.microsoft.com/office/powerpoint/2010/main" val="2966029408"/>
-      </p:ext>
-    </p:extLst>
-  </p:cSld>
-  <p:clrMapOvr>
-    <a:masterClrMapping/>
-  </p:clrMapOvr>
-  <p:transition>
-    <p:fade/>
-  </p:transition>
-</p:sld>
-</file>
-
-<file path=ppt/slides/slide13.xml><?xml version="1.0" encoding="utf-8"?>
-<p:sld xmlns:a="http://schemas.openxmlformats.org/drawingml/2006/main" xmlns:r="http://schemas.openxmlformats.org/officeDocument/2006/relationships" xmlns:p="http://schemas.openxmlformats.org/presentationml/2006/main">
-  <p:cSld>
-    <p:spTree>
-      <p:nvGrpSpPr>
-        <p:cNvPr id="1" name=""/>
-        <p:cNvGrpSpPr/>
-        <p:nvPr/>
-      </p:nvGrpSpPr>
-      <p:grpSpPr>
-        <a:xfrm>
-          <a:off x="0" y="0"/>
-          <a:ext cx="0" cy="0"/>
-          <a:chOff x="0" y="0"/>
-          <a:chExt cx="0" cy="0"/>
-        </a:xfrm>
-      </p:grpSpPr>
-      <p:sp>
-        <p:nvSpPr>
           <p:cNvPr id="2" name="Title 1"/>
           <p:cNvSpPr>
             <a:spLocks noGrp="1"/>
@@ -17940,7 +16996,7 @@
 </p:sld>
 </file>
 
-<file path=ppt/slides/slide14.xml><?xml version="1.0" encoding="utf-8"?>
+<file path=ppt/slides/slide13.xml><?xml version="1.0" encoding="utf-8"?>
 <p:sld xmlns:a="http://schemas.openxmlformats.org/drawingml/2006/main" xmlns:r="http://schemas.openxmlformats.org/officeDocument/2006/relationships" xmlns:p="http://schemas.openxmlformats.org/presentationml/2006/main">
   <p:cSld>
     <p:spTree>
@@ -18272,7 +17328,7 @@
 </p:sld>
 </file>
 
-<file path=ppt/slides/slide15.xml><?xml version="1.0" encoding="utf-8"?>
+<file path=ppt/slides/slide14.xml><?xml version="1.0" encoding="utf-8"?>
 <p:sld xmlns:a="http://schemas.openxmlformats.org/drawingml/2006/main" xmlns:r="http://schemas.openxmlformats.org/officeDocument/2006/relationships" xmlns:p="http://schemas.openxmlformats.org/presentationml/2006/main">
   <p:cSld>
     <p:spTree>
@@ -18642,7 +17698,7 @@
 </p:sld>
 </file>
 
-<file path=ppt/slides/slide16.xml><?xml version="1.0" encoding="utf-8"?>
+<file path=ppt/slides/slide15.xml><?xml version="1.0" encoding="utf-8"?>
 <p:sld xmlns:a="http://schemas.openxmlformats.org/drawingml/2006/main" xmlns:r="http://schemas.openxmlformats.org/officeDocument/2006/relationships" xmlns:p="http://schemas.openxmlformats.org/presentationml/2006/main">
   <p:cSld>
     <p:spTree>
@@ -20195,7 +19251,7 @@
 </p:sld>
 </file>
 
-<file path=ppt/slides/slide17.xml><?xml version="1.0" encoding="utf-8"?>
+<file path=ppt/slides/slide16.xml><?xml version="1.0" encoding="utf-8"?>
 <p:sld xmlns:a="http://schemas.openxmlformats.org/drawingml/2006/main" xmlns:r="http://schemas.openxmlformats.org/officeDocument/2006/relationships" xmlns:p="http://schemas.openxmlformats.org/presentationml/2006/main">
   <p:cSld>
     <p:spTree>
@@ -20319,7 +19375,7 @@
 </p:sld>
 </file>
 
-<file path=ppt/slides/slide18.xml><?xml version="1.0" encoding="utf-8"?>
+<file path=ppt/slides/slide17.xml><?xml version="1.0" encoding="utf-8"?>
 <p:sld xmlns:a="http://schemas.openxmlformats.org/drawingml/2006/main" xmlns:r="http://schemas.openxmlformats.org/officeDocument/2006/relationships" xmlns:p="http://schemas.openxmlformats.org/presentationml/2006/main">
   <p:cSld>
     <p:spTree>
@@ -20455,7 +19511,7 @@
 </p:sld>
 </file>
 
-<file path=ppt/slides/slide19.xml><?xml version="1.0" encoding="utf-8"?>
+<file path=ppt/slides/slide18.xml><?xml version="1.0" encoding="utf-8"?>
 <p:sld xmlns:a="http://schemas.openxmlformats.org/drawingml/2006/main" xmlns:r="http://schemas.openxmlformats.org/officeDocument/2006/relationships" xmlns:p="http://schemas.openxmlformats.org/presentationml/2006/main">
   <p:cSld>
     <p:spTree>
@@ -20717,146 +19773,7 @@
 </p:sld>
 </file>
 
-<file path=ppt/slides/slide2.xml><?xml version="1.0" encoding="utf-8"?>
-<p:sld xmlns:a="http://schemas.openxmlformats.org/drawingml/2006/main" xmlns:r="http://schemas.openxmlformats.org/officeDocument/2006/relationships" xmlns:p="http://schemas.openxmlformats.org/presentationml/2006/main">
-  <p:cSld>
-    <p:bg>
-      <p:bgPr>
-        <a:solidFill>
-          <a:schemeClr val="bg2"/>
-        </a:solidFill>
-        <a:effectLst/>
-      </p:bgPr>
-    </p:bg>
-    <p:spTree>
-      <p:nvGrpSpPr>
-        <p:cNvPr id="1" name=""/>
-        <p:cNvGrpSpPr/>
-        <p:nvPr/>
-      </p:nvGrpSpPr>
-      <p:grpSpPr>
-        <a:xfrm>
-          <a:off x="0" y="0"/>
-          <a:ext cx="0" cy="0"/>
-          <a:chOff x="0" y="0"/>
-          <a:chExt cx="0" cy="0"/>
-        </a:xfrm>
-      </p:grpSpPr>
-      <p:sp>
-        <p:nvSpPr>
-          <p:cNvPr id="2" name="Title 1"/>
-          <p:cNvSpPr>
-            <a:spLocks noGrp="1"/>
-          </p:cNvSpPr>
-          <p:nvPr>
-            <p:ph type="title"/>
-          </p:nvPr>
-        </p:nvSpPr>
-        <p:spPr/>
-        <p:txBody>
-          <a:bodyPr>
-            <a:normAutofit/>
-          </a:bodyPr>
-          <a:lstStyle/>
-          <a:p>
-            <a:r>
-              <a:rPr lang="en-US" sz="4400" dirty="0">
-                <a:solidFill>
-                  <a:schemeClr val="tx1"/>
-                </a:solidFill>
-                <a:latin typeface="Segoe UI Light" panose="020B0502040204020203" pitchFamily="34" charset="0"/>
-                <a:cs typeface="Segoe UI Light" panose="020B0502040204020203" pitchFamily="34" charset="0"/>
-              </a:rPr>
-              <a:t>Abstract and learning objectives</a:t>
-            </a:r>
-          </a:p>
-        </p:txBody>
-      </p:sp>
-      <p:sp>
-        <p:nvSpPr>
-          <p:cNvPr id="9" name="TextBox 8">
-            <a:extLst>
-              <a:ext uri="{FF2B5EF4-FFF2-40B4-BE49-F238E27FC236}">
-                <a16:creationId xmlns:a16="http://schemas.microsoft.com/office/drawing/2014/main" id="{0F86F9F9-39B5-4CE6-AF48-9ADAE40EA728}"/>
-              </a:ext>
-            </a:extLst>
-          </p:cNvPr>
-          <p:cNvSpPr txBox="1"/>
-          <p:nvPr/>
-        </p:nvSpPr>
-        <p:spPr>
-          <a:xfrm>
-            <a:off x="340285" y="1741246"/>
-            <a:ext cx="7247965" cy="1868204"/>
-          </a:xfrm>
-          <a:prstGeom prst="rect">
-            <a:avLst/>
-          </a:prstGeom>
-          <a:noFill/>
-        </p:spPr>
-        <p:txBody>
-          <a:bodyPr wrap="square" lIns="182880" tIns="146304" rIns="182880" bIns="146304" rtlCol="0">
-            <a:spAutoFit/>
-          </a:bodyPr>
-          <a:lstStyle/>
-          <a:p>
-            <a:pPr>
-              <a:lnSpc>
-                <a:spcPct val="90000"/>
-              </a:lnSpc>
-              <a:spcAft>
-                <a:spcPts val="600"/>
-              </a:spcAft>
-            </a:pPr>
-            <a:r>
-              <a:rPr lang="en-US" sz="3600" dirty="0">
-                <a:latin typeface="+mj-lt"/>
-              </a:rPr>
-              <a:t>Abstract and learning objectives</a:t>
-            </a:r>
-          </a:p>
-          <a:p>
-            <a:pPr>
-              <a:lnSpc>
-                <a:spcPct val="90000"/>
-              </a:lnSpc>
-              <a:spcAft>
-                <a:spcPts val="600"/>
-              </a:spcAft>
-            </a:pPr>
-            <a:r>
-              <a:rPr lang="en-US" sz="2400" dirty="0">
-                <a:latin typeface="Segoe UI Semilight" panose="020B0402040204020203" pitchFamily="34" charset="0"/>
-                <a:cs typeface="Segoe UI Semilight" panose="020B0402040204020203" pitchFamily="34" charset="0"/>
-              </a:rPr>
-              <a:t>Facilitate discussion around top ADS tips &amp; tricks, leading to presentation on what makes a great ADS from requirements collection to architecture. </a:t>
-            </a:r>
-            <a:endParaRPr lang="en-US" sz="2400" dirty="0"/>
-          </a:p>
-        </p:txBody>
-      </p:sp>
-    </p:spTree>
-    <p:extLst>
-      <p:ext uri="{BB962C8B-B14F-4D97-AF65-F5344CB8AC3E}">
-        <p14:creationId xmlns:p14="http://schemas.microsoft.com/office/powerpoint/2010/main" val="772880493"/>
-      </p:ext>
-    </p:extLst>
-  </p:cSld>
-  <p:clrMapOvr>
-    <a:masterClrMapping/>
-  </p:clrMapOvr>
-  <mc:AlternateContent xmlns:mc="http://schemas.openxmlformats.org/markup-compatibility/2006" xmlns:p14="http://schemas.microsoft.com/office/powerpoint/2010/main">
-    <mc:Choice Requires="p14">
-      <p:transition p14:dur="0"/>
-    </mc:Choice>
-    <mc:Fallback xmlns="">
-      <p:transition/>
-    </mc:Fallback>
-  </mc:AlternateContent>
-</p:sld>
-</file>
-
-<file path=ppt/slides/slide20.xml><?xml version="1.0" encoding="utf-8"?>
+<file path=ppt/slides/slide19.xml><?xml version="1.0" encoding="utf-8"?>
 <p:sld xmlns:a="http://schemas.openxmlformats.org/drawingml/2006/main" xmlns:r="http://schemas.openxmlformats.org/officeDocument/2006/relationships" xmlns:p="http://schemas.openxmlformats.org/presentationml/2006/main">
   <p:cSld>
     <p:spTree>
@@ -20980,69 +19897,17 @@
 </p:sld>
 </file>
 
-<file path=ppt/slides/slide21.xml><?xml version="1.0" encoding="utf-8"?>
+<file path=ppt/slides/slide2.xml><?xml version="1.0" encoding="utf-8"?>
 <p:sld xmlns:a="http://schemas.openxmlformats.org/drawingml/2006/main" xmlns:r="http://schemas.openxmlformats.org/officeDocument/2006/relationships" xmlns:p="http://schemas.openxmlformats.org/presentationml/2006/main">
   <p:cSld>
-    <p:spTree>
-      <p:nvGrpSpPr>
-        <p:cNvPr id="1" name=""/>
-        <p:cNvGrpSpPr/>
-        <p:nvPr/>
-      </p:nvGrpSpPr>
-      <p:grpSpPr>
-        <a:xfrm>
-          <a:off x="0" y="0"/>
-          <a:ext cx="0" cy="0"/>
-          <a:chOff x="0" y="0"/>
-          <a:chExt cx="0" cy="0"/>
-        </a:xfrm>
-      </p:grpSpPr>
-      <p:sp>
-        <p:nvSpPr>
-          <p:cNvPr id="3" name="Title 2"/>
-          <p:cNvSpPr>
-            <a:spLocks noGrp="1"/>
-          </p:cNvSpPr>
-          <p:nvPr>
-            <p:ph type="title"/>
-          </p:nvPr>
-        </p:nvSpPr>
-        <p:spPr>
-          <a:xfrm>
-            <a:off x="0" y="2083486"/>
-            <a:ext cx="12161837" cy="2691028"/>
-          </a:xfrm>
-        </p:spPr>
-        <p:txBody>
-          <a:bodyPr lIns="457200"/>
-          <a:lstStyle/>
-          <a:p>
-            <a:r>
-              <a:rPr lang="en-US" sz="8000" dirty="0"/>
-              <a:t>How to structure and execute a POC / prototype</a:t>
-            </a:r>
-          </a:p>
-        </p:txBody>
-      </p:sp>
-    </p:spTree>
-    <p:extLst>
-      <p:ext uri="{BB962C8B-B14F-4D97-AF65-F5344CB8AC3E}">
-        <p14:creationId xmlns:p14="http://schemas.microsoft.com/office/powerpoint/2010/main" val="3920936324"/>
-      </p:ext>
-    </p:extLst>
-  </p:cSld>
-  <p:clrMapOvr>
-    <a:masterClrMapping/>
-  </p:clrMapOvr>
-  <p:transition>
-    <p:fade/>
-  </p:transition>
-</p:sld>
-</file>
-
-<file path=ppt/slides/slide22.xml><?xml version="1.0" encoding="utf-8"?>
-<p:sld xmlns:a="http://schemas.openxmlformats.org/drawingml/2006/main" xmlns:r="http://schemas.openxmlformats.org/officeDocument/2006/relationships" xmlns:p="http://schemas.openxmlformats.org/presentationml/2006/main">
-  <p:cSld>
+    <p:bg>
+      <p:bgPr>
+        <a:solidFill>
+          <a:schemeClr val="bg2"/>
+        </a:solidFill>
+        <a:effectLst/>
+      </p:bgPr>
+    </p:bg>
     <p:spTree>
       <p:nvGrpSpPr>
         <p:cNvPr id="1" name=""/>
@@ -21069,27 +19934,40 @@
         </p:nvSpPr>
         <p:spPr/>
         <p:txBody>
-          <a:bodyPr/>
+          <a:bodyPr>
+            <a:normAutofit/>
+          </a:bodyPr>
           <a:lstStyle/>
           <a:p>
             <a:r>
-              <a:rPr lang="en-US"/>
-              <a:t>Benefits of creating a POC</a:t>
-            </a:r>
-            <a:endParaRPr lang="en-US" dirty="0"/>
+              <a:rPr lang="en-US" sz="4400" dirty="0">
+                <a:solidFill>
+                  <a:schemeClr val="tx1"/>
+                </a:solidFill>
+                <a:latin typeface="Segoe UI Light" panose="020B0502040204020203" pitchFamily="34" charset="0"/>
+                <a:cs typeface="Segoe UI Light" panose="020B0502040204020203" pitchFamily="34" charset="0"/>
+              </a:rPr>
+              <a:t>Abstract and learning objectives</a:t>
+            </a:r>
           </a:p>
         </p:txBody>
       </p:sp>
       <p:sp>
         <p:nvSpPr>
-          <p:cNvPr id="11" name="TextBox 10"/>
+          <p:cNvPr id="9" name="TextBox 8">
+            <a:extLst>
+              <a:ext uri="{FF2B5EF4-FFF2-40B4-BE49-F238E27FC236}">
+                <a16:creationId xmlns:a16="http://schemas.microsoft.com/office/drawing/2014/main" id="{0F86F9F9-39B5-4CE6-AF48-9ADAE40EA728}"/>
+              </a:ext>
+            </a:extLst>
+          </p:cNvPr>
           <p:cNvSpPr txBox="1"/>
           <p:nvPr/>
         </p:nvSpPr>
         <p:spPr>
           <a:xfrm>
-            <a:off x="1768243" y="1382038"/>
-            <a:ext cx="9851570" cy="2040559"/>
+            <a:off x="340285" y="1741246"/>
+            <a:ext cx="7247965" cy="1868204"/>
           </a:xfrm>
           <a:prstGeom prst="rect">
             <a:avLst/>
@@ -21111,35 +19989,12 @@
               </a:spcAft>
             </a:pPr>
             <a:r>
-              <a:rPr lang="en-US" dirty="0">
+              <a:rPr lang="en-US" sz="3600" dirty="0">
                 <a:latin typeface="+mj-lt"/>
               </a:rPr>
-              <a:t>A proof of concept is meant to overcome customer objections by demonstrating the solution will solve the problem for which it is designed. Treat a POC as a continuous learning and improvement process for the solution. A rapid execution tempo of the POC helps validate the customer’s requirements, while giving them confidence in your ability to deliver on your promises. A successful POC can serve as evidence that your practice can use for future engagements with your customer or new ones. In fact, many times the output of a POC can be added to your practice’s intellectual property list for demonstrations, or used to accelerate future solutions.</a:t>
-            </a:r>
-          </a:p>
-        </p:txBody>
-      </p:sp>
-      <p:sp>
-        <p:nvSpPr>
-          <p:cNvPr id="15" name="TextBox 14"/>
-          <p:cNvSpPr txBox="1"/>
-          <p:nvPr/>
-        </p:nvSpPr>
-        <p:spPr>
-          <a:xfrm>
-            <a:off x="1768243" y="3411777"/>
-            <a:ext cx="7475911" cy="544765"/>
-          </a:xfrm>
-          <a:prstGeom prst="rect">
-            <a:avLst/>
-          </a:prstGeom>
-          <a:noFill/>
-        </p:spPr>
-        <p:txBody>
-          <a:bodyPr wrap="square" lIns="182880" tIns="146304" rIns="182880" bIns="146304" rtlCol="0">
-            <a:spAutoFit/>
-          </a:bodyPr>
-          <a:lstStyle/>
+              <a:t>Abstract and learning objectives</a:t>
+            </a:r>
+          </a:p>
           <a:p>
             <a:pPr>
               <a:lnSpc>
@@ -21150,182 +20005,20 @@
               </a:spcAft>
             </a:pPr>
             <a:r>
-              <a:rPr lang="en-US" dirty="0">
-                <a:latin typeface="+mj-lt"/>
+              <a:rPr lang="en-US" sz="2400" dirty="0">
+                <a:latin typeface="Segoe UI Semilight" panose="020B0402040204020203" pitchFamily="34" charset="0"/>
+                <a:cs typeface="Segoe UI Semilight" panose="020B0402040204020203" pitchFamily="34" charset="0"/>
               </a:rPr>
-              <a:t>A typical POC undergoes the following phases:</a:t>
-            </a:r>
-          </a:p>
-        </p:txBody>
-      </p:sp>
-      <p:sp>
-        <p:nvSpPr>
-          <p:cNvPr id="6" name="Rectangle 5"/>
-          <p:cNvSpPr/>
-          <p:nvPr/>
-        </p:nvSpPr>
-        <p:spPr>
-          <a:xfrm>
-            <a:off x="2130572" y="4115670"/>
-            <a:ext cx="6096000" cy="1243417"/>
-          </a:xfrm>
-          <a:prstGeom prst="rect">
-            <a:avLst/>
-          </a:prstGeom>
-        </p:spPr>
-        <p:txBody>
-          <a:bodyPr>
-            <a:spAutoFit/>
-          </a:bodyPr>
-          <a:lstStyle/>
-          <a:p>
-            <a:pPr marL="285750" indent="-285750">
-              <a:lnSpc>
-                <a:spcPct val="90000"/>
-              </a:lnSpc>
-              <a:spcAft>
-                <a:spcPts val="600"/>
-              </a:spcAft>
-              <a:buFont typeface="Arial" panose="020B0604020202020204" pitchFamily="34" charset="0"/>
-              <a:buChar char="•"/>
-            </a:pPr>
-            <a:r>
-              <a:rPr lang="en-US" dirty="0"/>
-              <a:t>Define scope – scoping typically occurs during an ADS</a:t>
-            </a:r>
-          </a:p>
-          <a:p>
-            <a:pPr marL="285750" indent="-285750">
-              <a:lnSpc>
-                <a:spcPct val="90000"/>
-              </a:lnSpc>
-              <a:spcAft>
-                <a:spcPts val="600"/>
-              </a:spcAft>
-              <a:buFont typeface="Arial" panose="020B0604020202020204" pitchFamily="34" charset="0"/>
-              <a:buChar char="•"/>
-            </a:pPr>
-            <a:r>
-              <a:rPr lang="en-US" dirty="0"/>
-              <a:t>Execute implementation – create, test, refine, repeat</a:t>
-            </a:r>
-          </a:p>
-          <a:p>
-            <a:pPr marL="285750" indent="-285750">
-              <a:lnSpc>
-                <a:spcPct val="90000"/>
-              </a:lnSpc>
-              <a:spcAft>
-                <a:spcPts val="600"/>
-              </a:spcAft>
-              <a:buFont typeface="Arial" panose="020B0604020202020204" pitchFamily="34" charset="0"/>
-              <a:buChar char="•"/>
-            </a:pPr>
-            <a:r>
-              <a:rPr lang="en-US" dirty="0"/>
-              <a:t>Conclude – lessons learned, validation, production development begins</a:t>
-            </a:r>
-          </a:p>
-        </p:txBody>
-      </p:sp>
-      <p:pic>
-        <p:nvPicPr>
-          <p:cNvPr id="3" name="Picture 2"/>
-          <p:cNvPicPr>
-            <a:picLocks noChangeAspect="1"/>
-          </p:cNvPicPr>
-          <p:nvPr/>
-        </p:nvPicPr>
-        <p:blipFill>
-          <a:blip r:embed="rId3">
-            <a:duotone>
-              <a:schemeClr val="accent1">
-                <a:shade val="45000"/>
-                <a:satMod val="135000"/>
-              </a:schemeClr>
-              <a:prstClr val="white"/>
-            </a:duotone>
-            <a:extLst>
-              <a:ext uri="{BEBA8EAE-BF5A-486C-A8C5-ECC9F3942E4B}">
-                <a14:imgProps xmlns:a14="http://schemas.microsoft.com/office/drawing/2010/main">
-                  <a14:imgLayer r:embed="rId4">
-                    <a14:imgEffect>
-                      <a14:brightnessContrast bright="20000" contrast="40000"/>
-                    </a14:imgEffect>
-                  </a14:imgLayer>
-                </a14:imgProps>
-              </a:ext>
-            </a:extLst>
-          </a:blip>
-          <a:stretch>
-            <a:fillRect/>
-          </a:stretch>
-        </p:blipFill>
-        <p:spPr>
-          <a:xfrm flipH="1">
-            <a:off x="8805905" y="3587304"/>
-            <a:ext cx="2316056" cy="1771783"/>
-          </a:xfrm>
-          <a:prstGeom prst="rect">
-            <a:avLst/>
-          </a:prstGeom>
-        </p:spPr>
-      </p:pic>
-      <p:sp>
-        <p:nvSpPr>
-          <p:cNvPr id="12" name="TextBox 11"/>
-          <p:cNvSpPr txBox="1"/>
-          <p:nvPr/>
-        </p:nvSpPr>
-        <p:spPr>
-          <a:xfrm>
-            <a:off x="1768242" y="5638230"/>
-            <a:ext cx="10047674" cy="1043363"/>
-          </a:xfrm>
-          <a:prstGeom prst="rect">
-            <a:avLst/>
-          </a:prstGeom>
-          <a:noFill/>
-        </p:spPr>
-        <p:txBody>
-          <a:bodyPr wrap="square" lIns="182880" tIns="146304" rIns="182880" bIns="146304" rtlCol="0">
-            <a:spAutoFit/>
-          </a:bodyPr>
-          <a:lstStyle/>
-          <a:p>
-            <a:pPr>
-              <a:lnSpc>
-                <a:spcPct val="90000"/>
-              </a:lnSpc>
-              <a:spcAft>
-                <a:spcPts val="600"/>
-              </a:spcAft>
-            </a:pPr>
-            <a:r>
-              <a:rPr lang="en-US" dirty="0">
-                <a:latin typeface="+mj-lt"/>
-              </a:rPr>
-              <a:t>A POC is </a:t>
-            </a:r>
-            <a:r>
-              <a:rPr lang="en-US" b="1" dirty="0">
-                <a:latin typeface="+mj-lt"/>
-              </a:rPr>
-              <a:t>NOT</a:t>
-            </a:r>
-            <a:r>
-              <a:rPr lang="en-US" dirty="0">
-                <a:latin typeface="+mj-lt"/>
-              </a:rPr>
-              <a:t> meant to be used as, or modified to become, the production solution. It is meant for rapid prototyping only. A POC can also be used as a loss leader to generate sales opportunities, or effectively as a profit center.</a:t>
-            </a:r>
+              <a:t>Facilitate discussion around top ADS tips &amp; tricks, leading to presentation on what makes a great ADS from requirements collection to architecture. </a:t>
+            </a:r>
+            <a:endParaRPr lang="en-US" sz="2400" dirty="0"/>
           </a:p>
         </p:txBody>
       </p:sp>
     </p:spTree>
     <p:extLst>
       <p:ext uri="{BB962C8B-B14F-4D97-AF65-F5344CB8AC3E}">
-        <p14:creationId xmlns:p14="http://schemas.microsoft.com/office/powerpoint/2010/main" val="1480228449"/>
+        <p14:creationId xmlns:p14="http://schemas.microsoft.com/office/powerpoint/2010/main" val="772880493"/>
       </p:ext>
     </p:extLst>
   </p:cSld>
@@ -21334,793 +20027,10 @@
   </p:clrMapOvr>
   <mc:AlternateContent xmlns:mc="http://schemas.openxmlformats.org/markup-compatibility/2006" xmlns:p14="http://schemas.microsoft.com/office/powerpoint/2010/main">
     <mc:Choice Requires="p14">
-      <p:transition spd="med" p14:dur="700">
-        <p:fade/>
-      </p:transition>
+      <p:transition p14:dur="0"/>
     </mc:Choice>
     <mc:Fallback xmlns="">
-      <p:transition spd="med">
-        <p:fade/>
-      </p:transition>
-    </mc:Fallback>
-  </mc:AlternateContent>
-</p:sld>
-</file>
-
-<file path=ppt/slides/slide23.xml><?xml version="1.0" encoding="utf-8"?>
-<p:sld xmlns:a="http://schemas.openxmlformats.org/drawingml/2006/main" xmlns:r="http://schemas.openxmlformats.org/officeDocument/2006/relationships" xmlns:p="http://schemas.openxmlformats.org/presentationml/2006/main">
-  <p:cSld>
-    <p:spTree>
-      <p:nvGrpSpPr>
-        <p:cNvPr id="1" name=""/>
-        <p:cNvGrpSpPr/>
-        <p:nvPr/>
-      </p:nvGrpSpPr>
-      <p:grpSpPr>
-        <a:xfrm>
-          <a:off x="0" y="0"/>
-          <a:ext cx="0" cy="0"/>
-          <a:chOff x="0" y="0"/>
-          <a:chExt cx="0" cy="0"/>
-        </a:xfrm>
-      </p:grpSpPr>
-      <p:sp>
-        <p:nvSpPr>
-          <p:cNvPr id="2" name="Title 1"/>
-          <p:cNvSpPr>
-            <a:spLocks noGrp="1"/>
-          </p:cNvSpPr>
-          <p:nvPr>
-            <p:ph type="title"/>
-          </p:nvPr>
-        </p:nvSpPr>
-        <p:spPr/>
-        <p:txBody>
-          <a:bodyPr/>
-          <a:lstStyle/>
-          <a:p>
-            <a:r>
-              <a:rPr lang="en-US"/>
-              <a:t>Define POC Scope Checklist</a:t>
-            </a:r>
-            <a:endParaRPr lang="en-US" dirty="0"/>
-          </a:p>
-        </p:txBody>
-      </p:sp>
-      <p:sp>
-        <p:nvSpPr>
-          <p:cNvPr id="11" name="TextBox 10"/>
-          <p:cNvSpPr txBox="1"/>
-          <p:nvPr/>
-        </p:nvSpPr>
-        <p:spPr>
-          <a:xfrm>
-            <a:off x="2198194" y="1817396"/>
-            <a:ext cx="8129681" cy="1043363"/>
-          </a:xfrm>
-          <a:prstGeom prst="rect">
-            <a:avLst/>
-          </a:prstGeom>
-          <a:noFill/>
-        </p:spPr>
-        <p:txBody>
-          <a:bodyPr wrap="square" lIns="182880" tIns="146304" rIns="182880" bIns="146304" rtlCol="0">
-            <a:spAutoFit/>
-          </a:bodyPr>
-          <a:lstStyle/>
-          <a:p>
-            <a:pPr>
-              <a:lnSpc>
-                <a:spcPct val="90000"/>
-              </a:lnSpc>
-              <a:spcAft>
-                <a:spcPts val="600"/>
-              </a:spcAft>
-            </a:pPr>
-            <a:r>
-              <a:rPr lang="en-US" dirty="0">
-                <a:latin typeface="+mj-lt"/>
-              </a:rPr>
-              <a:t>Always establish a clear and concrete scope before starting work on a POC. Work with your group to review and whiteboard POC requirements based on data gathered from the ADS. Be sure to do the following:</a:t>
-            </a:r>
-          </a:p>
-        </p:txBody>
-      </p:sp>
-      <p:sp>
-        <p:nvSpPr>
-          <p:cNvPr id="6" name="Rectangle 5"/>
-          <p:cNvSpPr/>
-          <p:nvPr/>
-        </p:nvSpPr>
-        <p:spPr>
-          <a:xfrm>
-            <a:off x="2661450" y="3030026"/>
-            <a:ext cx="8494230" cy="2299091"/>
-          </a:xfrm>
-          <a:prstGeom prst="rect">
-            <a:avLst/>
-          </a:prstGeom>
-        </p:spPr>
-        <p:txBody>
-          <a:bodyPr wrap="square">
-            <a:spAutoFit/>
-          </a:bodyPr>
-          <a:lstStyle/>
-          <a:p>
-            <a:pPr marL="285750" indent="-285750">
-              <a:lnSpc>
-                <a:spcPct val="90000"/>
-              </a:lnSpc>
-              <a:spcAft>
-                <a:spcPts val="600"/>
-              </a:spcAft>
-              <a:buFont typeface="Wingdings" charset="2"/>
-              <a:buChar char="q"/>
-            </a:pPr>
-            <a:r>
-              <a:rPr lang="en-US" dirty="0"/>
-              <a:t>Go over established business and technical requirements from the ADS</a:t>
-            </a:r>
-          </a:p>
-          <a:p>
-            <a:pPr marL="285750" indent="-285750">
-              <a:lnSpc>
-                <a:spcPct val="90000"/>
-              </a:lnSpc>
-              <a:spcAft>
-                <a:spcPts val="600"/>
-              </a:spcAft>
-              <a:buFont typeface="Wingdings" charset="2"/>
-              <a:buChar char="q"/>
-            </a:pPr>
-            <a:r>
-              <a:rPr lang="en-US" dirty="0"/>
-              <a:t>Condense full set of requirements down to workloads and features of the POC</a:t>
-            </a:r>
-          </a:p>
-          <a:p>
-            <a:pPr marL="742950" lvl="1" indent="-285750">
-              <a:lnSpc>
-                <a:spcPct val="90000"/>
-              </a:lnSpc>
-              <a:spcAft>
-                <a:spcPts val="600"/>
-              </a:spcAft>
-              <a:buFont typeface="Wingdings" charset="2"/>
-              <a:buChar char="q"/>
-            </a:pPr>
-            <a:r>
-              <a:rPr lang="en-US" dirty="0"/>
-              <a:t>Select proof points and address objections to overcome</a:t>
-            </a:r>
-          </a:p>
-          <a:p>
-            <a:pPr marL="742950" lvl="1" indent="-285750">
-              <a:lnSpc>
-                <a:spcPct val="90000"/>
-              </a:lnSpc>
-              <a:spcAft>
-                <a:spcPts val="600"/>
-              </a:spcAft>
-              <a:buFont typeface="Wingdings" charset="2"/>
-              <a:buChar char="q"/>
-            </a:pPr>
-            <a:r>
-              <a:rPr lang="en-US" dirty="0"/>
-              <a:t>Be able to answer </a:t>
-            </a:r>
-            <a:r>
-              <a:rPr lang="mr-IN" dirty="0"/>
-              <a:t>–</a:t>
-            </a:r>
-            <a:r>
-              <a:rPr lang="en-US" dirty="0"/>
-              <a:t> what are you trying prove with the POC?</a:t>
-            </a:r>
-          </a:p>
-          <a:p>
-            <a:pPr marL="285750" indent="-285750">
-              <a:lnSpc>
-                <a:spcPct val="90000"/>
-              </a:lnSpc>
-              <a:spcAft>
-                <a:spcPts val="600"/>
-              </a:spcAft>
-              <a:buFont typeface="Wingdings" charset="2"/>
-              <a:buChar char="q"/>
-            </a:pPr>
-            <a:r>
-              <a:rPr lang="en-US" dirty="0"/>
-              <a:t>Establish team responsibilities and organization</a:t>
-            </a:r>
-          </a:p>
-          <a:p>
-            <a:pPr marL="285750" indent="-285750">
-              <a:lnSpc>
-                <a:spcPct val="90000"/>
-              </a:lnSpc>
-              <a:spcAft>
-                <a:spcPts val="600"/>
-              </a:spcAft>
-              <a:buFont typeface="Wingdings" charset="2"/>
-              <a:buChar char="q"/>
-            </a:pPr>
-            <a:r>
-              <a:rPr lang="en-US" dirty="0"/>
-              <a:t>Perform Azure cost estimates</a:t>
-            </a:r>
-          </a:p>
-          <a:p>
-            <a:pPr marL="285750" indent="-285750">
-              <a:lnSpc>
-                <a:spcPct val="90000"/>
-              </a:lnSpc>
-              <a:spcAft>
-                <a:spcPts val="600"/>
-              </a:spcAft>
-              <a:buFont typeface="Wingdings" charset="2"/>
-              <a:buChar char="q"/>
-            </a:pPr>
-            <a:r>
-              <a:rPr lang="en-US" dirty="0"/>
-              <a:t>Outline next steps after the success criteria is met</a:t>
-            </a:r>
-          </a:p>
-        </p:txBody>
-      </p:sp>
-      <p:pic>
-        <p:nvPicPr>
-          <p:cNvPr id="4" name="Picture 3"/>
-          <p:cNvPicPr>
-            <a:picLocks noChangeAspect="1"/>
-          </p:cNvPicPr>
-          <p:nvPr/>
-        </p:nvPicPr>
-        <p:blipFill>
-          <a:blip r:embed="rId3"/>
-          <a:stretch>
-            <a:fillRect/>
-          </a:stretch>
-        </p:blipFill>
-        <p:spPr>
-          <a:xfrm>
-            <a:off x="-139279" y="2228625"/>
-            <a:ext cx="3115422" cy="3115422"/>
-          </a:xfrm>
-          <a:prstGeom prst="rect">
-            <a:avLst/>
-          </a:prstGeom>
-        </p:spPr>
-      </p:pic>
-      <p:sp>
-        <p:nvSpPr>
-          <p:cNvPr id="10" name="TextBox 9"/>
-          <p:cNvSpPr txBox="1"/>
-          <p:nvPr/>
-        </p:nvSpPr>
-        <p:spPr>
-          <a:xfrm>
-            <a:off x="2198193" y="5344047"/>
-            <a:ext cx="8129681" cy="794064"/>
-          </a:xfrm>
-          <a:prstGeom prst="rect">
-            <a:avLst/>
-          </a:prstGeom>
-          <a:noFill/>
-        </p:spPr>
-        <p:txBody>
-          <a:bodyPr wrap="square" lIns="182880" tIns="146304" rIns="182880" bIns="146304" rtlCol="0">
-            <a:spAutoFit/>
-          </a:bodyPr>
-          <a:lstStyle/>
-          <a:p>
-            <a:pPr>
-              <a:lnSpc>
-                <a:spcPct val="90000"/>
-              </a:lnSpc>
-              <a:spcAft>
-                <a:spcPts val="600"/>
-              </a:spcAft>
-            </a:pPr>
-            <a:r>
-              <a:rPr lang="en-US" dirty="0">
-                <a:latin typeface="+mj-lt"/>
-              </a:rPr>
-              <a:t>Remember, plan your POC development strategy with speed of execution in mind, not durability and longevity. This is not to become the production solution.</a:t>
-            </a:r>
-          </a:p>
-        </p:txBody>
-      </p:sp>
-    </p:spTree>
-    <p:extLst>
-      <p:ext uri="{BB962C8B-B14F-4D97-AF65-F5344CB8AC3E}">
-        <p14:creationId xmlns:p14="http://schemas.microsoft.com/office/powerpoint/2010/main" val="3329247954"/>
-      </p:ext>
-    </p:extLst>
-  </p:cSld>
-  <p:clrMapOvr>
-    <a:masterClrMapping/>
-  </p:clrMapOvr>
-  <mc:AlternateContent xmlns:mc="http://schemas.openxmlformats.org/markup-compatibility/2006" xmlns:p14="http://schemas.microsoft.com/office/powerpoint/2010/main">
-    <mc:Choice Requires="p14">
-      <p:transition spd="med" p14:dur="700">
-        <p:fade/>
-      </p:transition>
-    </mc:Choice>
-    <mc:Fallback xmlns="">
-      <p:transition spd="med">
-        <p:fade/>
-      </p:transition>
-    </mc:Fallback>
-  </mc:AlternateContent>
-</p:sld>
-</file>
-
-<file path=ppt/slides/slide24.xml><?xml version="1.0" encoding="utf-8"?>
-<p:sld xmlns:a="http://schemas.openxmlformats.org/drawingml/2006/main" xmlns:r="http://schemas.openxmlformats.org/officeDocument/2006/relationships" xmlns:p="http://schemas.openxmlformats.org/presentationml/2006/main">
-  <p:cSld>
-    <p:spTree>
-      <p:nvGrpSpPr>
-        <p:cNvPr id="1" name=""/>
-        <p:cNvGrpSpPr/>
-        <p:nvPr/>
-      </p:nvGrpSpPr>
-      <p:grpSpPr>
-        <a:xfrm>
-          <a:off x="0" y="0"/>
-          <a:ext cx="0" cy="0"/>
-          <a:chOff x="0" y="0"/>
-          <a:chExt cx="0" cy="0"/>
-        </a:xfrm>
-      </p:grpSpPr>
-      <p:sp>
-        <p:nvSpPr>
-          <p:cNvPr id="2" name="Title 1"/>
-          <p:cNvSpPr>
-            <a:spLocks noGrp="1"/>
-          </p:cNvSpPr>
-          <p:nvPr>
-            <p:ph type="title"/>
-          </p:nvPr>
-        </p:nvSpPr>
-        <p:spPr/>
-        <p:txBody>
-          <a:bodyPr/>
-          <a:lstStyle/>
-          <a:p>
-            <a:r>
-              <a:rPr lang="en-US"/>
-              <a:t>Execute POC Implementation Checklist</a:t>
-            </a:r>
-            <a:endParaRPr lang="en-US" dirty="0"/>
-          </a:p>
-        </p:txBody>
-      </p:sp>
-      <p:sp>
-        <p:nvSpPr>
-          <p:cNvPr id="11" name="TextBox 10"/>
-          <p:cNvSpPr txBox="1"/>
-          <p:nvPr/>
-        </p:nvSpPr>
-        <p:spPr>
-          <a:xfrm>
-            <a:off x="2198194" y="1817396"/>
-            <a:ext cx="8129681" cy="794064"/>
-          </a:xfrm>
-          <a:prstGeom prst="rect">
-            <a:avLst/>
-          </a:prstGeom>
-          <a:noFill/>
-        </p:spPr>
-        <p:txBody>
-          <a:bodyPr wrap="square" lIns="182880" tIns="146304" rIns="182880" bIns="146304" rtlCol="0">
-            <a:spAutoFit/>
-          </a:bodyPr>
-          <a:lstStyle/>
-          <a:p>
-            <a:pPr>
-              <a:lnSpc>
-                <a:spcPct val="90000"/>
-              </a:lnSpc>
-              <a:spcAft>
-                <a:spcPts val="600"/>
-              </a:spcAft>
-            </a:pPr>
-            <a:r>
-              <a:rPr lang="en-US" dirty="0">
-                <a:latin typeface="+mj-lt"/>
-              </a:rPr>
-              <a:t>Work with your group to draw out the POC architecture, components, technical resources, and success criteria. Be sure to do the following:</a:t>
-            </a:r>
-          </a:p>
-        </p:txBody>
-      </p:sp>
-      <p:sp>
-        <p:nvSpPr>
-          <p:cNvPr id="6" name="Rectangle 5"/>
-          <p:cNvSpPr/>
-          <p:nvPr/>
-        </p:nvSpPr>
-        <p:spPr>
-          <a:xfrm>
-            <a:off x="2661450" y="3030026"/>
-            <a:ext cx="8494230" cy="2720745"/>
-          </a:xfrm>
-          <a:prstGeom prst="rect">
-            <a:avLst/>
-          </a:prstGeom>
-        </p:spPr>
-        <p:txBody>
-          <a:bodyPr wrap="square">
-            <a:spAutoFit/>
-          </a:bodyPr>
-          <a:lstStyle/>
-          <a:p>
-            <a:pPr marL="285750" indent="-285750">
-              <a:lnSpc>
-                <a:spcPct val="90000"/>
-              </a:lnSpc>
-              <a:spcAft>
-                <a:spcPts val="600"/>
-              </a:spcAft>
-              <a:buFont typeface="Wingdings" charset="2"/>
-              <a:buChar char="q"/>
-            </a:pPr>
-            <a:r>
-              <a:rPr lang="en-US" dirty="0"/>
-              <a:t>List all required technical resources</a:t>
-            </a:r>
-          </a:p>
-          <a:p>
-            <a:pPr marL="285750" indent="-285750">
-              <a:lnSpc>
-                <a:spcPct val="90000"/>
-              </a:lnSpc>
-              <a:spcAft>
-                <a:spcPts val="600"/>
-              </a:spcAft>
-              <a:buFont typeface="Wingdings" charset="2"/>
-              <a:buChar char="q"/>
-            </a:pPr>
-            <a:r>
-              <a:rPr lang="en-US" dirty="0"/>
-              <a:t>Identify existing templates that can be used to jump-start POC development, such as ARM templates and Visual Studio project templates</a:t>
-            </a:r>
-          </a:p>
-          <a:p>
-            <a:pPr marL="285750" indent="-285750">
-              <a:lnSpc>
-                <a:spcPct val="90000"/>
-              </a:lnSpc>
-              <a:spcAft>
-                <a:spcPts val="600"/>
-              </a:spcAft>
-              <a:buFont typeface="Wingdings" charset="2"/>
-              <a:buChar char="q"/>
-            </a:pPr>
-            <a:r>
-              <a:rPr lang="en-US" dirty="0"/>
-              <a:t>List PaaS services that will be used</a:t>
-            </a:r>
-          </a:p>
-          <a:p>
-            <a:pPr marL="285750" indent="-285750">
-              <a:lnSpc>
-                <a:spcPct val="90000"/>
-              </a:lnSpc>
-              <a:spcAft>
-                <a:spcPts val="600"/>
-              </a:spcAft>
-              <a:buFont typeface="Wingdings" charset="2"/>
-              <a:buChar char="q"/>
-            </a:pPr>
-            <a:r>
-              <a:rPr lang="en-US" dirty="0"/>
-              <a:t>Figure out which functionality should be implemented, and which should be stubbed out for reference only</a:t>
-            </a:r>
-          </a:p>
-          <a:p>
-            <a:pPr marL="285750" indent="-285750">
-              <a:lnSpc>
-                <a:spcPct val="90000"/>
-              </a:lnSpc>
-              <a:spcAft>
-                <a:spcPts val="600"/>
-              </a:spcAft>
-              <a:buFont typeface="Wingdings" charset="2"/>
-              <a:buChar char="q"/>
-            </a:pPr>
-            <a:r>
-              <a:rPr lang="en-US" dirty="0"/>
-              <a:t>Create a testing plan, both automated and acceptance tests</a:t>
-            </a:r>
-          </a:p>
-          <a:p>
-            <a:pPr marL="285750" indent="-285750">
-              <a:lnSpc>
-                <a:spcPct val="90000"/>
-              </a:lnSpc>
-              <a:spcAft>
-                <a:spcPts val="600"/>
-              </a:spcAft>
-              <a:buFont typeface="Wingdings" charset="2"/>
-              <a:buChar char="q"/>
-            </a:pPr>
-            <a:r>
-              <a:rPr lang="en-US" dirty="0"/>
-              <a:t>Discuss how you will involve the customer and/or users in your testing process, to help identify bugs, surface usability issues, and validate business requirements</a:t>
-            </a:r>
-          </a:p>
-        </p:txBody>
-      </p:sp>
-      <p:pic>
-        <p:nvPicPr>
-          <p:cNvPr id="3" name="Picture 2"/>
-          <p:cNvPicPr>
-            <a:picLocks noChangeAspect="1"/>
-          </p:cNvPicPr>
-          <p:nvPr/>
-        </p:nvPicPr>
-        <p:blipFill>
-          <a:blip r:embed="rId3">
-            <a:biLevel thresh="25000"/>
-          </a:blip>
-          <a:stretch>
-            <a:fillRect/>
-          </a:stretch>
-        </p:blipFill>
-        <p:spPr>
-          <a:xfrm>
-            <a:off x="370844" y="3474859"/>
-            <a:ext cx="1787482" cy="1787482"/>
-          </a:xfrm>
-          <a:prstGeom prst="rect">
-            <a:avLst/>
-          </a:prstGeom>
-        </p:spPr>
-      </p:pic>
-    </p:spTree>
-    <p:extLst>
-      <p:ext uri="{BB962C8B-B14F-4D97-AF65-F5344CB8AC3E}">
-        <p14:creationId xmlns:p14="http://schemas.microsoft.com/office/powerpoint/2010/main" val="1179139050"/>
-      </p:ext>
-    </p:extLst>
-  </p:cSld>
-  <p:clrMapOvr>
-    <a:masterClrMapping/>
-  </p:clrMapOvr>
-  <mc:AlternateContent xmlns:mc="http://schemas.openxmlformats.org/markup-compatibility/2006" xmlns:p14="http://schemas.microsoft.com/office/powerpoint/2010/main">
-    <mc:Choice Requires="p14">
-      <p:transition spd="med" p14:dur="700">
-        <p:fade/>
-      </p:transition>
-    </mc:Choice>
-    <mc:Fallback xmlns="">
-      <p:transition spd="med">
-        <p:fade/>
-      </p:transition>
-    </mc:Fallback>
-  </mc:AlternateContent>
-</p:sld>
-</file>
-
-<file path=ppt/slides/slide25.xml><?xml version="1.0" encoding="utf-8"?>
-<p:sld xmlns:a="http://schemas.openxmlformats.org/drawingml/2006/main" xmlns:r="http://schemas.openxmlformats.org/officeDocument/2006/relationships" xmlns:p="http://schemas.openxmlformats.org/presentationml/2006/main">
-  <p:cSld>
-    <p:spTree>
-      <p:nvGrpSpPr>
-        <p:cNvPr id="1" name=""/>
-        <p:cNvGrpSpPr/>
-        <p:nvPr/>
-      </p:nvGrpSpPr>
-      <p:grpSpPr>
-        <a:xfrm>
-          <a:off x="0" y="0"/>
-          <a:ext cx="0" cy="0"/>
-          <a:chOff x="0" y="0"/>
-          <a:chExt cx="0" cy="0"/>
-        </a:xfrm>
-      </p:grpSpPr>
-      <p:sp>
-        <p:nvSpPr>
-          <p:cNvPr id="2" name="Title 1"/>
-          <p:cNvSpPr>
-            <a:spLocks noGrp="1"/>
-          </p:cNvSpPr>
-          <p:nvPr>
-            <p:ph type="title"/>
-          </p:nvPr>
-        </p:nvSpPr>
-        <p:spPr/>
-        <p:txBody>
-          <a:bodyPr/>
-          <a:lstStyle/>
-          <a:p>
-            <a:r>
-              <a:rPr lang="en-US"/>
-              <a:t>POC Conclusion Checklist</a:t>
-            </a:r>
-            <a:endParaRPr lang="en-US" dirty="0"/>
-          </a:p>
-        </p:txBody>
-      </p:sp>
-      <p:sp>
-        <p:nvSpPr>
-          <p:cNvPr id="11" name="TextBox 10"/>
-          <p:cNvSpPr txBox="1"/>
-          <p:nvPr/>
-        </p:nvSpPr>
-        <p:spPr>
-          <a:xfrm>
-            <a:off x="2198194" y="1051422"/>
-            <a:ext cx="8129681" cy="1541961"/>
-          </a:xfrm>
-          <a:prstGeom prst="rect">
-            <a:avLst/>
-          </a:prstGeom>
-          <a:noFill/>
-        </p:spPr>
-        <p:txBody>
-          <a:bodyPr wrap="square" lIns="182880" tIns="146304" rIns="182880" bIns="146304" rtlCol="0">
-            <a:spAutoFit/>
-          </a:bodyPr>
-          <a:lstStyle/>
-          <a:p>
-            <a:pPr>
-              <a:lnSpc>
-                <a:spcPct val="90000"/>
-              </a:lnSpc>
-              <a:spcAft>
-                <a:spcPts val="600"/>
-              </a:spcAft>
-            </a:pPr>
-            <a:r>
-              <a:rPr lang="en-US" dirty="0">
-                <a:latin typeface="+mj-lt"/>
-              </a:rPr>
-              <a:t>After your team has met the success criteria of the POC, it is time to move into the next phase of the project. Make certain you clearly outline what went well with the POC, and what should be addressed when planning the production development process. If the POC failed, address the shortcomings and be prepared to conduct a new ADS to work on a new strategy.</a:t>
-            </a:r>
-          </a:p>
-        </p:txBody>
-      </p:sp>
-      <p:sp>
-        <p:nvSpPr>
-          <p:cNvPr id="6" name="Rectangle 5"/>
-          <p:cNvSpPr/>
-          <p:nvPr/>
-        </p:nvSpPr>
-        <p:spPr>
-          <a:xfrm>
-            <a:off x="2661450" y="2806348"/>
-            <a:ext cx="8494230" cy="2068259"/>
-          </a:xfrm>
-          <a:prstGeom prst="rect">
-            <a:avLst/>
-          </a:prstGeom>
-        </p:spPr>
-        <p:txBody>
-          <a:bodyPr wrap="square">
-            <a:spAutoFit/>
-          </a:bodyPr>
-          <a:lstStyle/>
-          <a:p>
-            <a:pPr marL="285750" indent="-285750">
-              <a:lnSpc>
-                <a:spcPct val="90000"/>
-              </a:lnSpc>
-              <a:spcAft>
-                <a:spcPts val="600"/>
-              </a:spcAft>
-              <a:buFont typeface="Wingdings" charset="2"/>
-              <a:buChar char="q"/>
-            </a:pPr>
-            <a:r>
-              <a:rPr lang="en-US" dirty="0"/>
-              <a:t>Create a report that explains the overall status of the POC and any issues identified during the execution phase</a:t>
-            </a:r>
-          </a:p>
-          <a:p>
-            <a:pPr marL="285750" indent="-285750">
-              <a:lnSpc>
-                <a:spcPct val="90000"/>
-              </a:lnSpc>
-              <a:spcAft>
-                <a:spcPts val="600"/>
-              </a:spcAft>
-              <a:buFont typeface="Wingdings" charset="2"/>
-              <a:buChar char="q"/>
-            </a:pPr>
-            <a:r>
-              <a:rPr lang="en-US" dirty="0"/>
-              <a:t>Explain the value proposition of moving forward with a real implementation</a:t>
-            </a:r>
-          </a:p>
-          <a:p>
-            <a:pPr marL="742950" lvl="1" indent="-285750">
-              <a:lnSpc>
-                <a:spcPct val="90000"/>
-              </a:lnSpc>
-              <a:spcAft>
-                <a:spcPts val="600"/>
-              </a:spcAft>
-              <a:buFont typeface="Wingdings" charset="2"/>
-              <a:buChar char="q"/>
-            </a:pPr>
-            <a:r>
-              <a:rPr lang="en-US" dirty="0"/>
-              <a:t>Stress to stakeholders that a POC should </a:t>
-            </a:r>
-            <a:r>
-              <a:rPr lang="en-US" dirty="0" err="1"/>
-              <a:t>ot</a:t>
-            </a:r>
-            <a:r>
-              <a:rPr lang="en-US" dirty="0"/>
-              <a:t> be used in production</a:t>
-            </a:r>
-          </a:p>
-          <a:p>
-            <a:pPr marL="285750" indent="-285750">
-              <a:lnSpc>
-                <a:spcPct val="90000"/>
-              </a:lnSpc>
-              <a:spcAft>
-                <a:spcPts val="600"/>
-              </a:spcAft>
-              <a:buFont typeface="Wingdings" charset="2"/>
-              <a:buChar char="q"/>
-            </a:pPr>
-            <a:r>
-              <a:rPr lang="en-US" dirty="0"/>
-              <a:t>Upon agreeing to move to the production phase, create a plan to implement learnings from the POC, delivery schedule, and the cost of the production solution</a:t>
-            </a:r>
-          </a:p>
-        </p:txBody>
-      </p:sp>
-      <p:pic>
-        <p:nvPicPr>
-          <p:cNvPr id="3" name="Picture 2"/>
-          <p:cNvPicPr>
-            <a:picLocks noChangeAspect="1"/>
-          </p:cNvPicPr>
-          <p:nvPr/>
-        </p:nvPicPr>
-        <p:blipFill>
-          <a:blip r:embed="rId3"/>
-          <a:stretch>
-            <a:fillRect/>
-          </a:stretch>
-        </p:blipFill>
-        <p:spPr>
-          <a:xfrm>
-            <a:off x="466342" y="2947414"/>
-            <a:ext cx="1786129" cy="1786129"/>
-          </a:xfrm>
-          <a:prstGeom prst="rect">
-            <a:avLst/>
-          </a:prstGeom>
-        </p:spPr>
-      </p:pic>
-    </p:spTree>
-    <p:extLst>
-      <p:ext uri="{BB962C8B-B14F-4D97-AF65-F5344CB8AC3E}">
-        <p14:creationId xmlns:p14="http://schemas.microsoft.com/office/powerpoint/2010/main" val="2361099267"/>
-      </p:ext>
-    </p:extLst>
-  </p:cSld>
-  <p:clrMapOvr>
-    <a:masterClrMapping/>
-  </p:clrMapOvr>
-  <mc:AlternateContent xmlns:mc="http://schemas.openxmlformats.org/markup-compatibility/2006" xmlns:p14="http://schemas.microsoft.com/office/powerpoint/2010/main">
-    <mc:Choice Requires="p14">
-      <p:transition spd="med" p14:dur="700">
-        <p:fade/>
-      </p:transition>
-    </mc:Choice>
-    <mc:Fallback xmlns="">
-      <p:transition spd="med">
-        <p:fade/>
-      </p:transition>
+      <p:transition/>
     </mc:Fallback>
   </mc:AlternateContent>
 </p:sld>
@@ -25565,21 +23475,21 @@
 </file>
 
 <file path=customXml/item2.xml><?xml version="1.0" encoding="utf-8"?>
+<?mso-contentType ?>
+<FormTemplates xmlns="http://schemas.microsoft.com/sharepoint/v3/contenttype/forms">
+  <Display>DocumentLibraryForm</Display>
+  <Edit>DocumentLibraryForm</Edit>
+  <New>DocumentLibraryForm</New>
+</FormTemplates>
+</file>
+
+<file path=customXml/item3.xml><?xml version="1.0" encoding="utf-8"?>
 <p:properties xmlns:p="http://schemas.microsoft.com/office/2006/metadata/properties" xmlns:xsi="http://www.w3.org/2001/XMLSchema-instance" xmlns:pc="http://schemas.microsoft.com/office/infopath/2007/PartnerControls">
   <documentManagement>
     <_ip_UnifiedCompliancePolicyUIAction xmlns="http://schemas.microsoft.com/sharepoint/v3" xsi:nil="true"/>
     <_ip_UnifiedCompliancePolicyProperties xmlns="http://schemas.microsoft.com/sharepoint/v3" xsi:nil="true"/>
   </documentManagement>
 </p:properties>
-</file>
-
-<file path=customXml/item3.xml><?xml version="1.0" encoding="utf-8"?>
-<?mso-contentType ?>
-<FormTemplates xmlns="http://schemas.microsoft.com/sharepoint/v3/contenttype/forms">
-  <Display>DocumentLibraryForm</Display>
-  <Edit>DocumentLibraryForm</Edit>
-  <New>DocumentLibraryForm</New>
-</FormTemplates>
 </file>
 
 <file path=customXml/itemProps1.xml><?xml version="1.0" encoding="utf-8"?>
@@ -25603,6 +23513,14 @@
 </file>
 
 <file path=customXml/itemProps2.xml><?xml version="1.0" encoding="utf-8"?>
+<ds:datastoreItem xmlns:ds="http://schemas.openxmlformats.org/officeDocument/2006/customXml" ds:itemID="{F18501AF-04CF-4482-BAE1-607B49DDC378}">
+  <ds:schemaRefs>
+    <ds:schemaRef ds:uri="http://schemas.microsoft.com/sharepoint/v3/contenttype/forms"/>
+  </ds:schemaRefs>
+</ds:datastoreItem>
+</file>
+
+<file path=customXml/itemProps3.xml><?xml version="1.0" encoding="utf-8"?>
 <ds:datastoreItem xmlns:ds="http://schemas.openxmlformats.org/officeDocument/2006/customXml" ds:itemID="{BAF7D529-36AB-45DA-B239-2F912F2D1610}">
   <ds:schemaRefs>
     <ds:schemaRef ds:uri="http://purl.org/dc/elements/1.1/"/>
@@ -25618,12 +23536,4 @@
     <ds:schemaRef ds:uri="http://www.w3.org/XML/1998/namespace"/>
   </ds:schemaRefs>
 </ds:datastoreItem>
-</file>
-
-<file path=customXml/itemProps3.xml><?xml version="1.0" encoding="utf-8"?>
-<ds:datastoreItem xmlns:ds="http://schemas.openxmlformats.org/officeDocument/2006/customXml" ds:itemID="{F18501AF-04CF-4482-BAE1-607B49DDC378}">
-  <ds:schemaRefs>
-    <ds:schemaRef ds:uri="http://schemas.microsoft.com/sharepoint/v3/contenttype/forms"/>
-  </ds:schemaRefs>
-</ds:datastoreItem>
 </file>
--- a/Financial service modernization workshop/mastering-the-ads-deck.pptx
+++ b/Financial service modernization workshop/mastering-the-ads-deck.pptx
@@ -3260,7 +3260,7 @@
           <a:p>
             <a:fld id="{52A13B17-C506-4D51-BB37-16B365906619}" type="datetimeFigureOut">
               <a:rPr lang="en-US" smtClean="0"/>
-              <a:t>8/27/2018</a:t>
+              <a:t>8/28/2018</a:t>
             </a:fld>
             <a:endParaRPr lang="en-US"/>
           </a:p>
@@ -19967,7 +19967,7 @@
         <p:spPr>
           <a:xfrm>
             <a:off x="340285" y="1741246"/>
-            <a:ext cx="7247965" cy="1868204"/>
+            <a:ext cx="7247965" cy="2200602"/>
           </a:xfrm>
           <a:prstGeom prst="rect">
             <a:avLst/>
@@ -20009,7 +20009,21 @@
                 <a:latin typeface="Segoe UI Semilight" panose="020B0402040204020203" pitchFamily="34" charset="0"/>
                 <a:cs typeface="Segoe UI Semilight" panose="020B0402040204020203" pitchFamily="34" charset="0"/>
               </a:rPr>
-              <a:t>Facilitate discussion around top ADS tips &amp; tricks, leading to presentation on what makes a great ADS from requirements collection to architecture. </a:t>
+              <a:t>Facilitate discussion around top Architecture Design </a:t>
+            </a:r>
+            <a:r>
+              <a:rPr lang="en-US" sz="2400">
+                <a:latin typeface="Segoe UI Semilight" panose="020B0402040204020203" pitchFamily="34" charset="0"/>
+                <a:cs typeface="Segoe UI Semilight" panose="020B0402040204020203" pitchFamily="34" charset="0"/>
+              </a:rPr>
+              <a:t>Session (ADS) </a:t>
+            </a:r>
+            <a:r>
+              <a:rPr lang="en-US" sz="2400" dirty="0">
+                <a:latin typeface="Segoe UI Semilight" panose="020B0402040204020203" pitchFamily="34" charset="0"/>
+                <a:cs typeface="Segoe UI Semilight" panose="020B0402040204020203" pitchFamily="34" charset="0"/>
+              </a:rPr>
+              <a:t>tips &amp; tricks, leading to presentation on what makes a great ADS from requirements collection to architecture. </a:t>
             </a:r>
             <a:endParaRPr lang="en-US" sz="2400" dirty="0"/>
           </a:p>
@@ -23273,6 +23287,15 @@
 </file>
 
 <file path=customXml/item1.xml><?xml version="1.0" encoding="utf-8"?>
+<?mso-contentType ?>
+<FormTemplates xmlns="http://schemas.microsoft.com/sharepoint/v3/contenttype/forms">
+  <Display>DocumentLibraryForm</Display>
+  <Edit>DocumentLibraryForm</Edit>
+  <New>DocumentLibraryForm</New>
+</FormTemplates>
+</file>
+
+<file path=customXml/item2.xml><?xml version="1.0" encoding="utf-8"?>
 <ct:contentTypeSchema xmlns:ct="http://schemas.microsoft.com/office/2006/metadata/contentType" xmlns:ma="http://schemas.microsoft.com/office/2006/metadata/properties/metaAttributes" ct:_="" ma:_="" ma:contentTypeName="Document" ma:contentTypeID="0x010100D15DFA3690A15B4081582BBCC6BEAC3E" ma:contentTypeVersion="9" ma:contentTypeDescription="Create a new document." ma:contentTypeScope="" ma:versionID="642da1784587cbe85a7fdbbe4dc36103">
   <xsd:schema xmlns:xsd="http://www.w3.org/2001/XMLSchema" xmlns:xs="http://www.w3.org/2001/XMLSchema" xmlns:p="http://schemas.microsoft.com/office/2006/metadata/properties" xmlns:ns1="http://schemas.microsoft.com/sharepoint/v3" xmlns:ns2="2023ac63-7b75-4916-a9ee-591457758eee" xmlns:ns3="d9c797ad-d7c3-4982-82b7-81352a75e4a5" targetNamespace="http://schemas.microsoft.com/office/2006/metadata/properties" ma:root="true" ma:fieldsID="91198b0246576053cc55dd2c67035a89" ns1:_="" ns2:_="" ns3:_="">
     <xsd:import namespace="http://schemas.microsoft.com/sharepoint/v3"/>
@@ -23474,15 +23497,6 @@
 </ct:contentTypeSchema>
 </file>
 
-<file path=customXml/item2.xml><?xml version="1.0" encoding="utf-8"?>
-<?mso-contentType ?>
-<FormTemplates xmlns="http://schemas.microsoft.com/sharepoint/v3/contenttype/forms">
-  <Display>DocumentLibraryForm</Display>
-  <Edit>DocumentLibraryForm</Edit>
-  <New>DocumentLibraryForm</New>
-</FormTemplates>
-</file>
-
 <file path=customXml/item3.xml><?xml version="1.0" encoding="utf-8"?>
 <p:properties xmlns:p="http://schemas.microsoft.com/office/2006/metadata/properties" xmlns:xsi="http://www.w3.org/2001/XMLSchema-instance" xmlns:pc="http://schemas.microsoft.com/office/infopath/2007/PartnerControls">
   <documentManagement>
@@ -23493,6 +23507,14 @@
 </file>
 
 <file path=customXml/itemProps1.xml><?xml version="1.0" encoding="utf-8"?>
+<ds:datastoreItem xmlns:ds="http://schemas.openxmlformats.org/officeDocument/2006/customXml" ds:itemID="{F18501AF-04CF-4482-BAE1-607B49DDC378}">
+  <ds:schemaRefs>
+    <ds:schemaRef ds:uri="http://schemas.microsoft.com/sharepoint/v3/contenttype/forms"/>
+  </ds:schemaRefs>
+</ds:datastoreItem>
+</file>
+
+<file path=customXml/itemProps2.xml><?xml version="1.0" encoding="utf-8"?>
 <ds:datastoreItem xmlns:ds="http://schemas.openxmlformats.org/officeDocument/2006/customXml" ds:itemID="{255F5BEB-6AD6-480A-8556-C80C5EBC10F2}">
   <ds:schemaRefs>
     <ds:schemaRef ds:uri="http://schemas.microsoft.com/office/2006/metadata/contentType"/>
@@ -23508,14 +23530,6 @@
     <ds:schemaRef ds:uri="http://purl.org/dc/elements/1.1/"/>
     <ds:schemaRef ds:uri="http://purl.org/dc/terms/"/>
     <ds:schemaRef ds:uri="http://schemas.microsoft.com/internal/obd"/>
-  </ds:schemaRefs>
-</ds:datastoreItem>
-</file>
-
-<file path=customXml/itemProps2.xml><?xml version="1.0" encoding="utf-8"?>
-<ds:datastoreItem xmlns:ds="http://schemas.openxmlformats.org/officeDocument/2006/customXml" ds:itemID="{F18501AF-04CF-4482-BAE1-607B49DDC378}">
-  <ds:schemaRefs>
-    <ds:schemaRef ds:uri="http://schemas.microsoft.com/sharepoint/v3/contenttype/forms"/>
   </ds:schemaRefs>
 </ds:datastoreItem>
 </file>
